--- a/Problema 7 - Legauss.pptx
+++ b/Problema 7 - Legauss.pptx
@@ -146,6 +146,73 @@
     </p:extLst>
   </p:cmAuthor>
 </p:cmAuthorLst>
+</file>
+
+<file path=ppt/changesInfos/changesInfo1.xml><?xml version="1.0" encoding="utf-8"?>
+<pc:chgInfo xmlns:a="http://schemas.openxmlformats.org/drawingml/2006/main" xmlns:r="http://schemas.openxmlformats.org/officeDocument/2006/relationships" xmlns:ac="http://schemas.microsoft.com/office/drawing/2013/main/command" xmlns:pc="http://schemas.microsoft.com/office/powerpoint/2013/main/command">
+  <pc:docChgLst>
+    <pc:chgData name="Mateus Maciel Vivaldi" userId="e7a01b2c0ff13c9a" providerId="LiveId" clId="{0375F70B-51BA-431D-BD04-27A4823D0AAD}"/>
+    <pc:docChg chg="modSld">
+      <pc:chgData name="Mateus Maciel Vivaldi" userId="e7a01b2c0ff13c9a" providerId="LiveId" clId="{0375F70B-51BA-431D-BD04-27A4823D0AAD}" dt="2022-05-17T22:55:49.940" v="8" actId="166"/>
+      <pc:docMkLst>
+        <pc:docMk/>
+      </pc:docMkLst>
+      <pc:sldChg chg="modSp mod">
+        <pc:chgData name="Mateus Maciel Vivaldi" userId="e7a01b2c0ff13c9a" providerId="LiveId" clId="{0375F70B-51BA-431D-BD04-27A4823D0AAD}" dt="2022-05-17T22:53:45.898" v="4" actId="14100"/>
+        <pc:sldMkLst>
+          <pc:docMk/>
+          <pc:sldMk cId="1581514612" sldId="325"/>
+        </pc:sldMkLst>
+        <pc:spChg chg="mod">
+          <ac:chgData name="Mateus Maciel Vivaldi" userId="e7a01b2c0ff13c9a" providerId="LiveId" clId="{0375F70B-51BA-431D-BD04-27A4823D0AAD}" dt="2022-05-17T22:53:45.898" v="4" actId="14100"/>
+          <ac:spMkLst>
+            <pc:docMk/>
+            <pc:sldMk cId="1581514612" sldId="325"/>
+            <ac:spMk id="23" creationId="{1E85245B-D4D9-402D-9AAD-BAEFB50FA421}"/>
+          </ac:spMkLst>
+        </pc:spChg>
+      </pc:sldChg>
+      <pc:sldChg chg="modSp mod">
+        <pc:chgData name="Mateus Maciel Vivaldi" userId="e7a01b2c0ff13c9a" providerId="LiveId" clId="{0375F70B-51BA-431D-BD04-27A4823D0AAD}" dt="2022-05-17T22:55:49.940" v="8" actId="166"/>
+        <pc:sldMkLst>
+          <pc:docMk/>
+          <pc:sldMk cId="1583916750" sldId="331"/>
+        </pc:sldMkLst>
+        <pc:grpChg chg="mod">
+          <ac:chgData name="Mateus Maciel Vivaldi" userId="e7a01b2c0ff13c9a" providerId="LiveId" clId="{0375F70B-51BA-431D-BD04-27A4823D0AAD}" dt="2022-05-17T22:55:46.770" v="7" actId="1076"/>
+          <ac:grpSpMkLst>
+            <pc:docMk/>
+            <pc:sldMk cId="1583916750" sldId="331"/>
+            <ac:grpSpMk id="16" creationId="{CDC66D83-FDDD-4450-8D22-381716F48440}"/>
+          </ac:grpSpMkLst>
+        </pc:grpChg>
+        <pc:picChg chg="ord">
+          <ac:chgData name="Mateus Maciel Vivaldi" userId="e7a01b2c0ff13c9a" providerId="LiveId" clId="{0375F70B-51BA-431D-BD04-27A4823D0AAD}" dt="2022-05-17T22:55:49.940" v="8" actId="166"/>
+          <ac:picMkLst>
+            <pc:docMk/>
+            <pc:sldMk cId="1583916750" sldId="331"/>
+            <ac:picMk id="18" creationId="{739AD32B-5FAC-4745-B349-3EDFA859EECD}"/>
+          </ac:picMkLst>
+        </pc:picChg>
+      </pc:sldChg>
+      <pc:sldChg chg="modSp mod">
+        <pc:chgData name="Mateus Maciel Vivaldi" userId="e7a01b2c0ff13c9a" providerId="LiveId" clId="{0375F70B-51BA-431D-BD04-27A4823D0AAD}" dt="2022-05-17T22:53:55.365" v="5" actId="14100"/>
+        <pc:sldMkLst>
+          <pc:docMk/>
+          <pc:sldMk cId="2909073518" sldId="335"/>
+        </pc:sldMkLst>
+        <pc:spChg chg="mod">
+          <ac:chgData name="Mateus Maciel Vivaldi" userId="e7a01b2c0ff13c9a" providerId="LiveId" clId="{0375F70B-51BA-431D-BD04-27A4823D0AAD}" dt="2022-05-17T22:53:55.365" v="5" actId="14100"/>
+          <ac:spMkLst>
+            <pc:docMk/>
+            <pc:sldMk cId="2909073518" sldId="335"/>
+            <ac:spMk id="3" creationId="{600A588D-0A77-420E-9734-BAF4C31B3458}"/>
+          </ac:spMkLst>
+        </pc:spChg>
+      </pc:sldChg>
+    </pc:docChg>
+  </pc:docChgLst>
+</pc:chgInfo>
 </file>
 
 <file path=ppt/notesMasters/notesMaster1.xml><?xml version="1.0" encoding="utf-8"?>
@@ -5200,8 +5267,8 @@
           </p:sp>
         </mc:Fallback>
       </mc:AlternateContent>
-      <mc:AlternateContent xmlns:mc="http://schemas.openxmlformats.org/markup-compatibility/2006">
-        <mc:Choice xmlns:a14="http://schemas.microsoft.com/office/drawing/2010/main" Requires="a14">
+      <mc:AlternateContent xmlns:mc="http://schemas.openxmlformats.org/markup-compatibility/2006" xmlns:a14="http://schemas.microsoft.com/office/drawing/2010/main">
+        <mc:Choice Requires="a14">
           <p:sp>
             <p:nvSpPr>
               <p:cNvPr id="13" name="CaixaDeTexto 12">
@@ -5270,7 +5337,7 @@
             </p:txBody>
           </p:sp>
         </mc:Choice>
-        <mc:Fallback>
+        <mc:Fallback xmlns="">
           <p:sp>
             <p:nvSpPr>
               <p:cNvPr id="13" name="CaixaDeTexto 12">
@@ -5370,8 +5437,8 @@
           </a:p>
         </p:txBody>
       </p:sp>
-      <mc:AlternateContent xmlns:mc="http://schemas.openxmlformats.org/markup-compatibility/2006">
-        <mc:Choice xmlns:a14="http://schemas.microsoft.com/office/drawing/2010/main" Requires="a14">
+      <mc:AlternateContent xmlns:mc="http://schemas.openxmlformats.org/markup-compatibility/2006" xmlns:a14="http://schemas.microsoft.com/office/drawing/2010/main">
+        <mc:Choice Requires="a14">
           <p:sp>
             <p:nvSpPr>
               <p:cNvPr id="16" name="CaixaDeTexto 15">
@@ -5440,7 +5507,7 @@
             </p:txBody>
           </p:sp>
         </mc:Choice>
-        <mc:Fallback>
+        <mc:Fallback xmlns="">
           <p:sp>
             <p:nvSpPr>
               <p:cNvPr id="16" name="CaixaDeTexto 15">
@@ -5712,8 +5779,8 @@
         </p:nvSpPr>
         <p:spPr>
           <a:xfrm>
-            <a:off x="0" y="997753"/>
-            <a:ext cx="6614583" cy="461665"/>
+            <a:off x="91441" y="997174"/>
+            <a:ext cx="6652898" cy="461665"/>
           </a:xfrm>
           <a:prstGeom prst="rect">
             <a:avLst/>
@@ -5727,7 +5794,10 @@
           <a:lstStyle/>
           <a:p>
             <a:r>
-              <a:rPr lang="pt-BR" sz="2400" u="sng" dirty="0">
+              <a:rPr lang="pt-BR" sz="2400" b="1" u="sng" dirty="0">
+                <a:solidFill>
+                  <a:srgbClr val="384456"/>
+                </a:solidFill>
                 <a:latin typeface="+mj-lt"/>
               </a:rPr>
               <a:t>O fenômeno</a:t>
@@ -6530,8 +6600,8 @@
         </p:nvSpPr>
         <p:spPr>
           <a:xfrm>
-            <a:off x="74084" y="1020306"/>
-            <a:ext cx="6614583" cy="461665"/>
+            <a:off x="91440" y="992874"/>
+            <a:ext cx="6597227" cy="461665"/>
           </a:xfrm>
           <a:prstGeom prst="rect">
             <a:avLst/>
@@ -7262,7 +7332,7 @@
         </p:nvGrpSpPr>
         <p:grpSpPr>
           <a:xfrm>
-            <a:off x="1404883" y="2598399"/>
+            <a:off x="1286011" y="2726415"/>
             <a:ext cx="1857204" cy="1101972"/>
             <a:chOff x="957685" y="2651205"/>
             <a:chExt cx="1857204" cy="1101972"/>
@@ -7846,8 +7916,8 @@
           </a:p>
         </p:txBody>
       </p:sp>
-      <mc:AlternateContent xmlns:mc="http://schemas.openxmlformats.org/markup-compatibility/2006">
-        <mc:Choice xmlns:a14="http://schemas.microsoft.com/office/drawing/2010/main" Requires="a14">
+      <mc:AlternateContent xmlns:mc="http://schemas.openxmlformats.org/markup-compatibility/2006" xmlns:a14="http://schemas.microsoft.com/office/drawing/2010/main">
+        <mc:Choice Requires="a14">
           <p:sp>
             <p:nvSpPr>
               <p:cNvPr id="14" name="CaixaDeTexto 13">
@@ -8307,7 +8377,7 @@
             </p:txBody>
           </p:sp>
         </mc:Choice>
-        <mc:Fallback>
+        <mc:Fallback xmlns="">
           <p:sp>
             <p:nvSpPr>
               <p:cNvPr id="14" name="CaixaDeTexto 13">
@@ -9182,8 +9252,8 @@
           </p:sp>
         </mc:Fallback>
       </mc:AlternateContent>
-      <mc:AlternateContent xmlns:mc="http://schemas.openxmlformats.org/markup-compatibility/2006">
-        <mc:Choice xmlns:a14="http://schemas.microsoft.com/office/drawing/2010/main" Requires="a14">
+      <mc:AlternateContent xmlns:mc="http://schemas.openxmlformats.org/markup-compatibility/2006" xmlns:a14="http://schemas.microsoft.com/office/drawing/2010/main">
+        <mc:Choice Requires="a14">
           <p:sp>
             <p:nvSpPr>
               <p:cNvPr id="5" name="CaixaDeTexto 4">
@@ -9212,6 +9282,7 @@
               </a:bodyPr>
               <a:lstStyle/>
               <a:p>
+                <a:pPr/>
                 <a14:m>
                   <m:oMathPara xmlns:m="http://schemas.openxmlformats.org/officeDocument/2006/math">
                     <m:oMathParaPr>
@@ -9519,7 +9590,7 @@
             </p:txBody>
           </p:sp>
         </mc:Choice>
-        <mc:Fallback>
+        <mc:Fallback xmlns="">
           <p:sp>
             <p:nvSpPr>
               <p:cNvPr id="5" name="CaixaDeTexto 4">
@@ -10513,8 +10584,8 @@
           </a:p>
         </p:txBody>
       </p:sp>
-      <mc:AlternateContent xmlns:mc="http://schemas.openxmlformats.org/markup-compatibility/2006">
-        <mc:Choice xmlns:a14="http://schemas.microsoft.com/office/drawing/2010/main" Requires="a14">
+      <mc:AlternateContent xmlns:mc="http://schemas.openxmlformats.org/markup-compatibility/2006" xmlns:a14="http://schemas.microsoft.com/office/drawing/2010/main">
+        <mc:Choice Requires="a14">
           <p:sp>
             <p:nvSpPr>
               <p:cNvPr id="9" name="CaixaDeTexto 8">
@@ -10850,7 +10921,7 @@
             </p:txBody>
           </p:sp>
         </mc:Choice>
-        <mc:Fallback>
+        <mc:Fallback xmlns="">
           <p:sp>
             <p:nvSpPr>
               <p:cNvPr id="9" name="CaixaDeTexto 8">
@@ -11862,8 +11933,8 @@
           </a:p>
         </p:txBody>
       </p:sp>
-      <mc:AlternateContent xmlns:mc="http://schemas.openxmlformats.org/markup-compatibility/2006">
-        <mc:Choice xmlns:a14="http://schemas.microsoft.com/office/drawing/2010/main" Requires="a14">
+      <mc:AlternateContent xmlns:mc="http://schemas.openxmlformats.org/markup-compatibility/2006" xmlns:a14="http://schemas.microsoft.com/office/drawing/2010/main">
+        <mc:Choice Requires="a14">
           <p:sp>
             <p:nvSpPr>
               <p:cNvPr id="10" name="CaixaDeTexto 9">
@@ -12315,7 +12386,7 @@
             </p:txBody>
           </p:sp>
         </mc:Choice>
-        <mc:Fallback>
+        <mc:Fallback xmlns="">
           <p:sp>
             <p:nvSpPr>
               <p:cNvPr id="10" name="CaixaDeTexto 9">
@@ -12395,8 +12466,8 @@
           </a:p>
         </p:txBody>
       </p:sp>
-      <mc:AlternateContent xmlns:mc="http://schemas.openxmlformats.org/markup-compatibility/2006">
-        <mc:Choice xmlns:a14="http://schemas.microsoft.com/office/drawing/2010/main" Requires="a14">
+      <mc:AlternateContent xmlns:mc="http://schemas.openxmlformats.org/markup-compatibility/2006" xmlns:a14="http://schemas.microsoft.com/office/drawing/2010/main">
+        <mc:Choice Requires="a14">
           <p:sp>
             <p:nvSpPr>
               <p:cNvPr id="13" name="CaixaDeTexto 12">
@@ -13042,7 +13113,7 @@
             </p:txBody>
           </p:sp>
         </mc:Choice>
-        <mc:Fallback>
+        <mc:Fallback xmlns="">
           <p:sp>
             <p:nvSpPr>
               <p:cNvPr id="13" name="CaixaDeTexto 12">
@@ -13087,8 +13158,8 @@
           </p:sp>
         </mc:Fallback>
       </mc:AlternateContent>
-      <mc:AlternateContent xmlns:mc="http://schemas.openxmlformats.org/markup-compatibility/2006">
-        <mc:Choice xmlns:a14="http://schemas.microsoft.com/office/drawing/2010/main" Requires="a14">
+      <mc:AlternateContent xmlns:mc="http://schemas.openxmlformats.org/markup-compatibility/2006" xmlns:a14="http://schemas.microsoft.com/office/drawing/2010/main">
+        <mc:Choice Requires="a14">
           <p:sp>
             <p:nvSpPr>
               <p:cNvPr id="15" name="CaixaDeTexto 14">
@@ -13690,7 +13761,7 @@
             </p:txBody>
           </p:sp>
         </mc:Choice>
-        <mc:Fallback>
+        <mc:Fallback xmlns="">
           <p:sp>
             <p:nvSpPr>
               <p:cNvPr id="15" name="CaixaDeTexto 14">
@@ -14247,8 +14318,8 @@
           </a:p>
         </p:txBody>
       </p:sp>
-      <mc:AlternateContent xmlns:mc="http://schemas.openxmlformats.org/markup-compatibility/2006">
-        <mc:Choice xmlns:a14="http://schemas.microsoft.com/office/drawing/2010/main" Requires="a14">
+      <mc:AlternateContent xmlns:mc="http://schemas.openxmlformats.org/markup-compatibility/2006" xmlns:a14="http://schemas.microsoft.com/office/drawing/2010/main">
+        <mc:Choice Requires="a14">
           <p:sp>
             <p:nvSpPr>
               <p:cNvPr id="7" name="CaixaDeTexto 6">
@@ -15114,7 +15185,7 @@
             </p:txBody>
           </p:sp>
         </mc:Choice>
-        <mc:Fallback>
+        <mc:Fallback xmlns="">
           <p:sp>
             <p:nvSpPr>
               <p:cNvPr id="7" name="CaixaDeTexto 6">
@@ -15159,8 +15230,8 @@
           </p:sp>
         </mc:Fallback>
       </mc:AlternateContent>
-      <mc:AlternateContent xmlns:mc="http://schemas.openxmlformats.org/markup-compatibility/2006">
-        <mc:Choice xmlns:a14="http://schemas.microsoft.com/office/drawing/2010/main" Requires="a14">
+      <mc:AlternateContent xmlns:mc="http://schemas.openxmlformats.org/markup-compatibility/2006" xmlns:a14="http://schemas.microsoft.com/office/drawing/2010/main">
+        <mc:Choice Requires="a14">
           <p:sp>
             <p:nvSpPr>
               <p:cNvPr id="9" name="CaixaDeTexto 8">
@@ -15625,7 +15696,7 @@
             </p:txBody>
           </p:sp>
         </mc:Choice>
-        <mc:Fallback>
+        <mc:Fallback xmlns="">
           <p:sp>
             <p:nvSpPr>
               <p:cNvPr id="9" name="CaixaDeTexto 8">
@@ -15670,8 +15741,8 @@
           </p:sp>
         </mc:Fallback>
       </mc:AlternateContent>
-      <mc:AlternateContent xmlns:mc="http://schemas.openxmlformats.org/markup-compatibility/2006">
-        <mc:Choice xmlns:a14="http://schemas.microsoft.com/office/drawing/2010/main" Requires="a14">
+      <mc:AlternateContent xmlns:mc="http://schemas.openxmlformats.org/markup-compatibility/2006" xmlns:a14="http://schemas.microsoft.com/office/drawing/2010/main">
+        <mc:Choice Requires="a14">
           <p:sp>
             <p:nvSpPr>
               <p:cNvPr id="11" name="CaixaDeTexto 10">
@@ -16487,7 +16558,7 @@
             </p:txBody>
           </p:sp>
         </mc:Choice>
-        <mc:Fallback>
+        <mc:Fallback xmlns="">
           <p:sp>
             <p:nvSpPr>
               <p:cNvPr id="11" name="CaixaDeTexto 10">
@@ -16532,8 +16603,8 @@
           </p:sp>
         </mc:Fallback>
       </mc:AlternateContent>
-      <mc:AlternateContent xmlns:mc="http://schemas.openxmlformats.org/markup-compatibility/2006">
-        <mc:Choice xmlns:a14="http://schemas.microsoft.com/office/drawing/2010/main" Requires="a14">
+      <mc:AlternateContent xmlns:mc="http://schemas.openxmlformats.org/markup-compatibility/2006" xmlns:a14="http://schemas.microsoft.com/office/drawing/2010/main">
+        <mc:Choice Requires="a14">
           <p:sp>
             <p:nvSpPr>
               <p:cNvPr id="12" name="CaixaDeTexto 11">
@@ -17317,7 +17388,7 @@
             </p:txBody>
           </p:sp>
         </mc:Choice>
-        <mc:Fallback>
+        <mc:Fallback xmlns="">
           <p:sp>
             <p:nvSpPr>
               <p:cNvPr id="12" name="CaixaDeTexto 11">

--- a/Problema 7 - Legauss.pptx
+++ b/Problema 7 - Legauss.pptx
@@ -5,7 +5,7 @@
     <p:sldMasterId id="2147483684" r:id="rId1"/>
   </p:sldMasterIdLst>
   <p:notesMasterIdLst>
-    <p:notesMasterId r:id="rId13"/>
+    <p:notesMasterId r:id="rId14"/>
   </p:notesMasterIdLst>
   <p:sldIdLst>
     <p:sldId id="329" r:id="rId2"/>
@@ -15,10 +15,11 @@
     <p:sldId id="330" r:id="rId6"/>
     <p:sldId id="334" r:id="rId7"/>
     <p:sldId id="336" r:id="rId8"/>
-    <p:sldId id="327" r:id="rId9"/>
-    <p:sldId id="328" r:id="rId10"/>
-    <p:sldId id="337" r:id="rId11"/>
-    <p:sldId id="338" r:id="rId12"/>
+    <p:sldId id="339" r:id="rId9"/>
+    <p:sldId id="327" r:id="rId10"/>
+    <p:sldId id="328" r:id="rId11"/>
+    <p:sldId id="337" r:id="rId12"/>
+    <p:sldId id="338" r:id="rId13"/>
   </p:sldIdLst>
   <p:sldSz cx="9144000" cy="6858000" type="screen4x3"/>
   <p:notesSz cx="6858000" cy="9144000"/>
@@ -148,12 +149,20 @@
 </p:cmAuthorLst>
 </file>
 
+<file path=ppt/revisionInfo.xml><?xml version="1.0" encoding="utf-8"?>
+<p1510:revInfo xmlns:a="http://schemas.openxmlformats.org/drawingml/2006/main" xmlns:r="http://schemas.openxmlformats.org/officeDocument/2006/relationships" xmlns:p1510="http://schemas.microsoft.com/office/powerpoint/2015/10/main">
+  <p1510:revLst>
+    <p1510:client id="{0375F70B-51BA-431D-BD04-27A4823D0AAD}" v="215" dt="2022-05-19T02:02:05.558"/>
+  </p1510:revLst>
+</p1510:revInfo>
+</file>
+
 <file path=ppt/changesInfos/changesInfo1.xml><?xml version="1.0" encoding="utf-8"?>
 <pc:chgInfo xmlns:a="http://schemas.openxmlformats.org/drawingml/2006/main" xmlns:r="http://schemas.openxmlformats.org/officeDocument/2006/relationships" xmlns:ac="http://schemas.microsoft.com/office/drawing/2013/main/command" xmlns:pc="http://schemas.microsoft.com/office/powerpoint/2013/main/command">
   <pc:docChgLst>
     <pc:chgData name="Mateus Maciel Vivaldi" userId="e7a01b2c0ff13c9a" providerId="LiveId" clId="{0375F70B-51BA-431D-BD04-27A4823D0AAD}"/>
-    <pc:docChg chg="modSld">
-      <pc:chgData name="Mateus Maciel Vivaldi" userId="e7a01b2c0ff13c9a" providerId="LiveId" clId="{0375F70B-51BA-431D-BD04-27A4823D0AAD}" dt="2022-05-17T22:55:49.940" v="8" actId="166"/>
+    <pc:docChg chg="undo custSel addSld modSld">
+      <pc:chgData name="Mateus Maciel Vivaldi" userId="e7a01b2c0ff13c9a" providerId="LiveId" clId="{0375F70B-51BA-431D-BD04-27A4823D0AAD}" dt="2022-05-19T02:02:50.185" v="376" actId="9405"/>
       <pc:docMkLst>
         <pc:docMk/>
       </pc:docMkLst>
@@ -210,9 +219,692 @@
           </ac:spMkLst>
         </pc:spChg>
       </pc:sldChg>
+      <pc:sldChg chg="addSp delSp modSp new mod">
+        <pc:chgData name="Mateus Maciel Vivaldi" userId="e7a01b2c0ff13c9a" providerId="LiveId" clId="{0375F70B-51BA-431D-BD04-27A4823D0AAD}" dt="2022-05-19T02:02:50.185" v="376" actId="9405"/>
+        <pc:sldMkLst>
+          <pc:docMk/>
+          <pc:sldMk cId="1238154079" sldId="339"/>
+        </pc:sldMkLst>
+        <pc:spChg chg="add mod">
+          <ac:chgData name="Mateus Maciel Vivaldi" userId="e7a01b2c0ff13c9a" providerId="LiveId" clId="{0375F70B-51BA-431D-BD04-27A4823D0AAD}" dt="2022-05-19T01:41:26.540" v="41" actId="20577"/>
+          <ac:spMkLst>
+            <pc:docMk/>
+            <pc:sldMk cId="1238154079" sldId="339"/>
+            <ac:spMk id="3" creationId="{A79518A3-BD3C-6050-6562-1CE7F6C2B033}"/>
+          </ac:spMkLst>
+        </pc:spChg>
+        <pc:spChg chg="add mod">
+          <ac:chgData name="Mateus Maciel Vivaldi" userId="e7a01b2c0ff13c9a" providerId="LiveId" clId="{0375F70B-51BA-431D-BD04-27A4823D0AAD}" dt="2022-05-19T02:01:38.568" v="367" actId="115"/>
+          <ac:spMkLst>
+            <pc:docMk/>
+            <pc:sldMk cId="1238154079" sldId="339"/>
+            <ac:spMk id="8" creationId="{730C80B3-C775-DA31-0D1E-49E62A8B04DB}"/>
+          </ac:spMkLst>
+        </pc:spChg>
+        <pc:spChg chg="add mod">
+          <ac:chgData name="Mateus Maciel Vivaldi" userId="e7a01b2c0ff13c9a" providerId="LiveId" clId="{0375F70B-51BA-431D-BD04-27A4823D0AAD}" dt="2022-05-19T02:01:38.568" v="367" actId="115"/>
+          <ac:spMkLst>
+            <pc:docMk/>
+            <pc:sldMk cId="1238154079" sldId="339"/>
+            <ac:spMk id="9" creationId="{4EF698B2-7236-2735-91D9-70141F79EF38}"/>
+          </ac:spMkLst>
+        </pc:spChg>
+        <pc:spChg chg="add mod">
+          <ac:chgData name="Mateus Maciel Vivaldi" userId="e7a01b2c0ff13c9a" providerId="LiveId" clId="{0375F70B-51BA-431D-BD04-27A4823D0AAD}" dt="2022-05-19T01:58:40.816" v="340" actId="113"/>
+          <ac:spMkLst>
+            <pc:docMk/>
+            <pc:sldMk cId="1238154079" sldId="339"/>
+            <ac:spMk id="16" creationId="{B2DD54D2-1630-BF1A-D09F-C4BC70B0CF10}"/>
+          </ac:spMkLst>
+        </pc:spChg>
+        <pc:spChg chg="add mod">
+          <ac:chgData name="Mateus Maciel Vivaldi" userId="e7a01b2c0ff13c9a" providerId="LiveId" clId="{0375F70B-51BA-431D-BD04-27A4823D0AAD}" dt="2022-05-19T01:58:48.052" v="342" actId="113"/>
+          <ac:spMkLst>
+            <pc:docMk/>
+            <pc:sldMk cId="1238154079" sldId="339"/>
+            <ac:spMk id="17" creationId="{0BDEC982-7869-1A8D-041A-BDBD671F3E91}"/>
+          </ac:spMkLst>
+        </pc:spChg>
+        <pc:grpChg chg="mod">
+          <ac:chgData name="Mateus Maciel Vivaldi" userId="e7a01b2c0ff13c9a" providerId="LiveId" clId="{0375F70B-51BA-431D-BD04-27A4823D0AAD}" dt="2022-05-19T01:48:50.734" v="108"/>
+          <ac:grpSpMkLst>
+            <pc:docMk/>
+            <pc:sldMk cId="1238154079" sldId="339"/>
+            <ac:grpSpMk id="14" creationId="{76795F08-0590-B70A-B345-46899A7B05D4}"/>
+          </ac:grpSpMkLst>
+        </pc:grpChg>
+        <pc:grpChg chg="mod">
+          <ac:chgData name="Mateus Maciel Vivaldi" userId="e7a01b2c0ff13c9a" providerId="LiveId" clId="{0375F70B-51BA-431D-BD04-27A4823D0AAD}" dt="2022-05-19T01:58:04.743" v="331"/>
+          <ac:grpSpMkLst>
+            <pc:docMk/>
+            <pc:sldMk cId="1238154079" sldId="339"/>
+            <ac:grpSpMk id="35" creationId="{3E6F576A-7D42-5E02-E79D-C2311E6BCD35}"/>
+          </ac:grpSpMkLst>
+        </pc:grpChg>
+        <pc:grpChg chg="del mod">
+          <ac:chgData name="Mateus Maciel Vivaldi" userId="e7a01b2c0ff13c9a" providerId="LiveId" clId="{0375F70B-51BA-431D-BD04-27A4823D0AAD}" dt="2022-05-19T02:02:05.558" v="374"/>
+          <ac:grpSpMkLst>
+            <pc:docMk/>
+            <pc:sldMk cId="1238154079" sldId="339"/>
+            <ac:grpSpMk id="39" creationId="{D9C4A810-287A-CAF5-C179-85C44FC01E09}"/>
+          </ac:grpSpMkLst>
+        </pc:grpChg>
+        <pc:grpChg chg="mod">
+          <ac:chgData name="Mateus Maciel Vivaldi" userId="e7a01b2c0ff13c9a" providerId="LiveId" clId="{0375F70B-51BA-431D-BD04-27A4823D0AAD}" dt="2022-05-19T02:02:05.558" v="374"/>
+          <ac:grpSpMkLst>
+            <pc:docMk/>
+            <pc:sldMk cId="1238154079" sldId="339"/>
+            <ac:grpSpMk id="41" creationId="{EEF9EF10-EBF8-B6B3-E7C1-8DF273F951F6}"/>
+          </ac:grpSpMkLst>
+        </pc:grpChg>
+        <pc:picChg chg="add mod">
+          <ac:chgData name="Mateus Maciel Vivaldi" userId="e7a01b2c0ff13c9a" providerId="LiveId" clId="{0375F70B-51BA-431D-BD04-27A4823D0AAD}" dt="2022-05-19T02:00:49.919" v="361" actId="1076"/>
+          <ac:picMkLst>
+            <pc:docMk/>
+            <pc:sldMk cId="1238154079" sldId="339"/>
+            <ac:picMk id="5" creationId="{A7DDEA17-5FE9-59C6-566B-E26C1A6EEB3D}"/>
+          </ac:picMkLst>
+        </pc:picChg>
+        <pc:picChg chg="add mod">
+          <ac:chgData name="Mateus Maciel Vivaldi" userId="e7a01b2c0ff13c9a" providerId="LiveId" clId="{0375F70B-51BA-431D-BD04-27A4823D0AAD}" dt="2022-05-19T02:00:39.785" v="360" actId="1076"/>
+          <ac:picMkLst>
+            <pc:docMk/>
+            <pc:sldMk cId="1238154079" sldId="339"/>
+            <ac:picMk id="7" creationId="{41B7E1A9-24F5-E786-A15A-68AD8EC19A3C}"/>
+          </ac:picMkLst>
+        </pc:picChg>
+        <pc:inkChg chg="add">
+          <ac:chgData name="Mateus Maciel Vivaldi" userId="e7a01b2c0ff13c9a" providerId="LiveId" clId="{0375F70B-51BA-431D-BD04-27A4823D0AAD}" dt="2022-05-19T01:48:22.340" v="101" actId="9405"/>
+          <ac:inkMkLst>
+            <pc:docMk/>
+            <pc:sldMk cId="1238154079" sldId="339"/>
+            <ac:inkMk id="10" creationId="{424CD4C3-7C87-A97E-9770-BC8ED5E54DFB}"/>
+          </ac:inkMkLst>
+        </pc:inkChg>
+        <pc:inkChg chg="add del">
+          <ac:chgData name="Mateus Maciel Vivaldi" userId="e7a01b2c0ff13c9a" providerId="LiveId" clId="{0375F70B-51BA-431D-BD04-27A4823D0AAD}" dt="2022-05-19T01:48:35.894" v="103" actId="9405"/>
+          <ac:inkMkLst>
+            <pc:docMk/>
+            <pc:sldMk cId="1238154079" sldId="339"/>
+            <ac:inkMk id="11" creationId="{581160FD-8FCE-DEB2-1AF0-1E17D972F055}"/>
+          </ac:inkMkLst>
+        </pc:inkChg>
+        <pc:inkChg chg="add del mod">
+          <ac:chgData name="Mateus Maciel Vivaldi" userId="e7a01b2c0ff13c9a" providerId="LiveId" clId="{0375F70B-51BA-431D-BD04-27A4823D0AAD}" dt="2022-05-19T01:48:51.610" v="109" actId="9405"/>
+          <ac:inkMkLst>
+            <pc:docMk/>
+            <pc:sldMk cId="1238154079" sldId="339"/>
+            <ac:inkMk id="12" creationId="{E2989791-3320-6A98-4D6F-CACC7F7D6301}"/>
+          </ac:inkMkLst>
+        </pc:inkChg>
+        <pc:inkChg chg="add del mod">
+          <ac:chgData name="Mateus Maciel Vivaldi" userId="e7a01b2c0ff13c9a" providerId="LiveId" clId="{0375F70B-51BA-431D-BD04-27A4823D0AAD}" dt="2022-05-19T01:48:50.734" v="108"/>
+          <ac:inkMkLst>
+            <pc:docMk/>
+            <pc:sldMk cId="1238154079" sldId="339"/>
+            <ac:inkMk id="13" creationId="{64CCD1F9-97B2-0D24-3AA8-CA26057233F8}"/>
+          </ac:inkMkLst>
+        </pc:inkChg>
+        <pc:inkChg chg="add">
+          <ac:chgData name="Mateus Maciel Vivaldi" userId="e7a01b2c0ff13c9a" providerId="LiveId" clId="{0375F70B-51BA-431D-BD04-27A4823D0AAD}" dt="2022-05-19T01:48:55.336" v="110" actId="9405"/>
+          <ac:inkMkLst>
+            <pc:docMk/>
+            <pc:sldMk cId="1238154079" sldId="339"/>
+            <ac:inkMk id="15" creationId="{C7C9DEE9-C18A-D873-7DED-C01B847C015D}"/>
+          </ac:inkMkLst>
+        </pc:inkChg>
+        <pc:inkChg chg="add">
+          <ac:chgData name="Mateus Maciel Vivaldi" userId="e7a01b2c0ff13c9a" providerId="LiveId" clId="{0375F70B-51BA-431D-BD04-27A4823D0AAD}" dt="2022-05-19T01:57:11.557" v="312" actId="9405"/>
+          <ac:inkMkLst>
+            <pc:docMk/>
+            <pc:sldMk cId="1238154079" sldId="339"/>
+            <ac:inkMk id="18" creationId="{CD8BBB3E-C88A-77E2-6C32-796A23F79DAC}"/>
+          </ac:inkMkLst>
+        </pc:inkChg>
+        <pc:inkChg chg="add del">
+          <ac:chgData name="Mateus Maciel Vivaldi" userId="e7a01b2c0ff13c9a" providerId="LiveId" clId="{0375F70B-51BA-431D-BD04-27A4823D0AAD}" dt="2022-05-19T01:59:06.443" v="347"/>
+          <ac:inkMkLst>
+            <pc:docMk/>
+            <pc:sldMk cId="1238154079" sldId="339"/>
+            <ac:inkMk id="19" creationId="{B71C94DB-AD63-6C67-4610-2AFF70398EEA}"/>
+          </ac:inkMkLst>
+        </pc:inkChg>
+        <pc:inkChg chg="add del">
+          <ac:chgData name="Mateus Maciel Vivaldi" userId="e7a01b2c0ff13c9a" providerId="LiveId" clId="{0375F70B-51BA-431D-BD04-27A4823D0AAD}" dt="2022-05-19T01:59:06.442" v="344"/>
+          <ac:inkMkLst>
+            <pc:docMk/>
+            <pc:sldMk cId="1238154079" sldId="339"/>
+            <ac:inkMk id="20" creationId="{4FA920C8-4621-EE2D-D840-F76C3B7A4C2E}"/>
+          </ac:inkMkLst>
+        </pc:inkChg>
+        <pc:inkChg chg="add">
+          <ac:chgData name="Mateus Maciel Vivaldi" userId="e7a01b2c0ff13c9a" providerId="LiveId" clId="{0375F70B-51BA-431D-BD04-27A4823D0AAD}" dt="2022-05-19T01:57:51.317" v="315" actId="9405"/>
+          <ac:inkMkLst>
+            <pc:docMk/>
+            <pc:sldMk cId="1238154079" sldId="339"/>
+            <ac:inkMk id="21" creationId="{6DB56D2A-5B8C-80BA-737D-BE716ED10B45}"/>
+          </ac:inkMkLst>
+        </pc:inkChg>
+        <pc:inkChg chg="add del">
+          <ac:chgData name="Mateus Maciel Vivaldi" userId="e7a01b2c0ff13c9a" providerId="LiveId" clId="{0375F70B-51BA-431D-BD04-27A4823D0AAD}" dt="2022-05-19T01:59:06.443" v="349"/>
+          <ac:inkMkLst>
+            <pc:docMk/>
+            <pc:sldMk cId="1238154079" sldId="339"/>
+            <ac:inkMk id="22" creationId="{8F0B299E-C734-9CB9-94AD-E5CE5D658AB5}"/>
+          </ac:inkMkLst>
+        </pc:inkChg>
+        <pc:inkChg chg="add">
+          <ac:chgData name="Mateus Maciel Vivaldi" userId="e7a01b2c0ff13c9a" providerId="LiveId" clId="{0375F70B-51BA-431D-BD04-27A4823D0AAD}" dt="2022-05-19T01:57:52.420" v="317" actId="9405"/>
+          <ac:inkMkLst>
+            <pc:docMk/>
+            <pc:sldMk cId="1238154079" sldId="339"/>
+            <ac:inkMk id="23" creationId="{0E2F48F0-074B-AC9F-D9AF-16EF8FEFCE40}"/>
+          </ac:inkMkLst>
+        </pc:inkChg>
+        <pc:inkChg chg="add">
+          <ac:chgData name="Mateus Maciel Vivaldi" userId="e7a01b2c0ff13c9a" providerId="LiveId" clId="{0375F70B-51BA-431D-BD04-27A4823D0AAD}" dt="2022-05-19T01:57:52.875" v="318" actId="9405"/>
+          <ac:inkMkLst>
+            <pc:docMk/>
+            <pc:sldMk cId="1238154079" sldId="339"/>
+            <ac:inkMk id="24" creationId="{C95159F3-8A01-F085-1FA8-B0CF543A2C0B}"/>
+          </ac:inkMkLst>
+        </pc:inkChg>
+        <pc:inkChg chg="add del">
+          <ac:chgData name="Mateus Maciel Vivaldi" userId="e7a01b2c0ff13c9a" providerId="LiveId" clId="{0375F70B-51BA-431D-BD04-27A4823D0AAD}" dt="2022-05-19T01:59:06.443" v="345"/>
+          <ac:inkMkLst>
+            <pc:docMk/>
+            <pc:sldMk cId="1238154079" sldId="339"/>
+            <ac:inkMk id="25" creationId="{524E36DA-EE2D-179C-E339-B0E73F47A766}"/>
+          </ac:inkMkLst>
+        </pc:inkChg>
+        <pc:inkChg chg="add del">
+          <ac:chgData name="Mateus Maciel Vivaldi" userId="e7a01b2c0ff13c9a" providerId="LiveId" clId="{0375F70B-51BA-431D-BD04-27A4823D0AAD}" dt="2022-05-19T01:59:06.443" v="346"/>
+          <ac:inkMkLst>
+            <pc:docMk/>
+            <pc:sldMk cId="1238154079" sldId="339"/>
+            <ac:inkMk id="26" creationId="{1C4B5986-9A51-74FA-E91B-FB12EB8294B4}"/>
+          </ac:inkMkLst>
+        </pc:inkChg>
+        <pc:inkChg chg="add del">
+          <ac:chgData name="Mateus Maciel Vivaldi" userId="e7a01b2c0ff13c9a" providerId="LiveId" clId="{0375F70B-51BA-431D-BD04-27A4823D0AAD}" dt="2022-05-19T01:59:06.442" v="343"/>
+          <ac:inkMkLst>
+            <pc:docMk/>
+            <pc:sldMk cId="1238154079" sldId="339"/>
+            <ac:inkMk id="27" creationId="{6871C0EF-A5BA-A1C6-CDE2-19F4153C3E53}"/>
+          </ac:inkMkLst>
+        </pc:inkChg>
+        <pc:inkChg chg="add del">
+          <ac:chgData name="Mateus Maciel Vivaldi" userId="e7a01b2c0ff13c9a" providerId="LiveId" clId="{0375F70B-51BA-431D-BD04-27A4823D0AAD}" dt="2022-05-19T01:59:06.443" v="348"/>
+          <ac:inkMkLst>
+            <pc:docMk/>
+            <pc:sldMk cId="1238154079" sldId="339"/>
+            <ac:inkMk id="28" creationId="{A2101F86-6AAC-F1B4-3A75-800FB87B5EA3}"/>
+          </ac:inkMkLst>
+        </pc:inkChg>
+        <pc:inkChg chg="add">
+          <ac:chgData name="Mateus Maciel Vivaldi" userId="e7a01b2c0ff13c9a" providerId="LiveId" clId="{0375F70B-51BA-431D-BD04-27A4823D0AAD}" dt="2022-05-19T01:57:57.647" v="323" actId="9405"/>
+          <ac:inkMkLst>
+            <pc:docMk/>
+            <pc:sldMk cId="1238154079" sldId="339"/>
+            <ac:inkMk id="29" creationId="{BC2FAA25-8112-92A3-5570-BDC760D4F8E2}"/>
+          </ac:inkMkLst>
+        </pc:inkChg>
+        <pc:inkChg chg="add mod">
+          <ac:chgData name="Mateus Maciel Vivaldi" userId="e7a01b2c0ff13c9a" providerId="LiveId" clId="{0375F70B-51BA-431D-BD04-27A4823D0AAD}" dt="2022-05-19T01:58:04.743" v="331"/>
+          <ac:inkMkLst>
+            <pc:docMk/>
+            <pc:sldMk cId="1238154079" sldId="339"/>
+            <ac:inkMk id="30" creationId="{5D5111A5-7E6A-AB11-2EF3-250F8F85CEF0}"/>
+          </ac:inkMkLst>
+        </pc:inkChg>
+        <pc:inkChg chg="add del">
+          <ac:chgData name="Mateus Maciel Vivaldi" userId="e7a01b2c0ff13c9a" providerId="LiveId" clId="{0375F70B-51BA-431D-BD04-27A4823D0AAD}" dt="2022-05-19T01:58:06.532" v="334" actId="9405"/>
+          <ac:inkMkLst>
+            <pc:docMk/>
+            <pc:sldMk cId="1238154079" sldId="339"/>
+            <ac:inkMk id="31" creationId="{AE746640-336B-9F3D-AC41-2361B8B9EA7F}"/>
+          </ac:inkMkLst>
+        </pc:inkChg>
+        <pc:inkChg chg="add del">
+          <ac:chgData name="Mateus Maciel Vivaldi" userId="e7a01b2c0ff13c9a" providerId="LiveId" clId="{0375F70B-51BA-431D-BD04-27A4823D0AAD}" dt="2022-05-19T01:58:05.995" v="333" actId="9405"/>
+          <ac:inkMkLst>
+            <pc:docMk/>
+            <pc:sldMk cId="1238154079" sldId="339"/>
+            <ac:inkMk id="32" creationId="{E12D3A23-1F2D-5252-68F0-A39082A877F0}"/>
+          </ac:inkMkLst>
+        </pc:inkChg>
+        <pc:inkChg chg="add del mod">
+          <ac:chgData name="Mateus Maciel Vivaldi" userId="e7a01b2c0ff13c9a" providerId="LiveId" clId="{0375F70B-51BA-431D-BD04-27A4823D0AAD}" dt="2022-05-19T01:58:05.532" v="332" actId="9405"/>
+          <ac:inkMkLst>
+            <pc:docMk/>
+            <pc:sldMk cId="1238154079" sldId="339"/>
+            <ac:inkMk id="33" creationId="{334C0786-4BD6-8CD2-0285-237A118AFD2A}"/>
+          </ac:inkMkLst>
+        </pc:inkChg>
+        <pc:inkChg chg="add del mod">
+          <ac:chgData name="Mateus Maciel Vivaldi" userId="e7a01b2c0ff13c9a" providerId="LiveId" clId="{0375F70B-51BA-431D-BD04-27A4823D0AAD}" dt="2022-05-19T01:58:04.743" v="331"/>
+          <ac:inkMkLst>
+            <pc:docMk/>
+            <pc:sldMk cId="1238154079" sldId="339"/>
+            <ac:inkMk id="34" creationId="{36758DD4-34E4-2323-24DC-CD72A47D83BC}"/>
+          </ac:inkMkLst>
+        </pc:inkChg>
+        <pc:inkChg chg="add del">
+          <ac:chgData name="Mateus Maciel Vivaldi" userId="e7a01b2c0ff13c9a" providerId="LiveId" clId="{0375F70B-51BA-431D-BD04-27A4823D0AAD}" dt="2022-05-19T02:01:59.294" v="369" actId="9405"/>
+          <ac:inkMkLst>
+            <pc:docMk/>
+            <pc:sldMk cId="1238154079" sldId="339"/>
+            <ac:inkMk id="36" creationId="{87EC906F-D3D1-2473-1855-81503A89BDC6}"/>
+          </ac:inkMkLst>
+        </pc:inkChg>
+        <pc:inkChg chg="add mod">
+          <ac:chgData name="Mateus Maciel Vivaldi" userId="e7a01b2c0ff13c9a" providerId="LiveId" clId="{0375F70B-51BA-431D-BD04-27A4823D0AAD}" dt="2022-05-19T02:02:05.558" v="374"/>
+          <ac:inkMkLst>
+            <pc:docMk/>
+            <pc:sldMk cId="1238154079" sldId="339"/>
+            <ac:inkMk id="37" creationId="{40EC1933-1E4D-965C-0303-8541905C6678}"/>
+          </ac:inkMkLst>
+        </pc:inkChg>
+        <pc:inkChg chg="add mod">
+          <ac:chgData name="Mateus Maciel Vivaldi" userId="e7a01b2c0ff13c9a" providerId="LiveId" clId="{0375F70B-51BA-431D-BD04-27A4823D0AAD}" dt="2022-05-19T02:02:05.558" v="374"/>
+          <ac:inkMkLst>
+            <pc:docMk/>
+            <pc:sldMk cId="1238154079" sldId="339"/>
+            <ac:inkMk id="38" creationId="{D1A3F9FF-02C3-9E88-ADCF-79E21E82D0E2}"/>
+          </ac:inkMkLst>
+        </pc:inkChg>
+        <pc:inkChg chg="add mod">
+          <ac:chgData name="Mateus Maciel Vivaldi" userId="e7a01b2c0ff13c9a" providerId="LiveId" clId="{0375F70B-51BA-431D-BD04-27A4823D0AAD}" dt="2022-05-19T02:02:05.558" v="374"/>
+          <ac:inkMkLst>
+            <pc:docMk/>
+            <pc:sldMk cId="1238154079" sldId="339"/>
+            <ac:inkMk id="40" creationId="{1F969C01-38AA-85D0-7A9C-2B1FF8C27DCE}"/>
+          </ac:inkMkLst>
+        </pc:inkChg>
+        <pc:inkChg chg="add">
+          <ac:chgData name="Mateus Maciel Vivaldi" userId="e7a01b2c0ff13c9a" providerId="LiveId" clId="{0375F70B-51BA-431D-BD04-27A4823D0AAD}" dt="2022-05-19T02:02:32.230" v="375" actId="9405"/>
+          <ac:inkMkLst>
+            <pc:docMk/>
+            <pc:sldMk cId="1238154079" sldId="339"/>
+            <ac:inkMk id="42" creationId="{1C69B6A4-CD64-BEE8-4816-64DF9F96FEB9}"/>
+          </ac:inkMkLst>
+        </pc:inkChg>
+        <pc:inkChg chg="add">
+          <ac:chgData name="Mateus Maciel Vivaldi" userId="e7a01b2c0ff13c9a" providerId="LiveId" clId="{0375F70B-51BA-431D-BD04-27A4823D0AAD}" dt="2022-05-19T02:02:50.185" v="376" actId="9405"/>
+          <ac:inkMkLst>
+            <pc:docMk/>
+            <pc:sldMk cId="1238154079" sldId="339"/>
+            <ac:inkMk id="43" creationId="{779F2021-7399-53F5-71C5-F66A7D6A3E16}"/>
+          </ac:inkMkLst>
+        </pc:inkChg>
+      </pc:sldChg>
     </pc:docChg>
   </pc:docChgLst>
 </pc:chgInfo>
+</file>
+
+<file path=ppt/ink/ink1.xml><?xml version="1.0" encoding="utf-8"?>
+<inkml:ink xmlns:inkml="http://www.w3.org/2003/InkML">
+  <inkml:definitions>
+    <inkml:context xml:id="ctx0">
+      <inkml:inkSource xml:id="inkSrc0">
+        <inkml:traceFormat>
+          <inkml:channel name="X" type="integer" min="-2.14748E9" max="2.14748E9" units="cm"/>
+          <inkml:channel name="Y" type="integer" min="-2.14748E9" max="2.14748E9" units="cm"/>
+          <inkml:channel name="F" type="integer" max="32767" units="dev"/>
+        </inkml:traceFormat>
+        <inkml:channelProperties>
+          <inkml:channelProperty channel="X" name="resolution" value="1000" units="1/cm"/>
+          <inkml:channelProperty channel="Y" name="resolution" value="1000" units="1/cm"/>
+          <inkml:channelProperty channel="F" name="resolution" value="0" units="1/dev"/>
+        </inkml:channelProperties>
+      </inkml:inkSource>
+      <inkml:timestamp xml:id="ts0" timeString="2022-05-19T01:48:22.336"/>
+    </inkml:context>
+    <inkml:brush xml:id="br0">
+      <inkml:brushProperty name="width" value="0.025" units="cm"/>
+      <inkml:brushProperty name="height" value="0.025" units="cm"/>
+      <inkml:brushProperty name="color" value="#FFFFFF"/>
+    </inkml:brush>
+  </inkml:definitions>
+  <inkml:trace contextRef="#ctx0" brushRef="#br0">64 150 24575,'2'-48'0,"-1"30"0,-8 52 0,6-29 0,0 0 0,0 0 0,0 0 0,-1 0 0,0 0 0,-5 8 0,7-12 0,0-1 0,0 0 0,-1 1 0,1-1 0,0 0 0,0 1 0,0-1 0,-1 0 0,1 0 0,0 1 0,-1-1 0,1 0 0,0 0 0,-1 0 0,1 1 0,0-1 0,-1 0 0,1 0 0,0 0 0,-1 0 0,1 0 0,0 0 0,-1 0 0,1 0 0,0 0 0,-1 0 0,1 0 0,-1 0 0,1 0 0,0 0 0,-1 0 0,1 0 0,0 0 0,-1-1 0,-13-21 0,-4-44 0,18 122 0,-2-23 0,2-20 0,0-34 0,5-8 0,-5 29 0,0-1 0,0 1 0,0-1 0,0 1 0,0-1 0,0 1 0,0-1 0,0 1 0,0 0 0,1-1 0,-1 1 0,0-1 0,0 1 0,0-1 0,1 1 0,-1 0 0,0-1 0,1 1 0,-1-1 0,0 1 0,1 0 0,-1 0 0,1-1 0,-1 1 0,0 0 0,1 0 0,-1-1 0,1 1 0,-1 0 0,1 0 0,-1 0 0,1 0 0,-1 0 0,2-1 0,-2 1 0,1-1 0,0 0 0,0 0 0,0 0 0,-1 0 0,1 0 0,0 0 0,-1 0 0,1-1 0,-1 1 0,0 0 0,1 0 0,-1 0 0,0-1 0,0 1 0,1 0 0,-1 0 0,0 0 0,0-1 0,0 1 0,-1 0 0,1 0 0,0-2 0,0-2 0,0 1 0,0 0 0,1 0 0,-1 0 0,1 0 0,0-1 0,0 1 0,4-7 0,-5 11 0,1 0 0,-1 0 0,1 0 0,-1 0 0,1 0 0,-1 0 0,1 0 0,-1 0 0,1 0 0,-1 0 0,1 0 0,-1 0 0,1 1 0,-1-1 0,1 0 0,-1 0 0,0 1 0,1-1 0,-1 0 0,0 0 0,1 1 0,-1-1 0,1 1 0,-1-1 0,0 0 0,0 1 0,1-1 0,-1 1 0,0-1 0,0 0 0,0 1 0,1-1 0,-1 1 0,15 24 0,-11-18 0,-2-3 0,0 0 0,0 0 0,-1 1 0,1-1 0,-1 0 0,0 1 0,-1-1 0,1 1 0,-1-1 0,0 1 0,0-1 0,0 1 0,-1-1 0,-1 8 0,-6-30 0,0-13 0,6 1 0,1 16 0,-1 36 0,-6 5 0,2-23 0,0-16 0,34 59 0,-31-56 0,-1-3 0,1 0 0,1 0 0,0 0 0,-1-21 0,3 32 0,-1-1 0,1 0 0,0 1 0,0-1 0,1 0 0,-1 1 0,0-1 0,0 0 0,1 1 0,-1-1 0,1 1 0,0-1 0,-1 1 0,1-1 0,0 1 0,0-1 0,0 1 0,0 0 0,0-1 0,0 1 0,0 0 0,0 0 0,1 0 0,-1 0 0,0 0 0,1 0 0,-1 0 0,1 0 0,-1 1 0,1-1 0,-1 0 0,1 1 0,-1-1 0,1 1 0,0 0 0,-1 0 0,1-1 0,-1 1 0,1 0 0,0 0 0,-1 1 0,1-1 0,0 0 0,-1 0 0,4 2 0,-3-1 0,0 0 0,1 0 0,-1 1 0,0-1 0,0 0 0,0 1 0,0 0 0,-1-1 0,1 1 0,0 0 0,-1 0 0,1 0 0,-1 0 0,0 0 0,1 0 0,-1 1 0,0-1 0,-1 0 0,1 0 0,0 1 0,0-1 0,-1 1 0,0-1 0,1 1 0,-1-1 0,0 4 0,0 68 0,-4-58 0,-1-14 0,-11-23 0,-8-42 0,20 52 0,2 4 0,0 0 0,0 0 0,0-1 0,1 1 0,0 0 0,0-1 0,1 1 0,0-8 0,3 18 0,-1 0 0,1 1 0,-1 0 0,0-1 0,0 1 0,0 0 0,1 7 0,0 2-151,0 0-1,-2 1 0,0-1 0,0 0 1,-1 1-1,-1-1 0,0 1 1,-5 21-1</inkml:trace>
+</inkml:ink>
+</file>
+
+<file path=ppt/ink/ink10.xml><?xml version="1.0" encoding="utf-8"?>
+<inkml:ink xmlns:inkml="http://www.w3.org/2003/InkML">
+  <inkml:definitions>
+    <inkml:context xml:id="ctx0">
+      <inkml:inkSource xml:id="inkSrc0">
+        <inkml:traceFormat>
+          <inkml:channel name="X" type="integer" min="-2.14748E9" max="2.14748E9" units="cm"/>
+          <inkml:channel name="Y" type="integer" min="-2.14748E9" max="2.14748E9" units="cm"/>
+          <inkml:channel name="F" type="integer" max="32767" units="dev"/>
+        </inkml:traceFormat>
+        <inkml:channelProperties>
+          <inkml:channelProperty channel="X" name="resolution" value="1000" units="1/cm"/>
+          <inkml:channelProperty channel="Y" name="resolution" value="1000" units="1/cm"/>
+          <inkml:channelProperty channel="F" name="resolution" value="0" units="1/dev"/>
+        </inkml:channelProperties>
+      </inkml:inkSource>
+      <inkml:timestamp xml:id="ts0" timeString="2022-05-19T02:02:03.118"/>
+    </inkml:context>
+    <inkml:brush xml:id="br0">
+      <inkml:brushProperty name="width" value="0.05" units="cm"/>
+      <inkml:brushProperty name="height" value="0.05" units="cm"/>
+      <inkml:brushProperty name="color" value="#FFFFFF"/>
+    </inkml:brush>
+  </inkml:definitions>
+  <inkml:trace contextRef="#ctx0" brushRef="#br0">1 0 24575,'0'0'-8191</inkml:trace>
+</inkml:ink>
+</file>
+
+<file path=ppt/ink/ink11.xml><?xml version="1.0" encoding="utf-8"?>
+<inkml:ink xmlns:inkml="http://www.w3.org/2003/InkML">
+  <inkml:definitions>
+    <inkml:context xml:id="ctx0">
+      <inkml:inkSource xml:id="inkSrc0">
+        <inkml:traceFormat>
+          <inkml:channel name="X" type="integer" min="-2.14748E9" max="2.14748E9" units="cm"/>
+          <inkml:channel name="Y" type="integer" min="-2.14748E9" max="2.14748E9" units="cm"/>
+          <inkml:channel name="F" type="integer" max="32767" units="dev"/>
+        </inkml:traceFormat>
+        <inkml:channelProperties>
+          <inkml:channelProperty channel="X" name="resolution" value="1000" units="1/cm"/>
+          <inkml:channelProperty channel="Y" name="resolution" value="1000" units="1/cm"/>
+          <inkml:channelProperty channel="F" name="resolution" value="0" units="1/dev"/>
+        </inkml:channelProperties>
+      </inkml:inkSource>
+      <inkml:timestamp xml:id="ts0" timeString="2022-05-19T02:02:04.560"/>
+    </inkml:context>
+    <inkml:brush xml:id="br0">
+      <inkml:brushProperty name="width" value="0.05" units="cm"/>
+      <inkml:brushProperty name="height" value="0.05" units="cm"/>
+      <inkml:brushProperty name="color" value="#FFFFFF"/>
+    </inkml:brush>
+  </inkml:definitions>
+  <inkml:trace contextRef="#ctx0" brushRef="#br0">0 0 24575,'0'0'-8191</inkml:trace>
+</inkml:ink>
+</file>
+
+<file path=ppt/ink/ink12.xml><?xml version="1.0" encoding="utf-8"?>
+<inkml:ink xmlns:inkml="http://www.w3.org/2003/InkML">
+  <inkml:definitions>
+    <inkml:context xml:id="ctx0">
+      <inkml:inkSource xml:id="inkSrc0">
+        <inkml:traceFormat>
+          <inkml:channel name="X" type="integer" min="-2.14748E9" max="2.14748E9" units="cm"/>
+          <inkml:channel name="Y" type="integer" min="-2.14748E9" max="2.14748E9" units="cm"/>
+          <inkml:channel name="F" type="integer" max="32767" units="dev"/>
+        </inkml:traceFormat>
+        <inkml:channelProperties>
+          <inkml:channelProperty channel="X" name="resolution" value="1000" units="1/cm"/>
+          <inkml:channelProperty channel="Y" name="resolution" value="1000" units="1/cm"/>
+          <inkml:channelProperty channel="F" name="resolution" value="0" units="1/dev"/>
+        </inkml:channelProperties>
+      </inkml:inkSource>
+      <inkml:timestamp xml:id="ts0" timeString="2022-05-19T02:02:32.229"/>
+    </inkml:context>
+    <inkml:brush xml:id="br0">
+      <inkml:brushProperty name="width" value="0.05" units="cm"/>
+      <inkml:brushProperty name="height" value="0.05" units="cm"/>
+      <inkml:brushProperty name="color" value="#FFFFFF"/>
+    </inkml:brush>
+  </inkml:definitions>
+  <inkml:trace contextRef="#ctx0" brushRef="#br0">1 0 24575</inkml:trace>
+</inkml:ink>
+</file>
+
+<file path=ppt/ink/ink13.xml><?xml version="1.0" encoding="utf-8"?>
+<inkml:ink xmlns:inkml="http://www.w3.org/2003/InkML">
+  <inkml:definitions>
+    <inkml:context xml:id="ctx0">
+      <inkml:inkSource xml:id="inkSrc0">
+        <inkml:traceFormat>
+          <inkml:channel name="X" type="integer" min="-2.14748E9" max="2.14748E9" units="cm"/>
+          <inkml:channel name="Y" type="integer" min="-2.14748E9" max="2.14748E9" units="cm"/>
+          <inkml:channel name="F" type="integer" max="32767" units="dev"/>
+        </inkml:traceFormat>
+        <inkml:channelProperties>
+          <inkml:channelProperty channel="X" name="resolution" value="1000" units="1/cm"/>
+          <inkml:channelProperty channel="Y" name="resolution" value="1000" units="1/cm"/>
+          <inkml:channelProperty channel="F" name="resolution" value="0" units="1/dev"/>
+        </inkml:channelProperties>
+      </inkml:inkSource>
+      <inkml:timestamp xml:id="ts0" timeString="2022-05-19T02:02:50.183"/>
+    </inkml:context>
+    <inkml:brush xml:id="br0">
+      <inkml:brushProperty name="width" value="0.05" units="cm"/>
+      <inkml:brushProperty name="height" value="0.05" units="cm"/>
+      <inkml:brushProperty name="color" value="#FFFFFF"/>
+    </inkml:brush>
+  </inkml:definitions>
+  <inkml:trace contextRef="#ctx0" brushRef="#br0">1 0 24575</inkml:trace>
+</inkml:ink>
+</file>
+
+<file path=ppt/ink/ink2.xml><?xml version="1.0" encoding="utf-8"?>
+<inkml:ink xmlns:inkml="http://www.w3.org/2003/InkML">
+  <inkml:definitions>
+    <inkml:context xml:id="ctx0">
+      <inkml:inkSource xml:id="inkSrc0">
+        <inkml:traceFormat>
+          <inkml:channel name="X" type="integer" min="-2.14748E9" max="2.14748E9" units="cm"/>
+          <inkml:channel name="Y" type="integer" min="-2.14748E9" max="2.14748E9" units="cm"/>
+          <inkml:channel name="F" type="integer" max="32767" units="dev"/>
+        </inkml:traceFormat>
+        <inkml:channelProperties>
+          <inkml:channelProperty channel="X" name="resolution" value="1000" units="1/cm"/>
+          <inkml:channelProperty channel="Y" name="resolution" value="1000" units="1/cm"/>
+          <inkml:channelProperty channel="F" name="resolution" value="0" units="1/dev"/>
+        </inkml:channelProperties>
+      </inkml:inkSource>
+      <inkml:timestamp xml:id="ts0" timeString="2022-05-19T01:48:55.335"/>
+    </inkml:context>
+    <inkml:brush xml:id="br0">
+      <inkml:brushProperty name="width" value="0.025" units="cm"/>
+      <inkml:brushProperty name="height" value="0.025" units="cm"/>
+      <inkml:brushProperty name="color" value="#FFFFFF"/>
+    </inkml:brush>
+  </inkml:definitions>
+  <inkml:trace contextRef="#ctx0" brushRef="#br0">1 2 24575,'1'3'0,"0"1"0,0-1 0,0 0 0,1 1 0,-1-1 0,1 0 0,0 0 0,0 0 0,0 0 0,0-1 0,1 1 0,-1 0 0,1-1 0,-1 0 0,1 1 0,3 1 0,50 31 0,-90-85 0,29 44-106,4 6 66,0-1-1,0 1 0,1-1 1,-1 0-1,0 1 1,1-1-1,-1 0 0,1 1 1,-1-1-1,1 0 0,-1 1 1,1-1-1,0 0 1,-1 0-1,1 0 0,0 1 1,-1-1-1,1 0 0,0 0 1,0 0-1,0 0 1,0 0-1,0 1 0,0-1 1,0 0-1,0 0 0,0 0 1,0 0-1,1 0 1,-1-1-1,4-4-6785</inkml:trace>
+</inkml:ink>
+</file>
+
+<file path=ppt/ink/ink3.xml><?xml version="1.0" encoding="utf-8"?>
+<inkml:ink xmlns:inkml="http://www.w3.org/2003/InkML">
+  <inkml:definitions>
+    <inkml:context xml:id="ctx0">
+      <inkml:inkSource xml:id="inkSrc0">
+        <inkml:traceFormat>
+          <inkml:channel name="X" type="integer" min="-2.14748E9" max="2.14748E9" units="cm"/>
+          <inkml:channel name="Y" type="integer" min="-2.14748E9" max="2.14748E9" units="cm"/>
+          <inkml:channel name="F" type="integer" max="32767" units="dev"/>
+        </inkml:traceFormat>
+        <inkml:channelProperties>
+          <inkml:channelProperty channel="X" name="resolution" value="1000" units="1/cm"/>
+          <inkml:channelProperty channel="Y" name="resolution" value="1000" units="1/cm"/>
+          <inkml:channelProperty channel="F" name="resolution" value="0" units="1/dev"/>
+        </inkml:channelProperties>
+      </inkml:inkSource>
+      <inkml:timestamp xml:id="ts0" timeString="2022-05-19T01:57:11.556"/>
+    </inkml:context>
+    <inkml:brush xml:id="br0">
+      <inkml:brushProperty name="width" value="0.05" units="cm"/>
+      <inkml:brushProperty name="height" value="0.05" units="cm"/>
+      <inkml:brushProperty name="color" value="#FFFFFF"/>
+    </inkml:brush>
+  </inkml:definitions>
+  <inkml:trace contextRef="#ctx0" brushRef="#br0">112 68 24575,'2'0'0,"0"1"0,0 0 0,0 0 0,0-1 0,0 1 0,-1 1 0,1-1 0,0 0 0,0 0 0,-1 1 0,1-1 0,-1 1 0,1-1 0,-1 1 0,0 0 0,0-1 0,1 1 0,-1 0 0,0 0 0,-1 0 0,2 4 0,17 47 0,-18-50 0,0-1 0,-1-1 0,0 0 0,1 0 0,-1 0 0,0 0 0,1 1 0,-1-1 0,0 0 0,0 0 0,0 0 0,0 1 0,0-1 0,0 0 0,0 0 0,-1 0 0,1 1 0,-1 0 0,1-2 0,-1 1 0,1-1 0,-1 0 0,1 0 0,0 0 0,-1 0 0,1 1 0,-1-1 0,1 0 0,-1 0 0,1 0 0,-1 0 0,1 0 0,-1 0 0,1 0 0,0 0 0,-1-1 0,1 1 0,-1 0 0,1 0 0,-1 0 0,1 0 0,0-1 0,-1 1 0,1 0 0,-1 0 0,1-1 0,-1 0 0,-3-1 0,0-1 0,1 0 0,-1 0 0,1-1 0,0 1 0,0-1 0,-4-6 0,4 5 0,0-1 0,0 0 0,1 0 0,0 0 0,0 0 0,0 0 0,1 0 0,0-1 0,0 1 0,1 0 0,0-1 0,0 1 0,1-11 0,0 14 0,0 1 0,0-1 0,0 0 0,0 1 0,0-1 0,1 1 0,-1-1 0,1 1 0,-1 0 0,1-1 0,0 1 0,0 0 0,0 0 0,0 1 0,0-1 0,0 0 0,1 0 0,-1 1 0,1 0 0,-1-1 0,1 1 0,-1 0 0,1 0 0,0 1 0,-1-1 0,1 0 0,0 1 0,0 0 0,-1-1 0,1 1 0,0 0 0,0 0 0,3 1 0,-5 0 0,1-1 0,-1 1 0,0-1 0,1 1 0,-1-1 0,0 1 0,1 0 0,-1 0 0,0 0 0,0 0 0,0 0 0,0 0 0,0 0 0,0 0 0,0 0 0,0 0 0,0 0 0,0 1 0,-1-1 0,1 0 0,0 1 0,-1-1 0,1 1 0,-1-1 0,0 0 0,1 1 0,-1-1 0,0 1 0,0-1 0,0 3 0,1 55 0,-1-47 0,1 20 0,1-51 0,-2 18 0,0 1 0,0-1 0,-1 0 0,1 0 0,-1 0 0,1 0 0,-1 0 0,1 1 0,-1-1 0,1 0 0,-1 0 0,0 1 0,1-1 0,-1 1 0,0-1 0,0 0 0,0 1 0,1-1 0,-1 1 0,0 0 0,0-1 0,0 1 0,0 0 0,0-1 0,0 1 0,0 0 0,1 0 0,-1 0 0,0 0 0,0 0 0,0 0 0,0 0 0,-1 0 0,-44 2 0,32-2 0,4 1 0,7-1 0,-1 0 0,1 1 0,-1-1 0,1 0 0,-1-1 0,1 1 0,0-1 0,-1 1 0,1-1 0,-1 0 0,1 0 0,0-1 0,0 1 0,0-1 0,0 1 0,0-1 0,0 0 0,0 0 0,-3-3 0,2 1-170,0 1-1,-1 0 0,1-1 1,-1 1-1,0 1 0,0-1 1,-8-3-1</inkml:trace>
+</inkml:ink>
+</file>
+
+<file path=ppt/ink/ink4.xml><?xml version="1.0" encoding="utf-8"?>
+<inkml:ink xmlns:inkml="http://www.w3.org/2003/InkML">
+  <inkml:definitions>
+    <inkml:context xml:id="ctx0">
+      <inkml:inkSource xml:id="inkSrc0">
+        <inkml:traceFormat>
+          <inkml:channel name="X" type="integer" min="-2.14748E9" max="2.14748E9" units="cm"/>
+          <inkml:channel name="Y" type="integer" min="-2.14748E9" max="2.14748E9" units="cm"/>
+          <inkml:channel name="F" type="integer" max="32767" units="dev"/>
+        </inkml:traceFormat>
+        <inkml:channelProperties>
+          <inkml:channelProperty channel="X" name="resolution" value="1000" units="1/cm"/>
+          <inkml:channelProperty channel="Y" name="resolution" value="1000" units="1/cm"/>
+          <inkml:channelProperty channel="F" name="resolution" value="0" units="1/dev"/>
+        </inkml:channelProperties>
+      </inkml:inkSource>
+      <inkml:timestamp xml:id="ts0" timeString="2022-05-19T01:57:51.316"/>
+    </inkml:context>
+    <inkml:brush xml:id="br0">
+      <inkml:brushProperty name="width" value="0.05" units="cm"/>
+      <inkml:brushProperty name="height" value="0.05" units="cm"/>
+      <inkml:brushProperty name="color" value="#FFFFFF"/>
+    </inkml:brush>
+  </inkml:definitions>
+  <inkml:trace contextRef="#ctx0" brushRef="#br0">1 0 24575,'0'0'-8191</inkml:trace>
+</inkml:ink>
+</file>
+
+<file path=ppt/ink/ink5.xml><?xml version="1.0" encoding="utf-8"?>
+<inkml:ink xmlns:inkml="http://www.w3.org/2003/InkML">
+  <inkml:definitions>
+    <inkml:context xml:id="ctx0">
+      <inkml:inkSource xml:id="inkSrc0">
+        <inkml:traceFormat>
+          <inkml:channel name="X" type="integer" min="-2.14748E9" max="2.14748E9" units="cm"/>
+          <inkml:channel name="Y" type="integer" min="-2.14748E9" max="2.14748E9" units="cm"/>
+          <inkml:channel name="F" type="integer" max="32767" units="dev"/>
+        </inkml:traceFormat>
+        <inkml:channelProperties>
+          <inkml:channelProperty channel="X" name="resolution" value="1000" units="1/cm"/>
+          <inkml:channelProperty channel="Y" name="resolution" value="1000" units="1/cm"/>
+          <inkml:channelProperty channel="F" name="resolution" value="0" units="1/dev"/>
+        </inkml:channelProperties>
+      </inkml:inkSource>
+      <inkml:timestamp xml:id="ts0" timeString="2022-05-19T01:57:52.419"/>
+    </inkml:context>
+    <inkml:brush xml:id="br0">
+      <inkml:brushProperty name="width" value="0.05" units="cm"/>
+      <inkml:brushProperty name="height" value="0.05" units="cm"/>
+      <inkml:brushProperty name="color" value="#FFFFFF"/>
+    </inkml:brush>
+  </inkml:definitions>
+  <inkml:trace contextRef="#ctx0" brushRef="#br0">1 0 24575,'0'0'-8191</inkml:trace>
+</inkml:ink>
+</file>
+
+<file path=ppt/ink/ink6.xml><?xml version="1.0" encoding="utf-8"?>
+<inkml:ink xmlns:inkml="http://www.w3.org/2003/InkML">
+  <inkml:definitions>
+    <inkml:context xml:id="ctx0">
+      <inkml:inkSource xml:id="inkSrc0">
+        <inkml:traceFormat>
+          <inkml:channel name="X" type="integer" min="-2.14748E9" max="2.14748E9" units="cm"/>
+          <inkml:channel name="Y" type="integer" min="-2.14748E9" max="2.14748E9" units="cm"/>
+          <inkml:channel name="F" type="integer" max="32767" units="dev"/>
+        </inkml:traceFormat>
+        <inkml:channelProperties>
+          <inkml:channelProperty channel="X" name="resolution" value="1000" units="1/cm"/>
+          <inkml:channelProperty channel="Y" name="resolution" value="1000" units="1/cm"/>
+          <inkml:channelProperty channel="F" name="resolution" value="0" units="1/dev"/>
+        </inkml:channelProperties>
+      </inkml:inkSource>
+      <inkml:timestamp xml:id="ts0" timeString="2022-05-19T01:57:52.874"/>
+    </inkml:context>
+    <inkml:brush xml:id="br0">
+      <inkml:brushProperty name="width" value="0.05" units="cm"/>
+      <inkml:brushProperty name="height" value="0.05" units="cm"/>
+      <inkml:brushProperty name="color" value="#FFFFFF"/>
+    </inkml:brush>
+  </inkml:definitions>
+  <inkml:trace contextRef="#ctx0" brushRef="#br0">1 0 24575,'0'0'-8191</inkml:trace>
+</inkml:ink>
+</file>
+
+<file path=ppt/ink/ink7.xml><?xml version="1.0" encoding="utf-8"?>
+<inkml:ink xmlns:inkml="http://www.w3.org/2003/InkML">
+  <inkml:definitions>
+    <inkml:context xml:id="ctx0">
+      <inkml:inkSource xml:id="inkSrc0">
+        <inkml:traceFormat>
+          <inkml:channel name="X" type="integer" min="-2.14748E9" max="2.14748E9" units="cm"/>
+          <inkml:channel name="Y" type="integer" min="-2.14748E9" max="2.14748E9" units="cm"/>
+          <inkml:channel name="F" type="integer" max="32767" units="dev"/>
+        </inkml:traceFormat>
+        <inkml:channelProperties>
+          <inkml:channelProperty channel="X" name="resolution" value="1000" units="1/cm"/>
+          <inkml:channelProperty channel="Y" name="resolution" value="1000" units="1/cm"/>
+          <inkml:channelProperty channel="F" name="resolution" value="0" units="1/dev"/>
+        </inkml:channelProperties>
+      </inkml:inkSource>
+      <inkml:timestamp xml:id="ts0" timeString="2022-05-19T01:57:57.646"/>
+    </inkml:context>
+    <inkml:brush xml:id="br0">
+      <inkml:brushProperty name="width" value="0.05" units="cm"/>
+      <inkml:brushProperty name="height" value="0.05" units="cm"/>
+      <inkml:brushProperty name="color" value="#FFFFFF"/>
+    </inkml:brush>
+  </inkml:definitions>
+  <inkml:trace contextRef="#ctx0" brushRef="#br0">1 0 24575</inkml:trace>
+</inkml:ink>
+</file>
+
+<file path=ppt/ink/ink8.xml><?xml version="1.0" encoding="utf-8"?>
+<inkml:ink xmlns:inkml="http://www.w3.org/2003/InkML">
+  <inkml:definitions>
+    <inkml:context xml:id="ctx0">
+      <inkml:inkSource xml:id="inkSrc0">
+        <inkml:traceFormat>
+          <inkml:channel name="X" type="integer" min="-2.14748E9" max="2.14748E9" units="cm"/>
+          <inkml:channel name="Y" type="integer" min="-2.14748E9" max="2.14748E9" units="cm"/>
+          <inkml:channel name="F" type="integer" max="32767" units="dev"/>
+        </inkml:traceFormat>
+        <inkml:channelProperties>
+          <inkml:channelProperty channel="X" name="resolution" value="1000" units="1/cm"/>
+          <inkml:channelProperty channel="Y" name="resolution" value="1000" units="1/cm"/>
+          <inkml:channelProperty channel="F" name="resolution" value="0" units="1/dev"/>
+        </inkml:channelProperties>
+      </inkml:inkSource>
+      <inkml:timestamp xml:id="ts0" timeString="2022-05-19T01:57:57.997"/>
+    </inkml:context>
+    <inkml:brush xml:id="br0">
+      <inkml:brushProperty name="width" value="0.05" units="cm"/>
+      <inkml:brushProperty name="height" value="0.05" units="cm"/>
+      <inkml:brushProperty name="color" value="#FFFFFF"/>
+    </inkml:brush>
+  </inkml:definitions>
+  <inkml:trace contextRef="#ctx0" brushRef="#br0">1 0 24575</inkml:trace>
+</inkml:ink>
+</file>
+
+<file path=ppt/ink/ink9.xml><?xml version="1.0" encoding="utf-8"?>
+<inkml:ink xmlns:inkml="http://www.w3.org/2003/InkML">
+  <inkml:definitions>
+    <inkml:context xml:id="ctx0">
+      <inkml:inkSource xml:id="inkSrc0">
+        <inkml:traceFormat>
+          <inkml:channel name="X" type="integer" min="-2.14748E9" max="2.14748E9" units="cm"/>
+          <inkml:channel name="Y" type="integer" min="-2.14748E9" max="2.14748E9" units="cm"/>
+          <inkml:channel name="F" type="integer" max="32767" units="dev"/>
+        </inkml:traceFormat>
+        <inkml:channelProperties>
+          <inkml:channelProperty channel="X" name="resolution" value="1000" units="1/cm"/>
+          <inkml:channelProperty channel="Y" name="resolution" value="1000" units="1/cm"/>
+          <inkml:channelProperty channel="F" name="resolution" value="0" units="1/dev"/>
+        </inkml:channelProperties>
+      </inkml:inkSource>
+      <inkml:timestamp xml:id="ts0" timeString="2022-05-19T02:02:01.043"/>
+    </inkml:context>
+    <inkml:brush xml:id="br0">
+      <inkml:brushProperty name="width" value="0.05" units="cm"/>
+      <inkml:brushProperty name="height" value="0.05" units="cm"/>
+      <inkml:brushProperty name="color" value="#FFFFFF"/>
+    </inkml:brush>
+  </inkml:definitions>
+  <inkml:trace contextRef="#ctx0" brushRef="#br0">0 28 24575,'2'-1'0,"0"0"0,1-2 0,1 0 0,0 1 0,0-1 0,1 1 0,0 0 0,0-1 0,1 1 0,1 0 0,-1 1 0,1 0 0,0 1 0,-2-2 0</inkml:trace>
+</inkml:ink>
 </file>
 
 <file path=ppt/notesMasters/notesMaster1.xml><?xml version="1.0" encoding="utf-8"?>
@@ -297,7 +989,7 @@
           <a:p>
             <a:fld id="{6BB3A2D2-4F14-4AFD-819A-04F1637E766E}" type="datetimeFigureOut">
               <a:rPr lang="pt-BR" smtClean="0"/>
-              <a:t>17/05/2022</a:t>
+              <a:t>18/05/2022</a:t>
             </a:fld>
             <a:endParaRPr lang="pt-BR"/>
           </a:p>
@@ -4833,7 +5525,7 @@
           <p:cNvPr id="2" name="Espaço Reservado para Número de Slide 1">
             <a:extLst>
               <a:ext uri="{FF2B5EF4-FFF2-40B4-BE49-F238E27FC236}">
-                <a16:creationId xmlns:a16="http://schemas.microsoft.com/office/drawing/2014/main" id="{59CFF0E6-7212-4AC6-8EB7-187061C5FABE}"/>
+                <a16:creationId xmlns:a16="http://schemas.microsoft.com/office/drawing/2014/main" id="{38CB427C-690F-C775-A661-E02B74ED6713}"/>
               </a:ext>
             </a:extLst>
           </p:cNvPr>
@@ -4858,6 +5550,3248 @@
           </a:p>
         </p:txBody>
       </p:sp>
+      <p:sp>
+        <p:nvSpPr>
+          <p:cNvPr id="3" name="CaixaDeTexto 2">
+            <a:extLst>
+              <a:ext uri="{FF2B5EF4-FFF2-40B4-BE49-F238E27FC236}">
+                <a16:creationId xmlns:a16="http://schemas.microsoft.com/office/drawing/2014/main" id="{A7BB8C23-53D8-CF53-41AF-C65D2DAFB56D}"/>
+              </a:ext>
+            </a:extLst>
+          </p:cNvPr>
+          <p:cNvSpPr txBox="1"/>
+          <p:nvPr/>
+        </p:nvSpPr>
+        <p:spPr>
+          <a:xfrm>
+            <a:off x="5286375" y="6643688"/>
+            <a:ext cx="184731" cy="369332"/>
+          </a:xfrm>
+          <a:prstGeom prst="rect">
+            <a:avLst/>
+          </a:prstGeom>
+          <a:noFill/>
+        </p:spPr>
+        <p:txBody>
+          <a:bodyPr wrap="none" rtlCol="0">
+            <a:spAutoFit/>
+          </a:bodyPr>
+          <a:lstStyle/>
+          <a:p>
+            <a:endParaRPr lang="pt-BR" dirty="0"/>
+          </a:p>
+        </p:txBody>
+      </p:sp>
+      <p:sp>
+        <p:nvSpPr>
+          <p:cNvPr id="4" name="CaixaDeTexto 3">
+            <a:extLst>
+              <a:ext uri="{FF2B5EF4-FFF2-40B4-BE49-F238E27FC236}">
+                <a16:creationId xmlns:a16="http://schemas.microsoft.com/office/drawing/2014/main" id="{45701624-FA2F-4786-B3D5-8F4F9E3E6397}"/>
+              </a:ext>
+            </a:extLst>
+          </p:cNvPr>
+          <p:cNvSpPr txBox="1"/>
+          <p:nvPr/>
+        </p:nvSpPr>
+        <p:spPr>
+          <a:xfrm>
+            <a:off x="76200" y="619125"/>
+            <a:ext cx="5435591" cy="369332"/>
+          </a:xfrm>
+          <a:prstGeom prst="rect">
+            <a:avLst/>
+          </a:prstGeom>
+          <a:noFill/>
+        </p:spPr>
+        <p:txBody>
+          <a:bodyPr wrap="none" rtlCol="0">
+            <a:spAutoFit/>
+          </a:bodyPr>
+          <a:lstStyle/>
+          <a:p>
+            <a:r>
+              <a:rPr lang="pt-BR" b="1" u="sng" dirty="0"/>
+              <a:t>Distribuição considerando a multiplicidade dos estados</a:t>
+            </a:r>
+          </a:p>
+        </p:txBody>
+      </p:sp>
+      <mc:AlternateContent xmlns:mc="http://schemas.openxmlformats.org/markup-compatibility/2006" xmlns:a14="http://schemas.microsoft.com/office/drawing/2010/main">
+        <mc:Choice Requires="a14">
+          <p:sp>
+            <p:nvSpPr>
+              <p:cNvPr id="7" name="CaixaDeTexto 6">
+                <a:extLst>
+                  <a:ext uri="{FF2B5EF4-FFF2-40B4-BE49-F238E27FC236}">
+                    <a16:creationId xmlns:a16="http://schemas.microsoft.com/office/drawing/2014/main" id="{E71C9FDB-CD04-40CB-9DB8-E6B28A7E98E6}"/>
+                  </a:ext>
+                </a:extLst>
+              </p:cNvPr>
+              <p:cNvSpPr txBox="1"/>
+              <p:nvPr/>
+            </p:nvSpPr>
+            <p:spPr>
+              <a:xfrm>
+                <a:off x="76200" y="1018138"/>
+                <a:ext cx="5629276" cy="1340880"/>
+              </a:xfrm>
+              <a:prstGeom prst="rect">
+                <a:avLst/>
+              </a:prstGeom>
+              <a:noFill/>
+            </p:spPr>
+            <p:txBody>
+              <a:bodyPr wrap="square">
+                <a:spAutoFit/>
+              </a:bodyPr>
+              <a:lstStyle/>
+              <a:p>
+                <a:pPr/>
+                <a14:m>
+                  <m:oMathPara xmlns:m="http://schemas.openxmlformats.org/officeDocument/2006/math">
+                    <m:oMathParaPr>
+                      <m:jc m:val="centerGroup"/>
+                    </m:oMathParaPr>
+                    <m:oMath xmlns:m="http://schemas.openxmlformats.org/officeDocument/2006/math">
+                      <m:d>
+                        <m:dPr>
+                          <m:begChr m:val="{"/>
+                          <m:endChr m:val=""/>
+                          <m:ctrlPr>
+                            <a:rPr lang="pt-BR" b="0" i="1" smtClean="0">
+                              <a:latin typeface="Cambria Math" panose="02040503050406030204" pitchFamily="18" charset="0"/>
+                            </a:rPr>
+                          </m:ctrlPr>
+                        </m:dPr>
+                        <m:e>
+                          <m:eqArr>
+                            <m:eqArrPr>
+                              <m:ctrlPr>
+                                <a:rPr lang="pt-BR" b="0" i="1" smtClean="0">
+                                  <a:latin typeface="Cambria Math" panose="02040503050406030204" pitchFamily="18" charset="0"/>
+                                </a:rPr>
+                              </m:ctrlPr>
+                            </m:eqArrPr>
+                            <m:e>
+                              <m:sSub>
+                                <m:sSubPr>
+                                  <m:ctrlPr>
+                                    <a:rPr lang="pt-BR" i="1">
+                                      <a:latin typeface="Cambria Math" panose="02040503050406030204" pitchFamily="18" charset="0"/>
+                                    </a:rPr>
+                                  </m:ctrlPr>
+                                </m:sSubPr>
+                                <m:e>
+                                  <m:r>
+                                    <a:rPr lang="pt-BR" i="1">
+                                      <a:latin typeface="Cambria Math" panose="02040503050406030204" pitchFamily="18" charset="0"/>
+                                    </a:rPr>
+                                    <m:t>𝑃</m:t>
+                                  </m:r>
+                                </m:e>
+                                <m:sub>
+                                  <m:r>
+                                    <a:rPr lang="pt-BR" i="1">
+                                      <a:latin typeface="Cambria Math" panose="02040503050406030204" pitchFamily="18" charset="0"/>
+                                    </a:rPr>
+                                    <m:t>𝐿</m:t>
+                                  </m:r>
+                                </m:sub>
+                              </m:sSub>
+                              <m:r>
+                                <a:rPr lang="pt-BR" i="1">
+                                  <a:latin typeface="Cambria Math" panose="02040503050406030204" pitchFamily="18" charset="0"/>
+                                </a:rPr>
+                                <m:t>=</m:t>
+                              </m:r>
+                              <m:f>
+                                <m:fPr>
+                                  <m:ctrlPr>
+                                    <a:rPr lang="pt-BR" i="1">
+                                      <a:latin typeface="Cambria Math" panose="02040503050406030204" pitchFamily="18" charset="0"/>
+                                    </a:rPr>
+                                  </m:ctrlPr>
+                                </m:fPr>
+                                <m:num>
+                                  <m:r>
+                                    <a:rPr lang="pt-BR" i="1">
+                                      <a:latin typeface="Cambria Math" panose="02040503050406030204" pitchFamily="18" charset="0"/>
+                                    </a:rPr>
+                                    <m:t>1</m:t>
+                                  </m:r>
+                                </m:num>
+                                <m:den>
+                                  <m:r>
+                                    <a:rPr lang="pt-BR" i="1">
+                                      <a:latin typeface="Cambria Math" panose="02040503050406030204" pitchFamily="18" charset="0"/>
+                                    </a:rPr>
+                                    <m:t>𝑍</m:t>
+                                  </m:r>
+                                </m:den>
+                              </m:f>
+                              <m:r>
+                                <a:rPr lang="pt-BR" i="1">
+                                  <a:latin typeface="Cambria Math" panose="02040503050406030204" pitchFamily="18" charset="0"/>
+                                </a:rPr>
+                                <m:t>∙</m:t>
+                              </m:r>
+                              <m:r>
+                                <a:rPr lang="pt-BR" b="0" i="1" smtClean="0">
+                                  <a:latin typeface="Cambria Math" panose="02040503050406030204" pitchFamily="18" charset="0"/>
+                                </a:rPr>
+                                <m:t>(</m:t>
+                              </m:r>
+                              <m:r>
+                                <a:rPr lang="pt-BR" b="0" i="1" smtClean="0">
+                                  <a:solidFill>
+                                    <a:srgbClr val="C00000"/>
+                                  </a:solidFill>
+                                  <a:latin typeface="Cambria Math" panose="02040503050406030204" pitchFamily="18" charset="0"/>
+                                </a:rPr>
+                                <m:t>1</m:t>
+                              </m:r>
+                              <m:r>
+                                <a:rPr lang="pt-BR" b="0" i="1" smtClean="0">
+                                  <a:latin typeface="Cambria Math" panose="02040503050406030204" pitchFamily="18" charset="0"/>
+                                </a:rPr>
+                                <m:t>∙</m:t>
+                              </m:r>
+                              <m:sSup>
+                                <m:sSupPr>
+                                  <m:ctrlPr>
+                                    <a:rPr lang="pt-BR" i="1">
+                                      <a:latin typeface="Cambria Math" panose="02040503050406030204" pitchFamily="18" charset="0"/>
+                                    </a:rPr>
+                                  </m:ctrlPr>
+                                </m:sSupPr>
+                                <m:e>
+                                  <m:r>
+                                    <a:rPr lang="pt-BR" i="1">
+                                      <a:latin typeface="Cambria Math" panose="02040503050406030204" pitchFamily="18" charset="0"/>
+                                    </a:rPr>
+                                    <m:t>𝑒</m:t>
+                                  </m:r>
+                                </m:e>
+                                <m:sup>
+                                  <m:r>
+                                    <a:rPr lang="pt-BR" i="1">
+                                      <a:latin typeface="Cambria Math" panose="02040503050406030204" pitchFamily="18" charset="0"/>
+                                    </a:rPr>
+                                    <m:t>−</m:t>
+                                  </m:r>
+                                  <m:r>
+                                    <a:rPr lang="pt-BR" i="1">
+                                      <a:latin typeface="Cambria Math" panose="02040503050406030204" pitchFamily="18" charset="0"/>
+                                    </a:rPr>
+                                    <m:t>𝛽</m:t>
+                                  </m:r>
+                                  <m:d>
+                                    <m:dPr>
+                                      <m:begChr m:val="⟨"/>
+                                      <m:endChr m:val="⟩"/>
+                                      <m:ctrlPr>
+                                        <a:rPr lang="pt-BR" i="1">
+                                          <a:latin typeface="Cambria Math" panose="02040503050406030204" pitchFamily="18" charset="0"/>
+                                        </a:rPr>
+                                      </m:ctrlPr>
+                                    </m:dPr>
+                                    <m:e>
+                                      <m:sSub>
+                                        <m:sSubPr>
+                                          <m:ctrlPr>
+                                            <a:rPr lang="pt-BR" i="1">
+                                              <a:latin typeface="Cambria Math" panose="02040503050406030204" pitchFamily="18" charset="0"/>
+                                            </a:rPr>
+                                          </m:ctrlPr>
+                                        </m:sSubPr>
+                                        <m:e>
+                                          <m:r>
+                                            <a:rPr lang="pt-BR" i="1">
+                                              <a:latin typeface="Cambria Math" panose="02040503050406030204" pitchFamily="18" charset="0"/>
+                                            </a:rPr>
+                                            <m:t>𝐸</m:t>
+                                          </m:r>
+                                        </m:e>
+                                        <m:sub>
+                                          <m:r>
+                                            <a:rPr lang="pt-BR" i="1">
+                                              <a:latin typeface="Cambria Math" panose="02040503050406030204" pitchFamily="18" charset="0"/>
+                                            </a:rPr>
+                                            <m:t>𝐿</m:t>
+                                          </m:r>
+                                        </m:sub>
+                                      </m:sSub>
+                                    </m:e>
+                                  </m:d>
+                                  <m:r>
+                                    <a:rPr lang="pt-BR" i="1">
+                                      <a:latin typeface="Cambria Math" panose="02040503050406030204" pitchFamily="18" charset="0"/>
+                                    </a:rPr>
+                                    <m:t>∙</m:t>
+                                  </m:r>
+                                  <m:r>
+                                    <a:rPr lang="pt-BR" i="1">
+                                      <a:solidFill>
+                                        <a:srgbClr val="183CAE"/>
+                                      </a:solidFill>
+                                      <a:latin typeface="Cambria Math" panose="02040503050406030204" pitchFamily="18" charset="0"/>
+                                    </a:rPr>
+                                    <m:t>1</m:t>
+                                  </m:r>
+                                </m:sup>
+                              </m:sSup>
+                              <m:r>
+                                <a:rPr lang="pt-BR" i="1">
+                                  <a:latin typeface="Cambria Math" panose="02040503050406030204" pitchFamily="18" charset="0"/>
+                                </a:rPr>
+                                <m:t>)∙</m:t>
+                              </m:r>
+                              <m:d>
+                                <m:dPr>
+                                  <m:ctrlPr>
+                                    <a:rPr lang="pt-BR" i="1">
+                                      <a:latin typeface="Cambria Math" panose="02040503050406030204" pitchFamily="18" charset="0"/>
+                                    </a:rPr>
+                                  </m:ctrlPr>
+                                </m:dPr>
+                                <m:e>
+                                  <m:r>
+                                    <a:rPr lang="pt-BR" i="1">
+                                      <a:solidFill>
+                                        <a:srgbClr val="C00000"/>
+                                      </a:solidFill>
+                                      <a:latin typeface="Cambria Math" panose="02040503050406030204" pitchFamily="18" charset="0"/>
+                                    </a:rPr>
+                                    <m:t>2</m:t>
+                                  </m:r>
+                                  <m:r>
+                                    <a:rPr lang="pt-BR" i="1">
+                                      <a:latin typeface="Cambria Math" panose="02040503050406030204" pitchFamily="18" charset="0"/>
+                                    </a:rPr>
+                                    <m:t>∙</m:t>
+                                  </m:r>
+                                  <m:sSup>
+                                    <m:sSupPr>
+                                      <m:ctrlPr>
+                                        <a:rPr lang="pt-BR" i="1">
+                                          <a:latin typeface="Cambria Math" panose="02040503050406030204" pitchFamily="18" charset="0"/>
+                                        </a:rPr>
+                                      </m:ctrlPr>
+                                    </m:sSupPr>
+                                    <m:e>
+                                      <m:r>
+                                        <a:rPr lang="pt-BR" i="1">
+                                          <a:latin typeface="Cambria Math" panose="02040503050406030204" pitchFamily="18" charset="0"/>
+                                        </a:rPr>
+                                        <m:t>𝑒</m:t>
+                                      </m:r>
+                                    </m:e>
+                                    <m:sup>
+                                      <m:r>
+                                        <a:rPr lang="pt-BR" i="1">
+                                          <a:latin typeface="Cambria Math" panose="02040503050406030204" pitchFamily="18" charset="0"/>
+                                        </a:rPr>
+                                        <m:t>−</m:t>
+                                      </m:r>
+                                      <m:r>
+                                        <a:rPr lang="pt-BR" i="1">
+                                          <a:latin typeface="Cambria Math" panose="02040503050406030204" pitchFamily="18" charset="0"/>
+                                        </a:rPr>
+                                        <m:t>𝛽</m:t>
+                                      </m:r>
+                                      <m:d>
+                                        <m:dPr>
+                                          <m:begChr m:val="⟨"/>
+                                          <m:endChr m:val="⟩"/>
+                                          <m:ctrlPr>
+                                            <a:rPr lang="pt-BR" i="1">
+                                              <a:latin typeface="Cambria Math" panose="02040503050406030204" pitchFamily="18" charset="0"/>
+                                            </a:rPr>
+                                          </m:ctrlPr>
+                                        </m:dPr>
+                                        <m:e>
+                                          <m:sSub>
+                                            <m:sSubPr>
+                                              <m:ctrlPr>
+                                                <a:rPr lang="pt-BR" i="1">
+                                                  <a:latin typeface="Cambria Math" panose="02040503050406030204" pitchFamily="18" charset="0"/>
+                                                </a:rPr>
+                                              </m:ctrlPr>
+                                            </m:sSubPr>
+                                            <m:e>
+                                              <m:r>
+                                                <a:rPr lang="pt-BR" i="1">
+                                                  <a:latin typeface="Cambria Math" panose="02040503050406030204" pitchFamily="18" charset="0"/>
+                                                </a:rPr>
+                                                <m:t>𝐸</m:t>
+                                              </m:r>
+                                            </m:e>
+                                            <m:sub>
+                                              <m:r>
+                                                <a:rPr lang="pt-BR" i="1">
+                                                  <a:latin typeface="Cambria Math" panose="02040503050406030204" pitchFamily="18" charset="0"/>
+                                                </a:rPr>
+                                                <m:t>𝐹</m:t>
+                                              </m:r>
+                                            </m:sub>
+                                          </m:sSub>
+                                        </m:e>
+                                      </m:d>
+                                      <m:r>
+                                        <a:rPr lang="pt-BR" i="1">
+                                          <a:latin typeface="Cambria Math" panose="02040503050406030204" pitchFamily="18" charset="0"/>
+                                        </a:rPr>
+                                        <m:t>∙</m:t>
+                                      </m:r>
+                                      <m:r>
+                                        <a:rPr lang="pt-BR" i="1">
+                                          <a:solidFill>
+                                            <a:srgbClr val="183CAE"/>
+                                          </a:solidFill>
+                                          <a:latin typeface="Cambria Math" panose="02040503050406030204" pitchFamily="18" charset="0"/>
+                                        </a:rPr>
+                                        <m:t>0</m:t>
+                                      </m:r>
+                                    </m:sup>
+                                  </m:sSup>
+                                </m:e>
+                              </m:d>
+                              <m:r>
+                                <a:rPr lang="pt-BR" b="0" i="1" smtClean="0">
+                                  <a:solidFill>
+                                    <a:schemeClr val="tx1"/>
+                                  </a:solidFill>
+                                  <a:latin typeface="Cambria Math" panose="02040503050406030204" pitchFamily="18" charset="0"/>
+                                </a:rPr>
+                                <m:t>=</m:t>
+                              </m:r>
+                              <m:f>
+                                <m:fPr>
+                                  <m:ctrlPr>
+                                    <a:rPr lang="pt-BR" b="0" i="1" smtClean="0">
+                                      <a:solidFill>
+                                        <a:schemeClr val="tx1"/>
+                                      </a:solidFill>
+                                      <a:latin typeface="Cambria Math" panose="02040503050406030204" pitchFamily="18" charset="0"/>
+                                    </a:rPr>
+                                  </m:ctrlPr>
+                                </m:fPr>
+                                <m:num>
+                                  <m:r>
+                                    <a:rPr lang="pt-BR" b="0" i="1" smtClean="0">
+                                      <a:solidFill>
+                                        <a:schemeClr val="tx1"/>
+                                      </a:solidFill>
+                                      <a:latin typeface="Cambria Math" panose="02040503050406030204" pitchFamily="18" charset="0"/>
+                                    </a:rPr>
+                                    <m:t>2</m:t>
+                                  </m:r>
+                                </m:num>
+                                <m:den>
+                                  <m:r>
+                                    <a:rPr lang="pt-BR" b="0" i="1" smtClean="0">
+                                      <a:solidFill>
+                                        <a:schemeClr val="tx1"/>
+                                      </a:solidFill>
+                                      <a:latin typeface="Cambria Math" panose="02040503050406030204" pitchFamily="18" charset="0"/>
+                                    </a:rPr>
+                                    <m:t>𝑍</m:t>
+                                  </m:r>
+                                </m:den>
+                              </m:f>
+                              <m:r>
+                                <a:rPr lang="pt-BR" b="0" i="1" smtClean="0">
+                                  <a:solidFill>
+                                    <a:schemeClr val="tx1"/>
+                                  </a:solidFill>
+                                  <a:latin typeface="Cambria Math" panose="02040503050406030204" pitchFamily="18" charset="0"/>
+                                </a:rPr>
+                                <m:t>∙</m:t>
+                              </m:r>
+                              <m:sSup>
+                                <m:sSupPr>
+                                  <m:ctrlPr>
+                                    <a:rPr lang="pt-BR" i="1">
+                                      <a:latin typeface="Cambria Math" panose="02040503050406030204" pitchFamily="18" charset="0"/>
+                                    </a:rPr>
+                                  </m:ctrlPr>
+                                </m:sSupPr>
+                                <m:e>
+                                  <m:r>
+                                    <a:rPr lang="pt-BR" i="1">
+                                      <a:latin typeface="Cambria Math" panose="02040503050406030204" pitchFamily="18" charset="0"/>
+                                    </a:rPr>
+                                    <m:t>𝑒</m:t>
+                                  </m:r>
+                                </m:e>
+                                <m:sup>
+                                  <m:r>
+                                    <a:rPr lang="pt-BR" i="1">
+                                      <a:latin typeface="Cambria Math" panose="02040503050406030204" pitchFamily="18" charset="0"/>
+                                    </a:rPr>
+                                    <m:t>−</m:t>
+                                  </m:r>
+                                  <m:r>
+                                    <a:rPr lang="pt-BR" i="1">
+                                      <a:latin typeface="Cambria Math" panose="02040503050406030204" pitchFamily="18" charset="0"/>
+                                    </a:rPr>
+                                    <m:t>𝛽</m:t>
+                                  </m:r>
+                                  <m:d>
+                                    <m:dPr>
+                                      <m:begChr m:val="⟨"/>
+                                      <m:endChr m:val="⟩"/>
+                                      <m:ctrlPr>
+                                        <a:rPr lang="pt-BR" i="1">
+                                          <a:latin typeface="Cambria Math" panose="02040503050406030204" pitchFamily="18" charset="0"/>
+                                        </a:rPr>
+                                      </m:ctrlPr>
+                                    </m:dPr>
+                                    <m:e>
+                                      <m:sSub>
+                                        <m:sSubPr>
+                                          <m:ctrlPr>
+                                            <a:rPr lang="pt-BR" i="1">
+                                              <a:latin typeface="Cambria Math" panose="02040503050406030204" pitchFamily="18" charset="0"/>
+                                            </a:rPr>
+                                          </m:ctrlPr>
+                                        </m:sSubPr>
+                                        <m:e>
+                                          <m:r>
+                                            <a:rPr lang="pt-BR" i="1">
+                                              <a:latin typeface="Cambria Math" panose="02040503050406030204" pitchFamily="18" charset="0"/>
+                                            </a:rPr>
+                                            <m:t>𝐸</m:t>
+                                          </m:r>
+                                        </m:e>
+                                        <m:sub>
+                                          <m:r>
+                                            <a:rPr lang="pt-BR" i="1">
+                                              <a:latin typeface="Cambria Math" panose="02040503050406030204" pitchFamily="18" charset="0"/>
+                                            </a:rPr>
+                                            <m:t>𝐿</m:t>
+                                          </m:r>
+                                        </m:sub>
+                                      </m:sSub>
+                                    </m:e>
+                                  </m:d>
+                                </m:sup>
+                              </m:sSup>
+                            </m:e>
+                            <m:e>
+                              <m:sSub>
+                                <m:sSubPr>
+                                  <m:ctrlPr>
+                                    <a:rPr lang="pt-BR" i="1">
+                                      <a:latin typeface="Cambria Math" panose="02040503050406030204" pitchFamily="18" charset="0"/>
+                                    </a:rPr>
+                                  </m:ctrlPr>
+                                </m:sSubPr>
+                                <m:e>
+                                  <m:r>
+                                    <a:rPr lang="pt-BR" i="1">
+                                      <a:latin typeface="Cambria Math" panose="02040503050406030204" pitchFamily="18" charset="0"/>
+                                    </a:rPr>
+                                    <m:t>𝑃</m:t>
+                                  </m:r>
+                                </m:e>
+                                <m:sub>
+                                  <m:r>
+                                    <a:rPr lang="pt-BR" i="1">
+                                      <a:latin typeface="Cambria Math" panose="02040503050406030204" pitchFamily="18" charset="0"/>
+                                    </a:rPr>
+                                    <m:t>𝐹</m:t>
+                                  </m:r>
+                                </m:sub>
+                              </m:sSub>
+                              <m:r>
+                                <a:rPr lang="pt-BR" i="1">
+                                  <a:latin typeface="Cambria Math" panose="02040503050406030204" pitchFamily="18" charset="0"/>
+                                </a:rPr>
+                                <m:t>=</m:t>
+                              </m:r>
+                              <m:f>
+                                <m:fPr>
+                                  <m:ctrlPr>
+                                    <a:rPr lang="pt-BR" i="1">
+                                      <a:latin typeface="Cambria Math" panose="02040503050406030204" pitchFamily="18" charset="0"/>
+                                    </a:rPr>
+                                  </m:ctrlPr>
+                                </m:fPr>
+                                <m:num>
+                                  <m:r>
+                                    <a:rPr lang="pt-BR" i="1">
+                                      <a:latin typeface="Cambria Math" panose="02040503050406030204" pitchFamily="18" charset="0"/>
+                                    </a:rPr>
+                                    <m:t>1</m:t>
+                                  </m:r>
+                                </m:num>
+                                <m:den>
+                                  <m:r>
+                                    <a:rPr lang="pt-BR" i="1">
+                                      <a:latin typeface="Cambria Math" panose="02040503050406030204" pitchFamily="18" charset="0"/>
+                                    </a:rPr>
+                                    <m:t>𝑍</m:t>
+                                  </m:r>
+                                </m:den>
+                              </m:f>
+                              <m:r>
+                                <a:rPr lang="pt-BR" i="1">
+                                  <a:latin typeface="Cambria Math" panose="02040503050406030204" pitchFamily="18" charset="0"/>
+                                </a:rPr>
+                                <m:t>∙</m:t>
+                              </m:r>
+                              <m:sSup>
+                                <m:sSupPr>
+                                  <m:ctrlPr>
+                                    <a:rPr lang="pt-BR" i="1">
+                                      <a:latin typeface="Cambria Math" panose="02040503050406030204" pitchFamily="18" charset="0"/>
+                                    </a:rPr>
+                                  </m:ctrlPr>
+                                </m:sSupPr>
+                                <m:e>
+                                  <m:r>
+                                    <a:rPr lang="pt-BR" i="1">
+                                      <a:latin typeface="Cambria Math" panose="02040503050406030204" pitchFamily="18" charset="0"/>
+                                    </a:rPr>
+                                    <m:t>(</m:t>
+                                  </m:r>
+                                  <m:r>
+                                    <a:rPr lang="pt-BR" i="1">
+                                      <a:solidFill>
+                                        <a:srgbClr val="C00000"/>
+                                      </a:solidFill>
+                                      <a:latin typeface="Cambria Math" panose="02040503050406030204" pitchFamily="18" charset="0"/>
+                                    </a:rPr>
+                                    <m:t>1</m:t>
+                                  </m:r>
+                                  <m:r>
+                                    <a:rPr lang="pt-BR" i="1">
+                                      <a:latin typeface="Cambria Math" panose="02040503050406030204" pitchFamily="18" charset="0"/>
+                                    </a:rPr>
+                                    <m:t>∙</m:t>
+                                  </m:r>
+                                  <m:r>
+                                    <a:rPr lang="pt-BR" i="1">
+                                      <a:latin typeface="Cambria Math" panose="02040503050406030204" pitchFamily="18" charset="0"/>
+                                    </a:rPr>
+                                    <m:t>𝑒</m:t>
+                                  </m:r>
+                                </m:e>
+                                <m:sup>
+                                  <m:r>
+                                    <a:rPr lang="pt-BR" i="1">
+                                      <a:latin typeface="Cambria Math" panose="02040503050406030204" pitchFamily="18" charset="0"/>
+                                    </a:rPr>
+                                    <m:t>−</m:t>
+                                  </m:r>
+                                  <m:r>
+                                    <a:rPr lang="pt-BR" i="1">
+                                      <a:latin typeface="Cambria Math" panose="02040503050406030204" pitchFamily="18" charset="0"/>
+                                    </a:rPr>
+                                    <m:t>𝛽</m:t>
+                                  </m:r>
+                                  <m:d>
+                                    <m:dPr>
+                                      <m:begChr m:val="⟨"/>
+                                      <m:endChr m:val="⟩"/>
+                                      <m:ctrlPr>
+                                        <a:rPr lang="pt-BR" i="1">
+                                          <a:latin typeface="Cambria Math" panose="02040503050406030204" pitchFamily="18" charset="0"/>
+                                        </a:rPr>
+                                      </m:ctrlPr>
+                                    </m:dPr>
+                                    <m:e>
+                                      <m:sSub>
+                                        <m:sSubPr>
+                                          <m:ctrlPr>
+                                            <a:rPr lang="pt-BR" i="1">
+                                              <a:latin typeface="Cambria Math" panose="02040503050406030204" pitchFamily="18" charset="0"/>
+                                            </a:rPr>
+                                          </m:ctrlPr>
+                                        </m:sSubPr>
+                                        <m:e>
+                                          <m:r>
+                                            <a:rPr lang="pt-BR" i="1">
+                                              <a:latin typeface="Cambria Math" panose="02040503050406030204" pitchFamily="18" charset="0"/>
+                                            </a:rPr>
+                                            <m:t>𝐸</m:t>
+                                          </m:r>
+                                        </m:e>
+                                        <m:sub>
+                                          <m:r>
+                                            <a:rPr lang="pt-BR" i="1">
+                                              <a:latin typeface="Cambria Math" panose="02040503050406030204" pitchFamily="18" charset="0"/>
+                                            </a:rPr>
+                                            <m:t>𝐿</m:t>
+                                          </m:r>
+                                        </m:sub>
+                                      </m:sSub>
+                                    </m:e>
+                                  </m:d>
+                                  <m:r>
+                                    <a:rPr lang="pt-BR" i="1">
+                                      <a:latin typeface="Cambria Math" panose="02040503050406030204" pitchFamily="18" charset="0"/>
+                                    </a:rPr>
+                                    <m:t>∙</m:t>
+                                  </m:r>
+                                  <m:r>
+                                    <a:rPr lang="pt-BR" i="1">
+                                      <a:solidFill>
+                                        <a:srgbClr val="183CAE"/>
+                                      </a:solidFill>
+                                      <a:latin typeface="Cambria Math" panose="02040503050406030204" pitchFamily="18" charset="0"/>
+                                    </a:rPr>
+                                    <m:t>0</m:t>
+                                  </m:r>
+                                </m:sup>
+                              </m:sSup>
+                              <m:r>
+                                <a:rPr lang="pt-BR" i="1">
+                                  <a:latin typeface="Cambria Math" panose="02040503050406030204" pitchFamily="18" charset="0"/>
+                                </a:rPr>
+                                <m:t>)∙</m:t>
+                              </m:r>
+                              <m:d>
+                                <m:dPr>
+                                  <m:ctrlPr>
+                                    <a:rPr lang="pt-BR" i="1">
+                                      <a:latin typeface="Cambria Math" panose="02040503050406030204" pitchFamily="18" charset="0"/>
+                                    </a:rPr>
+                                  </m:ctrlPr>
+                                </m:dPr>
+                                <m:e>
+                                  <m:r>
+                                    <a:rPr lang="pt-BR" i="1">
+                                      <a:solidFill>
+                                        <a:srgbClr val="C00000"/>
+                                      </a:solidFill>
+                                      <a:latin typeface="Cambria Math" panose="02040503050406030204" pitchFamily="18" charset="0"/>
+                                    </a:rPr>
+                                    <m:t>2</m:t>
+                                  </m:r>
+                                  <m:r>
+                                    <a:rPr lang="pt-BR" i="1">
+                                      <a:latin typeface="Cambria Math" panose="02040503050406030204" pitchFamily="18" charset="0"/>
+                                    </a:rPr>
+                                    <m:t>∙</m:t>
+                                  </m:r>
+                                  <m:sSup>
+                                    <m:sSupPr>
+                                      <m:ctrlPr>
+                                        <a:rPr lang="pt-BR" i="1">
+                                          <a:latin typeface="Cambria Math" panose="02040503050406030204" pitchFamily="18" charset="0"/>
+                                        </a:rPr>
+                                      </m:ctrlPr>
+                                    </m:sSupPr>
+                                    <m:e>
+                                      <m:r>
+                                        <a:rPr lang="pt-BR" i="1">
+                                          <a:latin typeface="Cambria Math" panose="02040503050406030204" pitchFamily="18" charset="0"/>
+                                        </a:rPr>
+                                        <m:t>𝑒</m:t>
+                                      </m:r>
+                                    </m:e>
+                                    <m:sup>
+                                      <m:r>
+                                        <a:rPr lang="pt-BR" i="1">
+                                          <a:latin typeface="Cambria Math" panose="02040503050406030204" pitchFamily="18" charset="0"/>
+                                        </a:rPr>
+                                        <m:t>−</m:t>
+                                      </m:r>
+                                      <m:r>
+                                        <a:rPr lang="pt-BR" i="1">
+                                          <a:latin typeface="Cambria Math" panose="02040503050406030204" pitchFamily="18" charset="0"/>
+                                        </a:rPr>
+                                        <m:t>𝛽</m:t>
+                                      </m:r>
+                                      <m:d>
+                                        <m:dPr>
+                                          <m:begChr m:val="⟨"/>
+                                          <m:endChr m:val="⟩"/>
+                                          <m:ctrlPr>
+                                            <a:rPr lang="pt-BR" i="1">
+                                              <a:latin typeface="Cambria Math" panose="02040503050406030204" pitchFamily="18" charset="0"/>
+                                            </a:rPr>
+                                          </m:ctrlPr>
+                                        </m:dPr>
+                                        <m:e>
+                                          <m:sSub>
+                                            <m:sSubPr>
+                                              <m:ctrlPr>
+                                                <a:rPr lang="pt-BR" i="1">
+                                                  <a:latin typeface="Cambria Math" panose="02040503050406030204" pitchFamily="18" charset="0"/>
+                                                </a:rPr>
+                                              </m:ctrlPr>
+                                            </m:sSubPr>
+                                            <m:e>
+                                              <m:r>
+                                                <a:rPr lang="pt-BR" i="1">
+                                                  <a:latin typeface="Cambria Math" panose="02040503050406030204" pitchFamily="18" charset="0"/>
+                                                </a:rPr>
+                                                <m:t>𝐸</m:t>
+                                              </m:r>
+                                            </m:e>
+                                            <m:sub>
+                                              <m:r>
+                                                <a:rPr lang="pt-BR" i="1">
+                                                  <a:latin typeface="Cambria Math" panose="02040503050406030204" pitchFamily="18" charset="0"/>
+                                                </a:rPr>
+                                                <m:t>𝐹</m:t>
+                                              </m:r>
+                                            </m:sub>
+                                          </m:sSub>
+                                        </m:e>
+                                      </m:d>
+                                      <m:r>
+                                        <a:rPr lang="pt-BR" i="1">
+                                          <a:latin typeface="Cambria Math" panose="02040503050406030204" pitchFamily="18" charset="0"/>
+                                        </a:rPr>
+                                        <m:t>∙</m:t>
+                                      </m:r>
+                                      <m:r>
+                                        <a:rPr lang="pt-BR" i="1">
+                                          <a:solidFill>
+                                            <a:srgbClr val="183CAE"/>
+                                          </a:solidFill>
+                                          <a:latin typeface="Cambria Math" panose="02040503050406030204" pitchFamily="18" charset="0"/>
+                                        </a:rPr>
+                                        <m:t>1</m:t>
+                                      </m:r>
+                                    </m:sup>
+                                  </m:sSup>
+                                </m:e>
+                              </m:d>
+                              <m:r>
+                                <a:rPr lang="pt-BR" b="0" i="1" smtClean="0">
+                                  <a:solidFill>
+                                    <a:schemeClr val="tx1"/>
+                                  </a:solidFill>
+                                  <a:latin typeface="Cambria Math" panose="02040503050406030204" pitchFamily="18" charset="0"/>
+                                </a:rPr>
+                                <m:t>=</m:t>
+                              </m:r>
+                              <m:f>
+                                <m:fPr>
+                                  <m:ctrlPr>
+                                    <a:rPr lang="pt-BR" i="1">
+                                      <a:latin typeface="Cambria Math" panose="02040503050406030204" pitchFamily="18" charset="0"/>
+                                    </a:rPr>
+                                  </m:ctrlPr>
+                                </m:fPr>
+                                <m:num>
+                                  <m:r>
+                                    <a:rPr lang="pt-BR" i="1">
+                                      <a:latin typeface="Cambria Math" panose="02040503050406030204" pitchFamily="18" charset="0"/>
+                                    </a:rPr>
+                                    <m:t>2</m:t>
+                                  </m:r>
+                                </m:num>
+                                <m:den>
+                                  <m:r>
+                                    <a:rPr lang="pt-BR" i="1">
+                                      <a:latin typeface="Cambria Math" panose="02040503050406030204" pitchFamily="18" charset="0"/>
+                                    </a:rPr>
+                                    <m:t>𝑍</m:t>
+                                  </m:r>
+                                </m:den>
+                              </m:f>
+                              <m:r>
+                                <a:rPr lang="pt-BR" i="1">
+                                  <a:latin typeface="Cambria Math" panose="02040503050406030204" pitchFamily="18" charset="0"/>
+                                </a:rPr>
+                                <m:t>∙</m:t>
+                              </m:r>
+                              <m:sSup>
+                                <m:sSupPr>
+                                  <m:ctrlPr>
+                                    <a:rPr lang="pt-BR" i="1">
+                                      <a:latin typeface="Cambria Math" panose="02040503050406030204" pitchFamily="18" charset="0"/>
+                                    </a:rPr>
+                                  </m:ctrlPr>
+                                </m:sSupPr>
+                                <m:e>
+                                  <m:r>
+                                    <a:rPr lang="pt-BR" i="1">
+                                      <a:latin typeface="Cambria Math" panose="02040503050406030204" pitchFamily="18" charset="0"/>
+                                    </a:rPr>
+                                    <m:t>𝑒</m:t>
+                                  </m:r>
+                                </m:e>
+                                <m:sup>
+                                  <m:r>
+                                    <a:rPr lang="pt-BR" i="1">
+                                      <a:latin typeface="Cambria Math" panose="02040503050406030204" pitchFamily="18" charset="0"/>
+                                    </a:rPr>
+                                    <m:t>−</m:t>
+                                  </m:r>
+                                  <m:r>
+                                    <a:rPr lang="pt-BR" i="1">
+                                      <a:latin typeface="Cambria Math" panose="02040503050406030204" pitchFamily="18" charset="0"/>
+                                    </a:rPr>
+                                    <m:t>𝛽</m:t>
+                                  </m:r>
+                                  <m:d>
+                                    <m:dPr>
+                                      <m:begChr m:val="⟨"/>
+                                      <m:endChr m:val="⟩"/>
+                                      <m:ctrlPr>
+                                        <a:rPr lang="pt-BR" i="1">
+                                          <a:latin typeface="Cambria Math" panose="02040503050406030204" pitchFamily="18" charset="0"/>
+                                        </a:rPr>
+                                      </m:ctrlPr>
+                                    </m:dPr>
+                                    <m:e>
+                                      <m:sSub>
+                                        <m:sSubPr>
+                                          <m:ctrlPr>
+                                            <a:rPr lang="pt-BR" i="1">
+                                              <a:latin typeface="Cambria Math" panose="02040503050406030204" pitchFamily="18" charset="0"/>
+                                            </a:rPr>
+                                          </m:ctrlPr>
+                                        </m:sSubPr>
+                                        <m:e>
+                                          <m:r>
+                                            <a:rPr lang="pt-BR" i="1">
+                                              <a:latin typeface="Cambria Math" panose="02040503050406030204" pitchFamily="18" charset="0"/>
+                                            </a:rPr>
+                                            <m:t>𝐸</m:t>
+                                          </m:r>
+                                        </m:e>
+                                        <m:sub>
+                                          <m:r>
+                                            <a:rPr lang="pt-BR" b="0" i="1" smtClean="0">
+                                              <a:latin typeface="Cambria Math" panose="02040503050406030204" pitchFamily="18" charset="0"/>
+                                            </a:rPr>
+                                            <m:t>𝐹</m:t>
+                                          </m:r>
+                                        </m:sub>
+                                      </m:sSub>
+                                    </m:e>
+                                  </m:d>
+                                </m:sup>
+                              </m:sSup>
+                            </m:e>
+                          </m:eqArr>
+                        </m:e>
+                      </m:d>
+                    </m:oMath>
+                  </m:oMathPara>
+                </a14:m>
+                <a:endParaRPr lang="pt-BR" dirty="0"/>
+              </a:p>
+            </p:txBody>
+          </p:sp>
+        </mc:Choice>
+        <mc:Fallback xmlns="">
+          <p:sp>
+            <p:nvSpPr>
+              <p:cNvPr id="7" name="CaixaDeTexto 6">
+                <a:extLst>
+                  <a:ext uri="{FF2B5EF4-FFF2-40B4-BE49-F238E27FC236}">
+                    <a16:creationId xmlns:a16="http://schemas.microsoft.com/office/drawing/2014/main" id="{E71C9FDB-CD04-40CB-9DB8-E6B28A7E98E6}"/>
+                  </a:ext>
+                </a:extLst>
+              </p:cNvPr>
+              <p:cNvSpPr txBox="1">
+                <a:spLocks noRot="1" noChangeAspect="1" noMove="1" noResize="1" noEditPoints="1" noAdjustHandles="1" noChangeArrowheads="1" noChangeShapeType="1" noTextEdit="1"/>
+              </p:cNvSpPr>
+              <p:nvPr/>
+            </p:nvSpPr>
+            <p:spPr>
+              <a:xfrm>
+                <a:off x="76200" y="1018138"/>
+                <a:ext cx="5629276" cy="1340880"/>
+              </a:xfrm>
+              <a:prstGeom prst="rect">
+                <a:avLst/>
+              </a:prstGeom>
+              <a:blipFill>
+                <a:blip r:embed="rId2"/>
+                <a:stretch>
+                  <a:fillRect/>
+                </a:stretch>
+              </a:blipFill>
+            </p:spPr>
+            <p:txBody>
+              <a:bodyPr/>
+              <a:lstStyle/>
+              <a:p>
+                <a:r>
+                  <a:rPr lang="pt-BR">
+                    <a:noFill/>
+                  </a:rPr>
+                  <a:t> </a:t>
+                </a:r>
+              </a:p>
+            </p:txBody>
+          </p:sp>
+        </mc:Fallback>
+      </mc:AlternateContent>
+      <mc:AlternateContent xmlns:mc="http://schemas.openxmlformats.org/markup-compatibility/2006" xmlns:a14="http://schemas.microsoft.com/office/drawing/2010/main">
+        <mc:Choice Requires="a14">
+          <p:sp>
+            <p:nvSpPr>
+              <p:cNvPr id="9" name="CaixaDeTexto 8">
+                <a:extLst>
+                  <a:ext uri="{FF2B5EF4-FFF2-40B4-BE49-F238E27FC236}">
+                    <a16:creationId xmlns:a16="http://schemas.microsoft.com/office/drawing/2014/main" id="{6EDC322C-08DC-4445-A866-E6F3184AF8E2}"/>
+                  </a:ext>
+                </a:extLst>
+              </p:cNvPr>
+              <p:cNvSpPr txBox="1"/>
+              <p:nvPr/>
+            </p:nvSpPr>
+            <p:spPr>
+              <a:xfrm>
+                <a:off x="-904875" y="2628151"/>
+                <a:ext cx="9144000" cy="610936"/>
+              </a:xfrm>
+              <a:prstGeom prst="rect">
+                <a:avLst/>
+              </a:prstGeom>
+              <a:noFill/>
+            </p:spPr>
+            <p:txBody>
+              <a:bodyPr wrap="square">
+                <a:spAutoFit/>
+              </a:bodyPr>
+              <a:lstStyle/>
+              <a:p>
+                <a:pPr/>
+                <a14:m>
+                  <m:oMathPara xmlns:m="http://schemas.openxmlformats.org/officeDocument/2006/math">
+                    <m:oMathParaPr>
+                      <m:jc m:val="centerGroup"/>
+                    </m:oMathParaPr>
+                    <m:oMath xmlns:m="http://schemas.openxmlformats.org/officeDocument/2006/math">
+                      <m:sSub>
+                        <m:sSubPr>
+                          <m:ctrlPr>
+                            <a:rPr lang="pt-BR" sz="1800" i="1" smtClean="0">
+                              <a:latin typeface="Cambria Math" panose="02040503050406030204" pitchFamily="18" charset="0"/>
+                            </a:rPr>
+                          </m:ctrlPr>
+                        </m:sSubPr>
+                        <m:e>
+                          <m:r>
+                            <a:rPr lang="pt-BR" sz="1800" b="0" i="1" smtClean="0">
+                              <a:latin typeface="Cambria Math" panose="02040503050406030204" pitchFamily="18" charset="0"/>
+                            </a:rPr>
+                            <m:t>𝑃</m:t>
+                          </m:r>
+                        </m:e>
+                        <m:sub>
+                          <m:r>
+                            <a:rPr lang="pt-BR" sz="1800" b="0" i="1" smtClean="0">
+                              <a:latin typeface="Cambria Math" panose="02040503050406030204" pitchFamily="18" charset="0"/>
+                            </a:rPr>
+                            <m:t>𝐿</m:t>
+                          </m:r>
+                        </m:sub>
+                      </m:sSub>
+                      <m:r>
+                        <a:rPr lang="pt-BR" sz="1800" b="0" i="1" smtClean="0">
+                          <a:latin typeface="Cambria Math" panose="02040503050406030204" pitchFamily="18" charset="0"/>
+                        </a:rPr>
+                        <m:t>+</m:t>
+                      </m:r>
+                      <m:sSub>
+                        <m:sSubPr>
+                          <m:ctrlPr>
+                            <a:rPr lang="pt-BR" sz="1800" b="0" i="1" smtClean="0">
+                              <a:latin typeface="Cambria Math" panose="02040503050406030204" pitchFamily="18" charset="0"/>
+                            </a:rPr>
+                          </m:ctrlPr>
+                        </m:sSubPr>
+                        <m:e>
+                          <m:r>
+                            <a:rPr lang="pt-BR" sz="1800" b="0" i="1" smtClean="0">
+                              <a:latin typeface="Cambria Math" panose="02040503050406030204" pitchFamily="18" charset="0"/>
+                            </a:rPr>
+                            <m:t>𝑃</m:t>
+                          </m:r>
+                        </m:e>
+                        <m:sub>
+                          <m:r>
+                            <a:rPr lang="pt-BR" sz="1800" b="0" i="1" smtClean="0">
+                              <a:latin typeface="Cambria Math" panose="02040503050406030204" pitchFamily="18" charset="0"/>
+                            </a:rPr>
+                            <m:t>𝐹</m:t>
+                          </m:r>
+                        </m:sub>
+                      </m:sSub>
+                      <m:r>
+                        <a:rPr lang="pt-BR" sz="1800" b="0" i="1" smtClean="0">
+                          <a:latin typeface="Cambria Math" panose="02040503050406030204" pitchFamily="18" charset="0"/>
+                        </a:rPr>
+                        <m:t>=1⇔</m:t>
+                      </m:r>
+                      <m:f>
+                        <m:fPr>
+                          <m:ctrlPr>
+                            <a:rPr lang="pt-BR" i="1">
+                              <a:latin typeface="Cambria Math" panose="02040503050406030204" pitchFamily="18" charset="0"/>
+                            </a:rPr>
+                          </m:ctrlPr>
+                        </m:fPr>
+                        <m:num>
+                          <m:r>
+                            <a:rPr lang="pt-BR" i="1">
+                              <a:latin typeface="Cambria Math" panose="02040503050406030204" pitchFamily="18" charset="0"/>
+                            </a:rPr>
+                            <m:t>2</m:t>
+                          </m:r>
+                        </m:num>
+                        <m:den>
+                          <m:r>
+                            <a:rPr lang="pt-BR" i="1">
+                              <a:latin typeface="Cambria Math" panose="02040503050406030204" pitchFamily="18" charset="0"/>
+                            </a:rPr>
+                            <m:t>𝑍</m:t>
+                          </m:r>
+                        </m:den>
+                      </m:f>
+                      <m:r>
+                        <a:rPr lang="pt-BR" i="1">
+                          <a:latin typeface="Cambria Math" panose="02040503050406030204" pitchFamily="18" charset="0"/>
+                        </a:rPr>
+                        <m:t>∙</m:t>
+                      </m:r>
+                      <m:d>
+                        <m:dPr>
+                          <m:ctrlPr>
+                            <a:rPr lang="pt-BR" b="0" i="1" smtClean="0">
+                              <a:latin typeface="Cambria Math" panose="02040503050406030204" pitchFamily="18" charset="0"/>
+                            </a:rPr>
+                          </m:ctrlPr>
+                        </m:dPr>
+                        <m:e>
+                          <m:sSup>
+                            <m:sSupPr>
+                              <m:ctrlPr>
+                                <a:rPr lang="pt-BR" i="1">
+                                  <a:latin typeface="Cambria Math" panose="02040503050406030204" pitchFamily="18" charset="0"/>
+                                </a:rPr>
+                              </m:ctrlPr>
+                            </m:sSupPr>
+                            <m:e>
+                              <m:r>
+                                <a:rPr lang="pt-BR" i="1">
+                                  <a:latin typeface="Cambria Math" panose="02040503050406030204" pitchFamily="18" charset="0"/>
+                                </a:rPr>
+                                <m:t>𝑒</m:t>
+                              </m:r>
+                            </m:e>
+                            <m:sup>
+                              <m:r>
+                                <a:rPr lang="pt-BR" i="1">
+                                  <a:latin typeface="Cambria Math" panose="02040503050406030204" pitchFamily="18" charset="0"/>
+                                </a:rPr>
+                                <m:t>−</m:t>
+                              </m:r>
+                              <m:r>
+                                <a:rPr lang="pt-BR" i="1">
+                                  <a:latin typeface="Cambria Math" panose="02040503050406030204" pitchFamily="18" charset="0"/>
+                                </a:rPr>
+                                <m:t>𝛽</m:t>
+                              </m:r>
+                              <m:d>
+                                <m:dPr>
+                                  <m:begChr m:val="⟨"/>
+                                  <m:endChr m:val="⟩"/>
+                                  <m:ctrlPr>
+                                    <a:rPr lang="pt-BR" i="1">
+                                      <a:latin typeface="Cambria Math" panose="02040503050406030204" pitchFamily="18" charset="0"/>
+                                    </a:rPr>
+                                  </m:ctrlPr>
+                                </m:dPr>
+                                <m:e>
+                                  <m:sSub>
+                                    <m:sSubPr>
+                                      <m:ctrlPr>
+                                        <a:rPr lang="pt-BR" i="1">
+                                          <a:latin typeface="Cambria Math" panose="02040503050406030204" pitchFamily="18" charset="0"/>
+                                        </a:rPr>
+                                      </m:ctrlPr>
+                                    </m:sSubPr>
+                                    <m:e>
+                                      <m:r>
+                                        <a:rPr lang="pt-BR" i="1">
+                                          <a:latin typeface="Cambria Math" panose="02040503050406030204" pitchFamily="18" charset="0"/>
+                                        </a:rPr>
+                                        <m:t>𝐸</m:t>
+                                      </m:r>
+                                    </m:e>
+                                    <m:sub>
+                                      <m:r>
+                                        <a:rPr lang="pt-BR" i="1">
+                                          <a:latin typeface="Cambria Math" panose="02040503050406030204" pitchFamily="18" charset="0"/>
+                                        </a:rPr>
+                                        <m:t>𝐿</m:t>
+                                      </m:r>
+                                    </m:sub>
+                                  </m:sSub>
+                                </m:e>
+                              </m:d>
+                            </m:sup>
+                          </m:sSup>
+                          <m:r>
+                            <a:rPr lang="pt-BR" b="0" i="0" smtClean="0">
+                              <a:latin typeface="Cambria Math" panose="02040503050406030204" pitchFamily="18" charset="0"/>
+                            </a:rPr>
+                            <m:t>+</m:t>
+                          </m:r>
+                          <m:sSup>
+                            <m:sSupPr>
+                              <m:ctrlPr>
+                                <a:rPr lang="pt-BR" i="1">
+                                  <a:latin typeface="Cambria Math" panose="02040503050406030204" pitchFamily="18" charset="0"/>
+                                </a:rPr>
+                              </m:ctrlPr>
+                            </m:sSupPr>
+                            <m:e>
+                              <m:r>
+                                <a:rPr lang="pt-BR" i="1">
+                                  <a:latin typeface="Cambria Math" panose="02040503050406030204" pitchFamily="18" charset="0"/>
+                                </a:rPr>
+                                <m:t>𝑒</m:t>
+                              </m:r>
+                            </m:e>
+                            <m:sup>
+                              <m:r>
+                                <a:rPr lang="pt-BR" i="1">
+                                  <a:latin typeface="Cambria Math" panose="02040503050406030204" pitchFamily="18" charset="0"/>
+                                </a:rPr>
+                                <m:t>−</m:t>
+                              </m:r>
+                              <m:r>
+                                <a:rPr lang="pt-BR" i="1">
+                                  <a:latin typeface="Cambria Math" panose="02040503050406030204" pitchFamily="18" charset="0"/>
+                                </a:rPr>
+                                <m:t>𝛽</m:t>
+                              </m:r>
+                              <m:d>
+                                <m:dPr>
+                                  <m:begChr m:val="⟨"/>
+                                  <m:endChr m:val="⟩"/>
+                                  <m:ctrlPr>
+                                    <a:rPr lang="pt-BR" i="1">
+                                      <a:latin typeface="Cambria Math" panose="02040503050406030204" pitchFamily="18" charset="0"/>
+                                    </a:rPr>
+                                  </m:ctrlPr>
+                                </m:dPr>
+                                <m:e>
+                                  <m:sSub>
+                                    <m:sSubPr>
+                                      <m:ctrlPr>
+                                        <a:rPr lang="pt-BR" i="1">
+                                          <a:latin typeface="Cambria Math" panose="02040503050406030204" pitchFamily="18" charset="0"/>
+                                        </a:rPr>
+                                      </m:ctrlPr>
+                                    </m:sSubPr>
+                                    <m:e>
+                                      <m:r>
+                                        <a:rPr lang="pt-BR" i="1">
+                                          <a:latin typeface="Cambria Math" panose="02040503050406030204" pitchFamily="18" charset="0"/>
+                                        </a:rPr>
+                                        <m:t>𝐸</m:t>
+                                      </m:r>
+                                    </m:e>
+                                    <m:sub>
+                                      <m:r>
+                                        <a:rPr lang="pt-BR" i="1">
+                                          <a:latin typeface="Cambria Math" panose="02040503050406030204" pitchFamily="18" charset="0"/>
+                                        </a:rPr>
+                                        <m:t>𝐹</m:t>
+                                      </m:r>
+                                    </m:sub>
+                                  </m:sSub>
+                                </m:e>
+                              </m:d>
+                            </m:sup>
+                          </m:sSup>
+                        </m:e>
+                      </m:d>
+                      <m:r>
+                        <a:rPr lang="pt-BR" b="0" i="1" smtClean="0">
+                          <a:latin typeface="Cambria Math" panose="02040503050406030204" pitchFamily="18" charset="0"/>
+                        </a:rPr>
+                        <m:t>⇒</m:t>
+                      </m:r>
+                      <m:r>
+                        <a:rPr lang="pt-BR" b="0" i="1" smtClean="0">
+                          <a:latin typeface="Cambria Math" panose="02040503050406030204" pitchFamily="18" charset="0"/>
+                        </a:rPr>
+                        <m:t>𝑍</m:t>
+                      </m:r>
+                      <m:r>
+                        <a:rPr lang="pt-BR" b="0" i="1" smtClean="0">
+                          <a:latin typeface="Cambria Math" panose="02040503050406030204" pitchFamily="18" charset="0"/>
+                        </a:rPr>
+                        <m:t>=2∙</m:t>
+                      </m:r>
+                      <m:d>
+                        <m:dPr>
+                          <m:ctrlPr>
+                            <a:rPr lang="pt-BR" i="1">
+                              <a:latin typeface="Cambria Math" panose="02040503050406030204" pitchFamily="18" charset="0"/>
+                            </a:rPr>
+                          </m:ctrlPr>
+                        </m:dPr>
+                        <m:e>
+                          <m:sSup>
+                            <m:sSupPr>
+                              <m:ctrlPr>
+                                <a:rPr lang="pt-BR" i="1">
+                                  <a:latin typeface="Cambria Math" panose="02040503050406030204" pitchFamily="18" charset="0"/>
+                                </a:rPr>
+                              </m:ctrlPr>
+                            </m:sSupPr>
+                            <m:e>
+                              <m:r>
+                                <a:rPr lang="pt-BR" i="1">
+                                  <a:latin typeface="Cambria Math" panose="02040503050406030204" pitchFamily="18" charset="0"/>
+                                </a:rPr>
+                                <m:t>𝑒</m:t>
+                              </m:r>
+                            </m:e>
+                            <m:sup>
+                              <m:r>
+                                <a:rPr lang="pt-BR" i="1">
+                                  <a:latin typeface="Cambria Math" panose="02040503050406030204" pitchFamily="18" charset="0"/>
+                                </a:rPr>
+                                <m:t>−</m:t>
+                              </m:r>
+                              <m:r>
+                                <a:rPr lang="pt-BR" i="1">
+                                  <a:latin typeface="Cambria Math" panose="02040503050406030204" pitchFamily="18" charset="0"/>
+                                </a:rPr>
+                                <m:t>𝛽</m:t>
+                              </m:r>
+                              <m:d>
+                                <m:dPr>
+                                  <m:begChr m:val="⟨"/>
+                                  <m:endChr m:val="⟩"/>
+                                  <m:ctrlPr>
+                                    <a:rPr lang="pt-BR" i="1">
+                                      <a:latin typeface="Cambria Math" panose="02040503050406030204" pitchFamily="18" charset="0"/>
+                                    </a:rPr>
+                                  </m:ctrlPr>
+                                </m:dPr>
+                                <m:e>
+                                  <m:sSub>
+                                    <m:sSubPr>
+                                      <m:ctrlPr>
+                                        <a:rPr lang="pt-BR" i="1">
+                                          <a:latin typeface="Cambria Math" panose="02040503050406030204" pitchFamily="18" charset="0"/>
+                                        </a:rPr>
+                                      </m:ctrlPr>
+                                    </m:sSubPr>
+                                    <m:e>
+                                      <m:r>
+                                        <a:rPr lang="pt-BR" i="1">
+                                          <a:latin typeface="Cambria Math" panose="02040503050406030204" pitchFamily="18" charset="0"/>
+                                        </a:rPr>
+                                        <m:t>𝐸</m:t>
+                                      </m:r>
+                                    </m:e>
+                                    <m:sub>
+                                      <m:r>
+                                        <a:rPr lang="pt-BR" i="1">
+                                          <a:latin typeface="Cambria Math" panose="02040503050406030204" pitchFamily="18" charset="0"/>
+                                        </a:rPr>
+                                        <m:t>𝐿</m:t>
+                                      </m:r>
+                                    </m:sub>
+                                  </m:sSub>
+                                </m:e>
+                              </m:d>
+                            </m:sup>
+                          </m:sSup>
+                          <m:r>
+                            <a:rPr lang="pt-BR">
+                              <a:latin typeface="Cambria Math" panose="02040503050406030204" pitchFamily="18" charset="0"/>
+                            </a:rPr>
+                            <m:t>+</m:t>
+                          </m:r>
+                          <m:sSup>
+                            <m:sSupPr>
+                              <m:ctrlPr>
+                                <a:rPr lang="pt-BR" i="1">
+                                  <a:latin typeface="Cambria Math" panose="02040503050406030204" pitchFamily="18" charset="0"/>
+                                </a:rPr>
+                              </m:ctrlPr>
+                            </m:sSupPr>
+                            <m:e>
+                              <m:r>
+                                <a:rPr lang="pt-BR" i="1">
+                                  <a:latin typeface="Cambria Math" panose="02040503050406030204" pitchFamily="18" charset="0"/>
+                                </a:rPr>
+                                <m:t>𝑒</m:t>
+                              </m:r>
+                            </m:e>
+                            <m:sup>
+                              <m:r>
+                                <a:rPr lang="pt-BR" i="1">
+                                  <a:latin typeface="Cambria Math" panose="02040503050406030204" pitchFamily="18" charset="0"/>
+                                </a:rPr>
+                                <m:t>−</m:t>
+                              </m:r>
+                              <m:r>
+                                <a:rPr lang="pt-BR" i="1">
+                                  <a:latin typeface="Cambria Math" panose="02040503050406030204" pitchFamily="18" charset="0"/>
+                                </a:rPr>
+                                <m:t>𝛽</m:t>
+                              </m:r>
+                              <m:d>
+                                <m:dPr>
+                                  <m:begChr m:val="⟨"/>
+                                  <m:endChr m:val="⟩"/>
+                                  <m:ctrlPr>
+                                    <a:rPr lang="pt-BR" i="1">
+                                      <a:latin typeface="Cambria Math" panose="02040503050406030204" pitchFamily="18" charset="0"/>
+                                    </a:rPr>
+                                  </m:ctrlPr>
+                                </m:dPr>
+                                <m:e>
+                                  <m:sSub>
+                                    <m:sSubPr>
+                                      <m:ctrlPr>
+                                        <a:rPr lang="pt-BR" i="1">
+                                          <a:latin typeface="Cambria Math" panose="02040503050406030204" pitchFamily="18" charset="0"/>
+                                        </a:rPr>
+                                      </m:ctrlPr>
+                                    </m:sSubPr>
+                                    <m:e>
+                                      <m:r>
+                                        <a:rPr lang="pt-BR" i="1">
+                                          <a:latin typeface="Cambria Math" panose="02040503050406030204" pitchFamily="18" charset="0"/>
+                                        </a:rPr>
+                                        <m:t>𝐸</m:t>
+                                      </m:r>
+                                    </m:e>
+                                    <m:sub>
+                                      <m:r>
+                                        <a:rPr lang="pt-BR" i="1">
+                                          <a:latin typeface="Cambria Math" panose="02040503050406030204" pitchFamily="18" charset="0"/>
+                                        </a:rPr>
+                                        <m:t>𝐹</m:t>
+                                      </m:r>
+                                    </m:sub>
+                                  </m:sSub>
+                                </m:e>
+                              </m:d>
+                            </m:sup>
+                          </m:sSup>
+                        </m:e>
+                      </m:d>
+                    </m:oMath>
+                  </m:oMathPara>
+                </a14:m>
+                <a:endParaRPr lang="pt-BR" dirty="0"/>
+              </a:p>
+            </p:txBody>
+          </p:sp>
+        </mc:Choice>
+        <mc:Fallback xmlns="">
+          <p:sp>
+            <p:nvSpPr>
+              <p:cNvPr id="9" name="CaixaDeTexto 8">
+                <a:extLst>
+                  <a:ext uri="{FF2B5EF4-FFF2-40B4-BE49-F238E27FC236}">
+                    <a16:creationId xmlns:a16="http://schemas.microsoft.com/office/drawing/2014/main" id="{6EDC322C-08DC-4445-A866-E6F3184AF8E2}"/>
+                  </a:ext>
+                </a:extLst>
+              </p:cNvPr>
+              <p:cNvSpPr txBox="1">
+                <a:spLocks noRot="1" noChangeAspect="1" noMove="1" noResize="1" noEditPoints="1" noAdjustHandles="1" noChangeArrowheads="1" noChangeShapeType="1" noTextEdit="1"/>
+              </p:cNvSpPr>
+              <p:nvPr/>
+            </p:nvSpPr>
+            <p:spPr>
+              <a:xfrm>
+                <a:off x="-904875" y="2628151"/>
+                <a:ext cx="9144000" cy="610936"/>
+              </a:xfrm>
+              <a:prstGeom prst="rect">
+                <a:avLst/>
+              </a:prstGeom>
+              <a:blipFill>
+                <a:blip r:embed="rId3"/>
+                <a:stretch>
+                  <a:fillRect/>
+                </a:stretch>
+              </a:blipFill>
+            </p:spPr>
+            <p:txBody>
+              <a:bodyPr/>
+              <a:lstStyle/>
+              <a:p>
+                <a:r>
+                  <a:rPr lang="pt-BR">
+                    <a:noFill/>
+                  </a:rPr>
+                  <a:t> </a:t>
+                </a:r>
+              </a:p>
+            </p:txBody>
+          </p:sp>
+        </mc:Fallback>
+      </mc:AlternateContent>
+      <mc:AlternateContent xmlns:mc="http://schemas.openxmlformats.org/markup-compatibility/2006" xmlns:a14="http://schemas.microsoft.com/office/drawing/2010/main">
+        <mc:Choice Requires="a14">
+          <p:sp>
+            <p:nvSpPr>
+              <p:cNvPr id="11" name="CaixaDeTexto 10">
+                <a:extLst>
+                  <a:ext uri="{FF2B5EF4-FFF2-40B4-BE49-F238E27FC236}">
+                    <a16:creationId xmlns:a16="http://schemas.microsoft.com/office/drawing/2014/main" id="{E51A2BFD-AF7F-4040-B976-761E9499C441}"/>
+                  </a:ext>
+                </a:extLst>
+              </p:cNvPr>
+              <p:cNvSpPr txBox="1"/>
+              <p:nvPr/>
+            </p:nvSpPr>
+            <p:spPr>
+              <a:xfrm>
+                <a:off x="1" y="3508220"/>
+                <a:ext cx="7717665" cy="662682"/>
+              </a:xfrm>
+              <a:prstGeom prst="rect">
+                <a:avLst/>
+              </a:prstGeom>
+              <a:noFill/>
+            </p:spPr>
+            <p:txBody>
+              <a:bodyPr wrap="square">
+                <a:spAutoFit/>
+              </a:bodyPr>
+              <a:lstStyle/>
+              <a:p>
+                <a:pPr/>
+                <a14:m>
+                  <m:oMathPara xmlns:m="http://schemas.openxmlformats.org/officeDocument/2006/math">
+                    <m:oMathParaPr>
+                      <m:jc m:val="centerGroup"/>
+                    </m:oMathParaPr>
+                    <m:oMath xmlns:m="http://schemas.openxmlformats.org/officeDocument/2006/math">
+                      <m:sSub>
+                        <m:sSubPr>
+                          <m:ctrlPr>
+                            <a:rPr lang="pt-BR" sz="1800" i="1" smtClean="0">
+                              <a:solidFill>
+                                <a:schemeClr val="tx1"/>
+                              </a:solidFill>
+                              <a:latin typeface="Cambria Math" panose="02040503050406030204" pitchFamily="18" charset="0"/>
+                            </a:rPr>
+                          </m:ctrlPr>
+                        </m:sSubPr>
+                        <m:e>
+                          <m:r>
+                            <a:rPr lang="pt-BR" sz="1800" b="0" i="1">
+                              <a:solidFill>
+                                <a:schemeClr val="tx1"/>
+                              </a:solidFill>
+                              <a:latin typeface="Cambria Math" panose="02040503050406030204" pitchFamily="18" charset="0"/>
+                            </a:rPr>
+                            <m:t>𝑃</m:t>
+                          </m:r>
+                        </m:e>
+                        <m:sub>
+                          <m:r>
+                            <a:rPr lang="pt-BR" sz="1800" b="0" i="1">
+                              <a:solidFill>
+                                <a:schemeClr val="tx1"/>
+                              </a:solidFill>
+                              <a:latin typeface="Cambria Math" panose="02040503050406030204" pitchFamily="18" charset="0"/>
+                            </a:rPr>
+                            <m:t>𝐿</m:t>
+                          </m:r>
+                        </m:sub>
+                      </m:sSub>
+                      <m:r>
+                        <a:rPr lang="pt-BR" sz="1800" b="0" i="1">
+                          <a:solidFill>
+                            <a:schemeClr val="tx1"/>
+                          </a:solidFill>
+                          <a:latin typeface="Cambria Math" panose="02040503050406030204" pitchFamily="18" charset="0"/>
+                        </a:rPr>
+                        <m:t>=</m:t>
+                      </m:r>
+                      <m:sSup>
+                        <m:sSupPr>
+                          <m:ctrlPr>
+                            <a:rPr lang="pt-BR" sz="1800" i="1">
+                              <a:solidFill>
+                                <a:schemeClr val="tx1"/>
+                              </a:solidFill>
+                              <a:latin typeface="Cambria Math" panose="02040503050406030204" pitchFamily="18" charset="0"/>
+                            </a:rPr>
+                          </m:ctrlPr>
+                        </m:sSupPr>
+                        <m:e>
+                          <m:f>
+                            <m:fPr>
+                              <m:ctrlPr>
+                                <a:rPr lang="pt-BR" sz="1800" i="1">
+                                  <a:solidFill>
+                                    <a:schemeClr val="tx1"/>
+                                  </a:solidFill>
+                                  <a:latin typeface="Cambria Math" panose="02040503050406030204" pitchFamily="18" charset="0"/>
+                                </a:rPr>
+                              </m:ctrlPr>
+                            </m:fPr>
+                            <m:num>
+                              <m:r>
+                                <a:rPr lang="pt-BR" sz="1800" b="0" i="1" smtClean="0">
+                                  <a:solidFill>
+                                    <a:schemeClr val="tx1"/>
+                                  </a:solidFill>
+                                  <a:latin typeface="Cambria Math" panose="02040503050406030204" pitchFamily="18" charset="0"/>
+                                </a:rPr>
+                                <m:t>2</m:t>
+                              </m:r>
+                            </m:num>
+                            <m:den>
+                              <m:r>
+                                <a:rPr lang="pt-BR" sz="1800" b="0" i="1" smtClean="0">
+                                  <a:solidFill>
+                                    <a:schemeClr val="tx1"/>
+                                  </a:solidFill>
+                                  <a:latin typeface="Cambria Math" panose="02040503050406030204" pitchFamily="18" charset="0"/>
+                                </a:rPr>
+                                <m:t>2∙</m:t>
+                              </m:r>
+                              <m:d>
+                                <m:dPr>
+                                  <m:ctrlPr>
+                                    <a:rPr lang="pt-BR" sz="1800" i="1" smtClean="0">
+                                      <a:solidFill>
+                                        <a:schemeClr val="tx1"/>
+                                      </a:solidFill>
+                                      <a:latin typeface="Cambria Math" panose="02040503050406030204" pitchFamily="18" charset="0"/>
+                                    </a:rPr>
+                                  </m:ctrlPr>
+                                </m:dPr>
+                                <m:e>
+                                  <m:sSup>
+                                    <m:sSupPr>
+                                      <m:ctrlPr>
+                                        <a:rPr lang="pt-BR" sz="1800" i="1">
+                                          <a:solidFill>
+                                            <a:schemeClr val="tx1"/>
+                                          </a:solidFill>
+                                          <a:latin typeface="Cambria Math" panose="02040503050406030204" pitchFamily="18" charset="0"/>
+                                        </a:rPr>
+                                      </m:ctrlPr>
+                                    </m:sSupPr>
+                                    <m:e>
+                                      <m:r>
+                                        <a:rPr lang="pt-BR" sz="1800" b="0" i="1">
+                                          <a:solidFill>
+                                            <a:schemeClr val="tx1"/>
+                                          </a:solidFill>
+                                          <a:latin typeface="Cambria Math" panose="02040503050406030204" pitchFamily="18" charset="0"/>
+                                        </a:rPr>
+                                        <m:t>𝑒</m:t>
+                                      </m:r>
+                                    </m:e>
+                                    <m:sup>
+                                      <m:r>
+                                        <a:rPr lang="pt-BR" sz="1800" b="0" i="1">
+                                          <a:solidFill>
+                                            <a:schemeClr val="tx1"/>
+                                          </a:solidFill>
+                                          <a:latin typeface="Cambria Math" panose="02040503050406030204" pitchFamily="18" charset="0"/>
+                                        </a:rPr>
+                                        <m:t>−</m:t>
+                                      </m:r>
+                                      <m:r>
+                                        <a:rPr lang="pt-BR" sz="1800" b="0" i="1">
+                                          <a:solidFill>
+                                            <a:schemeClr val="tx1"/>
+                                          </a:solidFill>
+                                          <a:latin typeface="Cambria Math" panose="02040503050406030204" pitchFamily="18" charset="0"/>
+                                        </a:rPr>
+                                        <m:t>𝛽</m:t>
+                                      </m:r>
+                                      <m:d>
+                                        <m:dPr>
+                                          <m:begChr m:val="⟨"/>
+                                          <m:endChr m:val="⟩"/>
+                                          <m:ctrlPr>
+                                            <a:rPr lang="pt-BR" sz="1800" i="1">
+                                              <a:solidFill>
+                                                <a:schemeClr val="tx1"/>
+                                              </a:solidFill>
+                                              <a:latin typeface="Cambria Math" panose="02040503050406030204" pitchFamily="18" charset="0"/>
+                                            </a:rPr>
+                                          </m:ctrlPr>
+                                        </m:dPr>
+                                        <m:e>
+                                          <m:sSub>
+                                            <m:sSubPr>
+                                              <m:ctrlPr>
+                                                <a:rPr lang="pt-BR" sz="1800" i="1">
+                                                  <a:solidFill>
+                                                    <a:schemeClr val="tx1"/>
+                                                  </a:solidFill>
+                                                  <a:latin typeface="Cambria Math" panose="02040503050406030204" pitchFamily="18" charset="0"/>
+                                                </a:rPr>
+                                              </m:ctrlPr>
+                                            </m:sSubPr>
+                                            <m:e>
+                                              <m:r>
+                                                <a:rPr lang="pt-BR" sz="1800" b="0" i="1">
+                                                  <a:solidFill>
+                                                    <a:schemeClr val="tx1"/>
+                                                  </a:solidFill>
+                                                  <a:latin typeface="Cambria Math" panose="02040503050406030204" pitchFamily="18" charset="0"/>
+                                                </a:rPr>
+                                                <m:t>𝐸</m:t>
+                                              </m:r>
+                                            </m:e>
+                                            <m:sub>
+                                              <m:r>
+                                                <a:rPr lang="pt-BR" sz="1800" b="0" i="1">
+                                                  <a:solidFill>
+                                                    <a:schemeClr val="tx1"/>
+                                                  </a:solidFill>
+                                                  <a:latin typeface="Cambria Math" panose="02040503050406030204" pitchFamily="18" charset="0"/>
+                                                </a:rPr>
+                                                <m:t>𝐿</m:t>
+                                              </m:r>
+                                            </m:sub>
+                                          </m:sSub>
+                                        </m:e>
+                                      </m:d>
+                                    </m:sup>
+                                  </m:sSup>
+                                  <m:r>
+                                    <a:rPr lang="pt-BR" sz="1800" b="0" i="1">
+                                      <a:solidFill>
+                                        <a:schemeClr val="tx1"/>
+                                      </a:solidFill>
+                                      <a:latin typeface="Cambria Math" panose="02040503050406030204" pitchFamily="18" charset="0"/>
+                                    </a:rPr>
+                                    <m:t>+</m:t>
+                                  </m:r>
+                                  <m:sSup>
+                                    <m:sSupPr>
+                                      <m:ctrlPr>
+                                        <a:rPr lang="pt-BR" sz="1800" i="1">
+                                          <a:solidFill>
+                                            <a:schemeClr val="tx1"/>
+                                          </a:solidFill>
+                                          <a:latin typeface="Cambria Math" panose="02040503050406030204" pitchFamily="18" charset="0"/>
+                                        </a:rPr>
+                                      </m:ctrlPr>
+                                    </m:sSupPr>
+                                    <m:e>
+                                      <m:r>
+                                        <a:rPr lang="pt-BR" sz="1800" b="0" i="1">
+                                          <a:solidFill>
+                                            <a:schemeClr val="tx1"/>
+                                          </a:solidFill>
+                                          <a:latin typeface="Cambria Math" panose="02040503050406030204" pitchFamily="18" charset="0"/>
+                                        </a:rPr>
+                                        <m:t>𝑒</m:t>
+                                      </m:r>
+                                    </m:e>
+                                    <m:sup>
+                                      <m:r>
+                                        <a:rPr lang="pt-BR" sz="1800" b="0" i="1">
+                                          <a:solidFill>
+                                            <a:schemeClr val="tx1"/>
+                                          </a:solidFill>
+                                          <a:latin typeface="Cambria Math" panose="02040503050406030204" pitchFamily="18" charset="0"/>
+                                        </a:rPr>
+                                        <m:t>−</m:t>
+                                      </m:r>
+                                      <m:r>
+                                        <a:rPr lang="pt-BR" sz="1800" b="0" i="1">
+                                          <a:solidFill>
+                                            <a:schemeClr val="tx1"/>
+                                          </a:solidFill>
+                                          <a:latin typeface="Cambria Math" panose="02040503050406030204" pitchFamily="18" charset="0"/>
+                                        </a:rPr>
+                                        <m:t>𝛽</m:t>
+                                      </m:r>
+                                      <m:d>
+                                        <m:dPr>
+                                          <m:begChr m:val="⟨"/>
+                                          <m:endChr m:val="⟩"/>
+                                          <m:ctrlPr>
+                                            <a:rPr lang="pt-BR" sz="1800" i="1">
+                                              <a:solidFill>
+                                                <a:schemeClr val="tx1"/>
+                                              </a:solidFill>
+                                              <a:latin typeface="Cambria Math" panose="02040503050406030204" pitchFamily="18" charset="0"/>
+                                            </a:rPr>
+                                          </m:ctrlPr>
+                                        </m:dPr>
+                                        <m:e>
+                                          <m:sSub>
+                                            <m:sSubPr>
+                                              <m:ctrlPr>
+                                                <a:rPr lang="pt-BR" sz="1800" i="1">
+                                                  <a:solidFill>
+                                                    <a:schemeClr val="tx1"/>
+                                                  </a:solidFill>
+                                                  <a:latin typeface="Cambria Math" panose="02040503050406030204" pitchFamily="18" charset="0"/>
+                                                </a:rPr>
+                                              </m:ctrlPr>
+                                            </m:sSubPr>
+                                            <m:e>
+                                              <m:r>
+                                                <a:rPr lang="pt-BR" sz="1800" b="0" i="1">
+                                                  <a:solidFill>
+                                                    <a:schemeClr val="tx1"/>
+                                                  </a:solidFill>
+                                                  <a:latin typeface="Cambria Math" panose="02040503050406030204" pitchFamily="18" charset="0"/>
+                                                </a:rPr>
+                                                <m:t>𝐸</m:t>
+                                              </m:r>
+                                            </m:e>
+                                            <m:sub>
+                                              <m:r>
+                                                <a:rPr lang="pt-BR" sz="1800" b="0" i="1">
+                                                  <a:solidFill>
+                                                    <a:schemeClr val="tx1"/>
+                                                  </a:solidFill>
+                                                  <a:latin typeface="Cambria Math" panose="02040503050406030204" pitchFamily="18" charset="0"/>
+                                                </a:rPr>
+                                                <m:t>𝐹</m:t>
+                                              </m:r>
+                                            </m:sub>
+                                          </m:sSub>
+                                        </m:e>
+                                      </m:d>
+                                    </m:sup>
+                                  </m:sSup>
+                                </m:e>
+                              </m:d>
+                            </m:den>
+                          </m:f>
+                          <m:r>
+                            <a:rPr lang="pt-BR" sz="1800" b="0" i="1">
+                              <a:solidFill>
+                                <a:schemeClr val="tx1"/>
+                              </a:solidFill>
+                              <a:latin typeface="Cambria Math" panose="02040503050406030204" pitchFamily="18" charset="0"/>
+                            </a:rPr>
+                            <m:t>𝑒</m:t>
+                          </m:r>
+                        </m:e>
+                        <m:sup>
+                          <m:r>
+                            <a:rPr lang="pt-BR" sz="1800" b="0" i="1">
+                              <a:solidFill>
+                                <a:schemeClr val="tx1"/>
+                              </a:solidFill>
+                              <a:latin typeface="Cambria Math" panose="02040503050406030204" pitchFamily="18" charset="0"/>
+                            </a:rPr>
+                            <m:t>−</m:t>
+                          </m:r>
+                          <m:r>
+                            <a:rPr lang="pt-BR" sz="1800" b="0" i="1">
+                              <a:solidFill>
+                                <a:schemeClr val="tx1"/>
+                              </a:solidFill>
+                              <a:latin typeface="Cambria Math" panose="02040503050406030204" pitchFamily="18" charset="0"/>
+                            </a:rPr>
+                            <m:t>𝛽</m:t>
+                          </m:r>
+                          <m:d>
+                            <m:dPr>
+                              <m:begChr m:val="⟨"/>
+                              <m:endChr m:val="⟩"/>
+                              <m:ctrlPr>
+                                <a:rPr lang="pt-BR" sz="1800" i="1">
+                                  <a:solidFill>
+                                    <a:schemeClr val="tx1"/>
+                                  </a:solidFill>
+                                  <a:latin typeface="Cambria Math" panose="02040503050406030204" pitchFamily="18" charset="0"/>
+                                </a:rPr>
+                              </m:ctrlPr>
+                            </m:dPr>
+                            <m:e>
+                              <m:sSub>
+                                <m:sSubPr>
+                                  <m:ctrlPr>
+                                    <a:rPr lang="pt-BR" sz="1800" i="1">
+                                      <a:solidFill>
+                                        <a:schemeClr val="tx1"/>
+                                      </a:solidFill>
+                                      <a:latin typeface="Cambria Math" panose="02040503050406030204" pitchFamily="18" charset="0"/>
+                                    </a:rPr>
+                                  </m:ctrlPr>
+                                </m:sSubPr>
+                                <m:e>
+                                  <m:r>
+                                    <a:rPr lang="pt-BR" sz="1800" b="0" i="1">
+                                      <a:solidFill>
+                                        <a:schemeClr val="tx1"/>
+                                      </a:solidFill>
+                                      <a:latin typeface="Cambria Math" panose="02040503050406030204" pitchFamily="18" charset="0"/>
+                                    </a:rPr>
+                                    <m:t>𝐸</m:t>
+                                  </m:r>
+                                </m:e>
+                                <m:sub>
+                                  <m:r>
+                                    <a:rPr lang="pt-BR" sz="1800" b="0" i="1">
+                                      <a:solidFill>
+                                        <a:schemeClr val="tx1"/>
+                                      </a:solidFill>
+                                      <a:latin typeface="Cambria Math" panose="02040503050406030204" pitchFamily="18" charset="0"/>
+                                    </a:rPr>
+                                    <m:t>𝐿</m:t>
+                                  </m:r>
+                                </m:sub>
+                              </m:sSub>
+                            </m:e>
+                          </m:d>
+                        </m:sup>
+                      </m:sSup>
+                      <m:r>
+                        <a:rPr lang="pt-BR" sz="1800" b="0">
+                          <a:solidFill>
+                            <a:schemeClr val="tx1"/>
+                          </a:solidFill>
+                          <a:latin typeface="Cambria Math" panose="02040503050406030204" pitchFamily="18" charset="0"/>
+                        </a:rPr>
+                        <m:t> ; </m:t>
+                      </m:r>
+                      <m:sSub>
+                        <m:sSubPr>
+                          <m:ctrlPr>
+                            <a:rPr lang="pt-BR" sz="1800" i="1">
+                              <a:solidFill>
+                                <a:schemeClr val="tx1"/>
+                              </a:solidFill>
+                              <a:latin typeface="Cambria Math" panose="02040503050406030204" pitchFamily="18" charset="0"/>
+                            </a:rPr>
+                          </m:ctrlPr>
+                        </m:sSubPr>
+                        <m:e>
+                          <m:r>
+                            <a:rPr lang="pt-BR" sz="1800" b="0" i="1">
+                              <a:solidFill>
+                                <a:schemeClr val="tx1"/>
+                              </a:solidFill>
+                              <a:latin typeface="Cambria Math" panose="02040503050406030204" pitchFamily="18" charset="0"/>
+                            </a:rPr>
+                            <m:t>𝑃</m:t>
+                          </m:r>
+                        </m:e>
+                        <m:sub>
+                          <m:r>
+                            <a:rPr lang="pt-BR" sz="1800" b="0" i="1">
+                              <a:solidFill>
+                                <a:schemeClr val="tx1"/>
+                              </a:solidFill>
+                              <a:latin typeface="Cambria Math" panose="02040503050406030204" pitchFamily="18" charset="0"/>
+                            </a:rPr>
+                            <m:t>𝐹</m:t>
+                          </m:r>
+                        </m:sub>
+                      </m:sSub>
+                      <m:r>
+                        <a:rPr lang="pt-BR" sz="1800" b="0" i="1">
+                          <a:solidFill>
+                            <a:schemeClr val="tx1"/>
+                          </a:solidFill>
+                          <a:latin typeface="Cambria Math" panose="02040503050406030204" pitchFamily="18" charset="0"/>
+                        </a:rPr>
+                        <m:t>=</m:t>
+                      </m:r>
+                      <m:sSup>
+                        <m:sSupPr>
+                          <m:ctrlPr>
+                            <a:rPr lang="pt-BR" sz="1800" i="1">
+                              <a:solidFill>
+                                <a:schemeClr val="tx1"/>
+                              </a:solidFill>
+                              <a:latin typeface="Cambria Math" panose="02040503050406030204" pitchFamily="18" charset="0"/>
+                            </a:rPr>
+                          </m:ctrlPr>
+                        </m:sSupPr>
+                        <m:e>
+                          <m:f>
+                            <m:fPr>
+                              <m:ctrlPr>
+                                <a:rPr lang="pt-BR" sz="1800" i="1">
+                                  <a:solidFill>
+                                    <a:schemeClr val="tx1"/>
+                                  </a:solidFill>
+                                  <a:latin typeface="Cambria Math" panose="02040503050406030204" pitchFamily="18" charset="0"/>
+                                </a:rPr>
+                              </m:ctrlPr>
+                            </m:fPr>
+                            <m:num>
+                              <m:r>
+                                <a:rPr lang="pt-BR" sz="1800" b="0" i="1" smtClean="0">
+                                  <a:solidFill>
+                                    <a:schemeClr val="tx1"/>
+                                  </a:solidFill>
+                                  <a:latin typeface="Cambria Math" panose="02040503050406030204" pitchFamily="18" charset="0"/>
+                                </a:rPr>
+                                <m:t>2</m:t>
+                              </m:r>
+                            </m:num>
+                            <m:den>
+                              <m:r>
+                                <a:rPr lang="pt-BR" sz="1800" b="0" i="1" smtClean="0">
+                                  <a:solidFill>
+                                    <a:schemeClr val="tx1"/>
+                                  </a:solidFill>
+                                  <a:latin typeface="Cambria Math" panose="02040503050406030204" pitchFamily="18" charset="0"/>
+                                </a:rPr>
+                                <m:t>2∙</m:t>
+                              </m:r>
+                              <m:d>
+                                <m:dPr>
+                                  <m:ctrlPr>
+                                    <a:rPr lang="pt-BR" sz="1800" i="1" smtClean="0">
+                                      <a:solidFill>
+                                        <a:schemeClr val="tx1"/>
+                                      </a:solidFill>
+                                      <a:latin typeface="Cambria Math" panose="02040503050406030204" pitchFamily="18" charset="0"/>
+                                    </a:rPr>
+                                  </m:ctrlPr>
+                                </m:dPr>
+                                <m:e>
+                                  <m:sSup>
+                                    <m:sSupPr>
+                                      <m:ctrlPr>
+                                        <a:rPr lang="pt-BR" sz="1800" i="1">
+                                          <a:solidFill>
+                                            <a:schemeClr val="tx1"/>
+                                          </a:solidFill>
+                                          <a:latin typeface="Cambria Math" panose="02040503050406030204" pitchFamily="18" charset="0"/>
+                                        </a:rPr>
+                                      </m:ctrlPr>
+                                    </m:sSupPr>
+                                    <m:e>
+                                      <m:r>
+                                        <a:rPr lang="pt-BR" sz="1800" b="0" i="1">
+                                          <a:solidFill>
+                                            <a:schemeClr val="tx1"/>
+                                          </a:solidFill>
+                                          <a:latin typeface="Cambria Math" panose="02040503050406030204" pitchFamily="18" charset="0"/>
+                                        </a:rPr>
+                                        <m:t>𝑒</m:t>
+                                      </m:r>
+                                    </m:e>
+                                    <m:sup>
+                                      <m:r>
+                                        <a:rPr lang="pt-BR" sz="1800" b="0" i="1">
+                                          <a:solidFill>
+                                            <a:schemeClr val="tx1"/>
+                                          </a:solidFill>
+                                          <a:latin typeface="Cambria Math" panose="02040503050406030204" pitchFamily="18" charset="0"/>
+                                        </a:rPr>
+                                        <m:t>−</m:t>
+                                      </m:r>
+                                      <m:r>
+                                        <a:rPr lang="pt-BR" sz="1800" b="0" i="1">
+                                          <a:solidFill>
+                                            <a:schemeClr val="tx1"/>
+                                          </a:solidFill>
+                                          <a:latin typeface="Cambria Math" panose="02040503050406030204" pitchFamily="18" charset="0"/>
+                                        </a:rPr>
+                                        <m:t>𝛽</m:t>
+                                      </m:r>
+                                      <m:d>
+                                        <m:dPr>
+                                          <m:begChr m:val="⟨"/>
+                                          <m:endChr m:val="⟩"/>
+                                          <m:ctrlPr>
+                                            <a:rPr lang="pt-BR" sz="1800" i="1">
+                                              <a:solidFill>
+                                                <a:schemeClr val="tx1"/>
+                                              </a:solidFill>
+                                              <a:latin typeface="Cambria Math" panose="02040503050406030204" pitchFamily="18" charset="0"/>
+                                            </a:rPr>
+                                          </m:ctrlPr>
+                                        </m:dPr>
+                                        <m:e>
+                                          <m:sSub>
+                                            <m:sSubPr>
+                                              <m:ctrlPr>
+                                                <a:rPr lang="pt-BR" sz="1800" i="1">
+                                                  <a:solidFill>
+                                                    <a:schemeClr val="tx1"/>
+                                                  </a:solidFill>
+                                                  <a:latin typeface="Cambria Math" panose="02040503050406030204" pitchFamily="18" charset="0"/>
+                                                </a:rPr>
+                                              </m:ctrlPr>
+                                            </m:sSubPr>
+                                            <m:e>
+                                              <m:r>
+                                                <a:rPr lang="pt-BR" sz="1800" b="0" i="1">
+                                                  <a:solidFill>
+                                                    <a:schemeClr val="tx1"/>
+                                                  </a:solidFill>
+                                                  <a:latin typeface="Cambria Math" panose="02040503050406030204" pitchFamily="18" charset="0"/>
+                                                </a:rPr>
+                                                <m:t>𝐸</m:t>
+                                              </m:r>
+                                            </m:e>
+                                            <m:sub>
+                                              <m:r>
+                                                <a:rPr lang="pt-BR" sz="1800" b="0" i="1">
+                                                  <a:solidFill>
+                                                    <a:schemeClr val="tx1"/>
+                                                  </a:solidFill>
+                                                  <a:latin typeface="Cambria Math" panose="02040503050406030204" pitchFamily="18" charset="0"/>
+                                                </a:rPr>
+                                                <m:t>𝐿</m:t>
+                                              </m:r>
+                                            </m:sub>
+                                          </m:sSub>
+                                        </m:e>
+                                      </m:d>
+                                    </m:sup>
+                                  </m:sSup>
+                                  <m:r>
+                                    <a:rPr lang="pt-BR" sz="1800" b="0" i="1">
+                                      <a:solidFill>
+                                        <a:schemeClr val="tx1"/>
+                                      </a:solidFill>
+                                      <a:latin typeface="Cambria Math" panose="02040503050406030204" pitchFamily="18" charset="0"/>
+                                    </a:rPr>
+                                    <m:t>+</m:t>
+                                  </m:r>
+                                  <m:sSup>
+                                    <m:sSupPr>
+                                      <m:ctrlPr>
+                                        <a:rPr lang="pt-BR" sz="1800" i="1">
+                                          <a:solidFill>
+                                            <a:schemeClr val="tx1"/>
+                                          </a:solidFill>
+                                          <a:latin typeface="Cambria Math" panose="02040503050406030204" pitchFamily="18" charset="0"/>
+                                        </a:rPr>
+                                      </m:ctrlPr>
+                                    </m:sSupPr>
+                                    <m:e>
+                                      <m:r>
+                                        <a:rPr lang="pt-BR" sz="1800" b="0" i="1">
+                                          <a:solidFill>
+                                            <a:schemeClr val="tx1"/>
+                                          </a:solidFill>
+                                          <a:latin typeface="Cambria Math" panose="02040503050406030204" pitchFamily="18" charset="0"/>
+                                        </a:rPr>
+                                        <m:t>𝑒</m:t>
+                                      </m:r>
+                                    </m:e>
+                                    <m:sup>
+                                      <m:r>
+                                        <a:rPr lang="pt-BR" sz="1800" b="0" i="1">
+                                          <a:solidFill>
+                                            <a:schemeClr val="tx1"/>
+                                          </a:solidFill>
+                                          <a:latin typeface="Cambria Math" panose="02040503050406030204" pitchFamily="18" charset="0"/>
+                                        </a:rPr>
+                                        <m:t>−</m:t>
+                                      </m:r>
+                                      <m:r>
+                                        <a:rPr lang="pt-BR" sz="1800" b="0" i="1">
+                                          <a:solidFill>
+                                            <a:schemeClr val="tx1"/>
+                                          </a:solidFill>
+                                          <a:latin typeface="Cambria Math" panose="02040503050406030204" pitchFamily="18" charset="0"/>
+                                        </a:rPr>
+                                        <m:t>𝛽</m:t>
+                                      </m:r>
+                                      <m:d>
+                                        <m:dPr>
+                                          <m:begChr m:val="⟨"/>
+                                          <m:endChr m:val="⟩"/>
+                                          <m:ctrlPr>
+                                            <a:rPr lang="pt-BR" sz="1800" i="1">
+                                              <a:solidFill>
+                                                <a:schemeClr val="tx1"/>
+                                              </a:solidFill>
+                                              <a:latin typeface="Cambria Math" panose="02040503050406030204" pitchFamily="18" charset="0"/>
+                                            </a:rPr>
+                                          </m:ctrlPr>
+                                        </m:dPr>
+                                        <m:e>
+                                          <m:sSub>
+                                            <m:sSubPr>
+                                              <m:ctrlPr>
+                                                <a:rPr lang="pt-BR" sz="1800" i="1">
+                                                  <a:solidFill>
+                                                    <a:schemeClr val="tx1"/>
+                                                  </a:solidFill>
+                                                  <a:latin typeface="Cambria Math" panose="02040503050406030204" pitchFamily="18" charset="0"/>
+                                                </a:rPr>
+                                              </m:ctrlPr>
+                                            </m:sSubPr>
+                                            <m:e>
+                                              <m:r>
+                                                <a:rPr lang="pt-BR" sz="1800" b="0" i="1">
+                                                  <a:solidFill>
+                                                    <a:schemeClr val="tx1"/>
+                                                  </a:solidFill>
+                                                  <a:latin typeface="Cambria Math" panose="02040503050406030204" pitchFamily="18" charset="0"/>
+                                                </a:rPr>
+                                                <m:t>𝐸</m:t>
+                                              </m:r>
+                                            </m:e>
+                                            <m:sub>
+                                              <m:r>
+                                                <a:rPr lang="pt-BR" sz="1800" b="0" i="1">
+                                                  <a:solidFill>
+                                                    <a:schemeClr val="tx1"/>
+                                                  </a:solidFill>
+                                                  <a:latin typeface="Cambria Math" panose="02040503050406030204" pitchFamily="18" charset="0"/>
+                                                </a:rPr>
+                                                <m:t>𝐹</m:t>
+                                              </m:r>
+                                            </m:sub>
+                                          </m:sSub>
+                                        </m:e>
+                                      </m:d>
+                                    </m:sup>
+                                  </m:sSup>
+                                </m:e>
+                              </m:d>
+                            </m:den>
+                          </m:f>
+                          <m:r>
+                            <a:rPr lang="pt-BR" sz="1800" b="0" i="1">
+                              <a:solidFill>
+                                <a:schemeClr val="tx1"/>
+                              </a:solidFill>
+                              <a:latin typeface="Cambria Math" panose="02040503050406030204" pitchFamily="18" charset="0"/>
+                            </a:rPr>
+                            <m:t>𝑒</m:t>
+                          </m:r>
+                        </m:e>
+                        <m:sup>
+                          <m:r>
+                            <a:rPr lang="pt-BR" sz="1800" b="0" i="1">
+                              <a:solidFill>
+                                <a:schemeClr val="tx1"/>
+                              </a:solidFill>
+                              <a:latin typeface="Cambria Math" panose="02040503050406030204" pitchFamily="18" charset="0"/>
+                            </a:rPr>
+                            <m:t>−</m:t>
+                          </m:r>
+                          <m:r>
+                            <a:rPr lang="pt-BR" sz="1800" b="0" i="1">
+                              <a:solidFill>
+                                <a:schemeClr val="tx1"/>
+                              </a:solidFill>
+                              <a:latin typeface="Cambria Math" panose="02040503050406030204" pitchFamily="18" charset="0"/>
+                              <a:ea typeface="Cambria Math" panose="02040503050406030204" pitchFamily="18" charset="0"/>
+                            </a:rPr>
+                            <m:t>𝛽</m:t>
+                          </m:r>
+                          <m:d>
+                            <m:dPr>
+                              <m:begChr m:val="⟨"/>
+                              <m:endChr m:val="⟩"/>
+                              <m:ctrlPr>
+                                <a:rPr lang="pt-BR" sz="1800" i="1">
+                                  <a:solidFill>
+                                    <a:schemeClr val="tx1"/>
+                                  </a:solidFill>
+                                  <a:latin typeface="Cambria Math" panose="02040503050406030204" pitchFamily="18" charset="0"/>
+                                  <a:ea typeface="Cambria Math" panose="02040503050406030204" pitchFamily="18" charset="0"/>
+                                </a:rPr>
+                              </m:ctrlPr>
+                            </m:dPr>
+                            <m:e>
+                              <m:sSub>
+                                <m:sSubPr>
+                                  <m:ctrlPr>
+                                    <a:rPr lang="pt-BR" sz="1800" i="1">
+                                      <a:solidFill>
+                                        <a:schemeClr val="tx1"/>
+                                      </a:solidFill>
+                                      <a:latin typeface="Cambria Math" panose="02040503050406030204" pitchFamily="18" charset="0"/>
+                                      <a:ea typeface="Cambria Math" panose="02040503050406030204" pitchFamily="18" charset="0"/>
+                                    </a:rPr>
+                                  </m:ctrlPr>
+                                </m:sSubPr>
+                                <m:e>
+                                  <m:r>
+                                    <a:rPr lang="pt-BR" sz="1800" b="0" i="1">
+                                      <a:solidFill>
+                                        <a:schemeClr val="tx1"/>
+                                      </a:solidFill>
+                                      <a:latin typeface="Cambria Math" panose="02040503050406030204" pitchFamily="18" charset="0"/>
+                                      <a:ea typeface="Cambria Math" panose="02040503050406030204" pitchFamily="18" charset="0"/>
+                                    </a:rPr>
+                                    <m:t>𝐸</m:t>
+                                  </m:r>
+                                </m:e>
+                                <m:sub>
+                                  <m:r>
+                                    <a:rPr lang="pt-BR" sz="1800" b="0" i="1">
+                                      <a:solidFill>
+                                        <a:schemeClr val="tx1"/>
+                                      </a:solidFill>
+                                      <a:latin typeface="Cambria Math" panose="02040503050406030204" pitchFamily="18" charset="0"/>
+                                      <a:ea typeface="Cambria Math" panose="02040503050406030204" pitchFamily="18" charset="0"/>
+                                    </a:rPr>
+                                    <m:t>𝐹</m:t>
+                                  </m:r>
+                                </m:sub>
+                              </m:sSub>
+                            </m:e>
+                          </m:d>
+                        </m:sup>
+                      </m:sSup>
+                    </m:oMath>
+                  </m:oMathPara>
+                </a14:m>
+                <a:endParaRPr lang="pt-BR" dirty="0"/>
+              </a:p>
+            </p:txBody>
+          </p:sp>
+        </mc:Choice>
+        <mc:Fallback xmlns="">
+          <p:sp>
+            <p:nvSpPr>
+              <p:cNvPr id="11" name="CaixaDeTexto 10">
+                <a:extLst>
+                  <a:ext uri="{FF2B5EF4-FFF2-40B4-BE49-F238E27FC236}">
+                    <a16:creationId xmlns:a16="http://schemas.microsoft.com/office/drawing/2014/main" id="{E51A2BFD-AF7F-4040-B976-761E9499C441}"/>
+                  </a:ext>
+                </a:extLst>
+              </p:cNvPr>
+              <p:cNvSpPr txBox="1">
+                <a:spLocks noRot="1" noChangeAspect="1" noMove="1" noResize="1" noEditPoints="1" noAdjustHandles="1" noChangeArrowheads="1" noChangeShapeType="1" noTextEdit="1"/>
+              </p:cNvSpPr>
+              <p:nvPr/>
+            </p:nvSpPr>
+            <p:spPr>
+              <a:xfrm>
+                <a:off x="1" y="3508220"/>
+                <a:ext cx="7717665" cy="662682"/>
+              </a:xfrm>
+              <a:prstGeom prst="rect">
+                <a:avLst/>
+              </a:prstGeom>
+              <a:blipFill>
+                <a:blip r:embed="rId4"/>
+                <a:stretch>
+                  <a:fillRect/>
+                </a:stretch>
+              </a:blipFill>
+            </p:spPr>
+            <p:txBody>
+              <a:bodyPr/>
+              <a:lstStyle/>
+              <a:p>
+                <a:r>
+                  <a:rPr lang="pt-BR">
+                    <a:noFill/>
+                  </a:rPr>
+                  <a:t> </a:t>
+                </a:r>
+              </a:p>
+            </p:txBody>
+          </p:sp>
+        </mc:Fallback>
+      </mc:AlternateContent>
+      <mc:AlternateContent xmlns:mc="http://schemas.openxmlformats.org/markup-compatibility/2006" xmlns:a14="http://schemas.microsoft.com/office/drawing/2010/main">
+        <mc:Choice Requires="a14">
+          <p:sp>
+            <p:nvSpPr>
+              <p:cNvPr id="12" name="CaixaDeTexto 11">
+                <a:extLst>
+                  <a:ext uri="{FF2B5EF4-FFF2-40B4-BE49-F238E27FC236}">
+                    <a16:creationId xmlns:a16="http://schemas.microsoft.com/office/drawing/2014/main" id="{5EA36722-6135-408A-A235-4F631E286D30}"/>
+                  </a:ext>
+                </a:extLst>
+              </p:cNvPr>
+              <p:cNvSpPr txBox="1"/>
+              <p:nvPr/>
+            </p:nvSpPr>
+            <p:spPr>
+              <a:xfrm>
+                <a:off x="-130175" y="4440035"/>
+                <a:ext cx="6965950" cy="750783"/>
+              </a:xfrm>
+              <a:prstGeom prst="rect">
+                <a:avLst/>
+              </a:prstGeom>
+              <a:noFill/>
+            </p:spPr>
+            <p:txBody>
+              <a:bodyPr wrap="square">
+                <a:spAutoFit/>
+              </a:bodyPr>
+              <a:lstStyle/>
+              <a:p>
+                <a:pPr/>
+                <a14:m>
+                  <m:oMathPara xmlns:m="http://schemas.openxmlformats.org/officeDocument/2006/math">
+                    <m:oMathParaPr>
+                      <m:jc m:val="centerGroup"/>
+                    </m:oMathParaPr>
+                    <m:oMath xmlns:m="http://schemas.openxmlformats.org/officeDocument/2006/math">
+                      <m:borderBox>
+                        <m:borderBoxPr>
+                          <m:ctrlPr>
+                            <a:rPr lang="pt-BR" sz="1800" b="1" i="1" smtClean="0">
+                              <a:solidFill>
+                                <a:srgbClr val="C00000"/>
+                              </a:solidFill>
+                              <a:latin typeface="Cambria Math" panose="02040503050406030204" pitchFamily="18" charset="0"/>
+                            </a:rPr>
+                          </m:ctrlPr>
+                        </m:borderBoxPr>
+                        <m:e>
+                          <m:sSub>
+                            <m:sSubPr>
+                              <m:ctrlPr>
+                                <a:rPr lang="pt-BR" sz="1800" b="1" i="1">
+                                  <a:solidFill>
+                                    <a:srgbClr val="C00000"/>
+                                  </a:solidFill>
+                                  <a:latin typeface="Cambria Math" panose="02040503050406030204" pitchFamily="18" charset="0"/>
+                                </a:rPr>
+                              </m:ctrlPr>
+                            </m:sSubPr>
+                            <m:e>
+                              <m:r>
+                                <a:rPr lang="pt-BR" sz="1800" b="1" i="1">
+                                  <a:solidFill>
+                                    <a:srgbClr val="C00000"/>
+                                  </a:solidFill>
+                                  <a:latin typeface="Cambria Math" panose="02040503050406030204" pitchFamily="18" charset="0"/>
+                                </a:rPr>
+                                <m:t>𝑷</m:t>
+                              </m:r>
+                            </m:e>
+                            <m:sub>
+                              <m:r>
+                                <a:rPr lang="pt-BR" sz="1800" b="1" i="1">
+                                  <a:solidFill>
+                                    <a:srgbClr val="C00000"/>
+                                  </a:solidFill>
+                                  <a:latin typeface="Cambria Math" panose="02040503050406030204" pitchFamily="18" charset="0"/>
+                                </a:rPr>
+                                <m:t>𝑳</m:t>
+                              </m:r>
+                            </m:sub>
+                          </m:sSub>
+                          <m:r>
+                            <a:rPr lang="pt-BR" sz="1800" b="1" i="1">
+                              <a:solidFill>
+                                <a:srgbClr val="C00000"/>
+                              </a:solidFill>
+                              <a:latin typeface="Cambria Math" panose="02040503050406030204" pitchFamily="18" charset="0"/>
+                            </a:rPr>
+                            <m:t>=</m:t>
+                          </m:r>
+                          <m:sSup>
+                            <m:sSupPr>
+                              <m:ctrlPr>
+                                <a:rPr lang="pt-BR" sz="1800" b="1" i="1">
+                                  <a:solidFill>
+                                    <a:srgbClr val="C00000"/>
+                                  </a:solidFill>
+                                  <a:latin typeface="Cambria Math" panose="02040503050406030204" pitchFamily="18" charset="0"/>
+                                </a:rPr>
+                              </m:ctrlPr>
+                            </m:sSupPr>
+                            <m:e>
+                              <m:f>
+                                <m:fPr>
+                                  <m:ctrlPr>
+                                    <a:rPr lang="pt-BR" sz="1800" b="1" i="1">
+                                      <a:solidFill>
+                                        <a:srgbClr val="C00000"/>
+                                      </a:solidFill>
+                                      <a:latin typeface="Cambria Math" panose="02040503050406030204" pitchFamily="18" charset="0"/>
+                                    </a:rPr>
+                                  </m:ctrlPr>
+                                </m:fPr>
+                                <m:num>
+                                  <m:r>
+                                    <a:rPr lang="pt-BR" sz="1800" b="1" i="1">
+                                      <a:solidFill>
+                                        <a:srgbClr val="C00000"/>
+                                      </a:solidFill>
+                                      <a:latin typeface="Cambria Math" panose="02040503050406030204" pitchFamily="18" charset="0"/>
+                                    </a:rPr>
+                                    <m:t>𝟏</m:t>
+                                  </m:r>
+                                </m:num>
+                                <m:den>
+                                  <m:sSup>
+                                    <m:sSupPr>
+                                      <m:ctrlPr>
+                                        <a:rPr lang="pt-BR" sz="1800" b="1" i="1">
+                                          <a:solidFill>
+                                            <a:srgbClr val="C00000"/>
+                                          </a:solidFill>
+                                          <a:latin typeface="Cambria Math" panose="02040503050406030204" pitchFamily="18" charset="0"/>
+                                        </a:rPr>
+                                      </m:ctrlPr>
+                                    </m:sSupPr>
+                                    <m:e>
+                                      <m:r>
+                                        <a:rPr lang="pt-BR" sz="1800" b="1" i="1">
+                                          <a:solidFill>
+                                            <a:srgbClr val="C00000"/>
+                                          </a:solidFill>
+                                          <a:latin typeface="Cambria Math" panose="02040503050406030204" pitchFamily="18" charset="0"/>
+                                        </a:rPr>
+                                        <m:t>𝒆</m:t>
+                                      </m:r>
+                                    </m:e>
+                                    <m:sup>
+                                      <m:r>
+                                        <a:rPr lang="pt-BR" sz="1800" b="1" i="1">
+                                          <a:solidFill>
+                                            <a:srgbClr val="C00000"/>
+                                          </a:solidFill>
+                                          <a:latin typeface="Cambria Math" panose="02040503050406030204" pitchFamily="18" charset="0"/>
+                                        </a:rPr>
+                                        <m:t>−</m:t>
+                                      </m:r>
+                                      <m:r>
+                                        <a:rPr lang="pt-BR" sz="1800" b="1" i="1">
+                                          <a:solidFill>
+                                            <a:srgbClr val="C00000"/>
+                                          </a:solidFill>
+                                          <a:latin typeface="Cambria Math" panose="02040503050406030204" pitchFamily="18" charset="0"/>
+                                        </a:rPr>
+                                        <m:t>𝜷</m:t>
+                                      </m:r>
+                                      <m:d>
+                                        <m:dPr>
+                                          <m:begChr m:val="⟨"/>
+                                          <m:endChr m:val="⟩"/>
+                                          <m:ctrlPr>
+                                            <a:rPr lang="pt-BR" sz="1800" b="1" i="1">
+                                              <a:solidFill>
+                                                <a:srgbClr val="C00000"/>
+                                              </a:solidFill>
+                                              <a:latin typeface="Cambria Math" panose="02040503050406030204" pitchFamily="18" charset="0"/>
+                                            </a:rPr>
+                                          </m:ctrlPr>
+                                        </m:dPr>
+                                        <m:e>
+                                          <m:sSub>
+                                            <m:sSubPr>
+                                              <m:ctrlPr>
+                                                <a:rPr lang="pt-BR" sz="1800" b="1" i="1">
+                                                  <a:solidFill>
+                                                    <a:srgbClr val="C00000"/>
+                                                  </a:solidFill>
+                                                  <a:latin typeface="Cambria Math" panose="02040503050406030204" pitchFamily="18" charset="0"/>
+                                                </a:rPr>
+                                              </m:ctrlPr>
+                                            </m:sSubPr>
+                                            <m:e>
+                                              <m:r>
+                                                <a:rPr lang="pt-BR" sz="1800" b="1" i="1">
+                                                  <a:solidFill>
+                                                    <a:srgbClr val="C00000"/>
+                                                  </a:solidFill>
+                                                  <a:latin typeface="Cambria Math" panose="02040503050406030204" pitchFamily="18" charset="0"/>
+                                                </a:rPr>
+                                                <m:t>𝑬</m:t>
+                                              </m:r>
+                                            </m:e>
+                                            <m:sub>
+                                              <m:r>
+                                                <a:rPr lang="pt-BR" sz="1800" b="1" i="1">
+                                                  <a:solidFill>
+                                                    <a:srgbClr val="C00000"/>
+                                                  </a:solidFill>
+                                                  <a:latin typeface="Cambria Math" panose="02040503050406030204" pitchFamily="18" charset="0"/>
+                                                </a:rPr>
+                                                <m:t>𝑳</m:t>
+                                              </m:r>
+                                            </m:sub>
+                                          </m:sSub>
+                                        </m:e>
+                                      </m:d>
+                                    </m:sup>
+                                  </m:sSup>
+                                  <m:r>
+                                    <a:rPr lang="pt-BR" sz="1800" b="1" i="1">
+                                      <a:solidFill>
+                                        <a:srgbClr val="C00000"/>
+                                      </a:solidFill>
+                                      <a:latin typeface="Cambria Math" panose="02040503050406030204" pitchFamily="18" charset="0"/>
+                                    </a:rPr>
+                                    <m:t>+</m:t>
+                                  </m:r>
+                                  <m:sSup>
+                                    <m:sSupPr>
+                                      <m:ctrlPr>
+                                        <a:rPr lang="pt-BR" sz="1800" b="1" i="1">
+                                          <a:solidFill>
+                                            <a:srgbClr val="C00000"/>
+                                          </a:solidFill>
+                                          <a:latin typeface="Cambria Math" panose="02040503050406030204" pitchFamily="18" charset="0"/>
+                                        </a:rPr>
+                                      </m:ctrlPr>
+                                    </m:sSupPr>
+                                    <m:e>
+                                      <m:r>
+                                        <a:rPr lang="pt-BR" sz="1800" b="1" i="1">
+                                          <a:solidFill>
+                                            <a:srgbClr val="C00000"/>
+                                          </a:solidFill>
+                                          <a:latin typeface="Cambria Math" panose="02040503050406030204" pitchFamily="18" charset="0"/>
+                                        </a:rPr>
+                                        <m:t>𝒆</m:t>
+                                      </m:r>
+                                    </m:e>
+                                    <m:sup>
+                                      <m:r>
+                                        <a:rPr lang="pt-BR" sz="1800" b="1" i="1">
+                                          <a:solidFill>
+                                            <a:srgbClr val="C00000"/>
+                                          </a:solidFill>
+                                          <a:latin typeface="Cambria Math" panose="02040503050406030204" pitchFamily="18" charset="0"/>
+                                        </a:rPr>
+                                        <m:t>−</m:t>
+                                      </m:r>
+                                      <m:r>
+                                        <a:rPr lang="pt-BR" sz="1800" b="1" i="1">
+                                          <a:solidFill>
+                                            <a:srgbClr val="C00000"/>
+                                          </a:solidFill>
+                                          <a:latin typeface="Cambria Math" panose="02040503050406030204" pitchFamily="18" charset="0"/>
+                                        </a:rPr>
+                                        <m:t>𝜷</m:t>
+                                      </m:r>
+                                      <m:d>
+                                        <m:dPr>
+                                          <m:begChr m:val="⟨"/>
+                                          <m:endChr m:val="⟩"/>
+                                          <m:ctrlPr>
+                                            <a:rPr lang="pt-BR" sz="1800" b="1" i="1">
+                                              <a:solidFill>
+                                                <a:srgbClr val="C00000"/>
+                                              </a:solidFill>
+                                              <a:latin typeface="Cambria Math" panose="02040503050406030204" pitchFamily="18" charset="0"/>
+                                            </a:rPr>
+                                          </m:ctrlPr>
+                                        </m:dPr>
+                                        <m:e>
+                                          <m:sSub>
+                                            <m:sSubPr>
+                                              <m:ctrlPr>
+                                                <a:rPr lang="pt-BR" sz="1800" b="1" i="1">
+                                                  <a:solidFill>
+                                                    <a:srgbClr val="C00000"/>
+                                                  </a:solidFill>
+                                                  <a:latin typeface="Cambria Math" panose="02040503050406030204" pitchFamily="18" charset="0"/>
+                                                </a:rPr>
+                                              </m:ctrlPr>
+                                            </m:sSubPr>
+                                            <m:e>
+                                              <m:r>
+                                                <a:rPr lang="pt-BR" sz="1800" b="1" i="1">
+                                                  <a:solidFill>
+                                                    <a:srgbClr val="C00000"/>
+                                                  </a:solidFill>
+                                                  <a:latin typeface="Cambria Math" panose="02040503050406030204" pitchFamily="18" charset="0"/>
+                                                </a:rPr>
+                                                <m:t>𝑬</m:t>
+                                              </m:r>
+                                            </m:e>
+                                            <m:sub>
+                                              <m:r>
+                                                <a:rPr lang="pt-BR" sz="1800" b="1" i="1">
+                                                  <a:solidFill>
+                                                    <a:srgbClr val="C00000"/>
+                                                  </a:solidFill>
+                                                  <a:latin typeface="Cambria Math" panose="02040503050406030204" pitchFamily="18" charset="0"/>
+                                                </a:rPr>
+                                                <m:t>𝑭</m:t>
+                                              </m:r>
+                                            </m:sub>
+                                          </m:sSub>
+                                        </m:e>
+                                      </m:d>
+                                    </m:sup>
+                                  </m:sSup>
+                                </m:den>
+                              </m:f>
+                              <m:r>
+                                <a:rPr lang="pt-BR" sz="1800" b="1" i="1">
+                                  <a:solidFill>
+                                    <a:srgbClr val="C00000"/>
+                                  </a:solidFill>
+                                  <a:latin typeface="Cambria Math" panose="02040503050406030204" pitchFamily="18" charset="0"/>
+                                </a:rPr>
+                                <m:t>𝒆</m:t>
+                              </m:r>
+                            </m:e>
+                            <m:sup>
+                              <m:r>
+                                <a:rPr lang="pt-BR" sz="1800" b="1" i="1">
+                                  <a:solidFill>
+                                    <a:srgbClr val="C00000"/>
+                                  </a:solidFill>
+                                  <a:latin typeface="Cambria Math" panose="02040503050406030204" pitchFamily="18" charset="0"/>
+                                </a:rPr>
+                                <m:t>−</m:t>
+                              </m:r>
+                              <m:r>
+                                <a:rPr lang="pt-BR" sz="1800" b="1" i="1">
+                                  <a:solidFill>
+                                    <a:srgbClr val="C00000"/>
+                                  </a:solidFill>
+                                  <a:latin typeface="Cambria Math" panose="02040503050406030204" pitchFamily="18" charset="0"/>
+                                </a:rPr>
+                                <m:t>𝜷</m:t>
+                              </m:r>
+                              <m:d>
+                                <m:dPr>
+                                  <m:begChr m:val="⟨"/>
+                                  <m:endChr m:val="⟩"/>
+                                  <m:ctrlPr>
+                                    <a:rPr lang="pt-BR" sz="1800" b="1" i="1">
+                                      <a:solidFill>
+                                        <a:srgbClr val="C00000"/>
+                                      </a:solidFill>
+                                      <a:latin typeface="Cambria Math" panose="02040503050406030204" pitchFamily="18" charset="0"/>
+                                    </a:rPr>
+                                  </m:ctrlPr>
+                                </m:dPr>
+                                <m:e>
+                                  <m:sSub>
+                                    <m:sSubPr>
+                                      <m:ctrlPr>
+                                        <a:rPr lang="pt-BR" sz="1800" b="1" i="1">
+                                          <a:solidFill>
+                                            <a:srgbClr val="C00000"/>
+                                          </a:solidFill>
+                                          <a:latin typeface="Cambria Math" panose="02040503050406030204" pitchFamily="18" charset="0"/>
+                                        </a:rPr>
+                                      </m:ctrlPr>
+                                    </m:sSubPr>
+                                    <m:e>
+                                      <m:r>
+                                        <a:rPr lang="pt-BR" sz="1800" b="1" i="1">
+                                          <a:solidFill>
+                                            <a:srgbClr val="C00000"/>
+                                          </a:solidFill>
+                                          <a:latin typeface="Cambria Math" panose="02040503050406030204" pitchFamily="18" charset="0"/>
+                                        </a:rPr>
+                                        <m:t>𝑬</m:t>
+                                      </m:r>
+                                    </m:e>
+                                    <m:sub>
+                                      <m:r>
+                                        <a:rPr lang="pt-BR" sz="1800" b="1" i="1">
+                                          <a:solidFill>
+                                            <a:srgbClr val="C00000"/>
+                                          </a:solidFill>
+                                          <a:latin typeface="Cambria Math" panose="02040503050406030204" pitchFamily="18" charset="0"/>
+                                        </a:rPr>
+                                        <m:t>𝑳</m:t>
+                                      </m:r>
+                                    </m:sub>
+                                  </m:sSub>
+                                </m:e>
+                              </m:d>
+                            </m:sup>
+                          </m:sSup>
+                          <m:r>
+                            <a:rPr lang="pt-BR" sz="1800" b="1">
+                              <a:solidFill>
+                                <a:srgbClr val="C00000"/>
+                              </a:solidFill>
+                              <a:latin typeface="Cambria Math" panose="02040503050406030204" pitchFamily="18" charset="0"/>
+                            </a:rPr>
+                            <m:t> ; </m:t>
+                          </m:r>
+                          <m:sSub>
+                            <m:sSubPr>
+                              <m:ctrlPr>
+                                <a:rPr lang="pt-BR" sz="1800" b="1" i="1">
+                                  <a:solidFill>
+                                    <a:srgbClr val="C00000"/>
+                                  </a:solidFill>
+                                  <a:latin typeface="Cambria Math" panose="02040503050406030204" pitchFamily="18" charset="0"/>
+                                </a:rPr>
+                              </m:ctrlPr>
+                            </m:sSubPr>
+                            <m:e>
+                              <m:r>
+                                <a:rPr lang="pt-BR" sz="1800" b="1" i="1">
+                                  <a:solidFill>
+                                    <a:srgbClr val="C00000"/>
+                                  </a:solidFill>
+                                  <a:latin typeface="Cambria Math" panose="02040503050406030204" pitchFamily="18" charset="0"/>
+                                </a:rPr>
+                                <m:t>𝑷</m:t>
+                              </m:r>
+                            </m:e>
+                            <m:sub>
+                              <m:r>
+                                <a:rPr lang="pt-BR" sz="1800" b="1" i="1">
+                                  <a:solidFill>
+                                    <a:srgbClr val="C00000"/>
+                                  </a:solidFill>
+                                  <a:latin typeface="Cambria Math" panose="02040503050406030204" pitchFamily="18" charset="0"/>
+                                </a:rPr>
+                                <m:t>𝑭</m:t>
+                              </m:r>
+                            </m:sub>
+                          </m:sSub>
+                          <m:r>
+                            <a:rPr lang="pt-BR" sz="1800" b="1" i="1">
+                              <a:solidFill>
+                                <a:srgbClr val="C00000"/>
+                              </a:solidFill>
+                              <a:latin typeface="Cambria Math" panose="02040503050406030204" pitchFamily="18" charset="0"/>
+                            </a:rPr>
+                            <m:t>=</m:t>
+                          </m:r>
+                          <m:sSup>
+                            <m:sSupPr>
+                              <m:ctrlPr>
+                                <a:rPr lang="pt-BR" sz="1800" b="1" i="1">
+                                  <a:solidFill>
+                                    <a:srgbClr val="C00000"/>
+                                  </a:solidFill>
+                                  <a:latin typeface="Cambria Math" panose="02040503050406030204" pitchFamily="18" charset="0"/>
+                                </a:rPr>
+                              </m:ctrlPr>
+                            </m:sSupPr>
+                            <m:e>
+                              <m:f>
+                                <m:fPr>
+                                  <m:ctrlPr>
+                                    <a:rPr lang="pt-BR" sz="1800" b="1" i="1">
+                                      <a:solidFill>
+                                        <a:srgbClr val="C00000"/>
+                                      </a:solidFill>
+                                      <a:latin typeface="Cambria Math" panose="02040503050406030204" pitchFamily="18" charset="0"/>
+                                    </a:rPr>
+                                  </m:ctrlPr>
+                                </m:fPr>
+                                <m:num>
+                                  <m:r>
+                                    <a:rPr lang="pt-BR" sz="1800" b="1" i="1">
+                                      <a:solidFill>
+                                        <a:srgbClr val="C00000"/>
+                                      </a:solidFill>
+                                      <a:latin typeface="Cambria Math" panose="02040503050406030204" pitchFamily="18" charset="0"/>
+                                    </a:rPr>
+                                    <m:t>𝟏</m:t>
+                                  </m:r>
+                                </m:num>
+                                <m:den>
+                                  <m:sSup>
+                                    <m:sSupPr>
+                                      <m:ctrlPr>
+                                        <a:rPr lang="pt-BR" sz="1800" b="1" i="1">
+                                          <a:solidFill>
+                                            <a:srgbClr val="C00000"/>
+                                          </a:solidFill>
+                                          <a:latin typeface="Cambria Math" panose="02040503050406030204" pitchFamily="18" charset="0"/>
+                                        </a:rPr>
+                                      </m:ctrlPr>
+                                    </m:sSupPr>
+                                    <m:e>
+                                      <m:r>
+                                        <a:rPr lang="pt-BR" sz="1800" b="1" i="1">
+                                          <a:solidFill>
+                                            <a:srgbClr val="C00000"/>
+                                          </a:solidFill>
+                                          <a:latin typeface="Cambria Math" panose="02040503050406030204" pitchFamily="18" charset="0"/>
+                                        </a:rPr>
+                                        <m:t>𝒆</m:t>
+                                      </m:r>
+                                    </m:e>
+                                    <m:sup>
+                                      <m:r>
+                                        <a:rPr lang="pt-BR" sz="1800" b="1" i="1">
+                                          <a:solidFill>
+                                            <a:srgbClr val="C00000"/>
+                                          </a:solidFill>
+                                          <a:latin typeface="Cambria Math" panose="02040503050406030204" pitchFamily="18" charset="0"/>
+                                        </a:rPr>
+                                        <m:t>−</m:t>
+                                      </m:r>
+                                      <m:r>
+                                        <a:rPr lang="pt-BR" sz="1800" b="1" i="1">
+                                          <a:solidFill>
+                                            <a:srgbClr val="C00000"/>
+                                          </a:solidFill>
+                                          <a:latin typeface="Cambria Math" panose="02040503050406030204" pitchFamily="18" charset="0"/>
+                                        </a:rPr>
+                                        <m:t>𝜷</m:t>
+                                      </m:r>
+                                      <m:d>
+                                        <m:dPr>
+                                          <m:begChr m:val="⟨"/>
+                                          <m:endChr m:val="⟩"/>
+                                          <m:ctrlPr>
+                                            <a:rPr lang="pt-BR" sz="1800" b="1" i="1">
+                                              <a:solidFill>
+                                                <a:srgbClr val="C00000"/>
+                                              </a:solidFill>
+                                              <a:latin typeface="Cambria Math" panose="02040503050406030204" pitchFamily="18" charset="0"/>
+                                            </a:rPr>
+                                          </m:ctrlPr>
+                                        </m:dPr>
+                                        <m:e>
+                                          <m:sSub>
+                                            <m:sSubPr>
+                                              <m:ctrlPr>
+                                                <a:rPr lang="pt-BR" sz="1800" b="1" i="1">
+                                                  <a:solidFill>
+                                                    <a:srgbClr val="C00000"/>
+                                                  </a:solidFill>
+                                                  <a:latin typeface="Cambria Math" panose="02040503050406030204" pitchFamily="18" charset="0"/>
+                                                </a:rPr>
+                                              </m:ctrlPr>
+                                            </m:sSubPr>
+                                            <m:e>
+                                              <m:r>
+                                                <a:rPr lang="pt-BR" sz="1800" b="1" i="1">
+                                                  <a:solidFill>
+                                                    <a:srgbClr val="C00000"/>
+                                                  </a:solidFill>
+                                                  <a:latin typeface="Cambria Math" panose="02040503050406030204" pitchFamily="18" charset="0"/>
+                                                </a:rPr>
+                                                <m:t>𝑬</m:t>
+                                              </m:r>
+                                            </m:e>
+                                            <m:sub>
+                                              <m:r>
+                                                <a:rPr lang="pt-BR" sz="1800" b="1" i="1">
+                                                  <a:solidFill>
+                                                    <a:srgbClr val="C00000"/>
+                                                  </a:solidFill>
+                                                  <a:latin typeface="Cambria Math" panose="02040503050406030204" pitchFamily="18" charset="0"/>
+                                                </a:rPr>
+                                                <m:t>𝑳</m:t>
+                                              </m:r>
+                                            </m:sub>
+                                          </m:sSub>
+                                        </m:e>
+                                      </m:d>
+                                    </m:sup>
+                                  </m:sSup>
+                                  <m:r>
+                                    <a:rPr lang="pt-BR" sz="1800" b="1" i="1">
+                                      <a:solidFill>
+                                        <a:srgbClr val="C00000"/>
+                                      </a:solidFill>
+                                      <a:latin typeface="Cambria Math" panose="02040503050406030204" pitchFamily="18" charset="0"/>
+                                    </a:rPr>
+                                    <m:t>+</m:t>
+                                  </m:r>
+                                  <m:sSup>
+                                    <m:sSupPr>
+                                      <m:ctrlPr>
+                                        <a:rPr lang="pt-BR" sz="1800" b="1" i="1">
+                                          <a:solidFill>
+                                            <a:srgbClr val="C00000"/>
+                                          </a:solidFill>
+                                          <a:latin typeface="Cambria Math" panose="02040503050406030204" pitchFamily="18" charset="0"/>
+                                        </a:rPr>
+                                      </m:ctrlPr>
+                                    </m:sSupPr>
+                                    <m:e>
+                                      <m:r>
+                                        <a:rPr lang="pt-BR" sz="1800" b="1" i="1">
+                                          <a:solidFill>
+                                            <a:srgbClr val="C00000"/>
+                                          </a:solidFill>
+                                          <a:latin typeface="Cambria Math" panose="02040503050406030204" pitchFamily="18" charset="0"/>
+                                        </a:rPr>
+                                        <m:t>𝒆</m:t>
+                                      </m:r>
+                                    </m:e>
+                                    <m:sup>
+                                      <m:r>
+                                        <a:rPr lang="pt-BR" sz="1800" b="1" i="1">
+                                          <a:solidFill>
+                                            <a:srgbClr val="C00000"/>
+                                          </a:solidFill>
+                                          <a:latin typeface="Cambria Math" panose="02040503050406030204" pitchFamily="18" charset="0"/>
+                                        </a:rPr>
+                                        <m:t>−</m:t>
+                                      </m:r>
+                                      <m:r>
+                                        <a:rPr lang="pt-BR" sz="1800" b="1" i="1">
+                                          <a:solidFill>
+                                            <a:srgbClr val="C00000"/>
+                                          </a:solidFill>
+                                          <a:latin typeface="Cambria Math" panose="02040503050406030204" pitchFamily="18" charset="0"/>
+                                        </a:rPr>
+                                        <m:t>𝜷</m:t>
+                                      </m:r>
+                                      <m:d>
+                                        <m:dPr>
+                                          <m:begChr m:val="⟨"/>
+                                          <m:endChr m:val="⟩"/>
+                                          <m:ctrlPr>
+                                            <a:rPr lang="pt-BR" sz="1800" b="1" i="1">
+                                              <a:solidFill>
+                                                <a:srgbClr val="C00000"/>
+                                              </a:solidFill>
+                                              <a:latin typeface="Cambria Math" panose="02040503050406030204" pitchFamily="18" charset="0"/>
+                                            </a:rPr>
+                                          </m:ctrlPr>
+                                        </m:dPr>
+                                        <m:e>
+                                          <m:sSub>
+                                            <m:sSubPr>
+                                              <m:ctrlPr>
+                                                <a:rPr lang="pt-BR" sz="1800" b="1" i="1">
+                                                  <a:solidFill>
+                                                    <a:srgbClr val="C00000"/>
+                                                  </a:solidFill>
+                                                  <a:latin typeface="Cambria Math" panose="02040503050406030204" pitchFamily="18" charset="0"/>
+                                                </a:rPr>
+                                              </m:ctrlPr>
+                                            </m:sSubPr>
+                                            <m:e>
+                                              <m:r>
+                                                <a:rPr lang="pt-BR" sz="1800" b="1" i="1">
+                                                  <a:solidFill>
+                                                    <a:srgbClr val="C00000"/>
+                                                  </a:solidFill>
+                                                  <a:latin typeface="Cambria Math" panose="02040503050406030204" pitchFamily="18" charset="0"/>
+                                                </a:rPr>
+                                                <m:t>𝑬</m:t>
+                                              </m:r>
+                                            </m:e>
+                                            <m:sub>
+                                              <m:r>
+                                                <a:rPr lang="pt-BR" sz="1800" b="1" i="1">
+                                                  <a:solidFill>
+                                                    <a:srgbClr val="C00000"/>
+                                                  </a:solidFill>
+                                                  <a:latin typeface="Cambria Math" panose="02040503050406030204" pitchFamily="18" charset="0"/>
+                                                </a:rPr>
+                                                <m:t>𝑭</m:t>
+                                              </m:r>
+                                            </m:sub>
+                                          </m:sSub>
+                                        </m:e>
+                                      </m:d>
+                                    </m:sup>
+                                  </m:sSup>
+                                </m:den>
+                              </m:f>
+                              <m:r>
+                                <a:rPr lang="pt-BR" sz="1800" b="1" i="1">
+                                  <a:solidFill>
+                                    <a:srgbClr val="C00000"/>
+                                  </a:solidFill>
+                                  <a:latin typeface="Cambria Math" panose="02040503050406030204" pitchFamily="18" charset="0"/>
+                                </a:rPr>
+                                <m:t>𝒆</m:t>
+                              </m:r>
+                            </m:e>
+                            <m:sup>
+                              <m:r>
+                                <a:rPr lang="pt-BR" sz="1800" b="1" i="1">
+                                  <a:solidFill>
+                                    <a:srgbClr val="C00000"/>
+                                  </a:solidFill>
+                                  <a:latin typeface="Cambria Math" panose="02040503050406030204" pitchFamily="18" charset="0"/>
+                                </a:rPr>
+                                <m:t>−</m:t>
+                              </m:r>
+                              <m:r>
+                                <a:rPr lang="pt-BR" sz="1800" b="1" i="1">
+                                  <a:solidFill>
+                                    <a:srgbClr val="C00000"/>
+                                  </a:solidFill>
+                                  <a:latin typeface="Cambria Math" panose="02040503050406030204" pitchFamily="18" charset="0"/>
+                                  <a:ea typeface="Cambria Math" panose="02040503050406030204" pitchFamily="18" charset="0"/>
+                                </a:rPr>
+                                <m:t>𝜷</m:t>
+                              </m:r>
+                              <m:d>
+                                <m:dPr>
+                                  <m:begChr m:val="⟨"/>
+                                  <m:endChr m:val="⟩"/>
+                                  <m:ctrlPr>
+                                    <a:rPr lang="pt-BR" sz="1800" b="1" i="1">
+                                      <a:solidFill>
+                                        <a:srgbClr val="C00000"/>
+                                      </a:solidFill>
+                                      <a:latin typeface="Cambria Math" panose="02040503050406030204" pitchFamily="18" charset="0"/>
+                                      <a:ea typeface="Cambria Math" panose="02040503050406030204" pitchFamily="18" charset="0"/>
+                                    </a:rPr>
+                                  </m:ctrlPr>
+                                </m:dPr>
+                                <m:e>
+                                  <m:sSub>
+                                    <m:sSubPr>
+                                      <m:ctrlPr>
+                                        <a:rPr lang="pt-BR" sz="1800" b="1" i="1">
+                                          <a:solidFill>
+                                            <a:srgbClr val="C00000"/>
+                                          </a:solidFill>
+                                          <a:latin typeface="Cambria Math" panose="02040503050406030204" pitchFamily="18" charset="0"/>
+                                          <a:ea typeface="Cambria Math" panose="02040503050406030204" pitchFamily="18" charset="0"/>
+                                        </a:rPr>
+                                      </m:ctrlPr>
+                                    </m:sSubPr>
+                                    <m:e>
+                                      <m:r>
+                                        <a:rPr lang="pt-BR" sz="1800" b="1" i="1">
+                                          <a:solidFill>
+                                            <a:srgbClr val="C00000"/>
+                                          </a:solidFill>
+                                          <a:latin typeface="Cambria Math" panose="02040503050406030204" pitchFamily="18" charset="0"/>
+                                          <a:ea typeface="Cambria Math" panose="02040503050406030204" pitchFamily="18" charset="0"/>
+                                        </a:rPr>
+                                        <m:t>𝑬</m:t>
+                                      </m:r>
+                                    </m:e>
+                                    <m:sub>
+                                      <m:r>
+                                        <a:rPr lang="pt-BR" sz="1800" b="1" i="1">
+                                          <a:solidFill>
+                                            <a:srgbClr val="C00000"/>
+                                          </a:solidFill>
+                                          <a:latin typeface="Cambria Math" panose="02040503050406030204" pitchFamily="18" charset="0"/>
+                                          <a:ea typeface="Cambria Math" panose="02040503050406030204" pitchFamily="18" charset="0"/>
+                                        </a:rPr>
+                                        <m:t>𝑭</m:t>
+                                      </m:r>
+                                    </m:sub>
+                                  </m:sSub>
+                                </m:e>
+                              </m:d>
+                            </m:sup>
+                          </m:sSup>
+                        </m:e>
+                      </m:borderBox>
+                    </m:oMath>
+                  </m:oMathPara>
+                </a14:m>
+                <a:endParaRPr lang="pt-BR" dirty="0"/>
+              </a:p>
+            </p:txBody>
+          </p:sp>
+        </mc:Choice>
+        <mc:Fallback xmlns="">
+          <p:sp>
+            <p:nvSpPr>
+              <p:cNvPr id="12" name="CaixaDeTexto 11">
+                <a:extLst>
+                  <a:ext uri="{FF2B5EF4-FFF2-40B4-BE49-F238E27FC236}">
+                    <a16:creationId xmlns:a16="http://schemas.microsoft.com/office/drawing/2014/main" id="{5EA36722-6135-408A-A235-4F631E286D30}"/>
+                  </a:ext>
+                </a:extLst>
+              </p:cNvPr>
+              <p:cNvSpPr txBox="1">
+                <a:spLocks noRot="1" noChangeAspect="1" noMove="1" noResize="1" noEditPoints="1" noAdjustHandles="1" noChangeArrowheads="1" noChangeShapeType="1" noTextEdit="1"/>
+              </p:cNvSpPr>
+              <p:nvPr/>
+            </p:nvSpPr>
+            <p:spPr>
+              <a:xfrm>
+                <a:off x="-130175" y="4440035"/>
+                <a:ext cx="6965950" cy="750783"/>
+              </a:xfrm>
+              <a:prstGeom prst="rect">
+                <a:avLst/>
+              </a:prstGeom>
+              <a:blipFill>
+                <a:blip r:embed="rId5"/>
+                <a:stretch>
+                  <a:fillRect/>
+                </a:stretch>
+              </a:blipFill>
+            </p:spPr>
+            <p:txBody>
+              <a:bodyPr/>
+              <a:lstStyle/>
+              <a:p>
+                <a:r>
+                  <a:rPr lang="pt-BR">
+                    <a:noFill/>
+                  </a:rPr>
+                  <a:t> </a:t>
+                </a:r>
+              </a:p>
+            </p:txBody>
+          </p:sp>
+        </mc:Fallback>
+      </mc:AlternateContent>
+    </p:spTree>
+    <p:extLst>
+      <p:ext uri="{BB962C8B-B14F-4D97-AF65-F5344CB8AC3E}">
+        <p14:creationId xmlns:p14="http://schemas.microsoft.com/office/powerpoint/2010/main" val="3301255802"/>
+      </p:ext>
+    </p:extLst>
+  </p:cSld>
+  <p:clrMapOvr>
+    <a:masterClrMapping/>
+  </p:clrMapOvr>
+</p:sld>
+</file>
+
+<file path=ppt/slides/slide11.xml><?xml version="1.0" encoding="utf-8"?>
+<p:sld xmlns:a="http://schemas.openxmlformats.org/drawingml/2006/main" xmlns:r="http://schemas.openxmlformats.org/officeDocument/2006/relationships" xmlns:p="http://schemas.openxmlformats.org/presentationml/2006/main">
+  <p:cSld>
+    <p:spTree>
+      <p:nvGrpSpPr>
+        <p:cNvPr id="1" name=""/>
+        <p:cNvGrpSpPr/>
+        <p:nvPr/>
+      </p:nvGrpSpPr>
+      <p:grpSpPr>
+        <a:xfrm>
+          <a:off x="0" y="0"/>
+          <a:ext cx="0" cy="0"/>
+          <a:chOff x="0" y="0"/>
+          <a:chExt cx="0" cy="0"/>
+        </a:xfrm>
+      </p:grpSpPr>
+      <p:sp>
+        <p:nvSpPr>
+          <p:cNvPr id="2" name="Espaço Reservado para Número de Slide 1">
+            <a:extLst>
+              <a:ext uri="{FF2B5EF4-FFF2-40B4-BE49-F238E27FC236}">
+                <a16:creationId xmlns:a16="http://schemas.microsoft.com/office/drawing/2014/main" id="{59CFF0E6-7212-4AC6-8EB7-187061C5FABE}"/>
+              </a:ext>
+            </a:extLst>
+          </p:cNvPr>
+          <p:cNvSpPr>
+            <a:spLocks noGrp="1"/>
+          </p:cNvSpPr>
+          <p:nvPr>
+            <p:ph type="sldNum" sz="quarter" idx="12"/>
+          </p:nvPr>
+        </p:nvSpPr>
+        <p:spPr/>
+        <p:txBody>
+          <a:bodyPr/>
+          <a:lstStyle/>
+          <a:p>
+            <a:fld id="{9892FFFB-AE51-A74C-8150-E041A9400B6F}" type="slidenum">
+              <a:rPr lang="pt-BR" smtClean="0"/>
+              <a:pPr/>
+              <a:t>11</a:t>
+            </a:fld>
+            <a:endParaRPr lang="pt-BR"/>
+          </a:p>
+        </p:txBody>
+      </p:sp>
     </p:spTree>
     <p:extLst>
       <p:ext uri="{BB962C8B-B14F-4D97-AF65-F5344CB8AC3E}">
@@ -4871,7 +8805,7 @@
 </p:sld>
 </file>
 
-<file path=ppt/slides/slide11.xml><?xml version="1.0" encoding="utf-8"?>
+<file path=ppt/slides/slide12.xml><?xml version="1.0" encoding="utf-8"?>
 <p:sld xmlns:a="http://schemas.openxmlformats.org/drawingml/2006/main" xmlns:r="http://schemas.openxmlformats.org/officeDocument/2006/relationships" xmlns:p="http://schemas.openxmlformats.org/presentationml/2006/main">
   <p:cSld>
     <p:spTree>
@@ -4912,7 +8846,7 @@
             <a:fld id="{9892FFFB-AE51-A74C-8150-E041A9400B6F}" type="slidenum">
               <a:rPr lang="pt-BR" smtClean="0"/>
               <a:pPr/>
-              <a:t>11</a:t>
+              <a:t>12</a:t>
             </a:fld>
             <a:endParaRPr lang="pt-BR"/>
           </a:p>
@@ -14166,7 +18100,7 @@
           <p:cNvPr id="2" name="Espaço Reservado para Número de Slide 1">
             <a:extLst>
               <a:ext uri="{FF2B5EF4-FFF2-40B4-BE49-F238E27FC236}">
-                <a16:creationId xmlns:a16="http://schemas.microsoft.com/office/drawing/2014/main" id="{9ACE06BB-6F66-E643-DCC1-5E5C6304C78C}"/>
+                <a16:creationId xmlns:a16="http://schemas.microsoft.com/office/drawing/2014/main" id="{6F399837-D689-153D-8E58-98A2E15D251C}"/>
               </a:ext>
             </a:extLst>
           </p:cNvPr>
@@ -14187,14 +18121,1454 @@
               <a:pPr/>
               <a:t>8</a:t>
             </a:fld>
-            <a:endParaRPr lang="pt-BR" dirty="0"/>
+            <a:endParaRPr lang="pt-BR"/>
           </a:p>
         </p:txBody>
       </p:sp>
+      <p:sp>
+        <p:nvSpPr>
+          <p:cNvPr id="3" name="CaixaDeTexto 2">
+            <a:extLst>
+              <a:ext uri="{FF2B5EF4-FFF2-40B4-BE49-F238E27FC236}">
+                <a16:creationId xmlns:a16="http://schemas.microsoft.com/office/drawing/2014/main" id="{A79518A3-BD3C-6050-6562-1CE7F6C2B033}"/>
+              </a:ext>
+            </a:extLst>
+          </p:cNvPr>
+          <p:cNvSpPr txBox="1"/>
+          <p:nvPr/>
+        </p:nvSpPr>
+        <p:spPr>
+          <a:xfrm>
+            <a:off x="74084" y="1020306"/>
+            <a:ext cx="6614583" cy="461665"/>
+          </a:xfrm>
+          <a:prstGeom prst="rect">
+            <a:avLst/>
+          </a:prstGeom>
+          <a:noFill/>
+        </p:spPr>
+        <p:txBody>
+          <a:bodyPr wrap="square" rtlCol="0">
+            <a:spAutoFit/>
+          </a:bodyPr>
+          <a:lstStyle/>
+          <a:p>
+            <a:r>
+              <a:rPr lang="pt-BR" sz="2400" b="1" u="sng" dirty="0">
+                <a:solidFill>
+                  <a:srgbClr val="384456"/>
+                </a:solidFill>
+                <a:latin typeface="+mj-lt"/>
+              </a:rPr>
+              <a:t>Dinâmica da colisão do cilindro</a:t>
+            </a:r>
+          </a:p>
+        </p:txBody>
+      </p:sp>
+      <p:pic>
+        <p:nvPicPr>
+          <p:cNvPr id="5" name="Imagem 4" descr="Polígono&#10;&#10;Descrição gerada automaticamente com confiança baixa">
+            <a:extLst>
+              <a:ext uri="{FF2B5EF4-FFF2-40B4-BE49-F238E27FC236}">
+                <a16:creationId xmlns:a16="http://schemas.microsoft.com/office/drawing/2014/main" id="{A7DDEA17-5FE9-59C6-566B-E26C1A6EEB3D}"/>
+              </a:ext>
+            </a:extLst>
+          </p:cNvPr>
+          <p:cNvPicPr>
+            <a:picLocks noChangeAspect="1"/>
+          </p:cNvPicPr>
+          <p:nvPr/>
+        </p:nvPicPr>
+        <p:blipFill>
+          <a:blip r:embed="rId2">
+            <a:extLst>
+              <a:ext uri="{28A0092B-C50C-407E-A947-70E740481C1C}">
+                <a14:useLocalDpi xmlns:a14="http://schemas.microsoft.com/office/drawing/2010/main" val="0"/>
+              </a:ext>
+            </a:extLst>
+          </a:blip>
+          <a:stretch>
+            <a:fillRect/>
+          </a:stretch>
+        </p:blipFill>
+        <p:spPr>
+          <a:xfrm>
+            <a:off x="5014635" y="2420914"/>
+            <a:ext cx="3307096" cy="2991044"/>
+          </a:xfrm>
+          <a:prstGeom prst="rect">
+            <a:avLst/>
+          </a:prstGeom>
+        </p:spPr>
+      </p:pic>
+      <p:pic>
+        <p:nvPicPr>
+          <p:cNvPr id="7" name="Imagem 6" descr="Forma&#10;&#10;Descrição gerada automaticamente">
+            <a:extLst>
+              <a:ext uri="{FF2B5EF4-FFF2-40B4-BE49-F238E27FC236}">
+                <a16:creationId xmlns:a16="http://schemas.microsoft.com/office/drawing/2014/main" id="{41B7E1A9-24F5-E786-A15A-68AD8EC19A3C}"/>
+              </a:ext>
+            </a:extLst>
+          </p:cNvPr>
+          <p:cNvPicPr>
+            <a:picLocks noChangeAspect="1"/>
+          </p:cNvPicPr>
+          <p:nvPr/>
+        </p:nvPicPr>
+        <p:blipFill>
+          <a:blip r:embed="rId3">
+            <a:extLst>
+              <a:ext uri="{28A0092B-C50C-407E-A947-70E740481C1C}">
+                <a14:useLocalDpi xmlns:a14="http://schemas.microsoft.com/office/drawing/2010/main" val="0"/>
+              </a:ext>
+            </a:extLst>
+          </a:blip>
+          <a:stretch>
+            <a:fillRect/>
+          </a:stretch>
+        </p:blipFill>
+        <p:spPr>
+          <a:xfrm>
+            <a:off x="822269" y="1959349"/>
+            <a:ext cx="2721899" cy="3452609"/>
+          </a:xfrm>
+          <a:prstGeom prst="rect">
+            <a:avLst/>
+          </a:prstGeom>
+        </p:spPr>
+      </p:pic>
+      <p:sp>
+        <p:nvSpPr>
+          <p:cNvPr id="8" name="CaixaDeTexto 7">
+            <a:extLst>
+              <a:ext uri="{FF2B5EF4-FFF2-40B4-BE49-F238E27FC236}">
+                <a16:creationId xmlns:a16="http://schemas.microsoft.com/office/drawing/2014/main" id="{730C80B3-C775-DA31-0D1E-49E62A8B04DB}"/>
+              </a:ext>
+            </a:extLst>
+          </p:cNvPr>
+          <p:cNvSpPr txBox="1"/>
+          <p:nvPr/>
+        </p:nvSpPr>
+        <p:spPr>
+          <a:xfrm>
+            <a:off x="1238793" y="1524072"/>
+            <a:ext cx="1888850" cy="369332"/>
+          </a:xfrm>
+          <a:prstGeom prst="rect">
+            <a:avLst/>
+          </a:prstGeom>
+          <a:noFill/>
+        </p:spPr>
+        <p:txBody>
+          <a:bodyPr wrap="none" rtlCol="0">
+            <a:spAutoFit/>
+          </a:bodyPr>
+          <a:lstStyle/>
+          <a:p>
+            <a:r>
+              <a:rPr lang="pt-BR" u="sng" dirty="0"/>
+              <a:t>Eixos e dimensões</a:t>
+            </a:r>
+          </a:p>
+        </p:txBody>
+      </p:sp>
+      <p:sp>
+        <p:nvSpPr>
+          <p:cNvPr id="9" name="CaixaDeTexto 8">
+            <a:extLst>
+              <a:ext uri="{FF2B5EF4-FFF2-40B4-BE49-F238E27FC236}">
+                <a16:creationId xmlns:a16="http://schemas.microsoft.com/office/drawing/2014/main" id="{4EF698B2-7236-2735-91D9-70141F79EF38}"/>
+              </a:ext>
+            </a:extLst>
+          </p:cNvPr>
+          <p:cNvSpPr txBox="1"/>
+          <p:nvPr/>
+        </p:nvSpPr>
+        <p:spPr>
+          <a:xfrm>
+            <a:off x="6391554" y="1524072"/>
+            <a:ext cx="1618392" cy="369332"/>
+          </a:xfrm>
+          <a:prstGeom prst="rect">
+            <a:avLst/>
+          </a:prstGeom>
+          <a:noFill/>
+        </p:spPr>
+        <p:txBody>
+          <a:bodyPr wrap="none" rtlCol="0">
+            <a:spAutoFit/>
+          </a:bodyPr>
+          <a:lstStyle/>
+          <a:p>
+            <a:r>
+              <a:rPr lang="pt-BR" u="sng" dirty="0"/>
+              <a:t>Forças atuando</a:t>
+            </a:r>
+          </a:p>
+        </p:txBody>
+      </p:sp>
+      <mc:AlternateContent xmlns:mc="http://schemas.openxmlformats.org/markup-compatibility/2006">
+        <mc:Choice xmlns:p14="http://schemas.microsoft.com/office/powerpoint/2010/main" Requires="p14">
+          <p:contentPart p14:bwMode="auto" r:id="rId4">
+            <p14:nvContentPartPr>
+              <p14:cNvPr id="10" name="Tinta 9">
+                <a:extLst>
+                  <a:ext uri="{FF2B5EF4-FFF2-40B4-BE49-F238E27FC236}">
+                    <a16:creationId xmlns:a16="http://schemas.microsoft.com/office/drawing/2014/main" id="{424CD4C3-7C87-A97E-9770-BC8ED5E54DFB}"/>
+                  </a:ext>
+                </a:extLst>
+              </p14:cNvPr>
+              <p14:cNvContentPartPr/>
+              <p14:nvPr/>
+            </p14:nvContentPartPr>
+            <p14:xfrm>
+              <a:off x="2792370" y="3314160"/>
+              <a:ext cx="47160" cy="64440"/>
+            </p14:xfrm>
+          </p:contentPart>
+        </mc:Choice>
+        <mc:Fallback>
+          <p:pic>
+            <p:nvPicPr>
+              <p:cNvPr id="10" name="Tinta 9">
+                <a:extLst>
+                  <a:ext uri="{FF2B5EF4-FFF2-40B4-BE49-F238E27FC236}">
+                    <a16:creationId xmlns:a16="http://schemas.microsoft.com/office/drawing/2014/main" id="{424CD4C3-7C87-A97E-9770-BC8ED5E54DFB}"/>
+                  </a:ext>
+                </a:extLst>
+              </p:cNvPr>
+              <p:cNvPicPr/>
+              <p:nvPr/>
+            </p:nvPicPr>
+            <p:blipFill>
+              <a:blip r:embed="rId5"/>
+              <a:stretch>
+                <a:fillRect/>
+              </a:stretch>
+            </p:blipFill>
+            <p:spPr>
+              <a:xfrm>
+                <a:off x="2788050" y="3309840"/>
+                <a:ext cx="55800" cy="73080"/>
+              </a:xfrm>
+              <a:prstGeom prst="rect">
+                <a:avLst/>
+              </a:prstGeom>
+            </p:spPr>
+          </p:pic>
+        </mc:Fallback>
+      </mc:AlternateContent>
+      <mc:AlternateContent xmlns:mc="http://schemas.openxmlformats.org/markup-compatibility/2006">
+        <mc:Choice xmlns:p14="http://schemas.microsoft.com/office/powerpoint/2010/main" Requires="p14">
+          <p:contentPart p14:bwMode="auto" r:id="rId6">
+            <p14:nvContentPartPr>
+              <p14:cNvPr id="15" name="Tinta 14">
+                <a:extLst>
+                  <a:ext uri="{FF2B5EF4-FFF2-40B4-BE49-F238E27FC236}">
+                    <a16:creationId xmlns:a16="http://schemas.microsoft.com/office/drawing/2014/main" id="{C7C9DEE9-C18A-D873-7DED-C01B847C015D}"/>
+                  </a:ext>
+                </a:extLst>
+              </p14:cNvPr>
+              <p14:cNvContentPartPr/>
+              <p14:nvPr/>
+            </p14:nvContentPartPr>
+            <p14:xfrm>
+              <a:off x="2740545" y="3330664"/>
+              <a:ext cx="33840" cy="32040"/>
+            </p14:xfrm>
+          </p:contentPart>
+        </mc:Choice>
+        <mc:Fallback>
+          <p:pic>
+            <p:nvPicPr>
+              <p:cNvPr id="15" name="Tinta 14">
+                <a:extLst>
+                  <a:ext uri="{FF2B5EF4-FFF2-40B4-BE49-F238E27FC236}">
+                    <a16:creationId xmlns:a16="http://schemas.microsoft.com/office/drawing/2014/main" id="{C7C9DEE9-C18A-D873-7DED-C01B847C015D}"/>
+                  </a:ext>
+                </a:extLst>
+              </p:cNvPr>
+              <p:cNvPicPr/>
+              <p:nvPr/>
+            </p:nvPicPr>
+            <p:blipFill>
+              <a:blip r:embed="rId7"/>
+              <a:stretch>
+                <a:fillRect/>
+              </a:stretch>
+            </p:blipFill>
+            <p:spPr>
+              <a:xfrm>
+                <a:off x="2736225" y="3326344"/>
+                <a:ext cx="42480" cy="40680"/>
+              </a:xfrm>
+              <a:prstGeom prst="rect">
+                <a:avLst/>
+              </a:prstGeom>
+            </p:spPr>
+          </p:pic>
+        </mc:Fallback>
+      </mc:AlternateContent>
+      <mc:AlternateContent xmlns:mc="http://schemas.openxmlformats.org/markup-compatibility/2006">
+        <mc:Choice xmlns:a14="http://schemas.microsoft.com/office/drawing/2010/main" Requires="a14">
+          <p:sp>
+            <p:nvSpPr>
+              <p:cNvPr id="16" name="CaixaDeTexto 15">
+                <a:extLst>
+                  <a:ext uri="{FF2B5EF4-FFF2-40B4-BE49-F238E27FC236}">
+                    <a16:creationId xmlns:a16="http://schemas.microsoft.com/office/drawing/2014/main" id="{B2DD54D2-1630-BF1A-D09F-C4BC70B0CF10}"/>
+                  </a:ext>
+                </a:extLst>
+              </p:cNvPr>
+              <p:cNvSpPr txBox="1"/>
+              <p:nvPr/>
+            </p:nvSpPr>
+            <p:spPr>
+              <a:xfrm>
+                <a:off x="928293" y="5411959"/>
+                <a:ext cx="2721899" cy="516745"/>
+              </a:xfrm>
+              <a:prstGeom prst="rect">
+                <a:avLst/>
+              </a:prstGeom>
+              <a:noFill/>
+            </p:spPr>
+            <p:txBody>
+              <a:bodyPr wrap="none" lIns="0" tIns="0" rIns="0" bIns="0" rtlCol="0">
+                <a:spAutoFit/>
+              </a:bodyPr>
+              <a:lstStyle/>
+              <a:p>
+                <a14:m>
+                  <m:oMathPara xmlns:m="http://schemas.openxmlformats.org/officeDocument/2006/math">
+                    <m:oMathParaPr>
+                      <m:jc m:val="centerGroup"/>
+                    </m:oMathParaPr>
+                    <m:oMath xmlns:m="http://schemas.openxmlformats.org/officeDocument/2006/math">
+                      <m:r>
+                        <a:rPr lang="pt-BR" b="1" i="1" smtClean="0">
+                          <a:solidFill>
+                            <a:srgbClr val="C00000"/>
+                          </a:solidFill>
+                          <a:latin typeface="Cambria Math" panose="02040503050406030204" pitchFamily="18" charset="0"/>
+                        </a:rPr>
+                        <m:t>𝒉</m:t>
+                      </m:r>
+                      <m:d>
+                        <m:dPr>
+                          <m:ctrlPr>
+                            <a:rPr lang="pt-BR" b="0" i="1" smtClean="0">
+                              <a:solidFill>
+                                <a:srgbClr val="C00000"/>
+                              </a:solidFill>
+                              <a:latin typeface="Cambria Math" panose="02040503050406030204" pitchFamily="18" charset="0"/>
+                            </a:rPr>
+                          </m:ctrlPr>
+                        </m:dPr>
+                        <m:e>
+                          <m:r>
+                            <a:rPr lang="pt-BR" b="0" i="1" smtClean="0">
+                              <a:solidFill>
+                                <a:srgbClr val="C00000"/>
+                              </a:solidFill>
+                              <a:latin typeface="Cambria Math" panose="02040503050406030204" pitchFamily="18" charset="0"/>
+                            </a:rPr>
+                            <m:t>𝜃</m:t>
+                          </m:r>
+                        </m:e>
+                      </m:d>
+                      <m:r>
+                        <a:rPr lang="pt-BR" b="0" i="1" smtClean="0">
+                          <a:solidFill>
+                            <a:srgbClr val="C00000"/>
+                          </a:solidFill>
+                          <a:latin typeface="Cambria Math" panose="02040503050406030204" pitchFamily="18" charset="0"/>
+                        </a:rPr>
+                        <m:t>=</m:t>
+                      </m:r>
+                      <m:r>
+                        <a:rPr lang="pt-BR" b="1" i="1" smtClean="0">
+                          <a:solidFill>
+                            <a:srgbClr val="C00000"/>
+                          </a:solidFill>
+                          <a:latin typeface="Cambria Math" panose="02040503050406030204" pitchFamily="18" charset="0"/>
+                        </a:rPr>
+                        <m:t>𝑹</m:t>
+                      </m:r>
+                      <m:r>
+                        <a:rPr lang="pt-BR" b="0" i="1" smtClean="0">
+                          <a:solidFill>
+                            <a:srgbClr val="C00000"/>
+                          </a:solidFill>
+                          <a:latin typeface="Cambria Math" panose="02040503050406030204" pitchFamily="18" charset="0"/>
+                        </a:rPr>
+                        <m:t>(</m:t>
+                      </m:r>
+                      <m:func>
+                        <m:funcPr>
+                          <m:ctrlPr>
+                            <a:rPr lang="pt-BR" b="0" i="1" smtClean="0">
+                              <a:solidFill>
+                                <a:srgbClr val="C00000"/>
+                              </a:solidFill>
+                              <a:latin typeface="Cambria Math" panose="02040503050406030204" pitchFamily="18" charset="0"/>
+                            </a:rPr>
+                          </m:ctrlPr>
+                        </m:funcPr>
+                        <m:fName>
+                          <m:r>
+                            <m:rPr>
+                              <m:sty m:val="p"/>
+                            </m:rPr>
+                            <a:rPr lang="pt-BR" b="0" i="0" smtClean="0">
+                              <a:solidFill>
+                                <a:srgbClr val="C00000"/>
+                              </a:solidFill>
+                              <a:latin typeface="Cambria Math" panose="02040503050406030204" pitchFamily="18" charset="0"/>
+                            </a:rPr>
+                            <m:t>sin</m:t>
+                          </m:r>
+                        </m:fName>
+                        <m:e>
+                          <m:r>
+                            <a:rPr lang="pt-BR" b="0" i="1" smtClean="0">
+                              <a:solidFill>
+                                <a:srgbClr val="C00000"/>
+                              </a:solidFill>
+                              <a:latin typeface="Cambria Math" panose="02040503050406030204" pitchFamily="18" charset="0"/>
+                            </a:rPr>
+                            <m:t>𝜃</m:t>
+                          </m:r>
+                        </m:e>
+                      </m:func>
+                      <m:r>
+                        <a:rPr lang="pt-BR" b="0" i="1" smtClean="0">
+                          <a:solidFill>
+                            <a:srgbClr val="C00000"/>
+                          </a:solidFill>
+                          <a:latin typeface="Cambria Math" panose="02040503050406030204" pitchFamily="18" charset="0"/>
+                        </a:rPr>
+                        <m:t>+</m:t>
+                      </m:r>
+                      <m:f>
+                        <m:fPr>
+                          <m:ctrlPr>
+                            <a:rPr lang="pt-BR" b="0" i="1" smtClean="0">
+                              <a:solidFill>
+                                <a:srgbClr val="C00000"/>
+                              </a:solidFill>
+                              <a:latin typeface="Cambria Math" panose="02040503050406030204" pitchFamily="18" charset="0"/>
+                            </a:rPr>
+                          </m:ctrlPr>
+                        </m:fPr>
+                        <m:num>
+                          <m:r>
+                            <a:rPr lang="pt-BR" b="1" i="1" smtClean="0">
+                              <a:solidFill>
+                                <a:srgbClr val="C00000"/>
+                              </a:solidFill>
+                              <a:latin typeface="Cambria Math" panose="02040503050406030204" pitchFamily="18" charset="0"/>
+                            </a:rPr>
+                            <m:t>𝑯</m:t>
+                          </m:r>
+                        </m:num>
+                        <m:den>
+                          <m:r>
+                            <a:rPr lang="pt-BR" b="0" i="1" smtClean="0">
+                              <a:solidFill>
+                                <a:srgbClr val="C00000"/>
+                              </a:solidFill>
+                              <a:latin typeface="Cambria Math" panose="02040503050406030204" pitchFamily="18" charset="0"/>
+                            </a:rPr>
+                            <m:t>2</m:t>
+                          </m:r>
+                          <m:r>
+                            <a:rPr lang="pt-BR" b="1" i="1" smtClean="0">
+                              <a:solidFill>
+                                <a:srgbClr val="C00000"/>
+                              </a:solidFill>
+                              <a:latin typeface="Cambria Math" panose="02040503050406030204" pitchFamily="18" charset="0"/>
+                            </a:rPr>
+                            <m:t>𝑹</m:t>
+                          </m:r>
+                        </m:den>
+                      </m:f>
+                      <m:func>
+                        <m:funcPr>
+                          <m:ctrlPr>
+                            <a:rPr lang="pt-BR" b="0" i="1" smtClean="0">
+                              <a:solidFill>
+                                <a:srgbClr val="C00000"/>
+                              </a:solidFill>
+                              <a:latin typeface="Cambria Math" panose="02040503050406030204" pitchFamily="18" charset="0"/>
+                            </a:rPr>
+                          </m:ctrlPr>
+                        </m:funcPr>
+                        <m:fName>
+                          <m:r>
+                            <m:rPr>
+                              <m:sty m:val="p"/>
+                            </m:rPr>
+                            <a:rPr lang="pt-BR" b="0" i="0" smtClean="0">
+                              <a:solidFill>
+                                <a:srgbClr val="C00000"/>
+                              </a:solidFill>
+                              <a:latin typeface="Cambria Math" panose="02040503050406030204" pitchFamily="18" charset="0"/>
+                            </a:rPr>
+                            <m:t>cos</m:t>
+                          </m:r>
+                        </m:fName>
+                        <m:e>
+                          <m:r>
+                            <a:rPr lang="pt-BR" b="0" i="1" smtClean="0">
+                              <a:solidFill>
+                                <a:srgbClr val="C00000"/>
+                              </a:solidFill>
+                              <a:latin typeface="Cambria Math" panose="02040503050406030204" pitchFamily="18" charset="0"/>
+                            </a:rPr>
+                            <m:t>𝜃</m:t>
+                          </m:r>
+                        </m:e>
+                      </m:func>
+                      <m:r>
+                        <a:rPr lang="pt-BR" b="0" i="1" smtClean="0">
+                          <a:solidFill>
+                            <a:srgbClr val="C00000"/>
+                          </a:solidFill>
+                          <a:latin typeface="Cambria Math" panose="02040503050406030204" pitchFamily="18" charset="0"/>
+                        </a:rPr>
+                        <m:t>)</m:t>
+                      </m:r>
+                    </m:oMath>
+                  </m:oMathPara>
+                </a14:m>
+                <a:endParaRPr lang="pt-BR" dirty="0">
+                  <a:solidFill>
+                    <a:srgbClr val="C00000"/>
+                  </a:solidFill>
+                </a:endParaRPr>
+              </a:p>
+            </p:txBody>
+          </p:sp>
+        </mc:Choice>
+        <mc:Fallback>
+          <p:sp>
+            <p:nvSpPr>
+              <p:cNvPr id="16" name="CaixaDeTexto 15">
+                <a:extLst>
+                  <a:ext uri="{FF2B5EF4-FFF2-40B4-BE49-F238E27FC236}">
+                    <a16:creationId xmlns:a16="http://schemas.microsoft.com/office/drawing/2014/main" id="{B2DD54D2-1630-BF1A-D09F-C4BC70B0CF10}"/>
+                  </a:ext>
+                </a:extLst>
+              </p:cNvPr>
+              <p:cNvSpPr txBox="1">
+                <a:spLocks noRot="1" noChangeAspect="1" noMove="1" noResize="1" noEditPoints="1" noAdjustHandles="1" noChangeArrowheads="1" noChangeShapeType="1" noTextEdit="1"/>
+              </p:cNvSpPr>
+              <p:nvPr/>
+            </p:nvSpPr>
+            <p:spPr>
+              <a:xfrm>
+                <a:off x="928293" y="5411959"/>
+                <a:ext cx="2721899" cy="516745"/>
+              </a:xfrm>
+              <a:prstGeom prst="rect">
+                <a:avLst/>
+              </a:prstGeom>
+              <a:blipFill>
+                <a:blip r:embed="rId8"/>
+                <a:stretch>
+                  <a:fillRect/>
+                </a:stretch>
+              </a:blipFill>
+            </p:spPr>
+            <p:txBody>
+              <a:bodyPr/>
+              <a:lstStyle/>
+              <a:p>
+                <a:r>
+                  <a:rPr lang="pt-BR">
+                    <a:noFill/>
+                  </a:rPr>
+                  <a:t> </a:t>
+                </a:r>
+              </a:p>
+            </p:txBody>
+          </p:sp>
+        </mc:Fallback>
+      </mc:AlternateContent>
+      <mc:AlternateContent xmlns:mc="http://schemas.openxmlformats.org/markup-compatibility/2006">
+        <mc:Choice xmlns:a14="http://schemas.microsoft.com/office/drawing/2010/main" Requires="a14">
+          <p:sp>
+            <p:nvSpPr>
+              <p:cNvPr id="17" name="CaixaDeTexto 16">
+                <a:extLst>
+                  <a:ext uri="{FF2B5EF4-FFF2-40B4-BE49-F238E27FC236}">
+                    <a16:creationId xmlns:a16="http://schemas.microsoft.com/office/drawing/2014/main" id="{0BDEC982-7869-1A8D-041A-BDBD671F3E91}"/>
+                  </a:ext>
+                </a:extLst>
+              </p:cNvPr>
+              <p:cNvSpPr txBox="1"/>
+              <p:nvPr/>
+            </p:nvSpPr>
+            <p:spPr>
+              <a:xfrm>
+                <a:off x="822269" y="6022977"/>
+                <a:ext cx="2933945" cy="516745"/>
+              </a:xfrm>
+              <a:prstGeom prst="rect">
+                <a:avLst/>
+              </a:prstGeom>
+              <a:noFill/>
+            </p:spPr>
+            <p:txBody>
+              <a:bodyPr wrap="none" lIns="0" tIns="0" rIns="0" bIns="0" rtlCol="0">
+                <a:spAutoFit/>
+              </a:bodyPr>
+              <a:lstStyle/>
+              <a:p>
+                <a14:m>
+                  <m:oMathPara xmlns:m="http://schemas.openxmlformats.org/officeDocument/2006/math">
+                    <m:oMathParaPr>
+                      <m:jc m:val="centerGroup"/>
+                    </m:oMathParaPr>
+                    <m:oMath xmlns:m="http://schemas.openxmlformats.org/officeDocument/2006/math">
+                      <m:r>
+                        <a:rPr lang="pt-BR" b="1" i="1" smtClean="0">
+                          <a:solidFill>
+                            <a:srgbClr val="C00000"/>
+                          </a:solidFill>
+                          <a:latin typeface="Cambria Math" panose="02040503050406030204" pitchFamily="18" charset="0"/>
+                        </a:rPr>
+                        <m:t>𝝆</m:t>
+                      </m:r>
+                      <m:d>
+                        <m:dPr>
+                          <m:ctrlPr>
+                            <a:rPr lang="pt-BR" b="0" i="1" smtClean="0">
+                              <a:solidFill>
+                                <a:srgbClr val="C00000"/>
+                              </a:solidFill>
+                              <a:latin typeface="Cambria Math" panose="02040503050406030204" pitchFamily="18" charset="0"/>
+                            </a:rPr>
+                          </m:ctrlPr>
+                        </m:dPr>
+                        <m:e>
+                          <m:r>
+                            <a:rPr lang="pt-BR" b="0" i="1" smtClean="0">
+                              <a:solidFill>
+                                <a:srgbClr val="C00000"/>
+                              </a:solidFill>
+                              <a:latin typeface="Cambria Math" panose="02040503050406030204" pitchFamily="18" charset="0"/>
+                            </a:rPr>
+                            <m:t>𝜃</m:t>
+                          </m:r>
+                        </m:e>
+                      </m:d>
+                      <m:r>
+                        <a:rPr lang="pt-BR" b="0" i="1" smtClean="0">
+                          <a:solidFill>
+                            <a:srgbClr val="C00000"/>
+                          </a:solidFill>
+                          <a:latin typeface="Cambria Math" panose="02040503050406030204" pitchFamily="18" charset="0"/>
+                        </a:rPr>
+                        <m:t>=</m:t>
+                      </m:r>
+                      <m:r>
+                        <a:rPr lang="pt-BR" b="1" i="1" smtClean="0">
+                          <a:solidFill>
+                            <a:srgbClr val="C00000"/>
+                          </a:solidFill>
+                          <a:latin typeface="Cambria Math" panose="02040503050406030204" pitchFamily="18" charset="0"/>
+                        </a:rPr>
+                        <m:t>𝑹</m:t>
+                      </m:r>
+                      <m:r>
+                        <a:rPr lang="pt-BR" b="0" i="1" smtClean="0">
+                          <a:solidFill>
+                            <a:srgbClr val="C00000"/>
+                          </a:solidFill>
+                          <a:latin typeface="Cambria Math" panose="02040503050406030204" pitchFamily="18" charset="0"/>
+                        </a:rPr>
+                        <m:t>(−</m:t>
+                      </m:r>
+                      <m:func>
+                        <m:funcPr>
+                          <m:ctrlPr>
+                            <a:rPr lang="pt-BR" b="0" i="1" smtClean="0">
+                              <a:solidFill>
+                                <a:srgbClr val="C00000"/>
+                              </a:solidFill>
+                              <a:latin typeface="Cambria Math" panose="02040503050406030204" pitchFamily="18" charset="0"/>
+                            </a:rPr>
+                          </m:ctrlPr>
+                        </m:funcPr>
+                        <m:fName>
+                          <m:r>
+                            <m:rPr>
+                              <m:sty m:val="p"/>
+                            </m:rPr>
+                            <a:rPr lang="pt-BR" b="0" i="0" smtClean="0">
+                              <a:solidFill>
+                                <a:srgbClr val="C00000"/>
+                              </a:solidFill>
+                              <a:latin typeface="Cambria Math" panose="02040503050406030204" pitchFamily="18" charset="0"/>
+                            </a:rPr>
+                            <m:t>cos</m:t>
+                          </m:r>
+                        </m:fName>
+                        <m:e>
+                          <m:r>
+                            <a:rPr lang="pt-BR" b="0" i="1" smtClean="0">
+                              <a:solidFill>
+                                <a:srgbClr val="C00000"/>
+                              </a:solidFill>
+                              <a:latin typeface="Cambria Math" panose="02040503050406030204" pitchFamily="18" charset="0"/>
+                            </a:rPr>
+                            <m:t>𝜃</m:t>
+                          </m:r>
+                        </m:e>
+                      </m:func>
+                      <m:r>
+                        <a:rPr lang="pt-BR" b="0" i="1" smtClean="0">
+                          <a:solidFill>
+                            <a:srgbClr val="C00000"/>
+                          </a:solidFill>
+                          <a:latin typeface="Cambria Math" panose="02040503050406030204" pitchFamily="18" charset="0"/>
+                        </a:rPr>
+                        <m:t>+</m:t>
+                      </m:r>
+                      <m:f>
+                        <m:fPr>
+                          <m:ctrlPr>
+                            <a:rPr lang="pt-BR" b="0" i="1" smtClean="0">
+                              <a:solidFill>
+                                <a:srgbClr val="C00000"/>
+                              </a:solidFill>
+                              <a:latin typeface="Cambria Math" panose="02040503050406030204" pitchFamily="18" charset="0"/>
+                            </a:rPr>
+                          </m:ctrlPr>
+                        </m:fPr>
+                        <m:num>
+                          <m:r>
+                            <a:rPr lang="pt-BR" b="1" i="1" smtClean="0">
+                              <a:solidFill>
+                                <a:srgbClr val="C00000"/>
+                              </a:solidFill>
+                              <a:latin typeface="Cambria Math" panose="02040503050406030204" pitchFamily="18" charset="0"/>
+                            </a:rPr>
+                            <m:t>𝑯</m:t>
+                          </m:r>
+                        </m:num>
+                        <m:den>
+                          <m:r>
+                            <a:rPr lang="pt-BR" b="0" i="1" smtClean="0">
+                              <a:solidFill>
+                                <a:srgbClr val="C00000"/>
+                              </a:solidFill>
+                              <a:latin typeface="Cambria Math" panose="02040503050406030204" pitchFamily="18" charset="0"/>
+                            </a:rPr>
+                            <m:t>2</m:t>
+                          </m:r>
+                          <m:r>
+                            <a:rPr lang="pt-BR" b="1" i="1" smtClean="0">
+                              <a:solidFill>
+                                <a:srgbClr val="C00000"/>
+                              </a:solidFill>
+                              <a:latin typeface="Cambria Math" panose="02040503050406030204" pitchFamily="18" charset="0"/>
+                            </a:rPr>
+                            <m:t>𝑹</m:t>
+                          </m:r>
+                        </m:den>
+                      </m:f>
+                      <m:func>
+                        <m:funcPr>
+                          <m:ctrlPr>
+                            <a:rPr lang="pt-BR" b="0" i="1" smtClean="0">
+                              <a:solidFill>
+                                <a:srgbClr val="C00000"/>
+                              </a:solidFill>
+                              <a:latin typeface="Cambria Math" panose="02040503050406030204" pitchFamily="18" charset="0"/>
+                            </a:rPr>
+                          </m:ctrlPr>
+                        </m:funcPr>
+                        <m:fName>
+                          <m:r>
+                            <m:rPr>
+                              <m:sty m:val="p"/>
+                            </m:rPr>
+                            <a:rPr lang="pt-BR" b="0" i="0" smtClean="0">
+                              <a:solidFill>
+                                <a:srgbClr val="C00000"/>
+                              </a:solidFill>
+                              <a:latin typeface="Cambria Math" panose="02040503050406030204" pitchFamily="18" charset="0"/>
+                            </a:rPr>
+                            <m:t>sin</m:t>
+                          </m:r>
+                        </m:fName>
+                        <m:e>
+                          <m:r>
+                            <a:rPr lang="pt-BR" b="0" i="1" smtClean="0">
+                              <a:solidFill>
+                                <a:srgbClr val="C00000"/>
+                              </a:solidFill>
+                              <a:latin typeface="Cambria Math" panose="02040503050406030204" pitchFamily="18" charset="0"/>
+                            </a:rPr>
+                            <m:t>𝜃</m:t>
+                          </m:r>
+                        </m:e>
+                      </m:func>
+                      <m:r>
+                        <a:rPr lang="pt-BR" b="0" i="1" smtClean="0">
+                          <a:solidFill>
+                            <a:srgbClr val="C00000"/>
+                          </a:solidFill>
+                          <a:latin typeface="Cambria Math" panose="02040503050406030204" pitchFamily="18" charset="0"/>
+                        </a:rPr>
+                        <m:t>)</m:t>
+                      </m:r>
+                    </m:oMath>
+                  </m:oMathPara>
+                </a14:m>
+                <a:endParaRPr lang="pt-BR" dirty="0">
+                  <a:solidFill>
+                    <a:srgbClr val="C00000"/>
+                  </a:solidFill>
+                </a:endParaRPr>
+              </a:p>
+            </p:txBody>
+          </p:sp>
+        </mc:Choice>
+        <mc:Fallback>
+          <p:sp>
+            <p:nvSpPr>
+              <p:cNvPr id="17" name="CaixaDeTexto 16">
+                <a:extLst>
+                  <a:ext uri="{FF2B5EF4-FFF2-40B4-BE49-F238E27FC236}">
+                    <a16:creationId xmlns:a16="http://schemas.microsoft.com/office/drawing/2014/main" id="{0BDEC982-7869-1A8D-041A-BDBD671F3E91}"/>
+                  </a:ext>
+                </a:extLst>
+              </p:cNvPr>
+              <p:cNvSpPr txBox="1">
+                <a:spLocks noRot="1" noChangeAspect="1" noMove="1" noResize="1" noEditPoints="1" noAdjustHandles="1" noChangeArrowheads="1" noChangeShapeType="1" noTextEdit="1"/>
+              </p:cNvSpPr>
+              <p:nvPr/>
+            </p:nvSpPr>
+            <p:spPr>
+              <a:xfrm>
+                <a:off x="822269" y="6022977"/>
+                <a:ext cx="2933945" cy="516745"/>
+              </a:xfrm>
+              <a:prstGeom prst="rect">
+                <a:avLst/>
+              </a:prstGeom>
+              <a:blipFill>
+                <a:blip r:embed="rId9"/>
+                <a:stretch>
+                  <a:fillRect/>
+                </a:stretch>
+              </a:blipFill>
+            </p:spPr>
+            <p:txBody>
+              <a:bodyPr/>
+              <a:lstStyle/>
+              <a:p>
+                <a:r>
+                  <a:rPr lang="pt-BR">
+                    <a:noFill/>
+                  </a:rPr>
+                  <a:t> </a:t>
+                </a:r>
+              </a:p>
+            </p:txBody>
+          </p:sp>
+        </mc:Fallback>
+      </mc:AlternateContent>
+      <mc:AlternateContent xmlns:mc="http://schemas.openxmlformats.org/markup-compatibility/2006">
+        <mc:Choice xmlns:p14="http://schemas.microsoft.com/office/powerpoint/2010/main" Requires="p14">
+          <p:contentPart p14:bwMode="auto" r:id="rId10">
+            <p14:nvContentPartPr>
+              <p14:cNvPr id="18" name="Tinta 17">
+                <a:extLst>
+                  <a:ext uri="{FF2B5EF4-FFF2-40B4-BE49-F238E27FC236}">
+                    <a16:creationId xmlns:a16="http://schemas.microsoft.com/office/drawing/2014/main" id="{CD8BBB3E-C88A-77E2-6C32-796A23F79DAC}"/>
+                  </a:ext>
+                </a:extLst>
+              </p14:cNvPr>
+              <p14:cNvContentPartPr/>
+              <p14:nvPr/>
+            </p14:nvContentPartPr>
+            <p14:xfrm>
+              <a:off x="2683890" y="3254621"/>
+              <a:ext cx="75600" cy="65880"/>
+            </p14:xfrm>
+          </p:contentPart>
+        </mc:Choice>
+        <mc:Fallback>
+          <p:pic>
+            <p:nvPicPr>
+              <p:cNvPr id="18" name="Tinta 17">
+                <a:extLst>
+                  <a:ext uri="{FF2B5EF4-FFF2-40B4-BE49-F238E27FC236}">
+                    <a16:creationId xmlns:a16="http://schemas.microsoft.com/office/drawing/2014/main" id="{CD8BBB3E-C88A-77E2-6C32-796A23F79DAC}"/>
+                  </a:ext>
+                </a:extLst>
+              </p:cNvPr>
+              <p:cNvPicPr/>
+              <p:nvPr/>
+            </p:nvPicPr>
+            <p:blipFill>
+              <a:blip r:embed="rId11"/>
+              <a:stretch>
+                <a:fillRect/>
+              </a:stretch>
+            </p:blipFill>
+            <p:spPr>
+              <a:xfrm>
+                <a:off x="2675250" y="3245621"/>
+                <a:ext cx="93240" cy="83520"/>
+              </a:xfrm>
+              <a:prstGeom prst="rect">
+                <a:avLst/>
+              </a:prstGeom>
+            </p:spPr>
+          </p:pic>
+        </mc:Fallback>
+      </mc:AlternateContent>
+      <mc:AlternateContent xmlns:mc="http://schemas.openxmlformats.org/markup-compatibility/2006">
+        <mc:Choice xmlns:p14="http://schemas.microsoft.com/office/powerpoint/2010/main" Requires="p14">
+          <p:contentPart p14:bwMode="auto" r:id="rId12">
+            <p14:nvContentPartPr>
+              <p14:cNvPr id="21" name="Tinta 20">
+                <a:extLst>
+                  <a:ext uri="{FF2B5EF4-FFF2-40B4-BE49-F238E27FC236}">
+                    <a16:creationId xmlns:a16="http://schemas.microsoft.com/office/drawing/2014/main" id="{6DB56D2A-5B8C-80BA-737D-BE716ED10B45}"/>
+                  </a:ext>
+                </a:extLst>
+              </p14:cNvPr>
+              <p14:cNvContentPartPr/>
+              <p14:nvPr/>
+            </p14:nvContentPartPr>
+            <p14:xfrm>
+              <a:off x="7200750" y="5200350"/>
+              <a:ext cx="360" cy="360"/>
+            </p14:xfrm>
+          </p:contentPart>
+        </mc:Choice>
+        <mc:Fallback>
+          <p:pic>
+            <p:nvPicPr>
+              <p:cNvPr id="21" name="Tinta 20">
+                <a:extLst>
+                  <a:ext uri="{FF2B5EF4-FFF2-40B4-BE49-F238E27FC236}">
+                    <a16:creationId xmlns:a16="http://schemas.microsoft.com/office/drawing/2014/main" id="{6DB56D2A-5B8C-80BA-737D-BE716ED10B45}"/>
+                  </a:ext>
+                </a:extLst>
+              </p:cNvPr>
+              <p:cNvPicPr/>
+              <p:nvPr/>
+            </p:nvPicPr>
+            <p:blipFill>
+              <a:blip r:embed="rId13"/>
+              <a:stretch>
+                <a:fillRect/>
+              </a:stretch>
+            </p:blipFill>
+            <p:spPr>
+              <a:xfrm>
+                <a:off x="7192110" y="5191350"/>
+                <a:ext cx="18000" cy="18000"/>
+              </a:xfrm>
+              <a:prstGeom prst="rect">
+                <a:avLst/>
+              </a:prstGeom>
+            </p:spPr>
+          </p:pic>
+        </mc:Fallback>
+      </mc:AlternateContent>
+      <mc:AlternateContent xmlns:mc="http://schemas.openxmlformats.org/markup-compatibility/2006">
+        <mc:Choice xmlns:p14="http://schemas.microsoft.com/office/powerpoint/2010/main" Requires="p14">
+          <p:contentPart p14:bwMode="auto" r:id="rId14">
+            <p14:nvContentPartPr>
+              <p14:cNvPr id="23" name="Tinta 22">
+                <a:extLst>
+                  <a:ext uri="{FF2B5EF4-FFF2-40B4-BE49-F238E27FC236}">
+                    <a16:creationId xmlns:a16="http://schemas.microsoft.com/office/drawing/2014/main" id="{0E2F48F0-074B-AC9F-D9AF-16EF8FEFCE40}"/>
+                  </a:ext>
+                </a:extLst>
+              </p14:cNvPr>
+              <p14:cNvContentPartPr/>
+              <p14:nvPr/>
+            </p14:nvContentPartPr>
+            <p14:xfrm>
+              <a:off x="7134150" y="5505270"/>
+              <a:ext cx="360" cy="360"/>
+            </p14:xfrm>
+          </p:contentPart>
+        </mc:Choice>
+        <mc:Fallback>
+          <p:pic>
+            <p:nvPicPr>
+              <p:cNvPr id="23" name="Tinta 22">
+                <a:extLst>
+                  <a:ext uri="{FF2B5EF4-FFF2-40B4-BE49-F238E27FC236}">
+                    <a16:creationId xmlns:a16="http://schemas.microsoft.com/office/drawing/2014/main" id="{0E2F48F0-074B-AC9F-D9AF-16EF8FEFCE40}"/>
+                  </a:ext>
+                </a:extLst>
+              </p:cNvPr>
+              <p:cNvPicPr/>
+              <p:nvPr/>
+            </p:nvPicPr>
+            <p:blipFill>
+              <a:blip r:embed="rId13"/>
+              <a:stretch>
+                <a:fillRect/>
+              </a:stretch>
+            </p:blipFill>
+            <p:spPr>
+              <a:xfrm>
+                <a:off x="7125510" y="5496270"/>
+                <a:ext cx="18000" cy="18000"/>
+              </a:xfrm>
+              <a:prstGeom prst="rect">
+                <a:avLst/>
+              </a:prstGeom>
+            </p:spPr>
+          </p:pic>
+        </mc:Fallback>
+      </mc:AlternateContent>
+      <mc:AlternateContent xmlns:mc="http://schemas.openxmlformats.org/markup-compatibility/2006">
+        <mc:Choice xmlns:p14="http://schemas.microsoft.com/office/powerpoint/2010/main" Requires="p14">
+          <p:contentPart p14:bwMode="auto" r:id="rId15">
+            <p14:nvContentPartPr>
+              <p14:cNvPr id="24" name="Tinta 23">
+                <a:extLst>
+                  <a:ext uri="{FF2B5EF4-FFF2-40B4-BE49-F238E27FC236}">
+                    <a16:creationId xmlns:a16="http://schemas.microsoft.com/office/drawing/2014/main" id="{C95159F3-8A01-F085-1FA8-B0CF543A2C0B}"/>
+                  </a:ext>
+                </a:extLst>
+              </p14:cNvPr>
+              <p14:cNvContentPartPr/>
+              <p14:nvPr/>
+            </p14:nvContentPartPr>
+            <p14:xfrm>
+              <a:off x="3009630" y="5124390"/>
+              <a:ext cx="360" cy="360"/>
+            </p14:xfrm>
+          </p:contentPart>
+        </mc:Choice>
+        <mc:Fallback>
+          <p:pic>
+            <p:nvPicPr>
+              <p:cNvPr id="24" name="Tinta 23">
+                <a:extLst>
+                  <a:ext uri="{FF2B5EF4-FFF2-40B4-BE49-F238E27FC236}">
+                    <a16:creationId xmlns:a16="http://schemas.microsoft.com/office/drawing/2014/main" id="{C95159F3-8A01-F085-1FA8-B0CF543A2C0B}"/>
+                  </a:ext>
+                </a:extLst>
+              </p:cNvPr>
+              <p:cNvPicPr/>
+              <p:nvPr/>
+            </p:nvPicPr>
+            <p:blipFill>
+              <a:blip r:embed="rId13"/>
+              <a:stretch>
+                <a:fillRect/>
+              </a:stretch>
+            </p:blipFill>
+            <p:spPr>
+              <a:xfrm>
+                <a:off x="3000990" y="5115390"/>
+                <a:ext cx="18000" cy="18000"/>
+              </a:xfrm>
+              <a:prstGeom prst="rect">
+                <a:avLst/>
+              </a:prstGeom>
+            </p:spPr>
+          </p:pic>
+        </mc:Fallback>
+      </mc:AlternateContent>
+      <mc:AlternateContent xmlns:mc="http://schemas.openxmlformats.org/markup-compatibility/2006">
+        <mc:Choice xmlns:p14="http://schemas.microsoft.com/office/powerpoint/2010/main" Requires="p14">
+          <p:contentPart p14:bwMode="auto" r:id="rId16">
+            <p14:nvContentPartPr>
+              <p14:cNvPr id="29" name="Tinta 28">
+                <a:extLst>
+                  <a:ext uri="{FF2B5EF4-FFF2-40B4-BE49-F238E27FC236}">
+                    <a16:creationId xmlns:a16="http://schemas.microsoft.com/office/drawing/2014/main" id="{BC2FAA25-8112-92A3-5570-BDC760D4F8E2}"/>
+                  </a:ext>
+                </a:extLst>
+              </p14:cNvPr>
+              <p14:cNvContentPartPr/>
+              <p14:nvPr/>
+            </p14:nvContentPartPr>
+            <p14:xfrm>
+              <a:off x="7733910" y="5171910"/>
+              <a:ext cx="360" cy="360"/>
+            </p14:xfrm>
+          </p:contentPart>
+        </mc:Choice>
+        <mc:Fallback>
+          <p:pic>
+            <p:nvPicPr>
+              <p:cNvPr id="29" name="Tinta 28">
+                <a:extLst>
+                  <a:ext uri="{FF2B5EF4-FFF2-40B4-BE49-F238E27FC236}">
+                    <a16:creationId xmlns:a16="http://schemas.microsoft.com/office/drawing/2014/main" id="{BC2FAA25-8112-92A3-5570-BDC760D4F8E2}"/>
+                  </a:ext>
+                </a:extLst>
+              </p:cNvPr>
+              <p:cNvPicPr/>
+              <p:nvPr/>
+            </p:nvPicPr>
+            <p:blipFill>
+              <a:blip r:embed="rId13"/>
+              <a:stretch>
+                <a:fillRect/>
+              </a:stretch>
+            </p:blipFill>
+            <p:spPr>
+              <a:xfrm>
+                <a:off x="7725270" y="5162910"/>
+                <a:ext cx="18000" cy="18000"/>
+              </a:xfrm>
+              <a:prstGeom prst="rect">
+                <a:avLst/>
+              </a:prstGeom>
+            </p:spPr>
+          </p:pic>
+        </mc:Fallback>
+      </mc:AlternateContent>
+      <mc:AlternateContent xmlns:mc="http://schemas.openxmlformats.org/markup-compatibility/2006">
+        <mc:Choice xmlns:p14="http://schemas.microsoft.com/office/powerpoint/2010/main" Requires="p14">
+          <p:contentPart p14:bwMode="auto" r:id="rId17">
+            <p14:nvContentPartPr>
+              <p14:cNvPr id="30" name="Tinta 29">
+                <a:extLst>
+                  <a:ext uri="{FF2B5EF4-FFF2-40B4-BE49-F238E27FC236}">
+                    <a16:creationId xmlns:a16="http://schemas.microsoft.com/office/drawing/2014/main" id="{5D5111A5-7E6A-AB11-2EF3-250F8F85CEF0}"/>
+                  </a:ext>
+                </a:extLst>
+              </p14:cNvPr>
+              <p14:cNvContentPartPr/>
+              <p14:nvPr/>
+            </p14:nvContentPartPr>
+            <p14:xfrm>
+              <a:off x="6829230" y="3142950"/>
+              <a:ext cx="360" cy="360"/>
+            </p14:xfrm>
+          </p:contentPart>
+        </mc:Choice>
+        <mc:Fallback>
+          <p:pic>
+            <p:nvPicPr>
+              <p:cNvPr id="30" name="Tinta 29">
+                <a:extLst>
+                  <a:ext uri="{FF2B5EF4-FFF2-40B4-BE49-F238E27FC236}">
+                    <a16:creationId xmlns:a16="http://schemas.microsoft.com/office/drawing/2014/main" id="{5D5111A5-7E6A-AB11-2EF3-250F8F85CEF0}"/>
+                  </a:ext>
+                </a:extLst>
+              </p:cNvPr>
+              <p:cNvPicPr/>
+              <p:nvPr/>
+            </p:nvPicPr>
+            <p:blipFill>
+              <a:blip r:embed="rId13"/>
+              <a:stretch>
+                <a:fillRect/>
+              </a:stretch>
+            </p:blipFill>
+            <p:spPr>
+              <a:xfrm>
+                <a:off x="6820590" y="3133950"/>
+                <a:ext cx="18000" cy="18000"/>
+              </a:xfrm>
+              <a:prstGeom prst="rect">
+                <a:avLst/>
+              </a:prstGeom>
+            </p:spPr>
+          </p:pic>
+        </mc:Fallback>
+      </mc:AlternateContent>
+      <p:grpSp>
+        <p:nvGrpSpPr>
+          <p:cNvPr id="41" name="Agrupar 40">
+            <a:extLst>
+              <a:ext uri="{FF2B5EF4-FFF2-40B4-BE49-F238E27FC236}">
+                <a16:creationId xmlns:a16="http://schemas.microsoft.com/office/drawing/2014/main" id="{EEF9EF10-EBF8-B6B3-E7C1-8DF273F951F6}"/>
+              </a:ext>
+            </a:extLst>
+          </p:cNvPr>
+          <p:cNvGrpSpPr/>
+          <p:nvPr/>
+        </p:nvGrpSpPr>
+        <p:grpSpPr>
+          <a:xfrm>
+            <a:off x="2614586" y="3697976"/>
+            <a:ext cx="61920" cy="19440"/>
+            <a:chOff x="2614586" y="3697976"/>
+            <a:chExt cx="61920" cy="19440"/>
+          </a:xfrm>
+        </p:grpSpPr>
+        <mc:AlternateContent xmlns:mc="http://schemas.openxmlformats.org/markup-compatibility/2006">
+          <mc:Choice xmlns:p14="http://schemas.microsoft.com/office/powerpoint/2010/main" Requires="p14">
+            <p:contentPart p14:bwMode="auto" r:id="rId18">
+              <p14:nvContentPartPr>
+                <p14:cNvPr id="37" name="Tinta 36">
+                  <a:extLst>
+                    <a:ext uri="{FF2B5EF4-FFF2-40B4-BE49-F238E27FC236}">
+                      <a16:creationId xmlns:a16="http://schemas.microsoft.com/office/drawing/2014/main" id="{40EC1933-1E4D-965C-0303-8541905C6678}"/>
+                    </a:ext>
+                  </a:extLst>
+                </p14:cNvPr>
+                <p14:cNvContentPartPr/>
+                <p14:nvPr/>
+              </p14:nvContentPartPr>
+              <p14:xfrm>
+                <a:off x="2650226" y="3706976"/>
+                <a:ext cx="26280" cy="10440"/>
+              </p14:xfrm>
+            </p:contentPart>
+          </mc:Choice>
+          <mc:Fallback>
+            <p:pic>
+              <p:nvPicPr>
+                <p:cNvPr id="37" name="Tinta 36">
+                  <a:extLst>
+                    <a:ext uri="{FF2B5EF4-FFF2-40B4-BE49-F238E27FC236}">
+                      <a16:creationId xmlns:a16="http://schemas.microsoft.com/office/drawing/2014/main" id="{40EC1933-1E4D-965C-0303-8541905C6678}"/>
+                    </a:ext>
+                  </a:extLst>
+                </p:cNvPr>
+                <p:cNvPicPr/>
+                <p:nvPr/>
+              </p:nvPicPr>
+              <p:blipFill>
+                <a:blip r:embed="rId19"/>
+                <a:stretch>
+                  <a:fillRect/>
+                </a:stretch>
+              </p:blipFill>
+              <p:spPr>
+                <a:xfrm>
+                  <a:off x="2641226" y="3697976"/>
+                  <a:ext cx="43920" cy="28080"/>
+                </a:xfrm>
+                <a:prstGeom prst="rect">
+                  <a:avLst/>
+                </a:prstGeom>
+              </p:spPr>
+            </p:pic>
+          </mc:Fallback>
+        </mc:AlternateContent>
+        <mc:AlternateContent xmlns:mc="http://schemas.openxmlformats.org/markup-compatibility/2006">
+          <mc:Choice xmlns:p14="http://schemas.microsoft.com/office/powerpoint/2010/main" Requires="p14">
+            <p:contentPart p14:bwMode="auto" r:id="rId20">
+              <p14:nvContentPartPr>
+                <p14:cNvPr id="38" name="Tinta 37">
+                  <a:extLst>
+                    <a:ext uri="{FF2B5EF4-FFF2-40B4-BE49-F238E27FC236}">
+                      <a16:creationId xmlns:a16="http://schemas.microsoft.com/office/drawing/2014/main" id="{D1A3F9FF-02C3-9E88-ADCF-79E21E82D0E2}"/>
+                    </a:ext>
+                  </a:extLst>
+                </p14:cNvPr>
+                <p14:cNvContentPartPr/>
+                <p14:nvPr/>
+              </p14:nvContentPartPr>
+              <p14:xfrm>
+                <a:off x="2623946" y="3705176"/>
+                <a:ext cx="360" cy="360"/>
+              </p14:xfrm>
+            </p:contentPart>
+          </mc:Choice>
+          <mc:Fallback>
+            <p:pic>
+              <p:nvPicPr>
+                <p:cNvPr id="38" name="Tinta 37">
+                  <a:extLst>
+                    <a:ext uri="{FF2B5EF4-FFF2-40B4-BE49-F238E27FC236}">
+                      <a16:creationId xmlns:a16="http://schemas.microsoft.com/office/drawing/2014/main" id="{D1A3F9FF-02C3-9E88-ADCF-79E21E82D0E2}"/>
+                    </a:ext>
+                  </a:extLst>
+                </p:cNvPr>
+                <p:cNvPicPr/>
+                <p:nvPr/>
+              </p:nvPicPr>
+              <p:blipFill>
+                <a:blip r:embed="rId13"/>
+                <a:stretch>
+                  <a:fillRect/>
+                </a:stretch>
+              </p:blipFill>
+              <p:spPr>
+                <a:xfrm>
+                  <a:off x="2615306" y="3696176"/>
+                  <a:ext cx="18000" cy="18000"/>
+                </a:xfrm>
+                <a:prstGeom prst="rect">
+                  <a:avLst/>
+                </a:prstGeom>
+              </p:spPr>
+            </p:pic>
+          </mc:Fallback>
+        </mc:AlternateContent>
+        <mc:AlternateContent xmlns:mc="http://schemas.openxmlformats.org/markup-compatibility/2006">
+          <mc:Choice xmlns:p14="http://schemas.microsoft.com/office/powerpoint/2010/main" Requires="p14">
+            <p:contentPart p14:bwMode="auto" r:id="rId21">
+              <p14:nvContentPartPr>
+                <p14:cNvPr id="40" name="Tinta 39">
+                  <a:extLst>
+                    <a:ext uri="{FF2B5EF4-FFF2-40B4-BE49-F238E27FC236}">
+                      <a16:creationId xmlns:a16="http://schemas.microsoft.com/office/drawing/2014/main" id="{1F969C01-38AA-85D0-7A9C-2B1FF8C27DCE}"/>
+                    </a:ext>
+                  </a:extLst>
+                </p14:cNvPr>
+                <p14:cNvContentPartPr/>
+                <p14:nvPr/>
+              </p14:nvContentPartPr>
+              <p14:xfrm>
+                <a:off x="2614586" y="3697976"/>
+                <a:ext cx="360" cy="360"/>
+              </p14:xfrm>
+            </p:contentPart>
+          </mc:Choice>
+          <mc:Fallback>
+            <p:pic>
+              <p:nvPicPr>
+                <p:cNvPr id="40" name="Tinta 39">
+                  <a:extLst>
+                    <a:ext uri="{FF2B5EF4-FFF2-40B4-BE49-F238E27FC236}">
+                      <a16:creationId xmlns:a16="http://schemas.microsoft.com/office/drawing/2014/main" id="{1F969C01-38AA-85D0-7A9C-2B1FF8C27DCE}"/>
+                    </a:ext>
+                  </a:extLst>
+                </p:cNvPr>
+                <p:cNvPicPr/>
+                <p:nvPr/>
+              </p:nvPicPr>
+              <p:blipFill>
+                <a:blip r:embed="rId13"/>
+                <a:stretch>
+                  <a:fillRect/>
+                </a:stretch>
+              </p:blipFill>
+              <p:spPr>
+                <a:xfrm>
+                  <a:off x="2605586" y="3688976"/>
+                  <a:ext cx="18000" cy="18000"/>
+                </a:xfrm>
+                <a:prstGeom prst="rect">
+                  <a:avLst/>
+                </a:prstGeom>
+              </p:spPr>
+            </p:pic>
+          </mc:Fallback>
+        </mc:AlternateContent>
+      </p:grpSp>
+      <mc:AlternateContent xmlns:mc="http://schemas.openxmlformats.org/markup-compatibility/2006">
+        <mc:Choice xmlns:p14="http://schemas.microsoft.com/office/powerpoint/2010/main" Requires="p14">
+          <p:contentPart p14:bwMode="auto" r:id="rId22">
+            <p14:nvContentPartPr>
+              <p14:cNvPr id="42" name="Tinta 41">
+                <a:extLst>
+                  <a:ext uri="{FF2B5EF4-FFF2-40B4-BE49-F238E27FC236}">
+                    <a16:creationId xmlns:a16="http://schemas.microsoft.com/office/drawing/2014/main" id="{1C69B6A4-CD64-BEE8-4816-64DF9F96FEB9}"/>
+                  </a:ext>
+                </a:extLst>
+              </p14:cNvPr>
+              <p14:cNvContentPartPr/>
+              <p14:nvPr/>
+            </p14:nvContentPartPr>
+            <p14:xfrm>
+              <a:off x="-724290" y="2924070"/>
+              <a:ext cx="360" cy="360"/>
+            </p14:xfrm>
+          </p:contentPart>
+        </mc:Choice>
+        <mc:Fallback>
+          <p:pic>
+            <p:nvPicPr>
+              <p:cNvPr id="42" name="Tinta 41">
+                <a:extLst>
+                  <a:ext uri="{FF2B5EF4-FFF2-40B4-BE49-F238E27FC236}">
+                    <a16:creationId xmlns:a16="http://schemas.microsoft.com/office/drawing/2014/main" id="{1C69B6A4-CD64-BEE8-4816-64DF9F96FEB9}"/>
+                  </a:ext>
+                </a:extLst>
+              </p:cNvPr>
+              <p:cNvPicPr/>
+              <p:nvPr/>
+            </p:nvPicPr>
+            <p:blipFill>
+              <a:blip r:embed="rId13"/>
+              <a:stretch>
+                <a:fillRect/>
+              </a:stretch>
+            </p:blipFill>
+            <p:spPr>
+              <a:xfrm>
+                <a:off x="-732930" y="2915070"/>
+                <a:ext cx="18000" cy="18000"/>
+              </a:xfrm>
+              <a:prstGeom prst="rect">
+                <a:avLst/>
+              </a:prstGeom>
+            </p:spPr>
+          </p:pic>
+        </mc:Fallback>
+      </mc:AlternateContent>
+      <mc:AlternateContent xmlns:mc="http://schemas.openxmlformats.org/markup-compatibility/2006">
+        <mc:Choice xmlns:p14="http://schemas.microsoft.com/office/powerpoint/2010/main" Requires="p14">
+          <p:contentPart p14:bwMode="auto" r:id="rId23">
+            <p14:nvContentPartPr>
+              <p14:cNvPr id="43" name="Tinta 42">
+                <a:extLst>
+                  <a:ext uri="{FF2B5EF4-FFF2-40B4-BE49-F238E27FC236}">
+                    <a16:creationId xmlns:a16="http://schemas.microsoft.com/office/drawing/2014/main" id="{779F2021-7399-53F5-71C5-F66A7D6A3E16}"/>
+                  </a:ext>
+                </a:extLst>
+              </p14:cNvPr>
+              <p14:cNvContentPartPr/>
+              <p14:nvPr/>
+            </p14:nvContentPartPr>
+            <p14:xfrm>
+              <a:off x="-1752810" y="3819390"/>
+              <a:ext cx="360" cy="360"/>
+            </p14:xfrm>
+          </p:contentPart>
+        </mc:Choice>
+        <mc:Fallback>
+          <p:pic>
+            <p:nvPicPr>
+              <p:cNvPr id="43" name="Tinta 42">
+                <a:extLst>
+                  <a:ext uri="{FF2B5EF4-FFF2-40B4-BE49-F238E27FC236}">
+                    <a16:creationId xmlns:a16="http://schemas.microsoft.com/office/drawing/2014/main" id="{779F2021-7399-53F5-71C5-F66A7D6A3E16}"/>
+                  </a:ext>
+                </a:extLst>
+              </p:cNvPr>
+              <p:cNvPicPr/>
+              <p:nvPr/>
+            </p:nvPicPr>
+            <p:blipFill>
+              <a:blip r:embed="rId13"/>
+              <a:stretch>
+                <a:fillRect/>
+              </a:stretch>
+            </p:blipFill>
+            <p:spPr>
+              <a:xfrm>
+                <a:off x="-1761450" y="3810390"/>
+                <a:ext cx="18000" cy="18000"/>
+              </a:xfrm>
+              <a:prstGeom prst="rect">
+                <a:avLst/>
+              </a:prstGeom>
+            </p:spPr>
+          </p:pic>
+        </mc:Fallback>
+      </mc:AlternateContent>
     </p:spTree>
     <p:extLst>
       <p:ext uri="{BB962C8B-B14F-4D97-AF65-F5344CB8AC3E}">
-        <p14:creationId xmlns:p14="http://schemas.microsoft.com/office/powerpoint/2010/main" val="1409460055"/>
+        <p14:creationId xmlns:p14="http://schemas.microsoft.com/office/powerpoint/2010/main" val="1238154079"/>
       </p:ext>
     </p:extLst>
   </p:cSld>
@@ -14226,7 +19600,7 @@
           <p:cNvPr id="2" name="Espaço Reservado para Número de Slide 1">
             <a:extLst>
               <a:ext uri="{FF2B5EF4-FFF2-40B4-BE49-F238E27FC236}">
-                <a16:creationId xmlns:a16="http://schemas.microsoft.com/office/drawing/2014/main" id="{38CB427C-690F-C775-A661-E02B74ED6713}"/>
+                <a16:creationId xmlns:a16="http://schemas.microsoft.com/office/drawing/2014/main" id="{9ACE06BB-6F66-E643-DCC1-5E5C6304C78C}"/>
               </a:ext>
             </a:extLst>
           </p:cNvPr>
@@ -14247,3196 +19621,14 @@
               <a:pPr/>
               <a:t>9</a:t>
             </a:fld>
-            <a:endParaRPr lang="pt-BR"/>
-          </a:p>
-        </p:txBody>
-      </p:sp>
-      <p:sp>
-        <p:nvSpPr>
-          <p:cNvPr id="3" name="CaixaDeTexto 2">
-            <a:extLst>
-              <a:ext uri="{FF2B5EF4-FFF2-40B4-BE49-F238E27FC236}">
-                <a16:creationId xmlns:a16="http://schemas.microsoft.com/office/drawing/2014/main" id="{A7BB8C23-53D8-CF53-41AF-C65D2DAFB56D}"/>
-              </a:ext>
-            </a:extLst>
-          </p:cNvPr>
-          <p:cNvSpPr txBox="1"/>
-          <p:nvPr/>
-        </p:nvSpPr>
-        <p:spPr>
-          <a:xfrm>
-            <a:off x="5286375" y="6643688"/>
-            <a:ext cx="184731" cy="369332"/>
-          </a:xfrm>
-          <a:prstGeom prst="rect">
-            <a:avLst/>
-          </a:prstGeom>
-          <a:noFill/>
-        </p:spPr>
-        <p:txBody>
-          <a:bodyPr wrap="none" rtlCol="0">
-            <a:spAutoFit/>
-          </a:bodyPr>
-          <a:lstStyle/>
-          <a:p>
             <a:endParaRPr lang="pt-BR" dirty="0"/>
           </a:p>
         </p:txBody>
       </p:sp>
-      <p:sp>
-        <p:nvSpPr>
-          <p:cNvPr id="4" name="CaixaDeTexto 3">
-            <a:extLst>
-              <a:ext uri="{FF2B5EF4-FFF2-40B4-BE49-F238E27FC236}">
-                <a16:creationId xmlns:a16="http://schemas.microsoft.com/office/drawing/2014/main" id="{45701624-FA2F-4786-B3D5-8F4F9E3E6397}"/>
-              </a:ext>
-            </a:extLst>
-          </p:cNvPr>
-          <p:cNvSpPr txBox="1"/>
-          <p:nvPr/>
-        </p:nvSpPr>
-        <p:spPr>
-          <a:xfrm>
-            <a:off x="76200" y="619125"/>
-            <a:ext cx="5435591" cy="369332"/>
-          </a:xfrm>
-          <a:prstGeom prst="rect">
-            <a:avLst/>
-          </a:prstGeom>
-          <a:noFill/>
-        </p:spPr>
-        <p:txBody>
-          <a:bodyPr wrap="none" rtlCol="0">
-            <a:spAutoFit/>
-          </a:bodyPr>
-          <a:lstStyle/>
-          <a:p>
-            <a:r>
-              <a:rPr lang="pt-BR" b="1" u="sng" dirty="0"/>
-              <a:t>Distribuição considerando a multiplicidade dos estados</a:t>
-            </a:r>
-          </a:p>
-        </p:txBody>
-      </p:sp>
-      <mc:AlternateContent xmlns:mc="http://schemas.openxmlformats.org/markup-compatibility/2006" xmlns:a14="http://schemas.microsoft.com/office/drawing/2010/main">
-        <mc:Choice Requires="a14">
-          <p:sp>
-            <p:nvSpPr>
-              <p:cNvPr id="7" name="CaixaDeTexto 6">
-                <a:extLst>
-                  <a:ext uri="{FF2B5EF4-FFF2-40B4-BE49-F238E27FC236}">
-                    <a16:creationId xmlns:a16="http://schemas.microsoft.com/office/drawing/2014/main" id="{E71C9FDB-CD04-40CB-9DB8-E6B28A7E98E6}"/>
-                  </a:ext>
-                </a:extLst>
-              </p:cNvPr>
-              <p:cNvSpPr txBox="1"/>
-              <p:nvPr/>
-            </p:nvSpPr>
-            <p:spPr>
-              <a:xfrm>
-                <a:off x="76200" y="1018138"/>
-                <a:ext cx="5629276" cy="1340880"/>
-              </a:xfrm>
-              <a:prstGeom prst="rect">
-                <a:avLst/>
-              </a:prstGeom>
-              <a:noFill/>
-            </p:spPr>
-            <p:txBody>
-              <a:bodyPr wrap="square">
-                <a:spAutoFit/>
-              </a:bodyPr>
-              <a:lstStyle/>
-              <a:p>
-                <a:pPr/>
-                <a14:m>
-                  <m:oMathPara xmlns:m="http://schemas.openxmlformats.org/officeDocument/2006/math">
-                    <m:oMathParaPr>
-                      <m:jc m:val="centerGroup"/>
-                    </m:oMathParaPr>
-                    <m:oMath xmlns:m="http://schemas.openxmlformats.org/officeDocument/2006/math">
-                      <m:d>
-                        <m:dPr>
-                          <m:begChr m:val="{"/>
-                          <m:endChr m:val=""/>
-                          <m:ctrlPr>
-                            <a:rPr lang="pt-BR" b="0" i="1" smtClean="0">
-                              <a:latin typeface="Cambria Math" panose="02040503050406030204" pitchFamily="18" charset="0"/>
-                            </a:rPr>
-                          </m:ctrlPr>
-                        </m:dPr>
-                        <m:e>
-                          <m:eqArr>
-                            <m:eqArrPr>
-                              <m:ctrlPr>
-                                <a:rPr lang="pt-BR" b="0" i="1" smtClean="0">
-                                  <a:latin typeface="Cambria Math" panose="02040503050406030204" pitchFamily="18" charset="0"/>
-                                </a:rPr>
-                              </m:ctrlPr>
-                            </m:eqArrPr>
-                            <m:e>
-                              <m:sSub>
-                                <m:sSubPr>
-                                  <m:ctrlPr>
-                                    <a:rPr lang="pt-BR" i="1">
-                                      <a:latin typeface="Cambria Math" panose="02040503050406030204" pitchFamily="18" charset="0"/>
-                                    </a:rPr>
-                                  </m:ctrlPr>
-                                </m:sSubPr>
-                                <m:e>
-                                  <m:r>
-                                    <a:rPr lang="pt-BR" i="1">
-                                      <a:latin typeface="Cambria Math" panose="02040503050406030204" pitchFamily="18" charset="0"/>
-                                    </a:rPr>
-                                    <m:t>𝑃</m:t>
-                                  </m:r>
-                                </m:e>
-                                <m:sub>
-                                  <m:r>
-                                    <a:rPr lang="pt-BR" i="1">
-                                      <a:latin typeface="Cambria Math" panose="02040503050406030204" pitchFamily="18" charset="0"/>
-                                    </a:rPr>
-                                    <m:t>𝐿</m:t>
-                                  </m:r>
-                                </m:sub>
-                              </m:sSub>
-                              <m:r>
-                                <a:rPr lang="pt-BR" i="1">
-                                  <a:latin typeface="Cambria Math" panose="02040503050406030204" pitchFamily="18" charset="0"/>
-                                </a:rPr>
-                                <m:t>=</m:t>
-                              </m:r>
-                              <m:f>
-                                <m:fPr>
-                                  <m:ctrlPr>
-                                    <a:rPr lang="pt-BR" i="1">
-                                      <a:latin typeface="Cambria Math" panose="02040503050406030204" pitchFamily="18" charset="0"/>
-                                    </a:rPr>
-                                  </m:ctrlPr>
-                                </m:fPr>
-                                <m:num>
-                                  <m:r>
-                                    <a:rPr lang="pt-BR" i="1">
-                                      <a:latin typeface="Cambria Math" panose="02040503050406030204" pitchFamily="18" charset="0"/>
-                                    </a:rPr>
-                                    <m:t>1</m:t>
-                                  </m:r>
-                                </m:num>
-                                <m:den>
-                                  <m:r>
-                                    <a:rPr lang="pt-BR" i="1">
-                                      <a:latin typeface="Cambria Math" panose="02040503050406030204" pitchFamily="18" charset="0"/>
-                                    </a:rPr>
-                                    <m:t>𝑍</m:t>
-                                  </m:r>
-                                </m:den>
-                              </m:f>
-                              <m:r>
-                                <a:rPr lang="pt-BR" i="1">
-                                  <a:latin typeface="Cambria Math" panose="02040503050406030204" pitchFamily="18" charset="0"/>
-                                </a:rPr>
-                                <m:t>∙</m:t>
-                              </m:r>
-                              <m:r>
-                                <a:rPr lang="pt-BR" b="0" i="1" smtClean="0">
-                                  <a:latin typeface="Cambria Math" panose="02040503050406030204" pitchFamily="18" charset="0"/>
-                                </a:rPr>
-                                <m:t>(</m:t>
-                              </m:r>
-                              <m:r>
-                                <a:rPr lang="pt-BR" b="0" i="1" smtClean="0">
-                                  <a:solidFill>
-                                    <a:srgbClr val="C00000"/>
-                                  </a:solidFill>
-                                  <a:latin typeface="Cambria Math" panose="02040503050406030204" pitchFamily="18" charset="0"/>
-                                </a:rPr>
-                                <m:t>1</m:t>
-                              </m:r>
-                              <m:r>
-                                <a:rPr lang="pt-BR" b="0" i="1" smtClean="0">
-                                  <a:latin typeface="Cambria Math" panose="02040503050406030204" pitchFamily="18" charset="0"/>
-                                </a:rPr>
-                                <m:t>∙</m:t>
-                              </m:r>
-                              <m:sSup>
-                                <m:sSupPr>
-                                  <m:ctrlPr>
-                                    <a:rPr lang="pt-BR" i="1">
-                                      <a:latin typeface="Cambria Math" panose="02040503050406030204" pitchFamily="18" charset="0"/>
-                                    </a:rPr>
-                                  </m:ctrlPr>
-                                </m:sSupPr>
-                                <m:e>
-                                  <m:r>
-                                    <a:rPr lang="pt-BR" i="1">
-                                      <a:latin typeface="Cambria Math" panose="02040503050406030204" pitchFamily="18" charset="0"/>
-                                    </a:rPr>
-                                    <m:t>𝑒</m:t>
-                                  </m:r>
-                                </m:e>
-                                <m:sup>
-                                  <m:r>
-                                    <a:rPr lang="pt-BR" i="1">
-                                      <a:latin typeface="Cambria Math" panose="02040503050406030204" pitchFamily="18" charset="0"/>
-                                    </a:rPr>
-                                    <m:t>−</m:t>
-                                  </m:r>
-                                  <m:r>
-                                    <a:rPr lang="pt-BR" i="1">
-                                      <a:latin typeface="Cambria Math" panose="02040503050406030204" pitchFamily="18" charset="0"/>
-                                    </a:rPr>
-                                    <m:t>𝛽</m:t>
-                                  </m:r>
-                                  <m:d>
-                                    <m:dPr>
-                                      <m:begChr m:val="⟨"/>
-                                      <m:endChr m:val="⟩"/>
-                                      <m:ctrlPr>
-                                        <a:rPr lang="pt-BR" i="1">
-                                          <a:latin typeface="Cambria Math" panose="02040503050406030204" pitchFamily="18" charset="0"/>
-                                        </a:rPr>
-                                      </m:ctrlPr>
-                                    </m:dPr>
-                                    <m:e>
-                                      <m:sSub>
-                                        <m:sSubPr>
-                                          <m:ctrlPr>
-                                            <a:rPr lang="pt-BR" i="1">
-                                              <a:latin typeface="Cambria Math" panose="02040503050406030204" pitchFamily="18" charset="0"/>
-                                            </a:rPr>
-                                          </m:ctrlPr>
-                                        </m:sSubPr>
-                                        <m:e>
-                                          <m:r>
-                                            <a:rPr lang="pt-BR" i="1">
-                                              <a:latin typeface="Cambria Math" panose="02040503050406030204" pitchFamily="18" charset="0"/>
-                                            </a:rPr>
-                                            <m:t>𝐸</m:t>
-                                          </m:r>
-                                        </m:e>
-                                        <m:sub>
-                                          <m:r>
-                                            <a:rPr lang="pt-BR" i="1">
-                                              <a:latin typeface="Cambria Math" panose="02040503050406030204" pitchFamily="18" charset="0"/>
-                                            </a:rPr>
-                                            <m:t>𝐿</m:t>
-                                          </m:r>
-                                        </m:sub>
-                                      </m:sSub>
-                                    </m:e>
-                                  </m:d>
-                                  <m:r>
-                                    <a:rPr lang="pt-BR" i="1">
-                                      <a:latin typeface="Cambria Math" panose="02040503050406030204" pitchFamily="18" charset="0"/>
-                                    </a:rPr>
-                                    <m:t>∙</m:t>
-                                  </m:r>
-                                  <m:r>
-                                    <a:rPr lang="pt-BR" i="1">
-                                      <a:solidFill>
-                                        <a:srgbClr val="183CAE"/>
-                                      </a:solidFill>
-                                      <a:latin typeface="Cambria Math" panose="02040503050406030204" pitchFamily="18" charset="0"/>
-                                    </a:rPr>
-                                    <m:t>1</m:t>
-                                  </m:r>
-                                </m:sup>
-                              </m:sSup>
-                              <m:r>
-                                <a:rPr lang="pt-BR" i="1">
-                                  <a:latin typeface="Cambria Math" panose="02040503050406030204" pitchFamily="18" charset="0"/>
-                                </a:rPr>
-                                <m:t>)∙</m:t>
-                              </m:r>
-                              <m:d>
-                                <m:dPr>
-                                  <m:ctrlPr>
-                                    <a:rPr lang="pt-BR" i="1">
-                                      <a:latin typeface="Cambria Math" panose="02040503050406030204" pitchFamily="18" charset="0"/>
-                                    </a:rPr>
-                                  </m:ctrlPr>
-                                </m:dPr>
-                                <m:e>
-                                  <m:r>
-                                    <a:rPr lang="pt-BR" i="1">
-                                      <a:solidFill>
-                                        <a:srgbClr val="C00000"/>
-                                      </a:solidFill>
-                                      <a:latin typeface="Cambria Math" panose="02040503050406030204" pitchFamily="18" charset="0"/>
-                                    </a:rPr>
-                                    <m:t>2</m:t>
-                                  </m:r>
-                                  <m:r>
-                                    <a:rPr lang="pt-BR" i="1">
-                                      <a:latin typeface="Cambria Math" panose="02040503050406030204" pitchFamily="18" charset="0"/>
-                                    </a:rPr>
-                                    <m:t>∙</m:t>
-                                  </m:r>
-                                  <m:sSup>
-                                    <m:sSupPr>
-                                      <m:ctrlPr>
-                                        <a:rPr lang="pt-BR" i="1">
-                                          <a:latin typeface="Cambria Math" panose="02040503050406030204" pitchFamily="18" charset="0"/>
-                                        </a:rPr>
-                                      </m:ctrlPr>
-                                    </m:sSupPr>
-                                    <m:e>
-                                      <m:r>
-                                        <a:rPr lang="pt-BR" i="1">
-                                          <a:latin typeface="Cambria Math" panose="02040503050406030204" pitchFamily="18" charset="0"/>
-                                        </a:rPr>
-                                        <m:t>𝑒</m:t>
-                                      </m:r>
-                                    </m:e>
-                                    <m:sup>
-                                      <m:r>
-                                        <a:rPr lang="pt-BR" i="1">
-                                          <a:latin typeface="Cambria Math" panose="02040503050406030204" pitchFamily="18" charset="0"/>
-                                        </a:rPr>
-                                        <m:t>−</m:t>
-                                      </m:r>
-                                      <m:r>
-                                        <a:rPr lang="pt-BR" i="1">
-                                          <a:latin typeface="Cambria Math" panose="02040503050406030204" pitchFamily="18" charset="0"/>
-                                        </a:rPr>
-                                        <m:t>𝛽</m:t>
-                                      </m:r>
-                                      <m:d>
-                                        <m:dPr>
-                                          <m:begChr m:val="⟨"/>
-                                          <m:endChr m:val="⟩"/>
-                                          <m:ctrlPr>
-                                            <a:rPr lang="pt-BR" i="1">
-                                              <a:latin typeface="Cambria Math" panose="02040503050406030204" pitchFamily="18" charset="0"/>
-                                            </a:rPr>
-                                          </m:ctrlPr>
-                                        </m:dPr>
-                                        <m:e>
-                                          <m:sSub>
-                                            <m:sSubPr>
-                                              <m:ctrlPr>
-                                                <a:rPr lang="pt-BR" i="1">
-                                                  <a:latin typeface="Cambria Math" panose="02040503050406030204" pitchFamily="18" charset="0"/>
-                                                </a:rPr>
-                                              </m:ctrlPr>
-                                            </m:sSubPr>
-                                            <m:e>
-                                              <m:r>
-                                                <a:rPr lang="pt-BR" i="1">
-                                                  <a:latin typeface="Cambria Math" panose="02040503050406030204" pitchFamily="18" charset="0"/>
-                                                </a:rPr>
-                                                <m:t>𝐸</m:t>
-                                              </m:r>
-                                            </m:e>
-                                            <m:sub>
-                                              <m:r>
-                                                <a:rPr lang="pt-BR" i="1">
-                                                  <a:latin typeface="Cambria Math" panose="02040503050406030204" pitchFamily="18" charset="0"/>
-                                                </a:rPr>
-                                                <m:t>𝐹</m:t>
-                                              </m:r>
-                                            </m:sub>
-                                          </m:sSub>
-                                        </m:e>
-                                      </m:d>
-                                      <m:r>
-                                        <a:rPr lang="pt-BR" i="1">
-                                          <a:latin typeface="Cambria Math" panose="02040503050406030204" pitchFamily="18" charset="0"/>
-                                        </a:rPr>
-                                        <m:t>∙</m:t>
-                                      </m:r>
-                                      <m:r>
-                                        <a:rPr lang="pt-BR" i="1">
-                                          <a:solidFill>
-                                            <a:srgbClr val="183CAE"/>
-                                          </a:solidFill>
-                                          <a:latin typeface="Cambria Math" panose="02040503050406030204" pitchFamily="18" charset="0"/>
-                                        </a:rPr>
-                                        <m:t>0</m:t>
-                                      </m:r>
-                                    </m:sup>
-                                  </m:sSup>
-                                </m:e>
-                              </m:d>
-                              <m:r>
-                                <a:rPr lang="pt-BR" b="0" i="1" smtClean="0">
-                                  <a:solidFill>
-                                    <a:schemeClr val="tx1"/>
-                                  </a:solidFill>
-                                  <a:latin typeface="Cambria Math" panose="02040503050406030204" pitchFamily="18" charset="0"/>
-                                </a:rPr>
-                                <m:t>=</m:t>
-                              </m:r>
-                              <m:f>
-                                <m:fPr>
-                                  <m:ctrlPr>
-                                    <a:rPr lang="pt-BR" b="0" i="1" smtClean="0">
-                                      <a:solidFill>
-                                        <a:schemeClr val="tx1"/>
-                                      </a:solidFill>
-                                      <a:latin typeface="Cambria Math" panose="02040503050406030204" pitchFamily="18" charset="0"/>
-                                    </a:rPr>
-                                  </m:ctrlPr>
-                                </m:fPr>
-                                <m:num>
-                                  <m:r>
-                                    <a:rPr lang="pt-BR" b="0" i="1" smtClean="0">
-                                      <a:solidFill>
-                                        <a:schemeClr val="tx1"/>
-                                      </a:solidFill>
-                                      <a:latin typeface="Cambria Math" panose="02040503050406030204" pitchFamily="18" charset="0"/>
-                                    </a:rPr>
-                                    <m:t>2</m:t>
-                                  </m:r>
-                                </m:num>
-                                <m:den>
-                                  <m:r>
-                                    <a:rPr lang="pt-BR" b="0" i="1" smtClean="0">
-                                      <a:solidFill>
-                                        <a:schemeClr val="tx1"/>
-                                      </a:solidFill>
-                                      <a:latin typeface="Cambria Math" panose="02040503050406030204" pitchFamily="18" charset="0"/>
-                                    </a:rPr>
-                                    <m:t>𝑍</m:t>
-                                  </m:r>
-                                </m:den>
-                              </m:f>
-                              <m:r>
-                                <a:rPr lang="pt-BR" b="0" i="1" smtClean="0">
-                                  <a:solidFill>
-                                    <a:schemeClr val="tx1"/>
-                                  </a:solidFill>
-                                  <a:latin typeface="Cambria Math" panose="02040503050406030204" pitchFamily="18" charset="0"/>
-                                </a:rPr>
-                                <m:t>∙</m:t>
-                              </m:r>
-                              <m:sSup>
-                                <m:sSupPr>
-                                  <m:ctrlPr>
-                                    <a:rPr lang="pt-BR" i="1">
-                                      <a:latin typeface="Cambria Math" panose="02040503050406030204" pitchFamily="18" charset="0"/>
-                                    </a:rPr>
-                                  </m:ctrlPr>
-                                </m:sSupPr>
-                                <m:e>
-                                  <m:r>
-                                    <a:rPr lang="pt-BR" i="1">
-                                      <a:latin typeface="Cambria Math" panose="02040503050406030204" pitchFamily="18" charset="0"/>
-                                    </a:rPr>
-                                    <m:t>𝑒</m:t>
-                                  </m:r>
-                                </m:e>
-                                <m:sup>
-                                  <m:r>
-                                    <a:rPr lang="pt-BR" i="1">
-                                      <a:latin typeface="Cambria Math" panose="02040503050406030204" pitchFamily="18" charset="0"/>
-                                    </a:rPr>
-                                    <m:t>−</m:t>
-                                  </m:r>
-                                  <m:r>
-                                    <a:rPr lang="pt-BR" i="1">
-                                      <a:latin typeface="Cambria Math" panose="02040503050406030204" pitchFamily="18" charset="0"/>
-                                    </a:rPr>
-                                    <m:t>𝛽</m:t>
-                                  </m:r>
-                                  <m:d>
-                                    <m:dPr>
-                                      <m:begChr m:val="⟨"/>
-                                      <m:endChr m:val="⟩"/>
-                                      <m:ctrlPr>
-                                        <a:rPr lang="pt-BR" i="1">
-                                          <a:latin typeface="Cambria Math" panose="02040503050406030204" pitchFamily="18" charset="0"/>
-                                        </a:rPr>
-                                      </m:ctrlPr>
-                                    </m:dPr>
-                                    <m:e>
-                                      <m:sSub>
-                                        <m:sSubPr>
-                                          <m:ctrlPr>
-                                            <a:rPr lang="pt-BR" i="1">
-                                              <a:latin typeface="Cambria Math" panose="02040503050406030204" pitchFamily="18" charset="0"/>
-                                            </a:rPr>
-                                          </m:ctrlPr>
-                                        </m:sSubPr>
-                                        <m:e>
-                                          <m:r>
-                                            <a:rPr lang="pt-BR" i="1">
-                                              <a:latin typeface="Cambria Math" panose="02040503050406030204" pitchFamily="18" charset="0"/>
-                                            </a:rPr>
-                                            <m:t>𝐸</m:t>
-                                          </m:r>
-                                        </m:e>
-                                        <m:sub>
-                                          <m:r>
-                                            <a:rPr lang="pt-BR" i="1">
-                                              <a:latin typeface="Cambria Math" panose="02040503050406030204" pitchFamily="18" charset="0"/>
-                                            </a:rPr>
-                                            <m:t>𝐿</m:t>
-                                          </m:r>
-                                        </m:sub>
-                                      </m:sSub>
-                                    </m:e>
-                                  </m:d>
-                                </m:sup>
-                              </m:sSup>
-                            </m:e>
-                            <m:e>
-                              <m:sSub>
-                                <m:sSubPr>
-                                  <m:ctrlPr>
-                                    <a:rPr lang="pt-BR" i="1">
-                                      <a:latin typeface="Cambria Math" panose="02040503050406030204" pitchFamily="18" charset="0"/>
-                                    </a:rPr>
-                                  </m:ctrlPr>
-                                </m:sSubPr>
-                                <m:e>
-                                  <m:r>
-                                    <a:rPr lang="pt-BR" i="1">
-                                      <a:latin typeface="Cambria Math" panose="02040503050406030204" pitchFamily="18" charset="0"/>
-                                    </a:rPr>
-                                    <m:t>𝑃</m:t>
-                                  </m:r>
-                                </m:e>
-                                <m:sub>
-                                  <m:r>
-                                    <a:rPr lang="pt-BR" i="1">
-                                      <a:latin typeface="Cambria Math" panose="02040503050406030204" pitchFamily="18" charset="0"/>
-                                    </a:rPr>
-                                    <m:t>𝐹</m:t>
-                                  </m:r>
-                                </m:sub>
-                              </m:sSub>
-                              <m:r>
-                                <a:rPr lang="pt-BR" i="1">
-                                  <a:latin typeface="Cambria Math" panose="02040503050406030204" pitchFamily="18" charset="0"/>
-                                </a:rPr>
-                                <m:t>=</m:t>
-                              </m:r>
-                              <m:f>
-                                <m:fPr>
-                                  <m:ctrlPr>
-                                    <a:rPr lang="pt-BR" i="1">
-                                      <a:latin typeface="Cambria Math" panose="02040503050406030204" pitchFamily="18" charset="0"/>
-                                    </a:rPr>
-                                  </m:ctrlPr>
-                                </m:fPr>
-                                <m:num>
-                                  <m:r>
-                                    <a:rPr lang="pt-BR" i="1">
-                                      <a:latin typeface="Cambria Math" panose="02040503050406030204" pitchFamily="18" charset="0"/>
-                                    </a:rPr>
-                                    <m:t>1</m:t>
-                                  </m:r>
-                                </m:num>
-                                <m:den>
-                                  <m:r>
-                                    <a:rPr lang="pt-BR" i="1">
-                                      <a:latin typeface="Cambria Math" panose="02040503050406030204" pitchFamily="18" charset="0"/>
-                                    </a:rPr>
-                                    <m:t>𝑍</m:t>
-                                  </m:r>
-                                </m:den>
-                              </m:f>
-                              <m:r>
-                                <a:rPr lang="pt-BR" i="1">
-                                  <a:latin typeface="Cambria Math" panose="02040503050406030204" pitchFamily="18" charset="0"/>
-                                </a:rPr>
-                                <m:t>∙</m:t>
-                              </m:r>
-                              <m:sSup>
-                                <m:sSupPr>
-                                  <m:ctrlPr>
-                                    <a:rPr lang="pt-BR" i="1">
-                                      <a:latin typeface="Cambria Math" panose="02040503050406030204" pitchFamily="18" charset="0"/>
-                                    </a:rPr>
-                                  </m:ctrlPr>
-                                </m:sSupPr>
-                                <m:e>
-                                  <m:r>
-                                    <a:rPr lang="pt-BR" i="1">
-                                      <a:latin typeface="Cambria Math" panose="02040503050406030204" pitchFamily="18" charset="0"/>
-                                    </a:rPr>
-                                    <m:t>(</m:t>
-                                  </m:r>
-                                  <m:r>
-                                    <a:rPr lang="pt-BR" i="1">
-                                      <a:solidFill>
-                                        <a:srgbClr val="C00000"/>
-                                      </a:solidFill>
-                                      <a:latin typeface="Cambria Math" panose="02040503050406030204" pitchFamily="18" charset="0"/>
-                                    </a:rPr>
-                                    <m:t>1</m:t>
-                                  </m:r>
-                                  <m:r>
-                                    <a:rPr lang="pt-BR" i="1">
-                                      <a:latin typeface="Cambria Math" panose="02040503050406030204" pitchFamily="18" charset="0"/>
-                                    </a:rPr>
-                                    <m:t>∙</m:t>
-                                  </m:r>
-                                  <m:r>
-                                    <a:rPr lang="pt-BR" i="1">
-                                      <a:latin typeface="Cambria Math" panose="02040503050406030204" pitchFamily="18" charset="0"/>
-                                    </a:rPr>
-                                    <m:t>𝑒</m:t>
-                                  </m:r>
-                                </m:e>
-                                <m:sup>
-                                  <m:r>
-                                    <a:rPr lang="pt-BR" i="1">
-                                      <a:latin typeface="Cambria Math" panose="02040503050406030204" pitchFamily="18" charset="0"/>
-                                    </a:rPr>
-                                    <m:t>−</m:t>
-                                  </m:r>
-                                  <m:r>
-                                    <a:rPr lang="pt-BR" i="1">
-                                      <a:latin typeface="Cambria Math" panose="02040503050406030204" pitchFamily="18" charset="0"/>
-                                    </a:rPr>
-                                    <m:t>𝛽</m:t>
-                                  </m:r>
-                                  <m:d>
-                                    <m:dPr>
-                                      <m:begChr m:val="⟨"/>
-                                      <m:endChr m:val="⟩"/>
-                                      <m:ctrlPr>
-                                        <a:rPr lang="pt-BR" i="1">
-                                          <a:latin typeface="Cambria Math" panose="02040503050406030204" pitchFamily="18" charset="0"/>
-                                        </a:rPr>
-                                      </m:ctrlPr>
-                                    </m:dPr>
-                                    <m:e>
-                                      <m:sSub>
-                                        <m:sSubPr>
-                                          <m:ctrlPr>
-                                            <a:rPr lang="pt-BR" i="1">
-                                              <a:latin typeface="Cambria Math" panose="02040503050406030204" pitchFamily="18" charset="0"/>
-                                            </a:rPr>
-                                          </m:ctrlPr>
-                                        </m:sSubPr>
-                                        <m:e>
-                                          <m:r>
-                                            <a:rPr lang="pt-BR" i="1">
-                                              <a:latin typeface="Cambria Math" panose="02040503050406030204" pitchFamily="18" charset="0"/>
-                                            </a:rPr>
-                                            <m:t>𝐸</m:t>
-                                          </m:r>
-                                        </m:e>
-                                        <m:sub>
-                                          <m:r>
-                                            <a:rPr lang="pt-BR" i="1">
-                                              <a:latin typeface="Cambria Math" panose="02040503050406030204" pitchFamily="18" charset="0"/>
-                                            </a:rPr>
-                                            <m:t>𝐿</m:t>
-                                          </m:r>
-                                        </m:sub>
-                                      </m:sSub>
-                                    </m:e>
-                                  </m:d>
-                                  <m:r>
-                                    <a:rPr lang="pt-BR" i="1">
-                                      <a:latin typeface="Cambria Math" panose="02040503050406030204" pitchFamily="18" charset="0"/>
-                                    </a:rPr>
-                                    <m:t>∙</m:t>
-                                  </m:r>
-                                  <m:r>
-                                    <a:rPr lang="pt-BR" i="1">
-                                      <a:solidFill>
-                                        <a:srgbClr val="183CAE"/>
-                                      </a:solidFill>
-                                      <a:latin typeface="Cambria Math" panose="02040503050406030204" pitchFamily="18" charset="0"/>
-                                    </a:rPr>
-                                    <m:t>0</m:t>
-                                  </m:r>
-                                </m:sup>
-                              </m:sSup>
-                              <m:r>
-                                <a:rPr lang="pt-BR" i="1">
-                                  <a:latin typeface="Cambria Math" panose="02040503050406030204" pitchFamily="18" charset="0"/>
-                                </a:rPr>
-                                <m:t>)∙</m:t>
-                              </m:r>
-                              <m:d>
-                                <m:dPr>
-                                  <m:ctrlPr>
-                                    <a:rPr lang="pt-BR" i="1">
-                                      <a:latin typeface="Cambria Math" panose="02040503050406030204" pitchFamily="18" charset="0"/>
-                                    </a:rPr>
-                                  </m:ctrlPr>
-                                </m:dPr>
-                                <m:e>
-                                  <m:r>
-                                    <a:rPr lang="pt-BR" i="1">
-                                      <a:solidFill>
-                                        <a:srgbClr val="C00000"/>
-                                      </a:solidFill>
-                                      <a:latin typeface="Cambria Math" panose="02040503050406030204" pitchFamily="18" charset="0"/>
-                                    </a:rPr>
-                                    <m:t>2</m:t>
-                                  </m:r>
-                                  <m:r>
-                                    <a:rPr lang="pt-BR" i="1">
-                                      <a:latin typeface="Cambria Math" panose="02040503050406030204" pitchFamily="18" charset="0"/>
-                                    </a:rPr>
-                                    <m:t>∙</m:t>
-                                  </m:r>
-                                  <m:sSup>
-                                    <m:sSupPr>
-                                      <m:ctrlPr>
-                                        <a:rPr lang="pt-BR" i="1">
-                                          <a:latin typeface="Cambria Math" panose="02040503050406030204" pitchFamily="18" charset="0"/>
-                                        </a:rPr>
-                                      </m:ctrlPr>
-                                    </m:sSupPr>
-                                    <m:e>
-                                      <m:r>
-                                        <a:rPr lang="pt-BR" i="1">
-                                          <a:latin typeface="Cambria Math" panose="02040503050406030204" pitchFamily="18" charset="0"/>
-                                        </a:rPr>
-                                        <m:t>𝑒</m:t>
-                                      </m:r>
-                                    </m:e>
-                                    <m:sup>
-                                      <m:r>
-                                        <a:rPr lang="pt-BR" i="1">
-                                          <a:latin typeface="Cambria Math" panose="02040503050406030204" pitchFamily="18" charset="0"/>
-                                        </a:rPr>
-                                        <m:t>−</m:t>
-                                      </m:r>
-                                      <m:r>
-                                        <a:rPr lang="pt-BR" i="1">
-                                          <a:latin typeface="Cambria Math" panose="02040503050406030204" pitchFamily="18" charset="0"/>
-                                        </a:rPr>
-                                        <m:t>𝛽</m:t>
-                                      </m:r>
-                                      <m:d>
-                                        <m:dPr>
-                                          <m:begChr m:val="⟨"/>
-                                          <m:endChr m:val="⟩"/>
-                                          <m:ctrlPr>
-                                            <a:rPr lang="pt-BR" i="1">
-                                              <a:latin typeface="Cambria Math" panose="02040503050406030204" pitchFamily="18" charset="0"/>
-                                            </a:rPr>
-                                          </m:ctrlPr>
-                                        </m:dPr>
-                                        <m:e>
-                                          <m:sSub>
-                                            <m:sSubPr>
-                                              <m:ctrlPr>
-                                                <a:rPr lang="pt-BR" i="1">
-                                                  <a:latin typeface="Cambria Math" panose="02040503050406030204" pitchFamily="18" charset="0"/>
-                                                </a:rPr>
-                                              </m:ctrlPr>
-                                            </m:sSubPr>
-                                            <m:e>
-                                              <m:r>
-                                                <a:rPr lang="pt-BR" i="1">
-                                                  <a:latin typeface="Cambria Math" panose="02040503050406030204" pitchFamily="18" charset="0"/>
-                                                </a:rPr>
-                                                <m:t>𝐸</m:t>
-                                              </m:r>
-                                            </m:e>
-                                            <m:sub>
-                                              <m:r>
-                                                <a:rPr lang="pt-BR" i="1">
-                                                  <a:latin typeface="Cambria Math" panose="02040503050406030204" pitchFamily="18" charset="0"/>
-                                                </a:rPr>
-                                                <m:t>𝐹</m:t>
-                                              </m:r>
-                                            </m:sub>
-                                          </m:sSub>
-                                        </m:e>
-                                      </m:d>
-                                      <m:r>
-                                        <a:rPr lang="pt-BR" i="1">
-                                          <a:latin typeface="Cambria Math" panose="02040503050406030204" pitchFamily="18" charset="0"/>
-                                        </a:rPr>
-                                        <m:t>∙</m:t>
-                                      </m:r>
-                                      <m:r>
-                                        <a:rPr lang="pt-BR" i="1">
-                                          <a:solidFill>
-                                            <a:srgbClr val="183CAE"/>
-                                          </a:solidFill>
-                                          <a:latin typeface="Cambria Math" panose="02040503050406030204" pitchFamily="18" charset="0"/>
-                                        </a:rPr>
-                                        <m:t>1</m:t>
-                                      </m:r>
-                                    </m:sup>
-                                  </m:sSup>
-                                </m:e>
-                              </m:d>
-                              <m:r>
-                                <a:rPr lang="pt-BR" b="0" i="1" smtClean="0">
-                                  <a:solidFill>
-                                    <a:schemeClr val="tx1"/>
-                                  </a:solidFill>
-                                  <a:latin typeface="Cambria Math" panose="02040503050406030204" pitchFamily="18" charset="0"/>
-                                </a:rPr>
-                                <m:t>=</m:t>
-                              </m:r>
-                              <m:f>
-                                <m:fPr>
-                                  <m:ctrlPr>
-                                    <a:rPr lang="pt-BR" i="1">
-                                      <a:latin typeface="Cambria Math" panose="02040503050406030204" pitchFamily="18" charset="0"/>
-                                    </a:rPr>
-                                  </m:ctrlPr>
-                                </m:fPr>
-                                <m:num>
-                                  <m:r>
-                                    <a:rPr lang="pt-BR" i="1">
-                                      <a:latin typeface="Cambria Math" panose="02040503050406030204" pitchFamily="18" charset="0"/>
-                                    </a:rPr>
-                                    <m:t>2</m:t>
-                                  </m:r>
-                                </m:num>
-                                <m:den>
-                                  <m:r>
-                                    <a:rPr lang="pt-BR" i="1">
-                                      <a:latin typeface="Cambria Math" panose="02040503050406030204" pitchFamily="18" charset="0"/>
-                                    </a:rPr>
-                                    <m:t>𝑍</m:t>
-                                  </m:r>
-                                </m:den>
-                              </m:f>
-                              <m:r>
-                                <a:rPr lang="pt-BR" i="1">
-                                  <a:latin typeface="Cambria Math" panose="02040503050406030204" pitchFamily="18" charset="0"/>
-                                </a:rPr>
-                                <m:t>∙</m:t>
-                              </m:r>
-                              <m:sSup>
-                                <m:sSupPr>
-                                  <m:ctrlPr>
-                                    <a:rPr lang="pt-BR" i="1">
-                                      <a:latin typeface="Cambria Math" panose="02040503050406030204" pitchFamily="18" charset="0"/>
-                                    </a:rPr>
-                                  </m:ctrlPr>
-                                </m:sSupPr>
-                                <m:e>
-                                  <m:r>
-                                    <a:rPr lang="pt-BR" i="1">
-                                      <a:latin typeface="Cambria Math" panose="02040503050406030204" pitchFamily="18" charset="0"/>
-                                    </a:rPr>
-                                    <m:t>𝑒</m:t>
-                                  </m:r>
-                                </m:e>
-                                <m:sup>
-                                  <m:r>
-                                    <a:rPr lang="pt-BR" i="1">
-                                      <a:latin typeface="Cambria Math" panose="02040503050406030204" pitchFamily="18" charset="0"/>
-                                    </a:rPr>
-                                    <m:t>−</m:t>
-                                  </m:r>
-                                  <m:r>
-                                    <a:rPr lang="pt-BR" i="1">
-                                      <a:latin typeface="Cambria Math" panose="02040503050406030204" pitchFamily="18" charset="0"/>
-                                    </a:rPr>
-                                    <m:t>𝛽</m:t>
-                                  </m:r>
-                                  <m:d>
-                                    <m:dPr>
-                                      <m:begChr m:val="⟨"/>
-                                      <m:endChr m:val="⟩"/>
-                                      <m:ctrlPr>
-                                        <a:rPr lang="pt-BR" i="1">
-                                          <a:latin typeface="Cambria Math" panose="02040503050406030204" pitchFamily="18" charset="0"/>
-                                        </a:rPr>
-                                      </m:ctrlPr>
-                                    </m:dPr>
-                                    <m:e>
-                                      <m:sSub>
-                                        <m:sSubPr>
-                                          <m:ctrlPr>
-                                            <a:rPr lang="pt-BR" i="1">
-                                              <a:latin typeface="Cambria Math" panose="02040503050406030204" pitchFamily="18" charset="0"/>
-                                            </a:rPr>
-                                          </m:ctrlPr>
-                                        </m:sSubPr>
-                                        <m:e>
-                                          <m:r>
-                                            <a:rPr lang="pt-BR" i="1">
-                                              <a:latin typeface="Cambria Math" panose="02040503050406030204" pitchFamily="18" charset="0"/>
-                                            </a:rPr>
-                                            <m:t>𝐸</m:t>
-                                          </m:r>
-                                        </m:e>
-                                        <m:sub>
-                                          <m:r>
-                                            <a:rPr lang="pt-BR" b="0" i="1" smtClean="0">
-                                              <a:latin typeface="Cambria Math" panose="02040503050406030204" pitchFamily="18" charset="0"/>
-                                            </a:rPr>
-                                            <m:t>𝐹</m:t>
-                                          </m:r>
-                                        </m:sub>
-                                      </m:sSub>
-                                    </m:e>
-                                  </m:d>
-                                </m:sup>
-                              </m:sSup>
-                            </m:e>
-                          </m:eqArr>
-                        </m:e>
-                      </m:d>
-                    </m:oMath>
-                  </m:oMathPara>
-                </a14:m>
-                <a:endParaRPr lang="pt-BR" dirty="0"/>
-              </a:p>
-            </p:txBody>
-          </p:sp>
-        </mc:Choice>
-        <mc:Fallback xmlns="">
-          <p:sp>
-            <p:nvSpPr>
-              <p:cNvPr id="7" name="CaixaDeTexto 6">
-                <a:extLst>
-                  <a:ext uri="{FF2B5EF4-FFF2-40B4-BE49-F238E27FC236}">
-                    <a16:creationId xmlns:a16="http://schemas.microsoft.com/office/drawing/2014/main" id="{E71C9FDB-CD04-40CB-9DB8-E6B28A7E98E6}"/>
-                  </a:ext>
-                </a:extLst>
-              </p:cNvPr>
-              <p:cNvSpPr txBox="1">
-                <a:spLocks noRot="1" noChangeAspect="1" noMove="1" noResize="1" noEditPoints="1" noAdjustHandles="1" noChangeArrowheads="1" noChangeShapeType="1" noTextEdit="1"/>
-              </p:cNvSpPr>
-              <p:nvPr/>
-            </p:nvSpPr>
-            <p:spPr>
-              <a:xfrm>
-                <a:off x="76200" y="1018138"/>
-                <a:ext cx="5629276" cy="1340880"/>
-              </a:xfrm>
-              <a:prstGeom prst="rect">
-                <a:avLst/>
-              </a:prstGeom>
-              <a:blipFill>
-                <a:blip r:embed="rId2"/>
-                <a:stretch>
-                  <a:fillRect/>
-                </a:stretch>
-              </a:blipFill>
-            </p:spPr>
-            <p:txBody>
-              <a:bodyPr/>
-              <a:lstStyle/>
-              <a:p>
-                <a:r>
-                  <a:rPr lang="pt-BR">
-                    <a:noFill/>
-                  </a:rPr>
-                  <a:t> </a:t>
-                </a:r>
-              </a:p>
-            </p:txBody>
-          </p:sp>
-        </mc:Fallback>
-      </mc:AlternateContent>
-      <mc:AlternateContent xmlns:mc="http://schemas.openxmlformats.org/markup-compatibility/2006" xmlns:a14="http://schemas.microsoft.com/office/drawing/2010/main">
-        <mc:Choice Requires="a14">
-          <p:sp>
-            <p:nvSpPr>
-              <p:cNvPr id="9" name="CaixaDeTexto 8">
-                <a:extLst>
-                  <a:ext uri="{FF2B5EF4-FFF2-40B4-BE49-F238E27FC236}">
-                    <a16:creationId xmlns:a16="http://schemas.microsoft.com/office/drawing/2014/main" id="{6EDC322C-08DC-4445-A866-E6F3184AF8E2}"/>
-                  </a:ext>
-                </a:extLst>
-              </p:cNvPr>
-              <p:cNvSpPr txBox="1"/>
-              <p:nvPr/>
-            </p:nvSpPr>
-            <p:spPr>
-              <a:xfrm>
-                <a:off x="-904875" y="2628151"/>
-                <a:ext cx="9144000" cy="610936"/>
-              </a:xfrm>
-              <a:prstGeom prst="rect">
-                <a:avLst/>
-              </a:prstGeom>
-              <a:noFill/>
-            </p:spPr>
-            <p:txBody>
-              <a:bodyPr wrap="square">
-                <a:spAutoFit/>
-              </a:bodyPr>
-              <a:lstStyle/>
-              <a:p>
-                <a:pPr/>
-                <a14:m>
-                  <m:oMathPara xmlns:m="http://schemas.openxmlformats.org/officeDocument/2006/math">
-                    <m:oMathParaPr>
-                      <m:jc m:val="centerGroup"/>
-                    </m:oMathParaPr>
-                    <m:oMath xmlns:m="http://schemas.openxmlformats.org/officeDocument/2006/math">
-                      <m:sSub>
-                        <m:sSubPr>
-                          <m:ctrlPr>
-                            <a:rPr lang="pt-BR" sz="1800" i="1" smtClean="0">
-                              <a:latin typeface="Cambria Math" panose="02040503050406030204" pitchFamily="18" charset="0"/>
-                            </a:rPr>
-                          </m:ctrlPr>
-                        </m:sSubPr>
-                        <m:e>
-                          <m:r>
-                            <a:rPr lang="pt-BR" sz="1800" b="0" i="1" smtClean="0">
-                              <a:latin typeface="Cambria Math" panose="02040503050406030204" pitchFamily="18" charset="0"/>
-                            </a:rPr>
-                            <m:t>𝑃</m:t>
-                          </m:r>
-                        </m:e>
-                        <m:sub>
-                          <m:r>
-                            <a:rPr lang="pt-BR" sz="1800" b="0" i="1" smtClean="0">
-                              <a:latin typeface="Cambria Math" panose="02040503050406030204" pitchFamily="18" charset="0"/>
-                            </a:rPr>
-                            <m:t>𝐿</m:t>
-                          </m:r>
-                        </m:sub>
-                      </m:sSub>
-                      <m:r>
-                        <a:rPr lang="pt-BR" sz="1800" b="0" i="1" smtClean="0">
-                          <a:latin typeface="Cambria Math" panose="02040503050406030204" pitchFamily="18" charset="0"/>
-                        </a:rPr>
-                        <m:t>+</m:t>
-                      </m:r>
-                      <m:sSub>
-                        <m:sSubPr>
-                          <m:ctrlPr>
-                            <a:rPr lang="pt-BR" sz="1800" b="0" i="1" smtClean="0">
-                              <a:latin typeface="Cambria Math" panose="02040503050406030204" pitchFamily="18" charset="0"/>
-                            </a:rPr>
-                          </m:ctrlPr>
-                        </m:sSubPr>
-                        <m:e>
-                          <m:r>
-                            <a:rPr lang="pt-BR" sz="1800" b="0" i="1" smtClean="0">
-                              <a:latin typeface="Cambria Math" panose="02040503050406030204" pitchFamily="18" charset="0"/>
-                            </a:rPr>
-                            <m:t>𝑃</m:t>
-                          </m:r>
-                        </m:e>
-                        <m:sub>
-                          <m:r>
-                            <a:rPr lang="pt-BR" sz="1800" b="0" i="1" smtClean="0">
-                              <a:latin typeface="Cambria Math" panose="02040503050406030204" pitchFamily="18" charset="0"/>
-                            </a:rPr>
-                            <m:t>𝐹</m:t>
-                          </m:r>
-                        </m:sub>
-                      </m:sSub>
-                      <m:r>
-                        <a:rPr lang="pt-BR" sz="1800" b="0" i="1" smtClean="0">
-                          <a:latin typeface="Cambria Math" panose="02040503050406030204" pitchFamily="18" charset="0"/>
-                        </a:rPr>
-                        <m:t>=1⇔</m:t>
-                      </m:r>
-                      <m:f>
-                        <m:fPr>
-                          <m:ctrlPr>
-                            <a:rPr lang="pt-BR" i="1">
-                              <a:latin typeface="Cambria Math" panose="02040503050406030204" pitchFamily="18" charset="0"/>
-                            </a:rPr>
-                          </m:ctrlPr>
-                        </m:fPr>
-                        <m:num>
-                          <m:r>
-                            <a:rPr lang="pt-BR" i="1">
-                              <a:latin typeface="Cambria Math" panose="02040503050406030204" pitchFamily="18" charset="0"/>
-                            </a:rPr>
-                            <m:t>2</m:t>
-                          </m:r>
-                        </m:num>
-                        <m:den>
-                          <m:r>
-                            <a:rPr lang="pt-BR" i="1">
-                              <a:latin typeface="Cambria Math" panose="02040503050406030204" pitchFamily="18" charset="0"/>
-                            </a:rPr>
-                            <m:t>𝑍</m:t>
-                          </m:r>
-                        </m:den>
-                      </m:f>
-                      <m:r>
-                        <a:rPr lang="pt-BR" i="1">
-                          <a:latin typeface="Cambria Math" panose="02040503050406030204" pitchFamily="18" charset="0"/>
-                        </a:rPr>
-                        <m:t>∙</m:t>
-                      </m:r>
-                      <m:d>
-                        <m:dPr>
-                          <m:ctrlPr>
-                            <a:rPr lang="pt-BR" b="0" i="1" smtClean="0">
-                              <a:latin typeface="Cambria Math" panose="02040503050406030204" pitchFamily="18" charset="0"/>
-                            </a:rPr>
-                          </m:ctrlPr>
-                        </m:dPr>
-                        <m:e>
-                          <m:sSup>
-                            <m:sSupPr>
-                              <m:ctrlPr>
-                                <a:rPr lang="pt-BR" i="1">
-                                  <a:latin typeface="Cambria Math" panose="02040503050406030204" pitchFamily="18" charset="0"/>
-                                </a:rPr>
-                              </m:ctrlPr>
-                            </m:sSupPr>
-                            <m:e>
-                              <m:r>
-                                <a:rPr lang="pt-BR" i="1">
-                                  <a:latin typeface="Cambria Math" panose="02040503050406030204" pitchFamily="18" charset="0"/>
-                                </a:rPr>
-                                <m:t>𝑒</m:t>
-                              </m:r>
-                            </m:e>
-                            <m:sup>
-                              <m:r>
-                                <a:rPr lang="pt-BR" i="1">
-                                  <a:latin typeface="Cambria Math" panose="02040503050406030204" pitchFamily="18" charset="0"/>
-                                </a:rPr>
-                                <m:t>−</m:t>
-                              </m:r>
-                              <m:r>
-                                <a:rPr lang="pt-BR" i="1">
-                                  <a:latin typeface="Cambria Math" panose="02040503050406030204" pitchFamily="18" charset="0"/>
-                                </a:rPr>
-                                <m:t>𝛽</m:t>
-                              </m:r>
-                              <m:d>
-                                <m:dPr>
-                                  <m:begChr m:val="⟨"/>
-                                  <m:endChr m:val="⟩"/>
-                                  <m:ctrlPr>
-                                    <a:rPr lang="pt-BR" i="1">
-                                      <a:latin typeface="Cambria Math" panose="02040503050406030204" pitchFamily="18" charset="0"/>
-                                    </a:rPr>
-                                  </m:ctrlPr>
-                                </m:dPr>
-                                <m:e>
-                                  <m:sSub>
-                                    <m:sSubPr>
-                                      <m:ctrlPr>
-                                        <a:rPr lang="pt-BR" i="1">
-                                          <a:latin typeface="Cambria Math" panose="02040503050406030204" pitchFamily="18" charset="0"/>
-                                        </a:rPr>
-                                      </m:ctrlPr>
-                                    </m:sSubPr>
-                                    <m:e>
-                                      <m:r>
-                                        <a:rPr lang="pt-BR" i="1">
-                                          <a:latin typeface="Cambria Math" panose="02040503050406030204" pitchFamily="18" charset="0"/>
-                                        </a:rPr>
-                                        <m:t>𝐸</m:t>
-                                      </m:r>
-                                    </m:e>
-                                    <m:sub>
-                                      <m:r>
-                                        <a:rPr lang="pt-BR" i="1">
-                                          <a:latin typeface="Cambria Math" panose="02040503050406030204" pitchFamily="18" charset="0"/>
-                                        </a:rPr>
-                                        <m:t>𝐿</m:t>
-                                      </m:r>
-                                    </m:sub>
-                                  </m:sSub>
-                                </m:e>
-                              </m:d>
-                            </m:sup>
-                          </m:sSup>
-                          <m:r>
-                            <a:rPr lang="pt-BR" b="0" i="0" smtClean="0">
-                              <a:latin typeface="Cambria Math" panose="02040503050406030204" pitchFamily="18" charset="0"/>
-                            </a:rPr>
-                            <m:t>+</m:t>
-                          </m:r>
-                          <m:sSup>
-                            <m:sSupPr>
-                              <m:ctrlPr>
-                                <a:rPr lang="pt-BR" i="1">
-                                  <a:latin typeface="Cambria Math" panose="02040503050406030204" pitchFamily="18" charset="0"/>
-                                </a:rPr>
-                              </m:ctrlPr>
-                            </m:sSupPr>
-                            <m:e>
-                              <m:r>
-                                <a:rPr lang="pt-BR" i="1">
-                                  <a:latin typeface="Cambria Math" panose="02040503050406030204" pitchFamily="18" charset="0"/>
-                                </a:rPr>
-                                <m:t>𝑒</m:t>
-                              </m:r>
-                            </m:e>
-                            <m:sup>
-                              <m:r>
-                                <a:rPr lang="pt-BR" i="1">
-                                  <a:latin typeface="Cambria Math" panose="02040503050406030204" pitchFamily="18" charset="0"/>
-                                </a:rPr>
-                                <m:t>−</m:t>
-                              </m:r>
-                              <m:r>
-                                <a:rPr lang="pt-BR" i="1">
-                                  <a:latin typeface="Cambria Math" panose="02040503050406030204" pitchFamily="18" charset="0"/>
-                                </a:rPr>
-                                <m:t>𝛽</m:t>
-                              </m:r>
-                              <m:d>
-                                <m:dPr>
-                                  <m:begChr m:val="⟨"/>
-                                  <m:endChr m:val="⟩"/>
-                                  <m:ctrlPr>
-                                    <a:rPr lang="pt-BR" i="1">
-                                      <a:latin typeface="Cambria Math" panose="02040503050406030204" pitchFamily="18" charset="0"/>
-                                    </a:rPr>
-                                  </m:ctrlPr>
-                                </m:dPr>
-                                <m:e>
-                                  <m:sSub>
-                                    <m:sSubPr>
-                                      <m:ctrlPr>
-                                        <a:rPr lang="pt-BR" i="1">
-                                          <a:latin typeface="Cambria Math" panose="02040503050406030204" pitchFamily="18" charset="0"/>
-                                        </a:rPr>
-                                      </m:ctrlPr>
-                                    </m:sSubPr>
-                                    <m:e>
-                                      <m:r>
-                                        <a:rPr lang="pt-BR" i="1">
-                                          <a:latin typeface="Cambria Math" panose="02040503050406030204" pitchFamily="18" charset="0"/>
-                                        </a:rPr>
-                                        <m:t>𝐸</m:t>
-                                      </m:r>
-                                    </m:e>
-                                    <m:sub>
-                                      <m:r>
-                                        <a:rPr lang="pt-BR" i="1">
-                                          <a:latin typeface="Cambria Math" panose="02040503050406030204" pitchFamily="18" charset="0"/>
-                                        </a:rPr>
-                                        <m:t>𝐹</m:t>
-                                      </m:r>
-                                    </m:sub>
-                                  </m:sSub>
-                                </m:e>
-                              </m:d>
-                            </m:sup>
-                          </m:sSup>
-                        </m:e>
-                      </m:d>
-                      <m:r>
-                        <a:rPr lang="pt-BR" b="0" i="1" smtClean="0">
-                          <a:latin typeface="Cambria Math" panose="02040503050406030204" pitchFamily="18" charset="0"/>
-                        </a:rPr>
-                        <m:t>⇒</m:t>
-                      </m:r>
-                      <m:r>
-                        <a:rPr lang="pt-BR" b="0" i="1" smtClean="0">
-                          <a:latin typeface="Cambria Math" panose="02040503050406030204" pitchFamily="18" charset="0"/>
-                        </a:rPr>
-                        <m:t>𝑍</m:t>
-                      </m:r>
-                      <m:r>
-                        <a:rPr lang="pt-BR" b="0" i="1" smtClean="0">
-                          <a:latin typeface="Cambria Math" panose="02040503050406030204" pitchFamily="18" charset="0"/>
-                        </a:rPr>
-                        <m:t>=2∙</m:t>
-                      </m:r>
-                      <m:d>
-                        <m:dPr>
-                          <m:ctrlPr>
-                            <a:rPr lang="pt-BR" i="1">
-                              <a:latin typeface="Cambria Math" panose="02040503050406030204" pitchFamily="18" charset="0"/>
-                            </a:rPr>
-                          </m:ctrlPr>
-                        </m:dPr>
-                        <m:e>
-                          <m:sSup>
-                            <m:sSupPr>
-                              <m:ctrlPr>
-                                <a:rPr lang="pt-BR" i="1">
-                                  <a:latin typeface="Cambria Math" panose="02040503050406030204" pitchFamily="18" charset="0"/>
-                                </a:rPr>
-                              </m:ctrlPr>
-                            </m:sSupPr>
-                            <m:e>
-                              <m:r>
-                                <a:rPr lang="pt-BR" i="1">
-                                  <a:latin typeface="Cambria Math" panose="02040503050406030204" pitchFamily="18" charset="0"/>
-                                </a:rPr>
-                                <m:t>𝑒</m:t>
-                              </m:r>
-                            </m:e>
-                            <m:sup>
-                              <m:r>
-                                <a:rPr lang="pt-BR" i="1">
-                                  <a:latin typeface="Cambria Math" panose="02040503050406030204" pitchFamily="18" charset="0"/>
-                                </a:rPr>
-                                <m:t>−</m:t>
-                              </m:r>
-                              <m:r>
-                                <a:rPr lang="pt-BR" i="1">
-                                  <a:latin typeface="Cambria Math" panose="02040503050406030204" pitchFamily="18" charset="0"/>
-                                </a:rPr>
-                                <m:t>𝛽</m:t>
-                              </m:r>
-                              <m:d>
-                                <m:dPr>
-                                  <m:begChr m:val="⟨"/>
-                                  <m:endChr m:val="⟩"/>
-                                  <m:ctrlPr>
-                                    <a:rPr lang="pt-BR" i="1">
-                                      <a:latin typeface="Cambria Math" panose="02040503050406030204" pitchFamily="18" charset="0"/>
-                                    </a:rPr>
-                                  </m:ctrlPr>
-                                </m:dPr>
-                                <m:e>
-                                  <m:sSub>
-                                    <m:sSubPr>
-                                      <m:ctrlPr>
-                                        <a:rPr lang="pt-BR" i="1">
-                                          <a:latin typeface="Cambria Math" panose="02040503050406030204" pitchFamily="18" charset="0"/>
-                                        </a:rPr>
-                                      </m:ctrlPr>
-                                    </m:sSubPr>
-                                    <m:e>
-                                      <m:r>
-                                        <a:rPr lang="pt-BR" i="1">
-                                          <a:latin typeface="Cambria Math" panose="02040503050406030204" pitchFamily="18" charset="0"/>
-                                        </a:rPr>
-                                        <m:t>𝐸</m:t>
-                                      </m:r>
-                                    </m:e>
-                                    <m:sub>
-                                      <m:r>
-                                        <a:rPr lang="pt-BR" i="1">
-                                          <a:latin typeface="Cambria Math" panose="02040503050406030204" pitchFamily="18" charset="0"/>
-                                        </a:rPr>
-                                        <m:t>𝐿</m:t>
-                                      </m:r>
-                                    </m:sub>
-                                  </m:sSub>
-                                </m:e>
-                              </m:d>
-                            </m:sup>
-                          </m:sSup>
-                          <m:r>
-                            <a:rPr lang="pt-BR">
-                              <a:latin typeface="Cambria Math" panose="02040503050406030204" pitchFamily="18" charset="0"/>
-                            </a:rPr>
-                            <m:t>+</m:t>
-                          </m:r>
-                          <m:sSup>
-                            <m:sSupPr>
-                              <m:ctrlPr>
-                                <a:rPr lang="pt-BR" i="1">
-                                  <a:latin typeface="Cambria Math" panose="02040503050406030204" pitchFamily="18" charset="0"/>
-                                </a:rPr>
-                              </m:ctrlPr>
-                            </m:sSupPr>
-                            <m:e>
-                              <m:r>
-                                <a:rPr lang="pt-BR" i="1">
-                                  <a:latin typeface="Cambria Math" panose="02040503050406030204" pitchFamily="18" charset="0"/>
-                                </a:rPr>
-                                <m:t>𝑒</m:t>
-                              </m:r>
-                            </m:e>
-                            <m:sup>
-                              <m:r>
-                                <a:rPr lang="pt-BR" i="1">
-                                  <a:latin typeface="Cambria Math" panose="02040503050406030204" pitchFamily="18" charset="0"/>
-                                </a:rPr>
-                                <m:t>−</m:t>
-                              </m:r>
-                              <m:r>
-                                <a:rPr lang="pt-BR" i="1">
-                                  <a:latin typeface="Cambria Math" panose="02040503050406030204" pitchFamily="18" charset="0"/>
-                                </a:rPr>
-                                <m:t>𝛽</m:t>
-                              </m:r>
-                              <m:d>
-                                <m:dPr>
-                                  <m:begChr m:val="⟨"/>
-                                  <m:endChr m:val="⟩"/>
-                                  <m:ctrlPr>
-                                    <a:rPr lang="pt-BR" i="1">
-                                      <a:latin typeface="Cambria Math" panose="02040503050406030204" pitchFamily="18" charset="0"/>
-                                    </a:rPr>
-                                  </m:ctrlPr>
-                                </m:dPr>
-                                <m:e>
-                                  <m:sSub>
-                                    <m:sSubPr>
-                                      <m:ctrlPr>
-                                        <a:rPr lang="pt-BR" i="1">
-                                          <a:latin typeface="Cambria Math" panose="02040503050406030204" pitchFamily="18" charset="0"/>
-                                        </a:rPr>
-                                      </m:ctrlPr>
-                                    </m:sSubPr>
-                                    <m:e>
-                                      <m:r>
-                                        <a:rPr lang="pt-BR" i="1">
-                                          <a:latin typeface="Cambria Math" panose="02040503050406030204" pitchFamily="18" charset="0"/>
-                                        </a:rPr>
-                                        <m:t>𝐸</m:t>
-                                      </m:r>
-                                    </m:e>
-                                    <m:sub>
-                                      <m:r>
-                                        <a:rPr lang="pt-BR" i="1">
-                                          <a:latin typeface="Cambria Math" panose="02040503050406030204" pitchFamily="18" charset="0"/>
-                                        </a:rPr>
-                                        <m:t>𝐹</m:t>
-                                      </m:r>
-                                    </m:sub>
-                                  </m:sSub>
-                                </m:e>
-                              </m:d>
-                            </m:sup>
-                          </m:sSup>
-                        </m:e>
-                      </m:d>
-                    </m:oMath>
-                  </m:oMathPara>
-                </a14:m>
-                <a:endParaRPr lang="pt-BR" dirty="0"/>
-              </a:p>
-            </p:txBody>
-          </p:sp>
-        </mc:Choice>
-        <mc:Fallback xmlns="">
-          <p:sp>
-            <p:nvSpPr>
-              <p:cNvPr id="9" name="CaixaDeTexto 8">
-                <a:extLst>
-                  <a:ext uri="{FF2B5EF4-FFF2-40B4-BE49-F238E27FC236}">
-                    <a16:creationId xmlns:a16="http://schemas.microsoft.com/office/drawing/2014/main" id="{6EDC322C-08DC-4445-A866-E6F3184AF8E2}"/>
-                  </a:ext>
-                </a:extLst>
-              </p:cNvPr>
-              <p:cNvSpPr txBox="1">
-                <a:spLocks noRot="1" noChangeAspect="1" noMove="1" noResize="1" noEditPoints="1" noAdjustHandles="1" noChangeArrowheads="1" noChangeShapeType="1" noTextEdit="1"/>
-              </p:cNvSpPr>
-              <p:nvPr/>
-            </p:nvSpPr>
-            <p:spPr>
-              <a:xfrm>
-                <a:off x="-904875" y="2628151"/>
-                <a:ext cx="9144000" cy="610936"/>
-              </a:xfrm>
-              <a:prstGeom prst="rect">
-                <a:avLst/>
-              </a:prstGeom>
-              <a:blipFill>
-                <a:blip r:embed="rId3"/>
-                <a:stretch>
-                  <a:fillRect/>
-                </a:stretch>
-              </a:blipFill>
-            </p:spPr>
-            <p:txBody>
-              <a:bodyPr/>
-              <a:lstStyle/>
-              <a:p>
-                <a:r>
-                  <a:rPr lang="pt-BR">
-                    <a:noFill/>
-                  </a:rPr>
-                  <a:t> </a:t>
-                </a:r>
-              </a:p>
-            </p:txBody>
-          </p:sp>
-        </mc:Fallback>
-      </mc:AlternateContent>
-      <mc:AlternateContent xmlns:mc="http://schemas.openxmlformats.org/markup-compatibility/2006" xmlns:a14="http://schemas.microsoft.com/office/drawing/2010/main">
-        <mc:Choice Requires="a14">
-          <p:sp>
-            <p:nvSpPr>
-              <p:cNvPr id="11" name="CaixaDeTexto 10">
-                <a:extLst>
-                  <a:ext uri="{FF2B5EF4-FFF2-40B4-BE49-F238E27FC236}">
-                    <a16:creationId xmlns:a16="http://schemas.microsoft.com/office/drawing/2014/main" id="{E51A2BFD-AF7F-4040-B976-761E9499C441}"/>
-                  </a:ext>
-                </a:extLst>
-              </p:cNvPr>
-              <p:cNvSpPr txBox="1"/>
-              <p:nvPr/>
-            </p:nvSpPr>
-            <p:spPr>
-              <a:xfrm>
-                <a:off x="1" y="3508220"/>
-                <a:ext cx="7717665" cy="662682"/>
-              </a:xfrm>
-              <a:prstGeom prst="rect">
-                <a:avLst/>
-              </a:prstGeom>
-              <a:noFill/>
-            </p:spPr>
-            <p:txBody>
-              <a:bodyPr wrap="square">
-                <a:spAutoFit/>
-              </a:bodyPr>
-              <a:lstStyle/>
-              <a:p>
-                <a:pPr/>
-                <a14:m>
-                  <m:oMathPara xmlns:m="http://schemas.openxmlformats.org/officeDocument/2006/math">
-                    <m:oMathParaPr>
-                      <m:jc m:val="centerGroup"/>
-                    </m:oMathParaPr>
-                    <m:oMath xmlns:m="http://schemas.openxmlformats.org/officeDocument/2006/math">
-                      <m:sSub>
-                        <m:sSubPr>
-                          <m:ctrlPr>
-                            <a:rPr lang="pt-BR" sz="1800" i="1" smtClean="0">
-                              <a:solidFill>
-                                <a:schemeClr val="tx1"/>
-                              </a:solidFill>
-                              <a:latin typeface="Cambria Math" panose="02040503050406030204" pitchFamily="18" charset="0"/>
-                            </a:rPr>
-                          </m:ctrlPr>
-                        </m:sSubPr>
-                        <m:e>
-                          <m:r>
-                            <a:rPr lang="pt-BR" sz="1800" b="0" i="1">
-                              <a:solidFill>
-                                <a:schemeClr val="tx1"/>
-                              </a:solidFill>
-                              <a:latin typeface="Cambria Math" panose="02040503050406030204" pitchFamily="18" charset="0"/>
-                            </a:rPr>
-                            <m:t>𝑃</m:t>
-                          </m:r>
-                        </m:e>
-                        <m:sub>
-                          <m:r>
-                            <a:rPr lang="pt-BR" sz="1800" b="0" i="1">
-                              <a:solidFill>
-                                <a:schemeClr val="tx1"/>
-                              </a:solidFill>
-                              <a:latin typeface="Cambria Math" panose="02040503050406030204" pitchFamily="18" charset="0"/>
-                            </a:rPr>
-                            <m:t>𝐿</m:t>
-                          </m:r>
-                        </m:sub>
-                      </m:sSub>
-                      <m:r>
-                        <a:rPr lang="pt-BR" sz="1800" b="0" i="1">
-                          <a:solidFill>
-                            <a:schemeClr val="tx1"/>
-                          </a:solidFill>
-                          <a:latin typeface="Cambria Math" panose="02040503050406030204" pitchFamily="18" charset="0"/>
-                        </a:rPr>
-                        <m:t>=</m:t>
-                      </m:r>
-                      <m:sSup>
-                        <m:sSupPr>
-                          <m:ctrlPr>
-                            <a:rPr lang="pt-BR" sz="1800" i="1">
-                              <a:solidFill>
-                                <a:schemeClr val="tx1"/>
-                              </a:solidFill>
-                              <a:latin typeface="Cambria Math" panose="02040503050406030204" pitchFamily="18" charset="0"/>
-                            </a:rPr>
-                          </m:ctrlPr>
-                        </m:sSupPr>
-                        <m:e>
-                          <m:f>
-                            <m:fPr>
-                              <m:ctrlPr>
-                                <a:rPr lang="pt-BR" sz="1800" i="1">
-                                  <a:solidFill>
-                                    <a:schemeClr val="tx1"/>
-                                  </a:solidFill>
-                                  <a:latin typeface="Cambria Math" panose="02040503050406030204" pitchFamily="18" charset="0"/>
-                                </a:rPr>
-                              </m:ctrlPr>
-                            </m:fPr>
-                            <m:num>
-                              <m:r>
-                                <a:rPr lang="pt-BR" sz="1800" b="0" i="1" smtClean="0">
-                                  <a:solidFill>
-                                    <a:schemeClr val="tx1"/>
-                                  </a:solidFill>
-                                  <a:latin typeface="Cambria Math" panose="02040503050406030204" pitchFamily="18" charset="0"/>
-                                </a:rPr>
-                                <m:t>2</m:t>
-                              </m:r>
-                            </m:num>
-                            <m:den>
-                              <m:r>
-                                <a:rPr lang="pt-BR" sz="1800" b="0" i="1" smtClean="0">
-                                  <a:solidFill>
-                                    <a:schemeClr val="tx1"/>
-                                  </a:solidFill>
-                                  <a:latin typeface="Cambria Math" panose="02040503050406030204" pitchFamily="18" charset="0"/>
-                                </a:rPr>
-                                <m:t>2∙</m:t>
-                              </m:r>
-                              <m:d>
-                                <m:dPr>
-                                  <m:ctrlPr>
-                                    <a:rPr lang="pt-BR" sz="1800" i="1" smtClean="0">
-                                      <a:solidFill>
-                                        <a:schemeClr val="tx1"/>
-                                      </a:solidFill>
-                                      <a:latin typeface="Cambria Math" panose="02040503050406030204" pitchFamily="18" charset="0"/>
-                                    </a:rPr>
-                                  </m:ctrlPr>
-                                </m:dPr>
-                                <m:e>
-                                  <m:sSup>
-                                    <m:sSupPr>
-                                      <m:ctrlPr>
-                                        <a:rPr lang="pt-BR" sz="1800" i="1">
-                                          <a:solidFill>
-                                            <a:schemeClr val="tx1"/>
-                                          </a:solidFill>
-                                          <a:latin typeface="Cambria Math" panose="02040503050406030204" pitchFamily="18" charset="0"/>
-                                        </a:rPr>
-                                      </m:ctrlPr>
-                                    </m:sSupPr>
-                                    <m:e>
-                                      <m:r>
-                                        <a:rPr lang="pt-BR" sz="1800" b="0" i="1">
-                                          <a:solidFill>
-                                            <a:schemeClr val="tx1"/>
-                                          </a:solidFill>
-                                          <a:latin typeface="Cambria Math" panose="02040503050406030204" pitchFamily="18" charset="0"/>
-                                        </a:rPr>
-                                        <m:t>𝑒</m:t>
-                                      </m:r>
-                                    </m:e>
-                                    <m:sup>
-                                      <m:r>
-                                        <a:rPr lang="pt-BR" sz="1800" b="0" i="1">
-                                          <a:solidFill>
-                                            <a:schemeClr val="tx1"/>
-                                          </a:solidFill>
-                                          <a:latin typeface="Cambria Math" panose="02040503050406030204" pitchFamily="18" charset="0"/>
-                                        </a:rPr>
-                                        <m:t>−</m:t>
-                                      </m:r>
-                                      <m:r>
-                                        <a:rPr lang="pt-BR" sz="1800" b="0" i="1">
-                                          <a:solidFill>
-                                            <a:schemeClr val="tx1"/>
-                                          </a:solidFill>
-                                          <a:latin typeface="Cambria Math" panose="02040503050406030204" pitchFamily="18" charset="0"/>
-                                        </a:rPr>
-                                        <m:t>𝛽</m:t>
-                                      </m:r>
-                                      <m:d>
-                                        <m:dPr>
-                                          <m:begChr m:val="⟨"/>
-                                          <m:endChr m:val="⟩"/>
-                                          <m:ctrlPr>
-                                            <a:rPr lang="pt-BR" sz="1800" i="1">
-                                              <a:solidFill>
-                                                <a:schemeClr val="tx1"/>
-                                              </a:solidFill>
-                                              <a:latin typeface="Cambria Math" panose="02040503050406030204" pitchFamily="18" charset="0"/>
-                                            </a:rPr>
-                                          </m:ctrlPr>
-                                        </m:dPr>
-                                        <m:e>
-                                          <m:sSub>
-                                            <m:sSubPr>
-                                              <m:ctrlPr>
-                                                <a:rPr lang="pt-BR" sz="1800" i="1">
-                                                  <a:solidFill>
-                                                    <a:schemeClr val="tx1"/>
-                                                  </a:solidFill>
-                                                  <a:latin typeface="Cambria Math" panose="02040503050406030204" pitchFamily="18" charset="0"/>
-                                                </a:rPr>
-                                              </m:ctrlPr>
-                                            </m:sSubPr>
-                                            <m:e>
-                                              <m:r>
-                                                <a:rPr lang="pt-BR" sz="1800" b="0" i="1">
-                                                  <a:solidFill>
-                                                    <a:schemeClr val="tx1"/>
-                                                  </a:solidFill>
-                                                  <a:latin typeface="Cambria Math" panose="02040503050406030204" pitchFamily="18" charset="0"/>
-                                                </a:rPr>
-                                                <m:t>𝐸</m:t>
-                                              </m:r>
-                                            </m:e>
-                                            <m:sub>
-                                              <m:r>
-                                                <a:rPr lang="pt-BR" sz="1800" b="0" i="1">
-                                                  <a:solidFill>
-                                                    <a:schemeClr val="tx1"/>
-                                                  </a:solidFill>
-                                                  <a:latin typeface="Cambria Math" panose="02040503050406030204" pitchFamily="18" charset="0"/>
-                                                </a:rPr>
-                                                <m:t>𝐿</m:t>
-                                              </m:r>
-                                            </m:sub>
-                                          </m:sSub>
-                                        </m:e>
-                                      </m:d>
-                                    </m:sup>
-                                  </m:sSup>
-                                  <m:r>
-                                    <a:rPr lang="pt-BR" sz="1800" b="0" i="1">
-                                      <a:solidFill>
-                                        <a:schemeClr val="tx1"/>
-                                      </a:solidFill>
-                                      <a:latin typeface="Cambria Math" panose="02040503050406030204" pitchFamily="18" charset="0"/>
-                                    </a:rPr>
-                                    <m:t>+</m:t>
-                                  </m:r>
-                                  <m:sSup>
-                                    <m:sSupPr>
-                                      <m:ctrlPr>
-                                        <a:rPr lang="pt-BR" sz="1800" i="1">
-                                          <a:solidFill>
-                                            <a:schemeClr val="tx1"/>
-                                          </a:solidFill>
-                                          <a:latin typeface="Cambria Math" panose="02040503050406030204" pitchFamily="18" charset="0"/>
-                                        </a:rPr>
-                                      </m:ctrlPr>
-                                    </m:sSupPr>
-                                    <m:e>
-                                      <m:r>
-                                        <a:rPr lang="pt-BR" sz="1800" b="0" i="1">
-                                          <a:solidFill>
-                                            <a:schemeClr val="tx1"/>
-                                          </a:solidFill>
-                                          <a:latin typeface="Cambria Math" panose="02040503050406030204" pitchFamily="18" charset="0"/>
-                                        </a:rPr>
-                                        <m:t>𝑒</m:t>
-                                      </m:r>
-                                    </m:e>
-                                    <m:sup>
-                                      <m:r>
-                                        <a:rPr lang="pt-BR" sz="1800" b="0" i="1">
-                                          <a:solidFill>
-                                            <a:schemeClr val="tx1"/>
-                                          </a:solidFill>
-                                          <a:latin typeface="Cambria Math" panose="02040503050406030204" pitchFamily="18" charset="0"/>
-                                        </a:rPr>
-                                        <m:t>−</m:t>
-                                      </m:r>
-                                      <m:r>
-                                        <a:rPr lang="pt-BR" sz="1800" b="0" i="1">
-                                          <a:solidFill>
-                                            <a:schemeClr val="tx1"/>
-                                          </a:solidFill>
-                                          <a:latin typeface="Cambria Math" panose="02040503050406030204" pitchFamily="18" charset="0"/>
-                                        </a:rPr>
-                                        <m:t>𝛽</m:t>
-                                      </m:r>
-                                      <m:d>
-                                        <m:dPr>
-                                          <m:begChr m:val="⟨"/>
-                                          <m:endChr m:val="⟩"/>
-                                          <m:ctrlPr>
-                                            <a:rPr lang="pt-BR" sz="1800" i="1">
-                                              <a:solidFill>
-                                                <a:schemeClr val="tx1"/>
-                                              </a:solidFill>
-                                              <a:latin typeface="Cambria Math" panose="02040503050406030204" pitchFamily="18" charset="0"/>
-                                            </a:rPr>
-                                          </m:ctrlPr>
-                                        </m:dPr>
-                                        <m:e>
-                                          <m:sSub>
-                                            <m:sSubPr>
-                                              <m:ctrlPr>
-                                                <a:rPr lang="pt-BR" sz="1800" i="1">
-                                                  <a:solidFill>
-                                                    <a:schemeClr val="tx1"/>
-                                                  </a:solidFill>
-                                                  <a:latin typeface="Cambria Math" panose="02040503050406030204" pitchFamily="18" charset="0"/>
-                                                </a:rPr>
-                                              </m:ctrlPr>
-                                            </m:sSubPr>
-                                            <m:e>
-                                              <m:r>
-                                                <a:rPr lang="pt-BR" sz="1800" b="0" i="1">
-                                                  <a:solidFill>
-                                                    <a:schemeClr val="tx1"/>
-                                                  </a:solidFill>
-                                                  <a:latin typeface="Cambria Math" panose="02040503050406030204" pitchFamily="18" charset="0"/>
-                                                </a:rPr>
-                                                <m:t>𝐸</m:t>
-                                              </m:r>
-                                            </m:e>
-                                            <m:sub>
-                                              <m:r>
-                                                <a:rPr lang="pt-BR" sz="1800" b="0" i="1">
-                                                  <a:solidFill>
-                                                    <a:schemeClr val="tx1"/>
-                                                  </a:solidFill>
-                                                  <a:latin typeface="Cambria Math" panose="02040503050406030204" pitchFamily="18" charset="0"/>
-                                                </a:rPr>
-                                                <m:t>𝐹</m:t>
-                                              </m:r>
-                                            </m:sub>
-                                          </m:sSub>
-                                        </m:e>
-                                      </m:d>
-                                    </m:sup>
-                                  </m:sSup>
-                                </m:e>
-                              </m:d>
-                            </m:den>
-                          </m:f>
-                          <m:r>
-                            <a:rPr lang="pt-BR" sz="1800" b="0" i="1">
-                              <a:solidFill>
-                                <a:schemeClr val="tx1"/>
-                              </a:solidFill>
-                              <a:latin typeface="Cambria Math" panose="02040503050406030204" pitchFamily="18" charset="0"/>
-                            </a:rPr>
-                            <m:t>𝑒</m:t>
-                          </m:r>
-                        </m:e>
-                        <m:sup>
-                          <m:r>
-                            <a:rPr lang="pt-BR" sz="1800" b="0" i="1">
-                              <a:solidFill>
-                                <a:schemeClr val="tx1"/>
-                              </a:solidFill>
-                              <a:latin typeface="Cambria Math" panose="02040503050406030204" pitchFamily="18" charset="0"/>
-                            </a:rPr>
-                            <m:t>−</m:t>
-                          </m:r>
-                          <m:r>
-                            <a:rPr lang="pt-BR" sz="1800" b="0" i="1">
-                              <a:solidFill>
-                                <a:schemeClr val="tx1"/>
-                              </a:solidFill>
-                              <a:latin typeface="Cambria Math" panose="02040503050406030204" pitchFamily="18" charset="0"/>
-                            </a:rPr>
-                            <m:t>𝛽</m:t>
-                          </m:r>
-                          <m:d>
-                            <m:dPr>
-                              <m:begChr m:val="⟨"/>
-                              <m:endChr m:val="⟩"/>
-                              <m:ctrlPr>
-                                <a:rPr lang="pt-BR" sz="1800" i="1">
-                                  <a:solidFill>
-                                    <a:schemeClr val="tx1"/>
-                                  </a:solidFill>
-                                  <a:latin typeface="Cambria Math" panose="02040503050406030204" pitchFamily="18" charset="0"/>
-                                </a:rPr>
-                              </m:ctrlPr>
-                            </m:dPr>
-                            <m:e>
-                              <m:sSub>
-                                <m:sSubPr>
-                                  <m:ctrlPr>
-                                    <a:rPr lang="pt-BR" sz="1800" i="1">
-                                      <a:solidFill>
-                                        <a:schemeClr val="tx1"/>
-                                      </a:solidFill>
-                                      <a:latin typeface="Cambria Math" panose="02040503050406030204" pitchFamily="18" charset="0"/>
-                                    </a:rPr>
-                                  </m:ctrlPr>
-                                </m:sSubPr>
-                                <m:e>
-                                  <m:r>
-                                    <a:rPr lang="pt-BR" sz="1800" b="0" i="1">
-                                      <a:solidFill>
-                                        <a:schemeClr val="tx1"/>
-                                      </a:solidFill>
-                                      <a:latin typeface="Cambria Math" panose="02040503050406030204" pitchFamily="18" charset="0"/>
-                                    </a:rPr>
-                                    <m:t>𝐸</m:t>
-                                  </m:r>
-                                </m:e>
-                                <m:sub>
-                                  <m:r>
-                                    <a:rPr lang="pt-BR" sz="1800" b="0" i="1">
-                                      <a:solidFill>
-                                        <a:schemeClr val="tx1"/>
-                                      </a:solidFill>
-                                      <a:latin typeface="Cambria Math" panose="02040503050406030204" pitchFamily="18" charset="0"/>
-                                    </a:rPr>
-                                    <m:t>𝐿</m:t>
-                                  </m:r>
-                                </m:sub>
-                              </m:sSub>
-                            </m:e>
-                          </m:d>
-                        </m:sup>
-                      </m:sSup>
-                      <m:r>
-                        <a:rPr lang="pt-BR" sz="1800" b="0">
-                          <a:solidFill>
-                            <a:schemeClr val="tx1"/>
-                          </a:solidFill>
-                          <a:latin typeface="Cambria Math" panose="02040503050406030204" pitchFamily="18" charset="0"/>
-                        </a:rPr>
-                        <m:t> ; </m:t>
-                      </m:r>
-                      <m:sSub>
-                        <m:sSubPr>
-                          <m:ctrlPr>
-                            <a:rPr lang="pt-BR" sz="1800" i="1">
-                              <a:solidFill>
-                                <a:schemeClr val="tx1"/>
-                              </a:solidFill>
-                              <a:latin typeface="Cambria Math" panose="02040503050406030204" pitchFamily="18" charset="0"/>
-                            </a:rPr>
-                          </m:ctrlPr>
-                        </m:sSubPr>
-                        <m:e>
-                          <m:r>
-                            <a:rPr lang="pt-BR" sz="1800" b="0" i="1">
-                              <a:solidFill>
-                                <a:schemeClr val="tx1"/>
-                              </a:solidFill>
-                              <a:latin typeface="Cambria Math" panose="02040503050406030204" pitchFamily="18" charset="0"/>
-                            </a:rPr>
-                            <m:t>𝑃</m:t>
-                          </m:r>
-                        </m:e>
-                        <m:sub>
-                          <m:r>
-                            <a:rPr lang="pt-BR" sz="1800" b="0" i="1">
-                              <a:solidFill>
-                                <a:schemeClr val="tx1"/>
-                              </a:solidFill>
-                              <a:latin typeface="Cambria Math" panose="02040503050406030204" pitchFamily="18" charset="0"/>
-                            </a:rPr>
-                            <m:t>𝐹</m:t>
-                          </m:r>
-                        </m:sub>
-                      </m:sSub>
-                      <m:r>
-                        <a:rPr lang="pt-BR" sz="1800" b="0" i="1">
-                          <a:solidFill>
-                            <a:schemeClr val="tx1"/>
-                          </a:solidFill>
-                          <a:latin typeface="Cambria Math" panose="02040503050406030204" pitchFamily="18" charset="0"/>
-                        </a:rPr>
-                        <m:t>=</m:t>
-                      </m:r>
-                      <m:sSup>
-                        <m:sSupPr>
-                          <m:ctrlPr>
-                            <a:rPr lang="pt-BR" sz="1800" i="1">
-                              <a:solidFill>
-                                <a:schemeClr val="tx1"/>
-                              </a:solidFill>
-                              <a:latin typeface="Cambria Math" panose="02040503050406030204" pitchFamily="18" charset="0"/>
-                            </a:rPr>
-                          </m:ctrlPr>
-                        </m:sSupPr>
-                        <m:e>
-                          <m:f>
-                            <m:fPr>
-                              <m:ctrlPr>
-                                <a:rPr lang="pt-BR" sz="1800" i="1">
-                                  <a:solidFill>
-                                    <a:schemeClr val="tx1"/>
-                                  </a:solidFill>
-                                  <a:latin typeface="Cambria Math" panose="02040503050406030204" pitchFamily="18" charset="0"/>
-                                </a:rPr>
-                              </m:ctrlPr>
-                            </m:fPr>
-                            <m:num>
-                              <m:r>
-                                <a:rPr lang="pt-BR" sz="1800" b="0" i="1" smtClean="0">
-                                  <a:solidFill>
-                                    <a:schemeClr val="tx1"/>
-                                  </a:solidFill>
-                                  <a:latin typeface="Cambria Math" panose="02040503050406030204" pitchFamily="18" charset="0"/>
-                                </a:rPr>
-                                <m:t>2</m:t>
-                              </m:r>
-                            </m:num>
-                            <m:den>
-                              <m:r>
-                                <a:rPr lang="pt-BR" sz="1800" b="0" i="1" smtClean="0">
-                                  <a:solidFill>
-                                    <a:schemeClr val="tx1"/>
-                                  </a:solidFill>
-                                  <a:latin typeface="Cambria Math" panose="02040503050406030204" pitchFamily="18" charset="0"/>
-                                </a:rPr>
-                                <m:t>2∙</m:t>
-                              </m:r>
-                              <m:d>
-                                <m:dPr>
-                                  <m:ctrlPr>
-                                    <a:rPr lang="pt-BR" sz="1800" i="1" smtClean="0">
-                                      <a:solidFill>
-                                        <a:schemeClr val="tx1"/>
-                                      </a:solidFill>
-                                      <a:latin typeface="Cambria Math" panose="02040503050406030204" pitchFamily="18" charset="0"/>
-                                    </a:rPr>
-                                  </m:ctrlPr>
-                                </m:dPr>
-                                <m:e>
-                                  <m:sSup>
-                                    <m:sSupPr>
-                                      <m:ctrlPr>
-                                        <a:rPr lang="pt-BR" sz="1800" i="1">
-                                          <a:solidFill>
-                                            <a:schemeClr val="tx1"/>
-                                          </a:solidFill>
-                                          <a:latin typeface="Cambria Math" panose="02040503050406030204" pitchFamily="18" charset="0"/>
-                                        </a:rPr>
-                                      </m:ctrlPr>
-                                    </m:sSupPr>
-                                    <m:e>
-                                      <m:r>
-                                        <a:rPr lang="pt-BR" sz="1800" b="0" i="1">
-                                          <a:solidFill>
-                                            <a:schemeClr val="tx1"/>
-                                          </a:solidFill>
-                                          <a:latin typeface="Cambria Math" panose="02040503050406030204" pitchFamily="18" charset="0"/>
-                                        </a:rPr>
-                                        <m:t>𝑒</m:t>
-                                      </m:r>
-                                    </m:e>
-                                    <m:sup>
-                                      <m:r>
-                                        <a:rPr lang="pt-BR" sz="1800" b="0" i="1">
-                                          <a:solidFill>
-                                            <a:schemeClr val="tx1"/>
-                                          </a:solidFill>
-                                          <a:latin typeface="Cambria Math" panose="02040503050406030204" pitchFamily="18" charset="0"/>
-                                        </a:rPr>
-                                        <m:t>−</m:t>
-                                      </m:r>
-                                      <m:r>
-                                        <a:rPr lang="pt-BR" sz="1800" b="0" i="1">
-                                          <a:solidFill>
-                                            <a:schemeClr val="tx1"/>
-                                          </a:solidFill>
-                                          <a:latin typeface="Cambria Math" panose="02040503050406030204" pitchFamily="18" charset="0"/>
-                                        </a:rPr>
-                                        <m:t>𝛽</m:t>
-                                      </m:r>
-                                      <m:d>
-                                        <m:dPr>
-                                          <m:begChr m:val="⟨"/>
-                                          <m:endChr m:val="⟩"/>
-                                          <m:ctrlPr>
-                                            <a:rPr lang="pt-BR" sz="1800" i="1">
-                                              <a:solidFill>
-                                                <a:schemeClr val="tx1"/>
-                                              </a:solidFill>
-                                              <a:latin typeface="Cambria Math" panose="02040503050406030204" pitchFamily="18" charset="0"/>
-                                            </a:rPr>
-                                          </m:ctrlPr>
-                                        </m:dPr>
-                                        <m:e>
-                                          <m:sSub>
-                                            <m:sSubPr>
-                                              <m:ctrlPr>
-                                                <a:rPr lang="pt-BR" sz="1800" i="1">
-                                                  <a:solidFill>
-                                                    <a:schemeClr val="tx1"/>
-                                                  </a:solidFill>
-                                                  <a:latin typeface="Cambria Math" panose="02040503050406030204" pitchFamily="18" charset="0"/>
-                                                </a:rPr>
-                                              </m:ctrlPr>
-                                            </m:sSubPr>
-                                            <m:e>
-                                              <m:r>
-                                                <a:rPr lang="pt-BR" sz="1800" b="0" i="1">
-                                                  <a:solidFill>
-                                                    <a:schemeClr val="tx1"/>
-                                                  </a:solidFill>
-                                                  <a:latin typeface="Cambria Math" panose="02040503050406030204" pitchFamily="18" charset="0"/>
-                                                </a:rPr>
-                                                <m:t>𝐸</m:t>
-                                              </m:r>
-                                            </m:e>
-                                            <m:sub>
-                                              <m:r>
-                                                <a:rPr lang="pt-BR" sz="1800" b="0" i="1">
-                                                  <a:solidFill>
-                                                    <a:schemeClr val="tx1"/>
-                                                  </a:solidFill>
-                                                  <a:latin typeface="Cambria Math" panose="02040503050406030204" pitchFamily="18" charset="0"/>
-                                                </a:rPr>
-                                                <m:t>𝐿</m:t>
-                                              </m:r>
-                                            </m:sub>
-                                          </m:sSub>
-                                        </m:e>
-                                      </m:d>
-                                    </m:sup>
-                                  </m:sSup>
-                                  <m:r>
-                                    <a:rPr lang="pt-BR" sz="1800" b="0" i="1">
-                                      <a:solidFill>
-                                        <a:schemeClr val="tx1"/>
-                                      </a:solidFill>
-                                      <a:latin typeface="Cambria Math" panose="02040503050406030204" pitchFamily="18" charset="0"/>
-                                    </a:rPr>
-                                    <m:t>+</m:t>
-                                  </m:r>
-                                  <m:sSup>
-                                    <m:sSupPr>
-                                      <m:ctrlPr>
-                                        <a:rPr lang="pt-BR" sz="1800" i="1">
-                                          <a:solidFill>
-                                            <a:schemeClr val="tx1"/>
-                                          </a:solidFill>
-                                          <a:latin typeface="Cambria Math" panose="02040503050406030204" pitchFamily="18" charset="0"/>
-                                        </a:rPr>
-                                      </m:ctrlPr>
-                                    </m:sSupPr>
-                                    <m:e>
-                                      <m:r>
-                                        <a:rPr lang="pt-BR" sz="1800" b="0" i="1">
-                                          <a:solidFill>
-                                            <a:schemeClr val="tx1"/>
-                                          </a:solidFill>
-                                          <a:latin typeface="Cambria Math" panose="02040503050406030204" pitchFamily="18" charset="0"/>
-                                        </a:rPr>
-                                        <m:t>𝑒</m:t>
-                                      </m:r>
-                                    </m:e>
-                                    <m:sup>
-                                      <m:r>
-                                        <a:rPr lang="pt-BR" sz="1800" b="0" i="1">
-                                          <a:solidFill>
-                                            <a:schemeClr val="tx1"/>
-                                          </a:solidFill>
-                                          <a:latin typeface="Cambria Math" panose="02040503050406030204" pitchFamily="18" charset="0"/>
-                                        </a:rPr>
-                                        <m:t>−</m:t>
-                                      </m:r>
-                                      <m:r>
-                                        <a:rPr lang="pt-BR" sz="1800" b="0" i="1">
-                                          <a:solidFill>
-                                            <a:schemeClr val="tx1"/>
-                                          </a:solidFill>
-                                          <a:latin typeface="Cambria Math" panose="02040503050406030204" pitchFamily="18" charset="0"/>
-                                        </a:rPr>
-                                        <m:t>𝛽</m:t>
-                                      </m:r>
-                                      <m:d>
-                                        <m:dPr>
-                                          <m:begChr m:val="⟨"/>
-                                          <m:endChr m:val="⟩"/>
-                                          <m:ctrlPr>
-                                            <a:rPr lang="pt-BR" sz="1800" i="1">
-                                              <a:solidFill>
-                                                <a:schemeClr val="tx1"/>
-                                              </a:solidFill>
-                                              <a:latin typeface="Cambria Math" panose="02040503050406030204" pitchFamily="18" charset="0"/>
-                                            </a:rPr>
-                                          </m:ctrlPr>
-                                        </m:dPr>
-                                        <m:e>
-                                          <m:sSub>
-                                            <m:sSubPr>
-                                              <m:ctrlPr>
-                                                <a:rPr lang="pt-BR" sz="1800" i="1">
-                                                  <a:solidFill>
-                                                    <a:schemeClr val="tx1"/>
-                                                  </a:solidFill>
-                                                  <a:latin typeface="Cambria Math" panose="02040503050406030204" pitchFamily="18" charset="0"/>
-                                                </a:rPr>
-                                              </m:ctrlPr>
-                                            </m:sSubPr>
-                                            <m:e>
-                                              <m:r>
-                                                <a:rPr lang="pt-BR" sz="1800" b="0" i="1">
-                                                  <a:solidFill>
-                                                    <a:schemeClr val="tx1"/>
-                                                  </a:solidFill>
-                                                  <a:latin typeface="Cambria Math" panose="02040503050406030204" pitchFamily="18" charset="0"/>
-                                                </a:rPr>
-                                                <m:t>𝐸</m:t>
-                                              </m:r>
-                                            </m:e>
-                                            <m:sub>
-                                              <m:r>
-                                                <a:rPr lang="pt-BR" sz="1800" b="0" i="1">
-                                                  <a:solidFill>
-                                                    <a:schemeClr val="tx1"/>
-                                                  </a:solidFill>
-                                                  <a:latin typeface="Cambria Math" panose="02040503050406030204" pitchFamily="18" charset="0"/>
-                                                </a:rPr>
-                                                <m:t>𝐹</m:t>
-                                              </m:r>
-                                            </m:sub>
-                                          </m:sSub>
-                                        </m:e>
-                                      </m:d>
-                                    </m:sup>
-                                  </m:sSup>
-                                </m:e>
-                              </m:d>
-                            </m:den>
-                          </m:f>
-                          <m:r>
-                            <a:rPr lang="pt-BR" sz="1800" b="0" i="1">
-                              <a:solidFill>
-                                <a:schemeClr val="tx1"/>
-                              </a:solidFill>
-                              <a:latin typeface="Cambria Math" panose="02040503050406030204" pitchFamily="18" charset="0"/>
-                            </a:rPr>
-                            <m:t>𝑒</m:t>
-                          </m:r>
-                        </m:e>
-                        <m:sup>
-                          <m:r>
-                            <a:rPr lang="pt-BR" sz="1800" b="0" i="1">
-                              <a:solidFill>
-                                <a:schemeClr val="tx1"/>
-                              </a:solidFill>
-                              <a:latin typeface="Cambria Math" panose="02040503050406030204" pitchFamily="18" charset="0"/>
-                            </a:rPr>
-                            <m:t>−</m:t>
-                          </m:r>
-                          <m:r>
-                            <a:rPr lang="pt-BR" sz="1800" b="0" i="1">
-                              <a:solidFill>
-                                <a:schemeClr val="tx1"/>
-                              </a:solidFill>
-                              <a:latin typeface="Cambria Math" panose="02040503050406030204" pitchFamily="18" charset="0"/>
-                              <a:ea typeface="Cambria Math" panose="02040503050406030204" pitchFamily="18" charset="0"/>
-                            </a:rPr>
-                            <m:t>𝛽</m:t>
-                          </m:r>
-                          <m:d>
-                            <m:dPr>
-                              <m:begChr m:val="⟨"/>
-                              <m:endChr m:val="⟩"/>
-                              <m:ctrlPr>
-                                <a:rPr lang="pt-BR" sz="1800" i="1">
-                                  <a:solidFill>
-                                    <a:schemeClr val="tx1"/>
-                                  </a:solidFill>
-                                  <a:latin typeface="Cambria Math" panose="02040503050406030204" pitchFamily="18" charset="0"/>
-                                  <a:ea typeface="Cambria Math" panose="02040503050406030204" pitchFamily="18" charset="0"/>
-                                </a:rPr>
-                              </m:ctrlPr>
-                            </m:dPr>
-                            <m:e>
-                              <m:sSub>
-                                <m:sSubPr>
-                                  <m:ctrlPr>
-                                    <a:rPr lang="pt-BR" sz="1800" i="1">
-                                      <a:solidFill>
-                                        <a:schemeClr val="tx1"/>
-                                      </a:solidFill>
-                                      <a:latin typeface="Cambria Math" panose="02040503050406030204" pitchFamily="18" charset="0"/>
-                                      <a:ea typeface="Cambria Math" panose="02040503050406030204" pitchFamily="18" charset="0"/>
-                                    </a:rPr>
-                                  </m:ctrlPr>
-                                </m:sSubPr>
-                                <m:e>
-                                  <m:r>
-                                    <a:rPr lang="pt-BR" sz="1800" b="0" i="1">
-                                      <a:solidFill>
-                                        <a:schemeClr val="tx1"/>
-                                      </a:solidFill>
-                                      <a:latin typeface="Cambria Math" panose="02040503050406030204" pitchFamily="18" charset="0"/>
-                                      <a:ea typeface="Cambria Math" panose="02040503050406030204" pitchFamily="18" charset="0"/>
-                                    </a:rPr>
-                                    <m:t>𝐸</m:t>
-                                  </m:r>
-                                </m:e>
-                                <m:sub>
-                                  <m:r>
-                                    <a:rPr lang="pt-BR" sz="1800" b="0" i="1">
-                                      <a:solidFill>
-                                        <a:schemeClr val="tx1"/>
-                                      </a:solidFill>
-                                      <a:latin typeface="Cambria Math" panose="02040503050406030204" pitchFamily="18" charset="0"/>
-                                      <a:ea typeface="Cambria Math" panose="02040503050406030204" pitchFamily="18" charset="0"/>
-                                    </a:rPr>
-                                    <m:t>𝐹</m:t>
-                                  </m:r>
-                                </m:sub>
-                              </m:sSub>
-                            </m:e>
-                          </m:d>
-                        </m:sup>
-                      </m:sSup>
-                    </m:oMath>
-                  </m:oMathPara>
-                </a14:m>
-                <a:endParaRPr lang="pt-BR" dirty="0"/>
-              </a:p>
-            </p:txBody>
-          </p:sp>
-        </mc:Choice>
-        <mc:Fallback xmlns="">
-          <p:sp>
-            <p:nvSpPr>
-              <p:cNvPr id="11" name="CaixaDeTexto 10">
-                <a:extLst>
-                  <a:ext uri="{FF2B5EF4-FFF2-40B4-BE49-F238E27FC236}">
-                    <a16:creationId xmlns:a16="http://schemas.microsoft.com/office/drawing/2014/main" id="{E51A2BFD-AF7F-4040-B976-761E9499C441}"/>
-                  </a:ext>
-                </a:extLst>
-              </p:cNvPr>
-              <p:cNvSpPr txBox="1">
-                <a:spLocks noRot="1" noChangeAspect="1" noMove="1" noResize="1" noEditPoints="1" noAdjustHandles="1" noChangeArrowheads="1" noChangeShapeType="1" noTextEdit="1"/>
-              </p:cNvSpPr>
-              <p:nvPr/>
-            </p:nvSpPr>
-            <p:spPr>
-              <a:xfrm>
-                <a:off x="1" y="3508220"/>
-                <a:ext cx="7717665" cy="662682"/>
-              </a:xfrm>
-              <a:prstGeom prst="rect">
-                <a:avLst/>
-              </a:prstGeom>
-              <a:blipFill>
-                <a:blip r:embed="rId4"/>
-                <a:stretch>
-                  <a:fillRect/>
-                </a:stretch>
-              </a:blipFill>
-            </p:spPr>
-            <p:txBody>
-              <a:bodyPr/>
-              <a:lstStyle/>
-              <a:p>
-                <a:r>
-                  <a:rPr lang="pt-BR">
-                    <a:noFill/>
-                  </a:rPr>
-                  <a:t> </a:t>
-                </a:r>
-              </a:p>
-            </p:txBody>
-          </p:sp>
-        </mc:Fallback>
-      </mc:AlternateContent>
-      <mc:AlternateContent xmlns:mc="http://schemas.openxmlformats.org/markup-compatibility/2006" xmlns:a14="http://schemas.microsoft.com/office/drawing/2010/main">
-        <mc:Choice Requires="a14">
-          <p:sp>
-            <p:nvSpPr>
-              <p:cNvPr id="12" name="CaixaDeTexto 11">
-                <a:extLst>
-                  <a:ext uri="{FF2B5EF4-FFF2-40B4-BE49-F238E27FC236}">
-                    <a16:creationId xmlns:a16="http://schemas.microsoft.com/office/drawing/2014/main" id="{5EA36722-6135-408A-A235-4F631E286D30}"/>
-                  </a:ext>
-                </a:extLst>
-              </p:cNvPr>
-              <p:cNvSpPr txBox="1"/>
-              <p:nvPr/>
-            </p:nvSpPr>
-            <p:spPr>
-              <a:xfrm>
-                <a:off x="-130175" y="4440035"/>
-                <a:ext cx="6965950" cy="750783"/>
-              </a:xfrm>
-              <a:prstGeom prst="rect">
-                <a:avLst/>
-              </a:prstGeom>
-              <a:noFill/>
-            </p:spPr>
-            <p:txBody>
-              <a:bodyPr wrap="square">
-                <a:spAutoFit/>
-              </a:bodyPr>
-              <a:lstStyle/>
-              <a:p>
-                <a:pPr/>
-                <a14:m>
-                  <m:oMathPara xmlns:m="http://schemas.openxmlformats.org/officeDocument/2006/math">
-                    <m:oMathParaPr>
-                      <m:jc m:val="centerGroup"/>
-                    </m:oMathParaPr>
-                    <m:oMath xmlns:m="http://schemas.openxmlformats.org/officeDocument/2006/math">
-                      <m:borderBox>
-                        <m:borderBoxPr>
-                          <m:ctrlPr>
-                            <a:rPr lang="pt-BR" sz="1800" b="1" i="1" smtClean="0">
-                              <a:solidFill>
-                                <a:srgbClr val="C00000"/>
-                              </a:solidFill>
-                              <a:latin typeface="Cambria Math" panose="02040503050406030204" pitchFamily="18" charset="0"/>
-                            </a:rPr>
-                          </m:ctrlPr>
-                        </m:borderBoxPr>
-                        <m:e>
-                          <m:sSub>
-                            <m:sSubPr>
-                              <m:ctrlPr>
-                                <a:rPr lang="pt-BR" sz="1800" b="1" i="1">
-                                  <a:solidFill>
-                                    <a:srgbClr val="C00000"/>
-                                  </a:solidFill>
-                                  <a:latin typeface="Cambria Math" panose="02040503050406030204" pitchFamily="18" charset="0"/>
-                                </a:rPr>
-                              </m:ctrlPr>
-                            </m:sSubPr>
-                            <m:e>
-                              <m:r>
-                                <a:rPr lang="pt-BR" sz="1800" b="1" i="1">
-                                  <a:solidFill>
-                                    <a:srgbClr val="C00000"/>
-                                  </a:solidFill>
-                                  <a:latin typeface="Cambria Math" panose="02040503050406030204" pitchFamily="18" charset="0"/>
-                                </a:rPr>
-                                <m:t>𝑷</m:t>
-                              </m:r>
-                            </m:e>
-                            <m:sub>
-                              <m:r>
-                                <a:rPr lang="pt-BR" sz="1800" b="1" i="1">
-                                  <a:solidFill>
-                                    <a:srgbClr val="C00000"/>
-                                  </a:solidFill>
-                                  <a:latin typeface="Cambria Math" panose="02040503050406030204" pitchFamily="18" charset="0"/>
-                                </a:rPr>
-                                <m:t>𝑳</m:t>
-                              </m:r>
-                            </m:sub>
-                          </m:sSub>
-                          <m:r>
-                            <a:rPr lang="pt-BR" sz="1800" b="1" i="1">
-                              <a:solidFill>
-                                <a:srgbClr val="C00000"/>
-                              </a:solidFill>
-                              <a:latin typeface="Cambria Math" panose="02040503050406030204" pitchFamily="18" charset="0"/>
-                            </a:rPr>
-                            <m:t>=</m:t>
-                          </m:r>
-                          <m:sSup>
-                            <m:sSupPr>
-                              <m:ctrlPr>
-                                <a:rPr lang="pt-BR" sz="1800" b="1" i="1">
-                                  <a:solidFill>
-                                    <a:srgbClr val="C00000"/>
-                                  </a:solidFill>
-                                  <a:latin typeface="Cambria Math" panose="02040503050406030204" pitchFamily="18" charset="0"/>
-                                </a:rPr>
-                              </m:ctrlPr>
-                            </m:sSupPr>
-                            <m:e>
-                              <m:f>
-                                <m:fPr>
-                                  <m:ctrlPr>
-                                    <a:rPr lang="pt-BR" sz="1800" b="1" i="1">
-                                      <a:solidFill>
-                                        <a:srgbClr val="C00000"/>
-                                      </a:solidFill>
-                                      <a:latin typeface="Cambria Math" panose="02040503050406030204" pitchFamily="18" charset="0"/>
-                                    </a:rPr>
-                                  </m:ctrlPr>
-                                </m:fPr>
-                                <m:num>
-                                  <m:r>
-                                    <a:rPr lang="pt-BR" sz="1800" b="1" i="1">
-                                      <a:solidFill>
-                                        <a:srgbClr val="C00000"/>
-                                      </a:solidFill>
-                                      <a:latin typeface="Cambria Math" panose="02040503050406030204" pitchFamily="18" charset="0"/>
-                                    </a:rPr>
-                                    <m:t>𝟏</m:t>
-                                  </m:r>
-                                </m:num>
-                                <m:den>
-                                  <m:sSup>
-                                    <m:sSupPr>
-                                      <m:ctrlPr>
-                                        <a:rPr lang="pt-BR" sz="1800" b="1" i="1">
-                                          <a:solidFill>
-                                            <a:srgbClr val="C00000"/>
-                                          </a:solidFill>
-                                          <a:latin typeface="Cambria Math" panose="02040503050406030204" pitchFamily="18" charset="0"/>
-                                        </a:rPr>
-                                      </m:ctrlPr>
-                                    </m:sSupPr>
-                                    <m:e>
-                                      <m:r>
-                                        <a:rPr lang="pt-BR" sz="1800" b="1" i="1">
-                                          <a:solidFill>
-                                            <a:srgbClr val="C00000"/>
-                                          </a:solidFill>
-                                          <a:latin typeface="Cambria Math" panose="02040503050406030204" pitchFamily="18" charset="0"/>
-                                        </a:rPr>
-                                        <m:t>𝒆</m:t>
-                                      </m:r>
-                                    </m:e>
-                                    <m:sup>
-                                      <m:r>
-                                        <a:rPr lang="pt-BR" sz="1800" b="1" i="1">
-                                          <a:solidFill>
-                                            <a:srgbClr val="C00000"/>
-                                          </a:solidFill>
-                                          <a:latin typeface="Cambria Math" panose="02040503050406030204" pitchFamily="18" charset="0"/>
-                                        </a:rPr>
-                                        <m:t>−</m:t>
-                                      </m:r>
-                                      <m:r>
-                                        <a:rPr lang="pt-BR" sz="1800" b="1" i="1">
-                                          <a:solidFill>
-                                            <a:srgbClr val="C00000"/>
-                                          </a:solidFill>
-                                          <a:latin typeface="Cambria Math" panose="02040503050406030204" pitchFamily="18" charset="0"/>
-                                        </a:rPr>
-                                        <m:t>𝜷</m:t>
-                                      </m:r>
-                                      <m:d>
-                                        <m:dPr>
-                                          <m:begChr m:val="⟨"/>
-                                          <m:endChr m:val="⟩"/>
-                                          <m:ctrlPr>
-                                            <a:rPr lang="pt-BR" sz="1800" b="1" i="1">
-                                              <a:solidFill>
-                                                <a:srgbClr val="C00000"/>
-                                              </a:solidFill>
-                                              <a:latin typeface="Cambria Math" panose="02040503050406030204" pitchFamily="18" charset="0"/>
-                                            </a:rPr>
-                                          </m:ctrlPr>
-                                        </m:dPr>
-                                        <m:e>
-                                          <m:sSub>
-                                            <m:sSubPr>
-                                              <m:ctrlPr>
-                                                <a:rPr lang="pt-BR" sz="1800" b="1" i="1">
-                                                  <a:solidFill>
-                                                    <a:srgbClr val="C00000"/>
-                                                  </a:solidFill>
-                                                  <a:latin typeface="Cambria Math" panose="02040503050406030204" pitchFamily="18" charset="0"/>
-                                                </a:rPr>
-                                              </m:ctrlPr>
-                                            </m:sSubPr>
-                                            <m:e>
-                                              <m:r>
-                                                <a:rPr lang="pt-BR" sz="1800" b="1" i="1">
-                                                  <a:solidFill>
-                                                    <a:srgbClr val="C00000"/>
-                                                  </a:solidFill>
-                                                  <a:latin typeface="Cambria Math" panose="02040503050406030204" pitchFamily="18" charset="0"/>
-                                                </a:rPr>
-                                                <m:t>𝑬</m:t>
-                                              </m:r>
-                                            </m:e>
-                                            <m:sub>
-                                              <m:r>
-                                                <a:rPr lang="pt-BR" sz="1800" b="1" i="1">
-                                                  <a:solidFill>
-                                                    <a:srgbClr val="C00000"/>
-                                                  </a:solidFill>
-                                                  <a:latin typeface="Cambria Math" panose="02040503050406030204" pitchFamily="18" charset="0"/>
-                                                </a:rPr>
-                                                <m:t>𝑳</m:t>
-                                              </m:r>
-                                            </m:sub>
-                                          </m:sSub>
-                                        </m:e>
-                                      </m:d>
-                                    </m:sup>
-                                  </m:sSup>
-                                  <m:r>
-                                    <a:rPr lang="pt-BR" sz="1800" b="1" i="1">
-                                      <a:solidFill>
-                                        <a:srgbClr val="C00000"/>
-                                      </a:solidFill>
-                                      <a:latin typeface="Cambria Math" panose="02040503050406030204" pitchFamily="18" charset="0"/>
-                                    </a:rPr>
-                                    <m:t>+</m:t>
-                                  </m:r>
-                                  <m:sSup>
-                                    <m:sSupPr>
-                                      <m:ctrlPr>
-                                        <a:rPr lang="pt-BR" sz="1800" b="1" i="1">
-                                          <a:solidFill>
-                                            <a:srgbClr val="C00000"/>
-                                          </a:solidFill>
-                                          <a:latin typeface="Cambria Math" panose="02040503050406030204" pitchFamily="18" charset="0"/>
-                                        </a:rPr>
-                                      </m:ctrlPr>
-                                    </m:sSupPr>
-                                    <m:e>
-                                      <m:r>
-                                        <a:rPr lang="pt-BR" sz="1800" b="1" i="1">
-                                          <a:solidFill>
-                                            <a:srgbClr val="C00000"/>
-                                          </a:solidFill>
-                                          <a:latin typeface="Cambria Math" panose="02040503050406030204" pitchFamily="18" charset="0"/>
-                                        </a:rPr>
-                                        <m:t>𝒆</m:t>
-                                      </m:r>
-                                    </m:e>
-                                    <m:sup>
-                                      <m:r>
-                                        <a:rPr lang="pt-BR" sz="1800" b="1" i="1">
-                                          <a:solidFill>
-                                            <a:srgbClr val="C00000"/>
-                                          </a:solidFill>
-                                          <a:latin typeface="Cambria Math" panose="02040503050406030204" pitchFamily="18" charset="0"/>
-                                        </a:rPr>
-                                        <m:t>−</m:t>
-                                      </m:r>
-                                      <m:r>
-                                        <a:rPr lang="pt-BR" sz="1800" b="1" i="1">
-                                          <a:solidFill>
-                                            <a:srgbClr val="C00000"/>
-                                          </a:solidFill>
-                                          <a:latin typeface="Cambria Math" panose="02040503050406030204" pitchFamily="18" charset="0"/>
-                                        </a:rPr>
-                                        <m:t>𝜷</m:t>
-                                      </m:r>
-                                      <m:d>
-                                        <m:dPr>
-                                          <m:begChr m:val="⟨"/>
-                                          <m:endChr m:val="⟩"/>
-                                          <m:ctrlPr>
-                                            <a:rPr lang="pt-BR" sz="1800" b="1" i="1">
-                                              <a:solidFill>
-                                                <a:srgbClr val="C00000"/>
-                                              </a:solidFill>
-                                              <a:latin typeface="Cambria Math" panose="02040503050406030204" pitchFamily="18" charset="0"/>
-                                            </a:rPr>
-                                          </m:ctrlPr>
-                                        </m:dPr>
-                                        <m:e>
-                                          <m:sSub>
-                                            <m:sSubPr>
-                                              <m:ctrlPr>
-                                                <a:rPr lang="pt-BR" sz="1800" b="1" i="1">
-                                                  <a:solidFill>
-                                                    <a:srgbClr val="C00000"/>
-                                                  </a:solidFill>
-                                                  <a:latin typeface="Cambria Math" panose="02040503050406030204" pitchFamily="18" charset="0"/>
-                                                </a:rPr>
-                                              </m:ctrlPr>
-                                            </m:sSubPr>
-                                            <m:e>
-                                              <m:r>
-                                                <a:rPr lang="pt-BR" sz="1800" b="1" i="1">
-                                                  <a:solidFill>
-                                                    <a:srgbClr val="C00000"/>
-                                                  </a:solidFill>
-                                                  <a:latin typeface="Cambria Math" panose="02040503050406030204" pitchFamily="18" charset="0"/>
-                                                </a:rPr>
-                                                <m:t>𝑬</m:t>
-                                              </m:r>
-                                            </m:e>
-                                            <m:sub>
-                                              <m:r>
-                                                <a:rPr lang="pt-BR" sz="1800" b="1" i="1">
-                                                  <a:solidFill>
-                                                    <a:srgbClr val="C00000"/>
-                                                  </a:solidFill>
-                                                  <a:latin typeface="Cambria Math" panose="02040503050406030204" pitchFamily="18" charset="0"/>
-                                                </a:rPr>
-                                                <m:t>𝑭</m:t>
-                                              </m:r>
-                                            </m:sub>
-                                          </m:sSub>
-                                        </m:e>
-                                      </m:d>
-                                    </m:sup>
-                                  </m:sSup>
-                                </m:den>
-                              </m:f>
-                              <m:r>
-                                <a:rPr lang="pt-BR" sz="1800" b="1" i="1">
-                                  <a:solidFill>
-                                    <a:srgbClr val="C00000"/>
-                                  </a:solidFill>
-                                  <a:latin typeface="Cambria Math" panose="02040503050406030204" pitchFamily="18" charset="0"/>
-                                </a:rPr>
-                                <m:t>𝒆</m:t>
-                              </m:r>
-                            </m:e>
-                            <m:sup>
-                              <m:r>
-                                <a:rPr lang="pt-BR" sz="1800" b="1" i="1">
-                                  <a:solidFill>
-                                    <a:srgbClr val="C00000"/>
-                                  </a:solidFill>
-                                  <a:latin typeface="Cambria Math" panose="02040503050406030204" pitchFamily="18" charset="0"/>
-                                </a:rPr>
-                                <m:t>−</m:t>
-                              </m:r>
-                              <m:r>
-                                <a:rPr lang="pt-BR" sz="1800" b="1" i="1">
-                                  <a:solidFill>
-                                    <a:srgbClr val="C00000"/>
-                                  </a:solidFill>
-                                  <a:latin typeface="Cambria Math" panose="02040503050406030204" pitchFamily="18" charset="0"/>
-                                </a:rPr>
-                                <m:t>𝜷</m:t>
-                              </m:r>
-                              <m:d>
-                                <m:dPr>
-                                  <m:begChr m:val="⟨"/>
-                                  <m:endChr m:val="⟩"/>
-                                  <m:ctrlPr>
-                                    <a:rPr lang="pt-BR" sz="1800" b="1" i="1">
-                                      <a:solidFill>
-                                        <a:srgbClr val="C00000"/>
-                                      </a:solidFill>
-                                      <a:latin typeface="Cambria Math" panose="02040503050406030204" pitchFamily="18" charset="0"/>
-                                    </a:rPr>
-                                  </m:ctrlPr>
-                                </m:dPr>
-                                <m:e>
-                                  <m:sSub>
-                                    <m:sSubPr>
-                                      <m:ctrlPr>
-                                        <a:rPr lang="pt-BR" sz="1800" b="1" i="1">
-                                          <a:solidFill>
-                                            <a:srgbClr val="C00000"/>
-                                          </a:solidFill>
-                                          <a:latin typeface="Cambria Math" panose="02040503050406030204" pitchFamily="18" charset="0"/>
-                                        </a:rPr>
-                                      </m:ctrlPr>
-                                    </m:sSubPr>
-                                    <m:e>
-                                      <m:r>
-                                        <a:rPr lang="pt-BR" sz="1800" b="1" i="1">
-                                          <a:solidFill>
-                                            <a:srgbClr val="C00000"/>
-                                          </a:solidFill>
-                                          <a:latin typeface="Cambria Math" panose="02040503050406030204" pitchFamily="18" charset="0"/>
-                                        </a:rPr>
-                                        <m:t>𝑬</m:t>
-                                      </m:r>
-                                    </m:e>
-                                    <m:sub>
-                                      <m:r>
-                                        <a:rPr lang="pt-BR" sz="1800" b="1" i="1">
-                                          <a:solidFill>
-                                            <a:srgbClr val="C00000"/>
-                                          </a:solidFill>
-                                          <a:latin typeface="Cambria Math" panose="02040503050406030204" pitchFamily="18" charset="0"/>
-                                        </a:rPr>
-                                        <m:t>𝑳</m:t>
-                                      </m:r>
-                                    </m:sub>
-                                  </m:sSub>
-                                </m:e>
-                              </m:d>
-                            </m:sup>
-                          </m:sSup>
-                          <m:r>
-                            <a:rPr lang="pt-BR" sz="1800" b="1">
-                              <a:solidFill>
-                                <a:srgbClr val="C00000"/>
-                              </a:solidFill>
-                              <a:latin typeface="Cambria Math" panose="02040503050406030204" pitchFamily="18" charset="0"/>
-                            </a:rPr>
-                            <m:t> ; </m:t>
-                          </m:r>
-                          <m:sSub>
-                            <m:sSubPr>
-                              <m:ctrlPr>
-                                <a:rPr lang="pt-BR" sz="1800" b="1" i="1">
-                                  <a:solidFill>
-                                    <a:srgbClr val="C00000"/>
-                                  </a:solidFill>
-                                  <a:latin typeface="Cambria Math" panose="02040503050406030204" pitchFamily="18" charset="0"/>
-                                </a:rPr>
-                              </m:ctrlPr>
-                            </m:sSubPr>
-                            <m:e>
-                              <m:r>
-                                <a:rPr lang="pt-BR" sz="1800" b="1" i="1">
-                                  <a:solidFill>
-                                    <a:srgbClr val="C00000"/>
-                                  </a:solidFill>
-                                  <a:latin typeface="Cambria Math" panose="02040503050406030204" pitchFamily="18" charset="0"/>
-                                </a:rPr>
-                                <m:t>𝑷</m:t>
-                              </m:r>
-                            </m:e>
-                            <m:sub>
-                              <m:r>
-                                <a:rPr lang="pt-BR" sz="1800" b="1" i="1">
-                                  <a:solidFill>
-                                    <a:srgbClr val="C00000"/>
-                                  </a:solidFill>
-                                  <a:latin typeface="Cambria Math" panose="02040503050406030204" pitchFamily="18" charset="0"/>
-                                </a:rPr>
-                                <m:t>𝑭</m:t>
-                              </m:r>
-                            </m:sub>
-                          </m:sSub>
-                          <m:r>
-                            <a:rPr lang="pt-BR" sz="1800" b="1" i="1">
-                              <a:solidFill>
-                                <a:srgbClr val="C00000"/>
-                              </a:solidFill>
-                              <a:latin typeface="Cambria Math" panose="02040503050406030204" pitchFamily="18" charset="0"/>
-                            </a:rPr>
-                            <m:t>=</m:t>
-                          </m:r>
-                          <m:sSup>
-                            <m:sSupPr>
-                              <m:ctrlPr>
-                                <a:rPr lang="pt-BR" sz="1800" b="1" i="1">
-                                  <a:solidFill>
-                                    <a:srgbClr val="C00000"/>
-                                  </a:solidFill>
-                                  <a:latin typeface="Cambria Math" panose="02040503050406030204" pitchFamily="18" charset="0"/>
-                                </a:rPr>
-                              </m:ctrlPr>
-                            </m:sSupPr>
-                            <m:e>
-                              <m:f>
-                                <m:fPr>
-                                  <m:ctrlPr>
-                                    <a:rPr lang="pt-BR" sz="1800" b="1" i="1">
-                                      <a:solidFill>
-                                        <a:srgbClr val="C00000"/>
-                                      </a:solidFill>
-                                      <a:latin typeface="Cambria Math" panose="02040503050406030204" pitchFamily="18" charset="0"/>
-                                    </a:rPr>
-                                  </m:ctrlPr>
-                                </m:fPr>
-                                <m:num>
-                                  <m:r>
-                                    <a:rPr lang="pt-BR" sz="1800" b="1" i="1">
-                                      <a:solidFill>
-                                        <a:srgbClr val="C00000"/>
-                                      </a:solidFill>
-                                      <a:latin typeface="Cambria Math" panose="02040503050406030204" pitchFamily="18" charset="0"/>
-                                    </a:rPr>
-                                    <m:t>𝟏</m:t>
-                                  </m:r>
-                                </m:num>
-                                <m:den>
-                                  <m:sSup>
-                                    <m:sSupPr>
-                                      <m:ctrlPr>
-                                        <a:rPr lang="pt-BR" sz="1800" b="1" i="1">
-                                          <a:solidFill>
-                                            <a:srgbClr val="C00000"/>
-                                          </a:solidFill>
-                                          <a:latin typeface="Cambria Math" panose="02040503050406030204" pitchFamily="18" charset="0"/>
-                                        </a:rPr>
-                                      </m:ctrlPr>
-                                    </m:sSupPr>
-                                    <m:e>
-                                      <m:r>
-                                        <a:rPr lang="pt-BR" sz="1800" b="1" i="1">
-                                          <a:solidFill>
-                                            <a:srgbClr val="C00000"/>
-                                          </a:solidFill>
-                                          <a:latin typeface="Cambria Math" panose="02040503050406030204" pitchFamily="18" charset="0"/>
-                                        </a:rPr>
-                                        <m:t>𝒆</m:t>
-                                      </m:r>
-                                    </m:e>
-                                    <m:sup>
-                                      <m:r>
-                                        <a:rPr lang="pt-BR" sz="1800" b="1" i="1">
-                                          <a:solidFill>
-                                            <a:srgbClr val="C00000"/>
-                                          </a:solidFill>
-                                          <a:latin typeface="Cambria Math" panose="02040503050406030204" pitchFamily="18" charset="0"/>
-                                        </a:rPr>
-                                        <m:t>−</m:t>
-                                      </m:r>
-                                      <m:r>
-                                        <a:rPr lang="pt-BR" sz="1800" b="1" i="1">
-                                          <a:solidFill>
-                                            <a:srgbClr val="C00000"/>
-                                          </a:solidFill>
-                                          <a:latin typeface="Cambria Math" panose="02040503050406030204" pitchFamily="18" charset="0"/>
-                                        </a:rPr>
-                                        <m:t>𝜷</m:t>
-                                      </m:r>
-                                      <m:d>
-                                        <m:dPr>
-                                          <m:begChr m:val="⟨"/>
-                                          <m:endChr m:val="⟩"/>
-                                          <m:ctrlPr>
-                                            <a:rPr lang="pt-BR" sz="1800" b="1" i="1">
-                                              <a:solidFill>
-                                                <a:srgbClr val="C00000"/>
-                                              </a:solidFill>
-                                              <a:latin typeface="Cambria Math" panose="02040503050406030204" pitchFamily="18" charset="0"/>
-                                            </a:rPr>
-                                          </m:ctrlPr>
-                                        </m:dPr>
-                                        <m:e>
-                                          <m:sSub>
-                                            <m:sSubPr>
-                                              <m:ctrlPr>
-                                                <a:rPr lang="pt-BR" sz="1800" b="1" i="1">
-                                                  <a:solidFill>
-                                                    <a:srgbClr val="C00000"/>
-                                                  </a:solidFill>
-                                                  <a:latin typeface="Cambria Math" panose="02040503050406030204" pitchFamily="18" charset="0"/>
-                                                </a:rPr>
-                                              </m:ctrlPr>
-                                            </m:sSubPr>
-                                            <m:e>
-                                              <m:r>
-                                                <a:rPr lang="pt-BR" sz="1800" b="1" i="1">
-                                                  <a:solidFill>
-                                                    <a:srgbClr val="C00000"/>
-                                                  </a:solidFill>
-                                                  <a:latin typeface="Cambria Math" panose="02040503050406030204" pitchFamily="18" charset="0"/>
-                                                </a:rPr>
-                                                <m:t>𝑬</m:t>
-                                              </m:r>
-                                            </m:e>
-                                            <m:sub>
-                                              <m:r>
-                                                <a:rPr lang="pt-BR" sz="1800" b="1" i="1">
-                                                  <a:solidFill>
-                                                    <a:srgbClr val="C00000"/>
-                                                  </a:solidFill>
-                                                  <a:latin typeface="Cambria Math" panose="02040503050406030204" pitchFamily="18" charset="0"/>
-                                                </a:rPr>
-                                                <m:t>𝑳</m:t>
-                                              </m:r>
-                                            </m:sub>
-                                          </m:sSub>
-                                        </m:e>
-                                      </m:d>
-                                    </m:sup>
-                                  </m:sSup>
-                                  <m:r>
-                                    <a:rPr lang="pt-BR" sz="1800" b="1" i="1">
-                                      <a:solidFill>
-                                        <a:srgbClr val="C00000"/>
-                                      </a:solidFill>
-                                      <a:latin typeface="Cambria Math" panose="02040503050406030204" pitchFamily="18" charset="0"/>
-                                    </a:rPr>
-                                    <m:t>+</m:t>
-                                  </m:r>
-                                  <m:sSup>
-                                    <m:sSupPr>
-                                      <m:ctrlPr>
-                                        <a:rPr lang="pt-BR" sz="1800" b="1" i="1">
-                                          <a:solidFill>
-                                            <a:srgbClr val="C00000"/>
-                                          </a:solidFill>
-                                          <a:latin typeface="Cambria Math" panose="02040503050406030204" pitchFamily="18" charset="0"/>
-                                        </a:rPr>
-                                      </m:ctrlPr>
-                                    </m:sSupPr>
-                                    <m:e>
-                                      <m:r>
-                                        <a:rPr lang="pt-BR" sz="1800" b="1" i="1">
-                                          <a:solidFill>
-                                            <a:srgbClr val="C00000"/>
-                                          </a:solidFill>
-                                          <a:latin typeface="Cambria Math" panose="02040503050406030204" pitchFamily="18" charset="0"/>
-                                        </a:rPr>
-                                        <m:t>𝒆</m:t>
-                                      </m:r>
-                                    </m:e>
-                                    <m:sup>
-                                      <m:r>
-                                        <a:rPr lang="pt-BR" sz="1800" b="1" i="1">
-                                          <a:solidFill>
-                                            <a:srgbClr val="C00000"/>
-                                          </a:solidFill>
-                                          <a:latin typeface="Cambria Math" panose="02040503050406030204" pitchFamily="18" charset="0"/>
-                                        </a:rPr>
-                                        <m:t>−</m:t>
-                                      </m:r>
-                                      <m:r>
-                                        <a:rPr lang="pt-BR" sz="1800" b="1" i="1">
-                                          <a:solidFill>
-                                            <a:srgbClr val="C00000"/>
-                                          </a:solidFill>
-                                          <a:latin typeface="Cambria Math" panose="02040503050406030204" pitchFamily="18" charset="0"/>
-                                        </a:rPr>
-                                        <m:t>𝜷</m:t>
-                                      </m:r>
-                                      <m:d>
-                                        <m:dPr>
-                                          <m:begChr m:val="⟨"/>
-                                          <m:endChr m:val="⟩"/>
-                                          <m:ctrlPr>
-                                            <a:rPr lang="pt-BR" sz="1800" b="1" i="1">
-                                              <a:solidFill>
-                                                <a:srgbClr val="C00000"/>
-                                              </a:solidFill>
-                                              <a:latin typeface="Cambria Math" panose="02040503050406030204" pitchFamily="18" charset="0"/>
-                                            </a:rPr>
-                                          </m:ctrlPr>
-                                        </m:dPr>
-                                        <m:e>
-                                          <m:sSub>
-                                            <m:sSubPr>
-                                              <m:ctrlPr>
-                                                <a:rPr lang="pt-BR" sz="1800" b="1" i="1">
-                                                  <a:solidFill>
-                                                    <a:srgbClr val="C00000"/>
-                                                  </a:solidFill>
-                                                  <a:latin typeface="Cambria Math" panose="02040503050406030204" pitchFamily="18" charset="0"/>
-                                                </a:rPr>
-                                              </m:ctrlPr>
-                                            </m:sSubPr>
-                                            <m:e>
-                                              <m:r>
-                                                <a:rPr lang="pt-BR" sz="1800" b="1" i="1">
-                                                  <a:solidFill>
-                                                    <a:srgbClr val="C00000"/>
-                                                  </a:solidFill>
-                                                  <a:latin typeface="Cambria Math" panose="02040503050406030204" pitchFamily="18" charset="0"/>
-                                                </a:rPr>
-                                                <m:t>𝑬</m:t>
-                                              </m:r>
-                                            </m:e>
-                                            <m:sub>
-                                              <m:r>
-                                                <a:rPr lang="pt-BR" sz="1800" b="1" i="1">
-                                                  <a:solidFill>
-                                                    <a:srgbClr val="C00000"/>
-                                                  </a:solidFill>
-                                                  <a:latin typeface="Cambria Math" panose="02040503050406030204" pitchFamily="18" charset="0"/>
-                                                </a:rPr>
-                                                <m:t>𝑭</m:t>
-                                              </m:r>
-                                            </m:sub>
-                                          </m:sSub>
-                                        </m:e>
-                                      </m:d>
-                                    </m:sup>
-                                  </m:sSup>
-                                </m:den>
-                              </m:f>
-                              <m:r>
-                                <a:rPr lang="pt-BR" sz="1800" b="1" i="1">
-                                  <a:solidFill>
-                                    <a:srgbClr val="C00000"/>
-                                  </a:solidFill>
-                                  <a:latin typeface="Cambria Math" panose="02040503050406030204" pitchFamily="18" charset="0"/>
-                                </a:rPr>
-                                <m:t>𝒆</m:t>
-                              </m:r>
-                            </m:e>
-                            <m:sup>
-                              <m:r>
-                                <a:rPr lang="pt-BR" sz="1800" b="1" i="1">
-                                  <a:solidFill>
-                                    <a:srgbClr val="C00000"/>
-                                  </a:solidFill>
-                                  <a:latin typeface="Cambria Math" panose="02040503050406030204" pitchFamily="18" charset="0"/>
-                                </a:rPr>
-                                <m:t>−</m:t>
-                              </m:r>
-                              <m:r>
-                                <a:rPr lang="pt-BR" sz="1800" b="1" i="1">
-                                  <a:solidFill>
-                                    <a:srgbClr val="C00000"/>
-                                  </a:solidFill>
-                                  <a:latin typeface="Cambria Math" panose="02040503050406030204" pitchFamily="18" charset="0"/>
-                                  <a:ea typeface="Cambria Math" panose="02040503050406030204" pitchFamily="18" charset="0"/>
-                                </a:rPr>
-                                <m:t>𝜷</m:t>
-                              </m:r>
-                              <m:d>
-                                <m:dPr>
-                                  <m:begChr m:val="⟨"/>
-                                  <m:endChr m:val="⟩"/>
-                                  <m:ctrlPr>
-                                    <a:rPr lang="pt-BR" sz="1800" b="1" i="1">
-                                      <a:solidFill>
-                                        <a:srgbClr val="C00000"/>
-                                      </a:solidFill>
-                                      <a:latin typeface="Cambria Math" panose="02040503050406030204" pitchFamily="18" charset="0"/>
-                                      <a:ea typeface="Cambria Math" panose="02040503050406030204" pitchFamily="18" charset="0"/>
-                                    </a:rPr>
-                                  </m:ctrlPr>
-                                </m:dPr>
-                                <m:e>
-                                  <m:sSub>
-                                    <m:sSubPr>
-                                      <m:ctrlPr>
-                                        <a:rPr lang="pt-BR" sz="1800" b="1" i="1">
-                                          <a:solidFill>
-                                            <a:srgbClr val="C00000"/>
-                                          </a:solidFill>
-                                          <a:latin typeface="Cambria Math" panose="02040503050406030204" pitchFamily="18" charset="0"/>
-                                          <a:ea typeface="Cambria Math" panose="02040503050406030204" pitchFamily="18" charset="0"/>
-                                        </a:rPr>
-                                      </m:ctrlPr>
-                                    </m:sSubPr>
-                                    <m:e>
-                                      <m:r>
-                                        <a:rPr lang="pt-BR" sz="1800" b="1" i="1">
-                                          <a:solidFill>
-                                            <a:srgbClr val="C00000"/>
-                                          </a:solidFill>
-                                          <a:latin typeface="Cambria Math" panose="02040503050406030204" pitchFamily="18" charset="0"/>
-                                          <a:ea typeface="Cambria Math" panose="02040503050406030204" pitchFamily="18" charset="0"/>
-                                        </a:rPr>
-                                        <m:t>𝑬</m:t>
-                                      </m:r>
-                                    </m:e>
-                                    <m:sub>
-                                      <m:r>
-                                        <a:rPr lang="pt-BR" sz="1800" b="1" i="1">
-                                          <a:solidFill>
-                                            <a:srgbClr val="C00000"/>
-                                          </a:solidFill>
-                                          <a:latin typeface="Cambria Math" panose="02040503050406030204" pitchFamily="18" charset="0"/>
-                                          <a:ea typeface="Cambria Math" panose="02040503050406030204" pitchFamily="18" charset="0"/>
-                                        </a:rPr>
-                                        <m:t>𝑭</m:t>
-                                      </m:r>
-                                    </m:sub>
-                                  </m:sSub>
-                                </m:e>
-                              </m:d>
-                            </m:sup>
-                          </m:sSup>
-                        </m:e>
-                      </m:borderBox>
-                    </m:oMath>
-                  </m:oMathPara>
-                </a14:m>
-                <a:endParaRPr lang="pt-BR" dirty="0"/>
-              </a:p>
-            </p:txBody>
-          </p:sp>
-        </mc:Choice>
-        <mc:Fallback xmlns="">
-          <p:sp>
-            <p:nvSpPr>
-              <p:cNvPr id="12" name="CaixaDeTexto 11">
-                <a:extLst>
-                  <a:ext uri="{FF2B5EF4-FFF2-40B4-BE49-F238E27FC236}">
-                    <a16:creationId xmlns:a16="http://schemas.microsoft.com/office/drawing/2014/main" id="{5EA36722-6135-408A-A235-4F631E286D30}"/>
-                  </a:ext>
-                </a:extLst>
-              </p:cNvPr>
-              <p:cNvSpPr txBox="1">
-                <a:spLocks noRot="1" noChangeAspect="1" noMove="1" noResize="1" noEditPoints="1" noAdjustHandles="1" noChangeArrowheads="1" noChangeShapeType="1" noTextEdit="1"/>
-              </p:cNvSpPr>
-              <p:nvPr/>
-            </p:nvSpPr>
-            <p:spPr>
-              <a:xfrm>
-                <a:off x="-130175" y="4440035"/>
-                <a:ext cx="6965950" cy="750783"/>
-              </a:xfrm>
-              <a:prstGeom prst="rect">
-                <a:avLst/>
-              </a:prstGeom>
-              <a:blipFill>
-                <a:blip r:embed="rId5"/>
-                <a:stretch>
-                  <a:fillRect/>
-                </a:stretch>
-              </a:blipFill>
-            </p:spPr>
-            <p:txBody>
-              <a:bodyPr/>
-              <a:lstStyle/>
-              <a:p>
-                <a:r>
-                  <a:rPr lang="pt-BR">
-                    <a:noFill/>
-                  </a:rPr>
-                  <a:t> </a:t>
-                </a:r>
-              </a:p>
-            </p:txBody>
-          </p:sp>
-        </mc:Fallback>
-      </mc:AlternateContent>
     </p:spTree>
     <p:extLst>
       <p:ext uri="{BB962C8B-B14F-4D97-AF65-F5344CB8AC3E}">
-        <p14:creationId xmlns:p14="http://schemas.microsoft.com/office/powerpoint/2010/main" val="3301255802"/>
+        <p14:creationId xmlns:p14="http://schemas.microsoft.com/office/powerpoint/2010/main" val="1409460055"/>
       </p:ext>
     </p:extLst>
   </p:cSld>

--- a/Problema 7 - Legauss.pptx
+++ b/Problema 7 - Legauss.pptx
@@ -5,7 +5,7 @@
     <p:sldMasterId id="2147483684" r:id="rId1"/>
   </p:sldMasterIdLst>
   <p:notesMasterIdLst>
-    <p:notesMasterId r:id="rId14"/>
+    <p:notesMasterId r:id="rId16"/>
   </p:notesMasterIdLst>
   <p:sldIdLst>
     <p:sldId id="329" r:id="rId2"/>
@@ -16,10 +16,12 @@
     <p:sldId id="334" r:id="rId7"/>
     <p:sldId id="336" r:id="rId8"/>
     <p:sldId id="339" r:id="rId9"/>
-    <p:sldId id="327" r:id="rId10"/>
-    <p:sldId id="328" r:id="rId11"/>
-    <p:sldId id="337" r:id="rId12"/>
-    <p:sldId id="338" r:id="rId13"/>
+    <p:sldId id="340" r:id="rId10"/>
+    <p:sldId id="341" r:id="rId11"/>
+    <p:sldId id="327" r:id="rId12"/>
+    <p:sldId id="328" r:id="rId13"/>
+    <p:sldId id="337" r:id="rId14"/>
+    <p:sldId id="338" r:id="rId15"/>
   </p:sldIdLst>
   <p:sldSz cx="9144000" cy="6858000" type="screen4x3"/>
   <p:notesSz cx="6858000" cy="9144000"/>
@@ -587,7 +589,7 @@
           <inkml:channelProperty channel="F" name="resolution" value="0" units="1/dev"/>
         </inkml:channelProperties>
       </inkml:inkSource>
-      <inkml:timestamp xml:id="ts0" timeString="2022-05-19T02:02:03.118"/>
+      <inkml:timestamp xml:id="ts0" timeString="2022-05-19T11:07:03.121"/>
     </inkml:context>
     <inkml:brush xml:id="br0">
       <inkml:brushProperty name="width" value="0.05" units="cm"/>
@@ -615,7 +617,7 @@
           <inkml:channelProperty channel="F" name="resolution" value="0" units="1/dev"/>
         </inkml:channelProperties>
       </inkml:inkSource>
-      <inkml:timestamp xml:id="ts0" timeString="2022-05-19T02:02:04.560"/>
+      <inkml:timestamp xml:id="ts0" timeString="2022-05-19T11:07:03.122"/>
     </inkml:context>
     <inkml:brush xml:id="br0">
       <inkml:brushProperty name="width" value="0.05" units="cm"/>
@@ -623,7 +625,7 @@
       <inkml:brushProperty name="color" value="#FFFFFF"/>
     </inkml:brush>
   </inkml:definitions>
-  <inkml:trace contextRef="#ctx0" brushRef="#br0">0 0 24575,'0'0'-8191</inkml:trace>
+  <inkml:trace contextRef="#ctx0" brushRef="#br0">1 0 24575,'0'0'-8191</inkml:trace>
 </inkml:ink>
 </file>
 
@@ -643,7 +645,7 @@
           <inkml:channelProperty channel="F" name="resolution" value="0" units="1/dev"/>
         </inkml:channelProperties>
       </inkml:inkSource>
-      <inkml:timestamp xml:id="ts0" timeString="2022-05-19T02:02:32.229"/>
+      <inkml:timestamp xml:id="ts0" timeString="2022-05-19T11:07:03.124"/>
     </inkml:context>
     <inkml:brush xml:id="br0">
       <inkml:brushProperty name="width" value="0.05" units="cm"/>
@@ -671,7 +673,35 @@
           <inkml:channelProperty channel="F" name="resolution" value="0" units="1/dev"/>
         </inkml:channelProperties>
       </inkml:inkSource>
-      <inkml:timestamp xml:id="ts0" timeString="2022-05-19T02:02:50.183"/>
+      <inkml:timestamp xml:id="ts0" timeString="2022-05-19T11:07:03.125"/>
+    </inkml:context>
+    <inkml:brush xml:id="br0">
+      <inkml:brushProperty name="width" value="0.05" units="cm"/>
+      <inkml:brushProperty name="height" value="0.05" units="cm"/>
+      <inkml:brushProperty name="color" value="#FFFFFF"/>
+    </inkml:brush>
+  </inkml:definitions>
+  <inkml:trace contextRef="#ctx0" brushRef="#br0">1 0 24575</inkml:trace>
+</inkml:ink>
+</file>
+
+<file path=ppt/ink/ink14.xml><?xml version="1.0" encoding="utf-8"?>
+<inkml:ink xmlns:inkml="http://www.w3.org/2003/InkML">
+  <inkml:definitions>
+    <inkml:context xml:id="ctx0">
+      <inkml:inkSource xml:id="inkSrc0">
+        <inkml:traceFormat>
+          <inkml:channel name="X" type="integer" min="-2.14748E9" max="2.14748E9" units="cm"/>
+          <inkml:channel name="Y" type="integer" min="-2.14748E9" max="2.14748E9" units="cm"/>
+          <inkml:channel name="F" type="integer" max="32767" units="dev"/>
+        </inkml:traceFormat>
+        <inkml:channelProperties>
+          <inkml:channelProperty channel="X" name="resolution" value="1000" units="1/cm"/>
+          <inkml:channelProperty channel="Y" name="resolution" value="1000" units="1/cm"/>
+          <inkml:channelProperty channel="F" name="resolution" value="0" units="1/dev"/>
+        </inkml:channelProperties>
+      </inkml:inkSource>
+      <inkml:timestamp xml:id="ts0" timeString="2022-05-19T11:07:03.154"/>
     </inkml:context>
     <inkml:brush xml:id="br0">
       <inkml:brushProperty name="width" value="0.05" units="cm"/>
@@ -755,7 +785,7 @@
           <inkml:channelProperty channel="F" name="resolution" value="0" units="1/dev"/>
         </inkml:channelProperties>
       </inkml:inkSource>
-      <inkml:timestamp xml:id="ts0" timeString="2022-05-19T01:57:51.316"/>
+      <inkml:timestamp xml:id="ts0" timeString="2022-05-19T01:57:52.874"/>
     </inkml:context>
     <inkml:brush xml:id="br0">
       <inkml:brushProperty name="width" value="0.05" units="cm"/>
@@ -783,7 +813,7 @@
           <inkml:channelProperty channel="F" name="resolution" value="0" units="1/dev"/>
         </inkml:channelProperties>
       </inkml:inkSource>
-      <inkml:timestamp xml:id="ts0" timeString="2022-05-19T01:57:52.419"/>
+      <inkml:timestamp xml:id="ts0" timeString="2022-05-19T02:02:01.043"/>
     </inkml:context>
     <inkml:brush xml:id="br0">
       <inkml:brushProperty name="width" value="0.05" units="cm"/>
@@ -791,7 +821,7 @@
       <inkml:brushProperty name="color" value="#FFFFFF"/>
     </inkml:brush>
   </inkml:definitions>
-  <inkml:trace contextRef="#ctx0" brushRef="#br0">1 0 24575,'0'0'-8191</inkml:trace>
+  <inkml:trace contextRef="#ctx0" brushRef="#br0">0 28 24575,'2'-1'0,"0"0"0,1-2 0,1 0 0,0 1 0,0-1 0,1 1 0,0 0 0,0-1 0,1 1 0,1 0 0,-1 1 0,1 0 0,0 1 0,-2-2 0</inkml:trace>
 </inkml:ink>
 </file>
 
@@ -811,7 +841,7 @@
           <inkml:channelProperty channel="F" name="resolution" value="0" units="1/dev"/>
         </inkml:channelProperties>
       </inkml:inkSource>
-      <inkml:timestamp xml:id="ts0" timeString="2022-05-19T01:57:52.874"/>
+      <inkml:timestamp xml:id="ts0" timeString="2022-05-19T02:02:03.118"/>
     </inkml:context>
     <inkml:brush xml:id="br0">
       <inkml:brushProperty name="width" value="0.05" units="cm"/>
@@ -839,7 +869,7 @@
           <inkml:channelProperty channel="F" name="resolution" value="0" units="1/dev"/>
         </inkml:channelProperties>
       </inkml:inkSource>
-      <inkml:timestamp xml:id="ts0" timeString="2022-05-19T01:57:57.646"/>
+      <inkml:timestamp xml:id="ts0" timeString="2022-05-19T02:02:04.560"/>
     </inkml:context>
     <inkml:brush xml:id="br0">
       <inkml:brushProperty name="width" value="0.05" units="cm"/>
@@ -847,7 +877,7 @@
       <inkml:brushProperty name="color" value="#FFFFFF"/>
     </inkml:brush>
   </inkml:definitions>
-  <inkml:trace contextRef="#ctx0" brushRef="#br0">1 0 24575</inkml:trace>
+  <inkml:trace contextRef="#ctx0" brushRef="#br0">0 0 24575,'0'0'-8191</inkml:trace>
 </inkml:ink>
 </file>
 
@@ -867,7 +897,7 @@
           <inkml:channelProperty channel="F" name="resolution" value="0" units="1/dev"/>
         </inkml:channelProperties>
       </inkml:inkSource>
-      <inkml:timestamp xml:id="ts0" timeString="2022-05-19T01:57:57.997"/>
+      <inkml:timestamp xml:id="ts0" timeString="2022-05-19T02:02:32.229"/>
     </inkml:context>
     <inkml:brush xml:id="br0">
       <inkml:brushProperty name="width" value="0.05" units="cm"/>
@@ -895,7 +925,7 @@
           <inkml:channelProperty channel="F" name="resolution" value="0" units="1/dev"/>
         </inkml:channelProperties>
       </inkml:inkSource>
-      <inkml:timestamp xml:id="ts0" timeString="2022-05-19T02:02:01.043"/>
+      <inkml:timestamp xml:id="ts0" timeString="2022-05-19T02:02:50.183"/>
     </inkml:context>
     <inkml:brush xml:id="br0">
       <inkml:brushProperty name="width" value="0.05" units="cm"/>
@@ -903,7 +933,7 @@
       <inkml:brushProperty name="color" value="#FFFFFF"/>
     </inkml:brush>
   </inkml:definitions>
-  <inkml:trace contextRef="#ctx0" brushRef="#br0">0 28 24575,'2'-1'0,"0"0"0,1-2 0,1 0 0,0 1 0,0-1 0,1 1 0,0 0 0,0-1 0,1 1 0,1 0 0,-1 1 0,1 0 0,0 1 0,-2-2 0</inkml:trace>
+  <inkml:trace contextRef="#ctx0" brushRef="#br0">1 0 24575</inkml:trace>
 </inkml:ink>
 </file>
 
@@ -989,7 +1019,7 @@
           <a:p>
             <a:fld id="{6BB3A2D2-4F14-4AFD-819A-04F1637E766E}" type="datetimeFigureOut">
               <a:rPr lang="pt-BR" smtClean="0"/>
-              <a:t>18/05/2022</a:t>
+              <a:t>19/05/2022</a:t>
             </a:fld>
             <a:endParaRPr lang="pt-BR"/>
           </a:p>
@@ -5525,6 +5555,4447 @@
           <p:cNvPr id="2" name="Espaço Reservado para Número de Slide 1">
             <a:extLst>
               <a:ext uri="{FF2B5EF4-FFF2-40B4-BE49-F238E27FC236}">
+                <a16:creationId xmlns:a16="http://schemas.microsoft.com/office/drawing/2014/main" id="{7459B99B-4DD5-4C3D-E1DA-6BE68A0899C7}"/>
+              </a:ext>
+            </a:extLst>
+          </p:cNvPr>
+          <p:cNvSpPr>
+            <a:spLocks noGrp="1"/>
+          </p:cNvSpPr>
+          <p:nvPr>
+            <p:ph type="sldNum" sz="quarter" idx="12"/>
+          </p:nvPr>
+        </p:nvSpPr>
+        <p:spPr/>
+        <p:txBody>
+          <a:bodyPr/>
+          <a:lstStyle/>
+          <a:p>
+            <a:fld id="{9892FFFB-AE51-A74C-8150-E041A9400B6F}" type="slidenum">
+              <a:rPr lang="pt-BR" smtClean="0"/>
+              <a:pPr/>
+              <a:t>10</a:t>
+            </a:fld>
+            <a:endParaRPr lang="pt-BR"/>
+          </a:p>
+        </p:txBody>
+      </p:sp>
+      <p:sp>
+        <p:nvSpPr>
+          <p:cNvPr id="5" name="CaixaDeTexto 4">
+            <a:extLst>
+              <a:ext uri="{FF2B5EF4-FFF2-40B4-BE49-F238E27FC236}">
+                <a16:creationId xmlns:a16="http://schemas.microsoft.com/office/drawing/2014/main" id="{76BCB19E-E8F9-EA33-8F5D-872B4B456644}"/>
+              </a:ext>
+            </a:extLst>
+          </p:cNvPr>
+          <p:cNvSpPr txBox="1"/>
+          <p:nvPr/>
+        </p:nvSpPr>
+        <p:spPr>
+          <a:xfrm>
+            <a:off x="74084" y="1020306"/>
+            <a:ext cx="6614583" cy="461665"/>
+          </a:xfrm>
+          <a:prstGeom prst="rect">
+            <a:avLst/>
+          </a:prstGeom>
+          <a:noFill/>
+        </p:spPr>
+        <p:txBody>
+          <a:bodyPr wrap="square" rtlCol="0">
+            <a:spAutoFit/>
+          </a:bodyPr>
+          <a:lstStyle/>
+          <a:p>
+            <a:r>
+              <a:rPr lang="pt-BR" sz="2400" b="1" u="sng" dirty="0">
+                <a:solidFill>
+                  <a:srgbClr val="384456"/>
+                </a:solidFill>
+                <a:latin typeface="+mj-lt"/>
+              </a:rPr>
+              <a:t>Dinâmica da colisão do cilindro</a:t>
+            </a:r>
+          </a:p>
+        </p:txBody>
+      </p:sp>
+      <p:sp>
+        <p:nvSpPr>
+          <p:cNvPr id="7" name="CaixaDeTexto 6">
+            <a:extLst>
+              <a:ext uri="{FF2B5EF4-FFF2-40B4-BE49-F238E27FC236}">
+                <a16:creationId xmlns:a16="http://schemas.microsoft.com/office/drawing/2014/main" id="{5AC67246-CBFD-E799-160F-8F97AA603D44}"/>
+              </a:ext>
+            </a:extLst>
+          </p:cNvPr>
+          <p:cNvSpPr txBox="1"/>
+          <p:nvPr/>
+        </p:nvSpPr>
+        <p:spPr>
+          <a:xfrm>
+            <a:off x="74084" y="1481971"/>
+            <a:ext cx="7743825" cy="369332"/>
+          </a:xfrm>
+          <a:prstGeom prst="rect">
+            <a:avLst/>
+          </a:prstGeom>
+          <a:noFill/>
+        </p:spPr>
+        <p:txBody>
+          <a:bodyPr wrap="square" rtlCol="0">
+            <a:spAutoFit/>
+          </a:bodyPr>
+          <a:lstStyle/>
+          <a:p>
+            <a:r>
+              <a:rPr lang="pt-BR" u="sng" dirty="0"/>
+              <a:t>Energia dissipada na primeira colisão</a:t>
+            </a:r>
+          </a:p>
+        </p:txBody>
+      </p:sp>
+      <mc:AlternateContent xmlns:mc="http://schemas.openxmlformats.org/markup-compatibility/2006">
+        <mc:Choice xmlns:a14="http://schemas.microsoft.com/office/drawing/2010/main" Requires="a14">
+          <p:sp>
+            <p:nvSpPr>
+              <p:cNvPr id="8" name="CaixaDeTexto 7">
+                <a:extLst>
+                  <a:ext uri="{FF2B5EF4-FFF2-40B4-BE49-F238E27FC236}">
+                    <a16:creationId xmlns:a16="http://schemas.microsoft.com/office/drawing/2014/main" id="{8D4ED0F4-22F7-4AAB-D0D3-F6A9311E70F0}"/>
+                  </a:ext>
+                </a:extLst>
+              </p:cNvPr>
+              <p:cNvSpPr txBox="1"/>
+              <p:nvPr/>
+            </p:nvSpPr>
+            <p:spPr>
+              <a:xfrm>
+                <a:off x="216959" y="1787971"/>
+                <a:ext cx="7173502" cy="1513748"/>
+              </a:xfrm>
+              <a:prstGeom prst="rect">
+                <a:avLst/>
+              </a:prstGeom>
+              <a:noFill/>
+            </p:spPr>
+            <p:txBody>
+              <a:bodyPr wrap="none" lIns="0" tIns="0" rIns="0" bIns="0" rtlCol="0">
+                <a:spAutoFit/>
+              </a:bodyPr>
+              <a:lstStyle/>
+              <a:p>
+                <a:pPr>
+                  <a:lnSpc>
+                    <a:spcPct val="120000"/>
+                  </a:lnSpc>
+                </a:pPr>
+                <a14:m>
+                  <m:oMathPara xmlns:m="http://schemas.openxmlformats.org/officeDocument/2006/math">
+                    <m:oMathParaPr>
+                      <m:jc m:val="left"/>
+                    </m:oMathParaPr>
+                    <m:oMath xmlns:m="http://schemas.openxmlformats.org/officeDocument/2006/math">
+                      <m:sSub>
+                        <m:sSubPr>
+                          <m:ctrlPr>
+                            <a:rPr lang="pt-BR" b="0" i="1" smtClean="0">
+                              <a:latin typeface="Cambria Math" panose="02040503050406030204" pitchFamily="18" charset="0"/>
+                            </a:rPr>
+                          </m:ctrlPr>
+                        </m:sSubPr>
+                        <m:e>
+                          <m:r>
+                            <a:rPr lang="pt-BR" b="0" i="1" smtClean="0">
+                              <a:latin typeface="Cambria Math" panose="02040503050406030204" pitchFamily="18" charset="0"/>
+                            </a:rPr>
+                            <m:t>𝑊</m:t>
+                          </m:r>
+                        </m:e>
+                        <m:sub>
+                          <m:r>
+                            <a:rPr lang="pt-BR" b="0" i="1" smtClean="0">
+                              <a:latin typeface="Cambria Math" panose="02040503050406030204" pitchFamily="18" charset="0"/>
+                            </a:rPr>
+                            <m:t>1</m:t>
+                          </m:r>
+                        </m:sub>
+                      </m:sSub>
+                      <m:r>
+                        <a:rPr lang="pt-BR" b="0" i="1" smtClean="0">
+                          <a:latin typeface="Cambria Math" panose="02040503050406030204" pitchFamily="18" charset="0"/>
+                        </a:rPr>
+                        <m:t>=</m:t>
+                      </m:r>
+                      <m:sSub>
+                        <m:sSubPr>
+                          <m:ctrlPr>
+                            <a:rPr lang="pt-BR" b="0" i="1" smtClean="0">
+                              <a:solidFill>
+                                <a:srgbClr val="C00000"/>
+                              </a:solidFill>
+                              <a:latin typeface="Cambria Math" panose="02040503050406030204" pitchFamily="18" charset="0"/>
+                            </a:rPr>
+                          </m:ctrlPr>
+                        </m:sSubPr>
+                        <m:e>
+                          <m:r>
+                            <a:rPr lang="pt-BR" b="0" i="1" smtClean="0">
+                              <a:solidFill>
+                                <a:srgbClr val="C00000"/>
+                              </a:solidFill>
+                              <a:latin typeface="Cambria Math" panose="02040503050406030204" pitchFamily="18" charset="0"/>
+                            </a:rPr>
+                            <m:t>𝑊</m:t>
+                          </m:r>
+                        </m:e>
+                        <m:sub>
+                          <m:r>
+                            <a:rPr lang="pt-BR" b="0" i="1" smtClean="0">
+                              <a:solidFill>
+                                <a:srgbClr val="C00000"/>
+                              </a:solidFill>
+                              <a:latin typeface="Cambria Math" panose="02040503050406030204" pitchFamily="18" charset="0"/>
+                            </a:rPr>
+                            <m:t>𝐹</m:t>
+                          </m:r>
+                        </m:sub>
+                      </m:sSub>
+                      <m:r>
+                        <a:rPr lang="pt-BR" b="0" i="1" smtClean="0">
+                          <a:latin typeface="Cambria Math" panose="02040503050406030204" pitchFamily="18" charset="0"/>
+                        </a:rPr>
+                        <m:t>+</m:t>
+                      </m:r>
+                      <m:sSub>
+                        <m:sSubPr>
+                          <m:ctrlPr>
+                            <a:rPr lang="pt-BR" b="0" i="1" smtClean="0">
+                              <a:solidFill>
+                                <a:schemeClr val="accent1"/>
+                              </a:solidFill>
+                              <a:latin typeface="Cambria Math" panose="02040503050406030204" pitchFamily="18" charset="0"/>
+                            </a:rPr>
+                          </m:ctrlPr>
+                        </m:sSubPr>
+                        <m:e>
+                          <m:r>
+                            <a:rPr lang="pt-BR" b="0" i="1" smtClean="0">
+                              <a:solidFill>
+                                <a:schemeClr val="accent1"/>
+                              </a:solidFill>
+                              <a:latin typeface="Cambria Math" panose="02040503050406030204" pitchFamily="18" charset="0"/>
+                            </a:rPr>
+                            <m:t>𝑊</m:t>
+                          </m:r>
+                        </m:e>
+                        <m:sub>
+                          <m:r>
+                            <a:rPr lang="pt-BR" b="0" i="1" smtClean="0">
+                              <a:solidFill>
+                                <a:schemeClr val="accent1"/>
+                              </a:solidFill>
+                              <a:latin typeface="Cambria Math" panose="02040503050406030204" pitchFamily="18" charset="0"/>
+                            </a:rPr>
+                            <m:t>𝑓</m:t>
+                          </m:r>
+                        </m:sub>
+                      </m:sSub>
+                      <m:r>
+                        <a:rPr lang="pt-BR" b="0" i="1" smtClean="0">
+                          <a:latin typeface="Cambria Math" panose="02040503050406030204" pitchFamily="18" charset="0"/>
+                        </a:rPr>
+                        <m:t>= </m:t>
+                      </m:r>
+                      <m:nary>
+                        <m:naryPr>
+                          <m:ctrlPr>
+                            <a:rPr lang="pt-BR" b="0" i="1" smtClean="0">
+                              <a:latin typeface="Cambria Math" panose="02040503050406030204" pitchFamily="18" charset="0"/>
+                            </a:rPr>
+                          </m:ctrlPr>
+                        </m:naryPr>
+                        <m:sub>
+                          <m:r>
+                            <m:rPr>
+                              <m:brk m:alnAt="23"/>
+                            </m:rPr>
+                            <a:rPr lang="pt-BR" b="0" i="1" smtClean="0">
+                              <a:latin typeface="Cambria Math" panose="02040503050406030204" pitchFamily="18" charset="0"/>
+                            </a:rPr>
+                            <m:t>0</m:t>
+                          </m:r>
+                        </m:sub>
+                        <m:sup>
+                          <m:r>
+                            <m:rPr>
+                              <m:sty m:val="p"/>
+                            </m:rPr>
+                            <a:rPr lang="pt-BR" b="0" i="0" smtClean="0">
+                              <a:latin typeface="Cambria Math" panose="02040503050406030204" pitchFamily="18" charset="0"/>
+                            </a:rPr>
+                            <m:t>Δ</m:t>
+                          </m:r>
+                          <m:sSub>
+                            <m:sSubPr>
+                              <m:ctrlPr>
+                                <a:rPr lang="pt-BR" b="0" i="1" smtClean="0">
+                                  <a:latin typeface="Cambria Math" panose="02040503050406030204" pitchFamily="18" charset="0"/>
+                                </a:rPr>
+                              </m:ctrlPr>
+                            </m:sSubPr>
+                            <m:e>
+                              <m:r>
+                                <a:rPr lang="pt-BR" b="0" i="1" smtClean="0">
+                                  <a:latin typeface="Cambria Math" panose="02040503050406030204" pitchFamily="18" charset="0"/>
+                                </a:rPr>
+                                <m:t>𝑡</m:t>
+                              </m:r>
+                            </m:e>
+                            <m:sub>
+                              <m:r>
+                                <a:rPr lang="pt-BR" b="0" i="1" smtClean="0">
+                                  <a:latin typeface="Cambria Math" panose="02040503050406030204" pitchFamily="18" charset="0"/>
+                                </a:rPr>
+                                <m:t>1</m:t>
+                              </m:r>
+                            </m:sub>
+                          </m:sSub>
+                        </m:sup>
+                        <m:e>
+                          <m:d>
+                            <m:dPr>
+                              <m:ctrlPr>
+                                <a:rPr lang="pt-BR" b="0" i="1" smtClean="0">
+                                  <a:latin typeface="Cambria Math" panose="02040503050406030204" pitchFamily="18" charset="0"/>
+                                </a:rPr>
+                              </m:ctrlPr>
+                            </m:dPr>
+                            <m:e>
+                              <m:acc>
+                                <m:accPr>
+                                  <m:chr m:val="⃗"/>
+                                  <m:ctrlPr>
+                                    <a:rPr lang="pt-BR" b="0" i="1" smtClean="0">
+                                      <a:solidFill>
+                                        <a:srgbClr val="C00000"/>
+                                      </a:solidFill>
+                                      <a:latin typeface="Cambria Math" panose="02040503050406030204" pitchFamily="18" charset="0"/>
+                                    </a:rPr>
+                                  </m:ctrlPr>
+                                </m:accPr>
+                                <m:e>
+                                  <m:r>
+                                    <a:rPr lang="pt-BR" b="0" i="1" smtClean="0">
+                                      <a:solidFill>
+                                        <a:srgbClr val="C00000"/>
+                                      </a:solidFill>
+                                      <a:latin typeface="Cambria Math" panose="02040503050406030204" pitchFamily="18" charset="0"/>
+                                    </a:rPr>
+                                    <m:t>𝐹</m:t>
+                                  </m:r>
+                                </m:e>
+                              </m:acc>
+                              <m:r>
+                                <a:rPr lang="pt-BR" b="0" i="1" smtClean="0">
+                                  <a:latin typeface="Cambria Math" panose="02040503050406030204" pitchFamily="18" charset="0"/>
+                                </a:rPr>
+                                <m:t>+</m:t>
+                              </m:r>
+                              <m:acc>
+                                <m:accPr>
+                                  <m:chr m:val="⃗"/>
+                                  <m:ctrlPr>
+                                    <a:rPr lang="pt-BR" b="0" i="1" smtClean="0">
+                                      <a:solidFill>
+                                        <a:schemeClr val="accent1"/>
+                                      </a:solidFill>
+                                      <a:latin typeface="Cambria Math" panose="02040503050406030204" pitchFamily="18" charset="0"/>
+                                    </a:rPr>
+                                  </m:ctrlPr>
+                                </m:accPr>
+                                <m:e>
+                                  <m:r>
+                                    <a:rPr lang="pt-BR" b="0" i="1" smtClean="0">
+                                      <a:solidFill>
+                                        <a:schemeClr val="accent1"/>
+                                      </a:solidFill>
+                                      <a:latin typeface="Cambria Math" panose="02040503050406030204" pitchFamily="18" charset="0"/>
+                                    </a:rPr>
+                                    <m:t>𝑓</m:t>
+                                  </m:r>
+                                </m:e>
+                              </m:acc>
+                            </m:e>
+                          </m:d>
+                          <m:r>
+                            <a:rPr lang="pt-BR" b="0" i="1" smtClean="0">
+                              <a:latin typeface="Cambria Math" panose="02040503050406030204" pitchFamily="18" charset="0"/>
+                            </a:rPr>
+                            <m:t>∙</m:t>
+                          </m:r>
+                          <m:f>
+                            <m:fPr>
+                              <m:ctrlPr>
+                                <a:rPr lang="pt-BR" b="0" i="1" smtClean="0">
+                                  <a:latin typeface="Cambria Math" panose="02040503050406030204" pitchFamily="18" charset="0"/>
+                                </a:rPr>
+                              </m:ctrlPr>
+                            </m:fPr>
+                            <m:num>
+                              <m:r>
+                                <a:rPr lang="pt-BR" b="0" i="1" smtClean="0">
+                                  <a:latin typeface="Cambria Math" panose="02040503050406030204" pitchFamily="18" charset="0"/>
+                                </a:rPr>
+                                <m:t>𝑑</m:t>
+                              </m:r>
+                              <m:acc>
+                                <m:accPr>
+                                  <m:chr m:val="⃗"/>
+                                  <m:ctrlPr>
+                                    <a:rPr lang="pt-BR" b="0" i="1" smtClean="0">
+                                      <a:latin typeface="Cambria Math" panose="02040503050406030204" pitchFamily="18" charset="0"/>
+                                    </a:rPr>
+                                  </m:ctrlPr>
+                                </m:accPr>
+                                <m:e>
+                                  <m:r>
+                                    <a:rPr lang="pt-BR" b="0" i="1" smtClean="0">
+                                      <a:latin typeface="Cambria Math" panose="02040503050406030204" pitchFamily="18" charset="0"/>
+                                    </a:rPr>
+                                    <m:t>𝑟</m:t>
+                                  </m:r>
+                                </m:e>
+                              </m:acc>
+                            </m:num>
+                            <m:den>
+                              <m:r>
+                                <a:rPr lang="pt-BR" b="0" i="1" smtClean="0">
+                                  <a:latin typeface="Cambria Math" panose="02040503050406030204" pitchFamily="18" charset="0"/>
+                                </a:rPr>
+                                <m:t>𝑑𝑡</m:t>
+                              </m:r>
+                            </m:den>
+                          </m:f>
+                          <m:r>
+                            <a:rPr lang="pt-BR" b="0" i="1" smtClean="0">
+                              <a:latin typeface="Cambria Math" panose="02040503050406030204" pitchFamily="18" charset="0"/>
+                            </a:rPr>
+                            <m:t>𝑑𝑡</m:t>
+                          </m:r>
+                        </m:e>
+                      </m:nary>
+                      <m:r>
+                        <a:rPr lang="pt-BR" b="0" i="1" smtClean="0">
+                          <a:latin typeface="Cambria Math" panose="02040503050406030204" pitchFamily="18" charset="0"/>
+                        </a:rPr>
+                        <m:t>= </m:t>
+                      </m:r>
+                      <m:nary>
+                        <m:naryPr>
+                          <m:ctrlPr>
+                            <a:rPr lang="pt-BR" b="0" i="1" smtClean="0">
+                              <a:latin typeface="Cambria Math" panose="02040503050406030204" pitchFamily="18" charset="0"/>
+                            </a:rPr>
+                          </m:ctrlPr>
+                        </m:naryPr>
+                        <m:sub>
+                          <m:r>
+                            <m:rPr>
+                              <m:brk m:alnAt="23"/>
+                            </m:rPr>
+                            <a:rPr lang="pt-BR" b="0" i="1" smtClean="0">
+                              <a:latin typeface="Cambria Math" panose="02040503050406030204" pitchFamily="18" charset="0"/>
+                            </a:rPr>
+                            <m:t>0</m:t>
+                          </m:r>
+                        </m:sub>
+                        <m:sup>
+                          <m:r>
+                            <m:rPr>
+                              <m:sty m:val="p"/>
+                            </m:rPr>
+                            <a:rPr lang="pt-BR" b="0" i="0" smtClean="0">
+                              <a:latin typeface="Cambria Math" panose="02040503050406030204" pitchFamily="18" charset="0"/>
+                            </a:rPr>
+                            <m:t>Δ</m:t>
+                          </m:r>
+                          <m:sSub>
+                            <m:sSubPr>
+                              <m:ctrlPr>
+                                <a:rPr lang="pt-BR" b="0" i="1" smtClean="0">
+                                  <a:latin typeface="Cambria Math" panose="02040503050406030204" pitchFamily="18" charset="0"/>
+                                </a:rPr>
+                              </m:ctrlPr>
+                            </m:sSubPr>
+                            <m:e>
+                              <m:r>
+                                <a:rPr lang="pt-BR" b="0" i="1" smtClean="0">
+                                  <a:latin typeface="Cambria Math" panose="02040503050406030204" pitchFamily="18" charset="0"/>
+                                </a:rPr>
+                                <m:t>𝑡</m:t>
+                              </m:r>
+                            </m:e>
+                            <m:sub>
+                              <m:r>
+                                <a:rPr lang="pt-BR" b="0" i="1" smtClean="0">
+                                  <a:latin typeface="Cambria Math" panose="02040503050406030204" pitchFamily="18" charset="0"/>
+                                </a:rPr>
+                                <m:t>1</m:t>
+                              </m:r>
+                            </m:sub>
+                          </m:sSub>
+                        </m:sup>
+                        <m:e>
+                          <m:d>
+                            <m:dPr>
+                              <m:ctrlPr>
+                                <a:rPr lang="pt-BR" b="0" i="1" smtClean="0">
+                                  <a:latin typeface="Cambria Math" panose="02040503050406030204" pitchFamily="18" charset="0"/>
+                                </a:rPr>
+                              </m:ctrlPr>
+                            </m:dPr>
+                            <m:e>
+                              <m:acc>
+                                <m:accPr>
+                                  <m:chr m:val="⃗"/>
+                                  <m:ctrlPr>
+                                    <a:rPr lang="pt-BR" b="0" i="1" smtClean="0">
+                                      <a:solidFill>
+                                        <a:srgbClr val="C00000"/>
+                                      </a:solidFill>
+                                      <a:latin typeface="Cambria Math" panose="02040503050406030204" pitchFamily="18" charset="0"/>
+                                    </a:rPr>
+                                  </m:ctrlPr>
+                                </m:accPr>
+                                <m:e>
+                                  <m:r>
+                                    <a:rPr lang="pt-BR" b="0" i="1" smtClean="0">
+                                      <a:solidFill>
+                                        <a:srgbClr val="C00000"/>
+                                      </a:solidFill>
+                                      <a:latin typeface="Cambria Math" panose="02040503050406030204" pitchFamily="18" charset="0"/>
+                                    </a:rPr>
+                                    <m:t>𝐹</m:t>
+                                  </m:r>
+                                </m:e>
+                              </m:acc>
+                              <m:r>
+                                <a:rPr lang="pt-BR" b="0" i="1" smtClean="0">
+                                  <a:latin typeface="Cambria Math" panose="02040503050406030204" pitchFamily="18" charset="0"/>
+                                </a:rPr>
+                                <m:t>+</m:t>
+                              </m:r>
+                              <m:acc>
+                                <m:accPr>
+                                  <m:chr m:val="⃗"/>
+                                  <m:ctrlPr>
+                                    <a:rPr lang="pt-BR" b="0" i="1" smtClean="0">
+                                      <a:solidFill>
+                                        <a:schemeClr val="accent1"/>
+                                      </a:solidFill>
+                                      <a:latin typeface="Cambria Math" panose="02040503050406030204" pitchFamily="18" charset="0"/>
+                                    </a:rPr>
+                                  </m:ctrlPr>
+                                </m:accPr>
+                                <m:e>
+                                  <m:r>
+                                    <a:rPr lang="pt-BR" b="0" i="1" smtClean="0">
+                                      <a:solidFill>
+                                        <a:schemeClr val="accent1"/>
+                                      </a:solidFill>
+                                      <a:latin typeface="Cambria Math" panose="02040503050406030204" pitchFamily="18" charset="0"/>
+                                    </a:rPr>
+                                    <m:t>𝑓</m:t>
+                                  </m:r>
+                                </m:e>
+                              </m:acc>
+                            </m:e>
+                          </m:d>
+                          <m:r>
+                            <a:rPr lang="pt-BR" b="0" i="1" smtClean="0">
+                              <a:latin typeface="Cambria Math" panose="02040503050406030204" pitchFamily="18" charset="0"/>
+                            </a:rPr>
+                            <m:t>∙</m:t>
+                          </m:r>
+                          <m:d>
+                            <m:dPr>
+                              <m:ctrlPr>
+                                <a:rPr lang="pt-BR" b="0" i="1" smtClean="0">
+                                  <a:latin typeface="Cambria Math" panose="02040503050406030204" pitchFamily="18" charset="0"/>
+                                </a:rPr>
+                              </m:ctrlPr>
+                            </m:dPr>
+                            <m:e>
+                              <m:acc>
+                                <m:accPr>
+                                  <m:chr m:val="⃗"/>
+                                  <m:ctrlPr>
+                                    <a:rPr lang="pt-BR" b="0" i="1" smtClean="0">
+                                      <a:solidFill>
+                                        <a:srgbClr val="00B050"/>
+                                      </a:solidFill>
+                                      <a:latin typeface="Cambria Math" panose="02040503050406030204" pitchFamily="18" charset="0"/>
+                                    </a:rPr>
+                                  </m:ctrlPr>
+                                </m:accPr>
+                                <m:e>
+                                  <m:r>
+                                    <a:rPr lang="pt-BR" b="0" i="1" smtClean="0">
+                                      <a:solidFill>
+                                        <a:srgbClr val="00B050"/>
+                                      </a:solidFill>
+                                      <a:latin typeface="Cambria Math" panose="02040503050406030204" pitchFamily="18" charset="0"/>
+                                    </a:rPr>
+                                    <m:t>𝑉</m:t>
+                                  </m:r>
+                                </m:e>
+                              </m:acc>
+                              <m:r>
+                                <a:rPr lang="pt-BR" b="0" i="1" smtClean="0">
+                                  <a:latin typeface="Cambria Math" panose="02040503050406030204" pitchFamily="18" charset="0"/>
+                                </a:rPr>
+                                <m:t>+</m:t>
+                              </m:r>
+                              <m:acc>
+                                <m:accPr>
+                                  <m:chr m:val="⃗"/>
+                                  <m:ctrlPr>
+                                    <a:rPr lang="pt-BR" b="0" i="1" smtClean="0">
+                                      <a:solidFill>
+                                        <a:srgbClr val="ED7D31"/>
+                                      </a:solidFill>
+                                      <a:latin typeface="Cambria Math" panose="02040503050406030204" pitchFamily="18" charset="0"/>
+                                    </a:rPr>
+                                  </m:ctrlPr>
+                                </m:accPr>
+                                <m:e>
+                                  <m:r>
+                                    <a:rPr lang="pt-BR" b="0" i="1" smtClean="0">
+                                      <a:solidFill>
+                                        <a:srgbClr val="ED7D31"/>
+                                      </a:solidFill>
+                                      <a:latin typeface="Cambria Math" panose="02040503050406030204" pitchFamily="18" charset="0"/>
+                                    </a:rPr>
+                                    <m:t>𝜔</m:t>
+                                  </m:r>
+                                  <m:r>
+                                    <a:rPr lang="pt-BR" b="0" i="1" smtClean="0">
+                                      <a:solidFill>
+                                        <a:srgbClr val="ED7D31"/>
+                                      </a:solidFill>
+                                      <a:latin typeface="Cambria Math" panose="02040503050406030204" pitchFamily="18" charset="0"/>
+                                    </a:rPr>
+                                    <m:t>′</m:t>
+                                  </m:r>
+                                </m:e>
+                              </m:acc>
+                              <m:r>
+                                <a:rPr lang="pt-BR" b="0" i="1" smtClean="0">
+                                  <a:solidFill>
+                                    <a:srgbClr val="ED7D31"/>
+                                  </a:solidFill>
+                                  <a:latin typeface="Cambria Math" panose="02040503050406030204" pitchFamily="18" charset="0"/>
+                                </a:rPr>
+                                <m:t> </m:t>
+                              </m:r>
+                              <m:r>
+                                <a:rPr lang="pt-BR" b="0" i="1" smtClean="0">
+                                  <a:latin typeface="Cambria Math" panose="02040503050406030204" pitchFamily="18" charset="0"/>
+                                </a:rPr>
+                                <m:t>× </m:t>
+                              </m:r>
+                              <m:acc>
+                                <m:accPr>
+                                  <m:chr m:val="⃗"/>
+                                  <m:ctrlPr>
+                                    <a:rPr lang="pt-BR" b="0" i="1" smtClean="0">
+                                      <a:latin typeface="Cambria Math" panose="02040503050406030204" pitchFamily="18" charset="0"/>
+                                    </a:rPr>
+                                  </m:ctrlPr>
+                                </m:accPr>
+                                <m:e>
+                                  <m:r>
+                                    <a:rPr lang="pt-BR" b="0" i="1" smtClean="0">
+                                      <a:latin typeface="Cambria Math" panose="02040503050406030204" pitchFamily="18" charset="0"/>
+                                    </a:rPr>
+                                    <m:t>𝑟</m:t>
+                                  </m:r>
+                                </m:e>
+                              </m:acc>
+                            </m:e>
+                          </m:d>
+                          <m:r>
+                            <a:rPr lang="pt-BR" b="0" i="1" smtClean="0">
+                              <a:latin typeface="Cambria Math" panose="02040503050406030204" pitchFamily="18" charset="0"/>
+                            </a:rPr>
+                            <m:t>𝑑𝑡</m:t>
+                          </m:r>
+                        </m:e>
+                      </m:nary>
+                    </m:oMath>
+                  </m:oMathPara>
+                </a14:m>
+                <a:endParaRPr lang="pt-BR" b="0" dirty="0"/>
+              </a:p>
+              <a:p>
+                <a:pPr>
+                  <a:lnSpc>
+                    <a:spcPct val="120000"/>
+                  </a:lnSpc>
+                </a:pPr>
+                <a14:m>
+                  <m:oMathPara xmlns:m="http://schemas.openxmlformats.org/officeDocument/2006/math">
+                    <m:oMathParaPr>
+                      <m:jc m:val="left"/>
+                    </m:oMathParaPr>
+                    <m:oMath xmlns:m="http://schemas.openxmlformats.org/officeDocument/2006/math">
+                      <m:sSub>
+                        <m:sSubPr>
+                          <m:ctrlPr>
+                            <a:rPr lang="pt-BR" b="0" i="1" smtClean="0">
+                              <a:latin typeface="Cambria Math" panose="02040503050406030204" pitchFamily="18" charset="0"/>
+                            </a:rPr>
+                          </m:ctrlPr>
+                        </m:sSubPr>
+                        <m:e>
+                          <m:r>
+                            <a:rPr lang="pt-BR" b="0" i="1" smtClean="0">
+                              <a:latin typeface="Cambria Math" panose="02040503050406030204" pitchFamily="18" charset="0"/>
+                            </a:rPr>
+                            <m:t>𝑊</m:t>
+                          </m:r>
+                        </m:e>
+                        <m:sub>
+                          <m:r>
+                            <a:rPr lang="pt-BR" b="0" i="1" smtClean="0">
+                              <a:latin typeface="Cambria Math" panose="02040503050406030204" pitchFamily="18" charset="0"/>
+                            </a:rPr>
+                            <m:t>1</m:t>
+                          </m:r>
+                        </m:sub>
+                      </m:sSub>
+                      <m:r>
+                        <a:rPr lang="pt-BR" b="0" i="1" smtClean="0">
+                          <a:latin typeface="Cambria Math" panose="02040503050406030204" pitchFamily="18" charset="0"/>
+                        </a:rPr>
+                        <m:t>= </m:t>
+                      </m:r>
+                      <m:nary>
+                        <m:naryPr>
+                          <m:ctrlPr>
+                            <a:rPr lang="pt-BR" b="0" i="1" smtClean="0">
+                              <a:latin typeface="Cambria Math" panose="02040503050406030204" pitchFamily="18" charset="0"/>
+                            </a:rPr>
+                          </m:ctrlPr>
+                        </m:naryPr>
+                        <m:sub>
+                          <m:r>
+                            <m:rPr>
+                              <m:brk m:alnAt="23"/>
+                            </m:rPr>
+                            <a:rPr lang="pt-BR" b="0" i="1" smtClean="0">
+                              <a:latin typeface="Cambria Math" panose="02040503050406030204" pitchFamily="18" charset="0"/>
+                            </a:rPr>
+                            <m:t>0</m:t>
+                          </m:r>
+                        </m:sub>
+                        <m:sup>
+                          <m:r>
+                            <m:rPr>
+                              <m:sty m:val="p"/>
+                            </m:rPr>
+                            <a:rPr lang="pt-BR" b="0" i="0" smtClean="0">
+                              <a:latin typeface="Cambria Math" panose="02040503050406030204" pitchFamily="18" charset="0"/>
+                            </a:rPr>
+                            <m:t>Δ</m:t>
+                          </m:r>
+                          <m:sSub>
+                            <m:sSubPr>
+                              <m:ctrlPr>
+                                <a:rPr lang="pt-BR" b="0" i="1" smtClean="0">
+                                  <a:latin typeface="Cambria Math" panose="02040503050406030204" pitchFamily="18" charset="0"/>
+                                </a:rPr>
+                              </m:ctrlPr>
+                            </m:sSubPr>
+                            <m:e>
+                              <m:r>
+                                <a:rPr lang="pt-BR" b="0" i="1" smtClean="0">
+                                  <a:latin typeface="Cambria Math" panose="02040503050406030204" pitchFamily="18" charset="0"/>
+                                </a:rPr>
+                                <m:t>𝑡</m:t>
+                              </m:r>
+                            </m:e>
+                            <m:sub>
+                              <m:r>
+                                <a:rPr lang="pt-BR" b="0" i="1" smtClean="0">
+                                  <a:latin typeface="Cambria Math" panose="02040503050406030204" pitchFamily="18" charset="0"/>
+                                </a:rPr>
+                                <m:t>1</m:t>
+                              </m:r>
+                            </m:sub>
+                          </m:sSub>
+                        </m:sup>
+                        <m:e>
+                          <m:d>
+                            <m:dPr>
+                              <m:ctrlPr>
+                                <a:rPr lang="pt-BR" b="0" i="1" smtClean="0">
+                                  <a:latin typeface="Cambria Math" panose="02040503050406030204" pitchFamily="18" charset="0"/>
+                                </a:rPr>
+                              </m:ctrlPr>
+                            </m:dPr>
+                            <m:e>
+                              <m:acc>
+                                <m:accPr>
+                                  <m:chr m:val="⃗"/>
+                                  <m:ctrlPr>
+                                    <a:rPr lang="pt-BR" b="0" i="1" smtClean="0">
+                                      <a:solidFill>
+                                        <a:srgbClr val="C00000"/>
+                                      </a:solidFill>
+                                      <a:latin typeface="Cambria Math" panose="02040503050406030204" pitchFamily="18" charset="0"/>
+                                    </a:rPr>
+                                  </m:ctrlPr>
+                                </m:accPr>
+                                <m:e>
+                                  <m:r>
+                                    <a:rPr lang="pt-BR" b="0" i="1" smtClean="0">
+                                      <a:solidFill>
+                                        <a:srgbClr val="C00000"/>
+                                      </a:solidFill>
+                                      <a:latin typeface="Cambria Math" panose="02040503050406030204" pitchFamily="18" charset="0"/>
+                                    </a:rPr>
+                                    <m:t>𝐹</m:t>
+                                  </m:r>
+                                </m:e>
+                              </m:acc>
+                              <m:r>
+                                <a:rPr lang="pt-BR" b="0" i="1" smtClean="0">
+                                  <a:latin typeface="Cambria Math" panose="02040503050406030204" pitchFamily="18" charset="0"/>
+                                </a:rPr>
+                                <m:t>+ </m:t>
+                              </m:r>
+                              <m:acc>
+                                <m:accPr>
+                                  <m:chr m:val="⃗"/>
+                                  <m:ctrlPr>
+                                    <a:rPr lang="pt-BR" b="0" i="1" smtClean="0">
+                                      <a:solidFill>
+                                        <a:schemeClr val="accent1"/>
+                                      </a:solidFill>
+                                      <a:latin typeface="Cambria Math" panose="02040503050406030204" pitchFamily="18" charset="0"/>
+                                    </a:rPr>
+                                  </m:ctrlPr>
+                                </m:accPr>
+                                <m:e>
+                                  <m:r>
+                                    <a:rPr lang="pt-BR" b="0" i="1" smtClean="0">
+                                      <a:solidFill>
+                                        <a:schemeClr val="accent1"/>
+                                      </a:solidFill>
+                                      <a:latin typeface="Cambria Math" panose="02040503050406030204" pitchFamily="18" charset="0"/>
+                                    </a:rPr>
+                                    <m:t>𝑓</m:t>
+                                  </m:r>
+                                </m:e>
+                              </m:acc>
+                            </m:e>
+                          </m:d>
+                          <m:r>
+                            <a:rPr lang="pt-BR" b="0" i="1" smtClean="0">
+                              <a:latin typeface="Cambria Math" panose="02040503050406030204" pitchFamily="18" charset="0"/>
+                            </a:rPr>
+                            <m:t>∙</m:t>
+                          </m:r>
+                          <m:acc>
+                            <m:accPr>
+                              <m:chr m:val="⃗"/>
+                              <m:ctrlPr>
+                                <a:rPr lang="pt-BR" b="0" i="1" smtClean="0">
+                                  <a:solidFill>
+                                    <a:srgbClr val="00B050"/>
+                                  </a:solidFill>
+                                  <a:latin typeface="Cambria Math" panose="02040503050406030204" pitchFamily="18" charset="0"/>
+                                </a:rPr>
+                              </m:ctrlPr>
+                            </m:accPr>
+                            <m:e>
+                              <m:r>
+                                <a:rPr lang="pt-BR" b="0" i="1" smtClean="0">
+                                  <a:solidFill>
+                                    <a:srgbClr val="00B050"/>
+                                  </a:solidFill>
+                                  <a:latin typeface="Cambria Math" panose="02040503050406030204" pitchFamily="18" charset="0"/>
+                                </a:rPr>
+                                <m:t>𝑉</m:t>
+                              </m:r>
+                            </m:e>
+                          </m:acc>
+                          <m:r>
+                            <a:rPr lang="pt-BR" b="0" i="1" smtClean="0">
+                              <a:solidFill>
+                                <a:srgbClr val="00B050"/>
+                              </a:solidFill>
+                              <a:latin typeface="Cambria Math" panose="02040503050406030204" pitchFamily="18" charset="0"/>
+                            </a:rPr>
+                            <m:t> </m:t>
+                          </m:r>
+                          <m:r>
+                            <a:rPr lang="pt-BR" b="0" i="1" smtClean="0">
+                              <a:solidFill>
+                                <a:schemeClr val="tx1"/>
+                              </a:solidFill>
+                              <a:latin typeface="Cambria Math" panose="02040503050406030204" pitchFamily="18" charset="0"/>
+                            </a:rPr>
+                            <m:t>𝑑𝑡</m:t>
+                          </m:r>
+                        </m:e>
+                      </m:nary>
+                      <m:r>
+                        <a:rPr lang="pt-BR" b="0" i="1" smtClean="0">
+                          <a:latin typeface="Cambria Math" panose="02040503050406030204" pitchFamily="18" charset="0"/>
+                        </a:rPr>
+                        <m:t> + </m:t>
+                      </m:r>
+                      <m:nary>
+                        <m:naryPr>
+                          <m:ctrlPr>
+                            <a:rPr lang="pt-BR" b="0" i="1" smtClean="0">
+                              <a:latin typeface="Cambria Math" panose="02040503050406030204" pitchFamily="18" charset="0"/>
+                            </a:rPr>
+                          </m:ctrlPr>
+                        </m:naryPr>
+                        <m:sub>
+                          <m:r>
+                            <m:rPr>
+                              <m:brk m:alnAt="23"/>
+                            </m:rPr>
+                            <a:rPr lang="pt-BR" b="0" i="1" smtClean="0">
+                              <a:latin typeface="Cambria Math" panose="02040503050406030204" pitchFamily="18" charset="0"/>
+                            </a:rPr>
+                            <m:t>0</m:t>
+                          </m:r>
+                        </m:sub>
+                        <m:sup>
+                          <m:r>
+                            <m:rPr>
+                              <m:sty m:val="p"/>
+                            </m:rPr>
+                            <a:rPr lang="pt-BR" b="0" i="0" smtClean="0">
+                              <a:latin typeface="Cambria Math" panose="02040503050406030204" pitchFamily="18" charset="0"/>
+                            </a:rPr>
+                            <m:t>Δ</m:t>
+                          </m:r>
+                          <m:sSub>
+                            <m:sSubPr>
+                              <m:ctrlPr>
+                                <a:rPr lang="pt-BR" b="0" i="1" smtClean="0">
+                                  <a:latin typeface="Cambria Math" panose="02040503050406030204" pitchFamily="18" charset="0"/>
+                                </a:rPr>
+                              </m:ctrlPr>
+                            </m:sSubPr>
+                            <m:e>
+                              <m:r>
+                                <a:rPr lang="pt-BR" b="0" i="1" smtClean="0">
+                                  <a:latin typeface="Cambria Math" panose="02040503050406030204" pitchFamily="18" charset="0"/>
+                                </a:rPr>
+                                <m:t>𝑡</m:t>
+                              </m:r>
+                            </m:e>
+                            <m:sub>
+                              <m:r>
+                                <a:rPr lang="pt-BR" b="0" i="1" smtClean="0">
+                                  <a:latin typeface="Cambria Math" panose="02040503050406030204" pitchFamily="18" charset="0"/>
+                                </a:rPr>
+                                <m:t>1</m:t>
+                              </m:r>
+                            </m:sub>
+                          </m:sSub>
+                        </m:sup>
+                        <m:e>
+                          <m:acc>
+                            <m:accPr>
+                              <m:chr m:val="⃗"/>
+                              <m:ctrlPr>
+                                <a:rPr lang="pt-BR" b="0" i="1" smtClean="0">
+                                  <a:solidFill>
+                                    <a:srgbClr val="ED7D31"/>
+                                  </a:solidFill>
+                                  <a:latin typeface="Cambria Math" panose="02040503050406030204" pitchFamily="18" charset="0"/>
+                                </a:rPr>
+                              </m:ctrlPr>
+                            </m:accPr>
+                            <m:e>
+                              <m:r>
+                                <a:rPr lang="pt-BR" b="0" i="1" smtClean="0">
+                                  <a:solidFill>
+                                    <a:srgbClr val="ED7D31"/>
+                                  </a:solidFill>
+                                  <a:latin typeface="Cambria Math" panose="02040503050406030204" pitchFamily="18" charset="0"/>
+                                </a:rPr>
+                                <m:t>𝜔</m:t>
+                              </m:r>
+                              <m:r>
+                                <a:rPr lang="pt-BR" b="0" i="1" smtClean="0">
+                                  <a:solidFill>
+                                    <a:srgbClr val="ED7D31"/>
+                                  </a:solidFill>
+                                  <a:latin typeface="Cambria Math" panose="02040503050406030204" pitchFamily="18" charset="0"/>
+                                </a:rPr>
+                                <m:t>′</m:t>
+                              </m:r>
+                            </m:e>
+                          </m:acc>
+                          <m:r>
+                            <a:rPr lang="pt-BR" b="0" i="1" smtClean="0">
+                              <a:solidFill>
+                                <a:schemeClr val="tx1"/>
+                              </a:solidFill>
+                              <a:latin typeface="Cambria Math" panose="02040503050406030204" pitchFamily="18" charset="0"/>
+                            </a:rPr>
+                            <m:t>∙</m:t>
+                          </m:r>
+                          <m:acc>
+                            <m:accPr>
+                              <m:chr m:val="⃗"/>
+                              <m:ctrlPr>
+                                <a:rPr lang="pt-BR" b="0" i="1" smtClean="0">
+                                  <a:solidFill>
+                                    <a:schemeClr val="tx1"/>
+                                  </a:solidFill>
+                                  <a:latin typeface="Cambria Math" panose="02040503050406030204" pitchFamily="18" charset="0"/>
+                                </a:rPr>
+                              </m:ctrlPr>
+                            </m:accPr>
+                            <m:e>
+                              <m:sSup>
+                                <m:sSupPr>
+                                  <m:ctrlPr>
+                                    <a:rPr lang="pt-BR" b="0" i="1" smtClean="0">
+                                      <a:solidFill>
+                                        <a:schemeClr val="tx1"/>
+                                      </a:solidFill>
+                                      <a:latin typeface="Cambria Math" panose="02040503050406030204" pitchFamily="18" charset="0"/>
+                                    </a:rPr>
+                                  </m:ctrlPr>
+                                </m:sSupPr>
+                                <m:e>
+                                  <m:r>
+                                    <a:rPr lang="pt-BR" b="0" i="1" smtClean="0">
+                                      <a:solidFill>
+                                        <a:schemeClr val="tx1"/>
+                                      </a:solidFill>
+                                      <a:latin typeface="Cambria Math" panose="02040503050406030204" pitchFamily="18" charset="0"/>
+                                    </a:rPr>
+                                    <m:t>𝜏</m:t>
+                                  </m:r>
+                                </m:e>
+                                <m:sup>
+                                  <m:r>
+                                    <a:rPr lang="pt-BR" b="0" i="1" smtClean="0">
+                                      <a:solidFill>
+                                        <a:schemeClr val="tx1"/>
+                                      </a:solidFill>
+                                      <a:latin typeface="Cambria Math" panose="02040503050406030204" pitchFamily="18" charset="0"/>
+                                    </a:rPr>
+                                    <m:t>′</m:t>
+                                  </m:r>
+                                </m:sup>
+                              </m:sSup>
+                            </m:e>
+                          </m:acc>
+                          <m:r>
+                            <a:rPr lang="pt-BR" b="0" i="1" smtClean="0">
+                              <a:solidFill>
+                                <a:schemeClr val="tx1"/>
+                              </a:solidFill>
+                              <a:latin typeface="Cambria Math" panose="02040503050406030204" pitchFamily="18" charset="0"/>
+                            </a:rPr>
+                            <m:t> </m:t>
+                          </m:r>
+                          <m:r>
+                            <a:rPr lang="pt-BR" b="0" i="1" smtClean="0">
+                              <a:solidFill>
+                                <a:schemeClr val="tx1"/>
+                              </a:solidFill>
+                              <a:latin typeface="Cambria Math" panose="02040503050406030204" pitchFamily="18" charset="0"/>
+                            </a:rPr>
+                            <m:t>𝑑𝑡</m:t>
+                          </m:r>
+                        </m:e>
+                      </m:nary>
+                    </m:oMath>
+                  </m:oMathPara>
+                </a14:m>
+                <a:endParaRPr lang="pt-BR" dirty="0"/>
+              </a:p>
+            </p:txBody>
+          </p:sp>
+        </mc:Choice>
+        <mc:Fallback>
+          <p:sp>
+            <p:nvSpPr>
+              <p:cNvPr id="8" name="CaixaDeTexto 7">
+                <a:extLst>
+                  <a:ext uri="{FF2B5EF4-FFF2-40B4-BE49-F238E27FC236}">
+                    <a16:creationId xmlns:a16="http://schemas.microsoft.com/office/drawing/2014/main" id="{8D4ED0F4-22F7-4AAB-D0D3-F6A9311E70F0}"/>
+                  </a:ext>
+                </a:extLst>
+              </p:cNvPr>
+              <p:cNvSpPr txBox="1">
+                <a:spLocks noRot="1" noChangeAspect="1" noMove="1" noResize="1" noEditPoints="1" noAdjustHandles="1" noChangeArrowheads="1" noChangeShapeType="1" noTextEdit="1"/>
+              </p:cNvSpPr>
+              <p:nvPr/>
+            </p:nvSpPr>
+            <p:spPr>
+              <a:xfrm>
+                <a:off x="216959" y="1787971"/>
+                <a:ext cx="7173502" cy="1513748"/>
+              </a:xfrm>
+              <a:prstGeom prst="rect">
+                <a:avLst/>
+              </a:prstGeom>
+              <a:blipFill>
+                <a:blip r:embed="rId2"/>
+                <a:stretch>
+                  <a:fillRect/>
+                </a:stretch>
+              </a:blipFill>
+            </p:spPr>
+            <p:txBody>
+              <a:bodyPr/>
+              <a:lstStyle/>
+              <a:p>
+                <a:r>
+                  <a:rPr lang="pt-BR">
+                    <a:noFill/>
+                  </a:rPr>
+                  <a:t> </a:t>
+                </a:r>
+              </a:p>
+            </p:txBody>
+          </p:sp>
+        </mc:Fallback>
+      </mc:AlternateContent>
+      <p:sp>
+        <p:nvSpPr>
+          <p:cNvPr id="9" name="Chave Direita 8">
+            <a:extLst>
+              <a:ext uri="{FF2B5EF4-FFF2-40B4-BE49-F238E27FC236}">
+                <a16:creationId xmlns:a16="http://schemas.microsoft.com/office/drawing/2014/main" id="{B78CCC10-DF96-B8C4-1B64-C9DAF7D0F76F}"/>
+              </a:ext>
+            </a:extLst>
+          </p:cNvPr>
+          <p:cNvSpPr/>
+          <p:nvPr/>
+        </p:nvSpPr>
+        <p:spPr>
+          <a:xfrm rot="5400000">
+            <a:off x="1669125" y="2546517"/>
+            <a:ext cx="230827" cy="1847849"/>
+          </a:xfrm>
+          <a:prstGeom prst="rightBrace">
+            <a:avLst>
+              <a:gd name="adj1" fmla="val 29088"/>
+              <a:gd name="adj2" fmla="val 50000"/>
+            </a:avLst>
+          </a:prstGeom>
+          <a:ln w="28575">
+            <a:solidFill>
+              <a:schemeClr val="tx1"/>
+            </a:solidFill>
+          </a:ln>
+        </p:spPr>
+        <p:style>
+          <a:lnRef idx="1">
+            <a:schemeClr val="accent1"/>
+          </a:lnRef>
+          <a:fillRef idx="0">
+            <a:schemeClr val="accent1"/>
+          </a:fillRef>
+          <a:effectRef idx="0">
+            <a:schemeClr val="accent1"/>
+          </a:effectRef>
+          <a:fontRef idx="minor">
+            <a:schemeClr val="tx1"/>
+          </a:fontRef>
+        </p:style>
+        <p:txBody>
+          <a:bodyPr rtlCol="0" anchor="ctr"/>
+          <a:lstStyle/>
+          <a:p>
+            <a:pPr algn="ctr"/>
+            <a:endParaRPr lang="pt-BR">
+              <a:solidFill>
+                <a:srgbClr val="00B050"/>
+              </a:solidFill>
+            </a:endParaRPr>
+          </a:p>
+        </p:txBody>
+      </p:sp>
+      <p:sp>
+        <p:nvSpPr>
+          <p:cNvPr id="10" name="Chave Direita 9">
+            <a:extLst>
+              <a:ext uri="{FF2B5EF4-FFF2-40B4-BE49-F238E27FC236}">
+                <a16:creationId xmlns:a16="http://schemas.microsoft.com/office/drawing/2014/main" id="{8EE0DF41-7015-1203-0849-D8457DB5EC1F}"/>
+              </a:ext>
+            </a:extLst>
+          </p:cNvPr>
+          <p:cNvSpPr/>
+          <p:nvPr/>
+        </p:nvSpPr>
+        <p:spPr>
+          <a:xfrm rot="5400000">
+            <a:off x="3716871" y="2735202"/>
+            <a:ext cx="249877" cy="1451440"/>
+          </a:xfrm>
+          <a:prstGeom prst="rightBrace">
+            <a:avLst>
+              <a:gd name="adj1" fmla="val 29088"/>
+              <a:gd name="adj2" fmla="val 50000"/>
+            </a:avLst>
+          </a:prstGeom>
+          <a:ln w="28575">
+            <a:solidFill>
+              <a:schemeClr val="tx1"/>
+            </a:solidFill>
+          </a:ln>
+        </p:spPr>
+        <p:style>
+          <a:lnRef idx="1">
+            <a:schemeClr val="accent1"/>
+          </a:lnRef>
+          <a:fillRef idx="0">
+            <a:schemeClr val="accent1"/>
+          </a:fillRef>
+          <a:effectRef idx="0">
+            <a:schemeClr val="accent1"/>
+          </a:effectRef>
+          <a:fontRef idx="minor">
+            <a:schemeClr val="tx1"/>
+          </a:fontRef>
+        </p:style>
+        <p:txBody>
+          <a:bodyPr rtlCol="0" anchor="ctr"/>
+          <a:lstStyle/>
+          <a:p>
+            <a:pPr algn="ctr"/>
+            <a:endParaRPr lang="pt-BR"/>
+          </a:p>
+        </p:txBody>
+      </p:sp>
+      <p:sp>
+        <p:nvSpPr>
+          <p:cNvPr id="11" name="CaixaDeTexto 10">
+            <a:extLst>
+              <a:ext uri="{FF2B5EF4-FFF2-40B4-BE49-F238E27FC236}">
+                <a16:creationId xmlns:a16="http://schemas.microsoft.com/office/drawing/2014/main" id="{1DF39A1D-07C0-C93D-55E0-43038C683126}"/>
+              </a:ext>
+            </a:extLst>
+          </p:cNvPr>
+          <p:cNvSpPr txBox="1"/>
+          <p:nvPr/>
+        </p:nvSpPr>
+        <p:spPr>
+          <a:xfrm>
+            <a:off x="857246" y="3612994"/>
+            <a:ext cx="1847850" cy="369332"/>
+          </a:xfrm>
+          <a:prstGeom prst="rect">
+            <a:avLst/>
+          </a:prstGeom>
+          <a:noFill/>
+        </p:spPr>
+        <p:txBody>
+          <a:bodyPr wrap="square" rtlCol="0">
+            <a:spAutoFit/>
+          </a:bodyPr>
+          <a:lstStyle/>
+          <a:p>
+            <a:r>
+              <a:rPr lang="pt-BR" dirty="0"/>
+              <a:t>2ª lei de Newton</a:t>
+            </a:r>
+          </a:p>
+        </p:txBody>
+      </p:sp>
+      <p:sp>
+        <p:nvSpPr>
+          <p:cNvPr id="12" name="CaixaDeTexto 11">
+            <a:extLst>
+              <a:ext uri="{FF2B5EF4-FFF2-40B4-BE49-F238E27FC236}">
+                <a16:creationId xmlns:a16="http://schemas.microsoft.com/office/drawing/2014/main" id="{77C12DE6-3B9C-A336-42AF-54954D0D1379}"/>
+              </a:ext>
+            </a:extLst>
+          </p:cNvPr>
+          <p:cNvSpPr txBox="1"/>
+          <p:nvPr/>
+        </p:nvSpPr>
+        <p:spPr>
+          <a:xfrm>
+            <a:off x="2981415" y="3603470"/>
+            <a:ext cx="2006540" cy="369332"/>
+          </a:xfrm>
+          <a:prstGeom prst="rect">
+            <a:avLst/>
+          </a:prstGeom>
+          <a:noFill/>
+        </p:spPr>
+        <p:txBody>
+          <a:bodyPr wrap="square" rtlCol="0">
+            <a:spAutoFit/>
+          </a:bodyPr>
+          <a:lstStyle/>
+          <a:p>
+            <a:r>
+              <a:rPr lang="pt-BR" dirty="0"/>
+              <a:t>Equações de Euler</a:t>
+            </a:r>
+          </a:p>
+        </p:txBody>
+      </p:sp>
+      <mc:AlternateContent xmlns:mc="http://schemas.openxmlformats.org/markup-compatibility/2006">
+        <mc:Choice xmlns:a14="http://schemas.microsoft.com/office/drawing/2010/main" Requires="a14">
+          <p:sp>
+            <p:nvSpPr>
+              <p:cNvPr id="16" name="CaixaDeTexto 15">
+                <a:extLst>
+                  <a:ext uri="{FF2B5EF4-FFF2-40B4-BE49-F238E27FC236}">
+                    <a16:creationId xmlns:a16="http://schemas.microsoft.com/office/drawing/2014/main" id="{7CC6C925-812A-E7FC-DC9C-FD0E6A179BE7}"/>
+                  </a:ext>
+                </a:extLst>
+              </p:cNvPr>
+              <p:cNvSpPr txBox="1"/>
+              <p:nvPr/>
+            </p:nvSpPr>
+            <p:spPr>
+              <a:xfrm>
+                <a:off x="2037455" y="3999940"/>
+                <a:ext cx="4351704" cy="333489"/>
+              </a:xfrm>
+              <a:prstGeom prst="rect">
+                <a:avLst/>
+              </a:prstGeom>
+              <a:noFill/>
+            </p:spPr>
+            <p:txBody>
+              <a:bodyPr wrap="none" lIns="0" tIns="0" rIns="0" bIns="0" rtlCol="0">
+                <a:spAutoFit/>
+              </a:bodyPr>
+              <a:lstStyle/>
+              <a:p>
+                <a14:m>
+                  <m:oMathPara xmlns:m="http://schemas.openxmlformats.org/officeDocument/2006/math">
+                    <m:oMathParaPr>
+                      <m:jc m:val="centerGroup"/>
+                    </m:oMathParaPr>
+                    <m:oMath xmlns:m="http://schemas.openxmlformats.org/officeDocument/2006/math">
+                      <m:acc>
+                        <m:accPr>
+                          <m:chr m:val="⃗"/>
+                          <m:ctrlPr>
+                            <a:rPr lang="pt-BR" i="1" smtClean="0">
+                              <a:solidFill>
+                                <a:srgbClr val="ED7D31"/>
+                              </a:solidFill>
+                              <a:latin typeface="Cambria Math" panose="02040503050406030204" pitchFamily="18" charset="0"/>
+                            </a:rPr>
+                          </m:ctrlPr>
+                        </m:accPr>
+                        <m:e>
+                          <m:r>
+                            <a:rPr lang="pt-BR" i="1">
+                              <a:solidFill>
+                                <a:srgbClr val="ED7D31"/>
+                              </a:solidFill>
+                              <a:latin typeface="Cambria Math" panose="02040503050406030204" pitchFamily="18" charset="0"/>
+                            </a:rPr>
+                            <m:t>𝜔</m:t>
+                          </m:r>
+                          <m:r>
+                            <a:rPr lang="pt-BR" i="1">
+                              <a:solidFill>
+                                <a:srgbClr val="ED7D31"/>
+                              </a:solidFill>
+                              <a:latin typeface="Cambria Math" panose="02040503050406030204" pitchFamily="18" charset="0"/>
+                            </a:rPr>
+                            <m:t>′</m:t>
+                          </m:r>
+                        </m:e>
+                      </m:acc>
+                      <m:r>
+                        <a:rPr lang="pt-BR" i="1">
+                          <a:latin typeface="Cambria Math" panose="02040503050406030204" pitchFamily="18" charset="0"/>
+                        </a:rPr>
+                        <m:t>∙</m:t>
+                      </m:r>
+                      <m:acc>
+                        <m:accPr>
+                          <m:chr m:val="⃗"/>
+                          <m:ctrlPr>
+                            <a:rPr lang="pt-BR" i="1">
+                              <a:latin typeface="Cambria Math" panose="02040503050406030204" pitchFamily="18" charset="0"/>
+                            </a:rPr>
+                          </m:ctrlPr>
+                        </m:accPr>
+                        <m:e>
+                          <m:sSup>
+                            <m:sSupPr>
+                              <m:ctrlPr>
+                                <a:rPr lang="pt-BR" i="1">
+                                  <a:latin typeface="Cambria Math" panose="02040503050406030204" pitchFamily="18" charset="0"/>
+                                </a:rPr>
+                              </m:ctrlPr>
+                            </m:sSupPr>
+                            <m:e>
+                              <m:r>
+                                <a:rPr lang="pt-BR" i="1">
+                                  <a:latin typeface="Cambria Math" panose="02040503050406030204" pitchFamily="18" charset="0"/>
+                                </a:rPr>
+                                <m:t>𝜏</m:t>
+                              </m:r>
+                            </m:e>
+                            <m:sup>
+                              <m:r>
+                                <a:rPr lang="pt-BR" i="1">
+                                  <a:latin typeface="Cambria Math" panose="02040503050406030204" pitchFamily="18" charset="0"/>
+                                </a:rPr>
+                                <m:t>′</m:t>
+                              </m:r>
+                            </m:sup>
+                          </m:sSup>
+                        </m:e>
+                      </m:acc>
+                      <m:r>
+                        <a:rPr lang="pt-BR" b="0" i="1" smtClean="0">
+                          <a:latin typeface="Cambria Math" panose="02040503050406030204" pitchFamily="18" charset="0"/>
+                        </a:rPr>
+                        <m:t>=</m:t>
+                      </m:r>
+                      <m:acc>
+                        <m:accPr>
+                          <m:chr m:val="⃗"/>
+                          <m:ctrlPr>
+                            <a:rPr lang="pt-BR" i="1" smtClean="0">
+                              <a:solidFill>
+                                <a:srgbClr val="ED7D31"/>
+                              </a:solidFill>
+                              <a:latin typeface="Cambria Math" panose="02040503050406030204" pitchFamily="18" charset="0"/>
+                            </a:rPr>
+                          </m:ctrlPr>
+                        </m:accPr>
+                        <m:e>
+                          <m:r>
+                            <a:rPr lang="pt-BR" i="1">
+                              <a:solidFill>
+                                <a:srgbClr val="ED7D31"/>
+                              </a:solidFill>
+                              <a:latin typeface="Cambria Math" panose="02040503050406030204" pitchFamily="18" charset="0"/>
+                            </a:rPr>
+                            <m:t>𝜔</m:t>
+                          </m:r>
+                        </m:e>
+                      </m:acc>
+                      <m:r>
+                        <a:rPr lang="pt-BR" i="1">
+                          <a:latin typeface="Cambria Math" panose="02040503050406030204" pitchFamily="18" charset="0"/>
+                        </a:rPr>
+                        <m:t>∙</m:t>
+                      </m:r>
+                      <m:acc>
+                        <m:accPr>
+                          <m:chr m:val="⃗"/>
+                          <m:ctrlPr>
+                            <a:rPr lang="pt-BR" i="1">
+                              <a:latin typeface="Cambria Math" panose="02040503050406030204" pitchFamily="18" charset="0"/>
+                            </a:rPr>
+                          </m:ctrlPr>
+                        </m:accPr>
+                        <m:e>
+                          <m:r>
+                            <a:rPr lang="pt-BR" b="0" i="1" smtClean="0">
+                              <a:latin typeface="Cambria Math" panose="02040503050406030204" pitchFamily="18" charset="0"/>
+                            </a:rPr>
+                            <m:t>𝜏</m:t>
+                          </m:r>
+                        </m:e>
+                      </m:acc>
+                      <m:r>
+                        <a:rPr lang="pt-BR" b="0" i="1" smtClean="0">
+                          <a:latin typeface="Cambria Math" panose="02040503050406030204" pitchFamily="18" charset="0"/>
+                        </a:rPr>
+                        <m:t>=</m:t>
+                      </m:r>
+                      <m:r>
+                        <a:rPr lang="pt-BR" b="0" i="1" smtClean="0">
+                          <a:latin typeface="Cambria Math" panose="02040503050406030204" pitchFamily="18" charset="0"/>
+                        </a:rPr>
+                        <m:t>𝐼</m:t>
+                      </m:r>
+                      <m:acc>
+                        <m:accPr>
+                          <m:chr m:val="̇"/>
+                          <m:ctrlPr>
+                            <a:rPr lang="pt-BR" b="0" i="1" smtClean="0">
+                              <a:solidFill>
+                                <a:srgbClr val="ED7D31"/>
+                              </a:solidFill>
+                              <a:latin typeface="Cambria Math" panose="02040503050406030204" pitchFamily="18" charset="0"/>
+                            </a:rPr>
+                          </m:ctrlPr>
+                        </m:accPr>
+                        <m:e>
+                          <m:sSub>
+                            <m:sSubPr>
+                              <m:ctrlPr>
+                                <a:rPr lang="pt-BR" b="0" i="1" smtClean="0">
+                                  <a:solidFill>
+                                    <a:srgbClr val="ED7D31"/>
+                                  </a:solidFill>
+                                  <a:latin typeface="Cambria Math" panose="02040503050406030204" pitchFamily="18" charset="0"/>
+                                </a:rPr>
+                              </m:ctrlPr>
+                            </m:sSubPr>
+                            <m:e>
+                              <m:r>
+                                <a:rPr lang="pt-BR" b="0" i="1" smtClean="0">
+                                  <a:solidFill>
+                                    <a:srgbClr val="ED7D31"/>
+                                  </a:solidFill>
+                                  <a:latin typeface="Cambria Math" panose="02040503050406030204" pitchFamily="18" charset="0"/>
+                                </a:rPr>
+                                <m:t>𝜔</m:t>
+                              </m:r>
+                            </m:e>
+                            <m:sub>
+                              <m:r>
+                                <a:rPr lang="pt-BR" b="0" i="1" smtClean="0">
+                                  <a:solidFill>
+                                    <a:srgbClr val="ED7D31"/>
+                                  </a:solidFill>
+                                  <a:latin typeface="Cambria Math" panose="02040503050406030204" pitchFamily="18" charset="0"/>
+                                </a:rPr>
+                                <m:t>1</m:t>
+                              </m:r>
+                            </m:sub>
+                          </m:sSub>
+                        </m:e>
+                      </m:acc>
+                      <m:sSub>
+                        <m:sSubPr>
+                          <m:ctrlPr>
+                            <a:rPr lang="pt-BR" b="0" i="1" smtClean="0">
+                              <a:solidFill>
+                                <a:srgbClr val="ED7D31"/>
+                              </a:solidFill>
+                              <a:latin typeface="Cambria Math" panose="02040503050406030204" pitchFamily="18" charset="0"/>
+                            </a:rPr>
+                          </m:ctrlPr>
+                        </m:sSubPr>
+                        <m:e>
+                          <m:r>
+                            <a:rPr lang="pt-BR" b="0" i="1" smtClean="0">
+                              <a:solidFill>
+                                <a:srgbClr val="ED7D31"/>
+                              </a:solidFill>
+                              <a:latin typeface="Cambria Math" panose="02040503050406030204" pitchFamily="18" charset="0"/>
+                            </a:rPr>
+                            <m:t>𝜔</m:t>
+                          </m:r>
+                        </m:e>
+                        <m:sub>
+                          <m:r>
+                            <a:rPr lang="pt-BR" b="0" i="1" smtClean="0">
+                              <a:solidFill>
+                                <a:srgbClr val="ED7D31"/>
+                              </a:solidFill>
+                              <a:latin typeface="Cambria Math" panose="02040503050406030204" pitchFamily="18" charset="0"/>
+                            </a:rPr>
+                            <m:t>1</m:t>
+                          </m:r>
+                        </m:sub>
+                      </m:sSub>
+                      <m:r>
+                        <a:rPr lang="pt-BR" b="0" i="1" smtClean="0">
+                          <a:solidFill>
+                            <a:schemeClr val="tx1"/>
+                          </a:solidFill>
+                          <a:latin typeface="Cambria Math" panose="02040503050406030204" pitchFamily="18" charset="0"/>
+                        </a:rPr>
+                        <m:t>+</m:t>
+                      </m:r>
+                      <m:r>
+                        <a:rPr lang="pt-BR" i="1">
+                          <a:latin typeface="Cambria Math" panose="02040503050406030204" pitchFamily="18" charset="0"/>
+                        </a:rPr>
+                        <m:t>𝐼</m:t>
+                      </m:r>
+                      <m:acc>
+                        <m:accPr>
+                          <m:chr m:val="̇"/>
+                          <m:ctrlPr>
+                            <a:rPr lang="pt-BR" i="1" smtClean="0">
+                              <a:solidFill>
+                                <a:srgbClr val="ED7D31"/>
+                              </a:solidFill>
+                              <a:latin typeface="Cambria Math" panose="02040503050406030204" pitchFamily="18" charset="0"/>
+                            </a:rPr>
+                          </m:ctrlPr>
+                        </m:accPr>
+                        <m:e>
+                          <m:sSub>
+                            <m:sSubPr>
+                              <m:ctrlPr>
+                                <a:rPr lang="pt-BR" i="1">
+                                  <a:solidFill>
+                                    <a:srgbClr val="ED7D31"/>
+                                  </a:solidFill>
+                                  <a:latin typeface="Cambria Math" panose="02040503050406030204" pitchFamily="18" charset="0"/>
+                                </a:rPr>
+                              </m:ctrlPr>
+                            </m:sSubPr>
+                            <m:e>
+                              <m:r>
+                                <a:rPr lang="pt-BR" i="1">
+                                  <a:solidFill>
+                                    <a:srgbClr val="ED7D31"/>
+                                  </a:solidFill>
+                                  <a:latin typeface="Cambria Math" panose="02040503050406030204" pitchFamily="18" charset="0"/>
+                                </a:rPr>
+                                <m:t>𝜔</m:t>
+                              </m:r>
+                            </m:e>
+                            <m:sub>
+                              <m:r>
+                                <a:rPr lang="pt-BR" b="0" i="1" smtClean="0">
+                                  <a:solidFill>
+                                    <a:srgbClr val="ED7D31"/>
+                                  </a:solidFill>
+                                  <a:latin typeface="Cambria Math" panose="02040503050406030204" pitchFamily="18" charset="0"/>
+                                </a:rPr>
+                                <m:t>2</m:t>
+                              </m:r>
+                            </m:sub>
+                          </m:sSub>
+                        </m:e>
+                      </m:acc>
+                      <m:sSub>
+                        <m:sSubPr>
+                          <m:ctrlPr>
+                            <a:rPr lang="pt-BR" i="1">
+                              <a:solidFill>
+                                <a:srgbClr val="ED7D31"/>
+                              </a:solidFill>
+                              <a:latin typeface="Cambria Math" panose="02040503050406030204" pitchFamily="18" charset="0"/>
+                            </a:rPr>
+                          </m:ctrlPr>
+                        </m:sSubPr>
+                        <m:e>
+                          <m:r>
+                            <a:rPr lang="pt-BR" i="1">
+                              <a:solidFill>
+                                <a:srgbClr val="ED7D31"/>
+                              </a:solidFill>
+                              <a:latin typeface="Cambria Math" panose="02040503050406030204" pitchFamily="18" charset="0"/>
+                            </a:rPr>
+                            <m:t>𝜔</m:t>
+                          </m:r>
+                        </m:e>
+                        <m:sub>
+                          <m:r>
+                            <a:rPr lang="pt-BR" b="0" i="1" smtClean="0">
+                              <a:solidFill>
+                                <a:srgbClr val="ED7D31"/>
+                              </a:solidFill>
+                              <a:latin typeface="Cambria Math" panose="02040503050406030204" pitchFamily="18" charset="0"/>
+                            </a:rPr>
+                            <m:t>2</m:t>
+                          </m:r>
+                        </m:sub>
+                      </m:sSub>
+                      <m:r>
+                        <a:rPr lang="pt-BR" b="0" i="1" smtClean="0">
+                          <a:solidFill>
+                            <a:schemeClr val="tx1"/>
+                          </a:solidFill>
+                          <a:latin typeface="Cambria Math" panose="02040503050406030204" pitchFamily="18" charset="0"/>
+                        </a:rPr>
+                        <m:t>+</m:t>
+                      </m:r>
+                      <m:sSub>
+                        <m:sSubPr>
+                          <m:ctrlPr>
+                            <a:rPr lang="pt-BR" b="0" i="1" smtClean="0">
+                              <a:solidFill>
+                                <a:srgbClr val="FA0ED3"/>
+                              </a:solidFill>
+                              <a:latin typeface="Cambria Math" panose="02040503050406030204" pitchFamily="18" charset="0"/>
+                            </a:rPr>
+                          </m:ctrlPr>
+                        </m:sSubPr>
+                        <m:e>
+                          <m:r>
+                            <a:rPr lang="pt-BR" i="1">
+                              <a:latin typeface="Cambria Math" panose="02040503050406030204" pitchFamily="18" charset="0"/>
+                            </a:rPr>
+                            <m:t>𝐼</m:t>
+                          </m:r>
+                        </m:e>
+                        <m:sub>
+                          <m:r>
+                            <a:rPr lang="pt-BR" b="0" i="1" smtClean="0">
+                              <a:latin typeface="Cambria Math" panose="02040503050406030204" pitchFamily="18" charset="0"/>
+                            </a:rPr>
+                            <m:t>3</m:t>
+                          </m:r>
+                        </m:sub>
+                      </m:sSub>
+                      <m:acc>
+                        <m:accPr>
+                          <m:chr m:val="̇"/>
+                          <m:ctrlPr>
+                            <a:rPr lang="pt-BR" i="1" smtClean="0">
+                              <a:solidFill>
+                                <a:srgbClr val="ED7D31"/>
+                              </a:solidFill>
+                              <a:latin typeface="Cambria Math" panose="02040503050406030204" pitchFamily="18" charset="0"/>
+                            </a:rPr>
+                          </m:ctrlPr>
+                        </m:accPr>
+                        <m:e>
+                          <m:sSub>
+                            <m:sSubPr>
+                              <m:ctrlPr>
+                                <a:rPr lang="pt-BR" i="1">
+                                  <a:solidFill>
+                                    <a:srgbClr val="ED7D31"/>
+                                  </a:solidFill>
+                                  <a:latin typeface="Cambria Math" panose="02040503050406030204" pitchFamily="18" charset="0"/>
+                                </a:rPr>
+                              </m:ctrlPr>
+                            </m:sSubPr>
+                            <m:e>
+                              <m:r>
+                                <a:rPr lang="pt-BR" i="1">
+                                  <a:solidFill>
+                                    <a:srgbClr val="ED7D31"/>
+                                  </a:solidFill>
+                                  <a:latin typeface="Cambria Math" panose="02040503050406030204" pitchFamily="18" charset="0"/>
+                                </a:rPr>
+                                <m:t>𝜔</m:t>
+                              </m:r>
+                            </m:e>
+                            <m:sub>
+                              <m:r>
+                                <a:rPr lang="pt-BR" b="0" i="1" smtClean="0">
+                                  <a:solidFill>
+                                    <a:srgbClr val="ED7D31"/>
+                                  </a:solidFill>
+                                  <a:latin typeface="Cambria Math" panose="02040503050406030204" pitchFamily="18" charset="0"/>
+                                </a:rPr>
+                                <m:t>3</m:t>
+                              </m:r>
+                            </m:sub>
+                          </m:sSub>
+                        </m:e>
+                      </m:acc>
+                      <m:sSub>
+                        <m:sSubPr>
+                          <m:ctrlPr>
+                            <a:rPr lang="pt-BR" i="1">
+                              <a:solidFill>
+                                <a:srgbClr val="ED7D31"/>
+                              </a:solidFill>
+                              <a:latin typeface="Cambria Math" panose="02040503050406030204" pitchFamily="18" charset="0"/>
+                            </a:rPr>
+                          </m:ctrlPr>
+                        </m:sSubPr>
+                        <m:e>
+                          <m:r>
+                            <a:rPr lang="pt-BR" i="1">
+                              <a:solidFill>
+                                <a:srgbClr val="ED7D31"/>
+                              </a:solidFill>
+                              <a:latin typeface="Cambria Math" panose="02040503050406030204" pitchFamily="18" charset="0"/>
+                            </a:rPr>
+                            <m:t>𝜔</m:t>
+                          </m:r>
+                        </m:e>
+                        <m:sub>
+                          <m:r>
+                            <a:rPr lang="pt-BR" b="0" i="1" smtClean="0">
+                              <a:solidFill>
+                                <a:srgbClr val="ED7D31"/>
+                              </a:solidFill>
+                              <a:latin typeface="Cambria Math" panose="02040503050406030204" pitchFamily="18" charset="0"/>
+                            </a:rPr>
+                            <m:t>3</m:t>
+                          </m:r>
+                        </m:sub>
+                      </m:sSub>
+                    </m:oMath>
+                  </m:oMathPara>
+                </a14:m>
+                <a:endParaRPr lang="pt-BR" dirty="0"/>
+              </a:p>
+            </p:txBody>
+          </p:sp>
+        </mc:Choice>
+        <mc:Fallback>
+          <p:sp>
+            <p:nvSpPr>
+              <p:cNvPr id="16" name="CaixaDeTexto 15">
+                <a:extLst>
+                  <a:ext uri="{FF2B5EF4-FFF2-40B4-BE49-F238E27FC236}">
+                    <a16:creationId xmlns:a16="http://schemas.microsoft.com/office/drawing/2014/main" id="{7CC6C925-812A-E7FC-DC9C-FD0E6A179BE7}"/>
+                  </a:ext>
+                </a:extLst>
+              </p:cNvPr>
+              <p:cNvSpPr txBox="1">
+                <a:spLocks noRot="1" noChangeAspect="1" noMove="1" noResize="1" noEditPoints="1" noAdjustHandles="1" noChangeArrowheads="1" noChangeShapeType="1" noTextEdit="1"/>
+              </p:cNvSpPr>
+              <p:nvPr/>
+            </p:nvSpPr>
+            <p:spPr>
+              <a:xfrm>
+                <a:off x="2037455" y="3999940"/>
+                <a:ext cx="4351704" cy="333489"/>
+              </a:xfrm>
+              <a:prstGeom prst="rect">
+                <a:avLst/>
+              </a:prstGeom>
+              <a:blipFill>
+                <a:blip r:embed="rId3"/>
+                <a:stretch>
+                  <a:fillRect t="-20000" b="-14545"/>
+                </a:stretch>
+              </a:blipFill>
+            </p:spPr>
+            <p:txBody>
+              <a:bodyPr/>
+              <a:lstStyle/>
+              <a:p>
+                <a:r>
+                  <a:rPr lang="pt-BR">
+                    <a:noFill/>
+                  </a:rPr>
+                  <a:t> </a:t>
+                </a:r>
+              </a:p>
+            </p:txBody>
+          </p:sp>
+        </mc:Fallback>
+      </mc:AlternateContent>
+      <mc:AlternateContent xmlns:mc="http://schemas.openxmlformats.org/markup-compatibility/2006">
+        <mc:Choice xmlns:a14="http://schemas.microsoft.com/office/drawing/2010/main" Requires="a14">
+          <p:sp>
+            <p:nvSpPr>
+              <p:cNvPr id="18" name="CaixaDeTexto 17">
+                <a:extLst>
+                  <a:ext uri="{FF2B5EF4-FFF2-40B4-BE49-F238E27FC236}">
+                    <a16:creationId xmlns:a16="http://schemas.microsoft.com/office/drawing/2014/main" id="{EC42B172-FC75-E221-6719-6209941F6F34}"/>
+                  </a:ext>
+                </a:extLst>
+              </p:cNvPr>
+              <p:cNvSpPr txBox="1"/>
+              <p:nvPr/>
+            </p:nvSpPr>
+            <p:spPr>
+              <a:xfrm>
+                <a:off x="705781" y="4036470"/>
+                <a:ext cx="2150781" cy="1725024"/>
+              </a:xfrm>
+              <a:prstGeom prst="rect">
+                <a:avLst/>
+              </a:prstGeom>
+              <a:noFill/>
+            </p:spPr>
+            <p:txBody>
+              <a:bodyPr wrap="none" lIns="0" tIns="0" rIns="0" bIns="0" rtlCol="0">
+                <a:spAutoFit/>
+              </a:bodyPr>
+              <a:lstStyle/>
+              <a:p>
+                <a14:m>
+                  <m:oMathPara xmlns:m="http://schemas.openxmlformats.org/officeDocument/2006/math">
+                    <m:oMathParaPr>
+                      <m:jc m:val="centerGroup"/>
+                    </m:oMathParaPr>
+                    <m:oMath xmlns:m="http://schemas.openxmlformats.org/officeDocument/2006/math">
+                      <m:d>
+                        <m:dPr>
+                          <m:begChr m:val="{"/>
+                          <m:endChr m:val=""/>
+                          <m:ctrlPr>
+                            <a:rPr lang="pt-BR" i="1" smtClean="0">
+                              <a:latin typeface="Cambria Math" panose="02040503050406030204" pitchFamily="18" charset="0"/>
+                            </a:rPr>
+                          </m:ctrlPr>
+                        </m:dPr>
+                        <m:e>
+                          <m:eqArr>
+                            <m:eqArrPr>
+                              <m:ctrlPr>
+                                <a:rPr lang="pt-BR" i="1" smtClean="0">
+                                  <a:latin typeface="Cambria Math" panose="02040503050406030204" pitchFamily="18" charset="0"/>
+                                </a:rPr>
+                              </m:ctrlPr>
+                            </m:eqArrPr>
+                            <m:e>
+                              <m:r>
+                                <a:rPr lang="pt-BR" b="0" i="1" smtClean="0">
+                                  <a:solidFill>
+                                    <a:srgbClr val="C00000"/>
+                                  </a:solidFill>
+                                  <a:latin typeface="Cambria Math" panose="02040503050406030204" pitchFamily="18" charset="0"/>
+                                </a:rPr>
+                                <m:t>𝐹</m:t>
+                              </m:r>
+                              <m:r>
+                                <a:rPr lang="pt-BR" b="0" i="1" smtClean="0">
+                                  <a:solidFill>
+                                    <a:srgbClr val="C00000"/>
+                                  </a:solidFill>
+                                  <a:latin typeface="Cambria Math" panose="02040503050406030204" pitchFamily="18" charset="0"/>
+                                </a:rPr>
+                                <m:t>=</m:t>
+                              </m:r>
+                              <m:r>
+                                <a:rPr lang="pt-BR" b="0" i="1" smtClean="0">
+                                  <a:solidFill>
+                                    <a:srgbClr val="C00000"/>
+                                  </a:solidFill>
+                                  <a:latin typeface="Cambria Math" panose="02040503050406030204" pitchFamily="18" charset="0"/>
+                                </a:rPr>
+                                <m:t>𝑀</m:t>
+                              </m:r>
+                              <m:f>
+                                <m:fPr>
+                                  <m:ctrlPr>
+                                    <a:rPr lang="pt-BR" b="0" i="1" smtClean="0">
+                                      <a:solidFill>
+                                        <a:srgbClr val="C00000"/>
+                                      </a:solidFill>
+                                      <a:latin typeface="Cambria Math" panose="02040503050406030204" pitchFamily="18" charset="0"/>
+                                    </a:rPr>
+                                  </m:ctrlPr>
+                                </m:fPr>
+                                <m:num>
+                                  <m:r>
+                                    <a:rPr lang="pt-BR" b="0" i="1" smtClean="0">
+                                      <a:solidFill>
+                                        <a:srgbClr val="C00000"/>
+                                      </a:solidFill>
+                                      <a:latin typeface="Cambria Math" panose="02040503050406030204" pitchFamily="18" charset="0"/>
+                                    </a:rPr>
+                                    <m:t>𝑑</m:t>
+                                  </m:r>
+                                  <m:sSub>
+                                    <m:sSubPr>
+                                      <m:ctrlPr>
+                                        <a:rPr lang="pt-BR" b="0" i="1" smtClean="0">
+                                          <a:solidFill>
+                                            <a:srgbClr val="C00000"/>
+                                          </a:solidFill>
+                                          <a:latin typeface="Cambria Math" panose="02040503050406030204" pitchFamily="18" charset="0"/>
+                                        </a:rPr>
+                                      </m:ctrlPr>
+                                    </m:sSubPr>
+                                    <m:e>
+                                      <m:r>
+                                        <a:rPr lang="pt-BR" b="0" i="1" smtClean="0">
+                                          <a:solidFill>
+                                            <a:srgbClr val="C00000"/>
+                                          </a:solidFill>
+                                          <a:latin typeface="Cambria Math" panose="02040503050406030204" pitchFamily="18" charset="0"/>
+                                        </a:rPr>
+                                        <m:t>𝑉</m:t>
+                                      </m:r>
+                                    </m:e>
+                                    <m:sub>
+                                      <m:r>
+                                        <a:rPr lang="pt-BR" b="0" i="1" smtClean="0">
+                                          <a:solidFill>
+                                            <a:srgbClr val="C00000"/>
+                                          </a:solidFill>
+                                          <a:latin typeface="Cambria Math" panose="02040503050406030204" pitchFamily="18" charset="0"/>
+                                        </a:rPr>
+                                        <m:t>3</m:t>
+                                      </m:r>
+                                    </m:sub>
+                                  </m:sSub>
+                                </m:num>
+                                <m:den>
+                                  <m:r>
+                                    <a:rPr lang="pt-BR" b="0" i="1" smtClean="0">
+                                      <a:solidFill>
+                                        <a:srgbClr val="C00000"/>
+                                      </a:solidFill>
+                                      <a:latin typeface="Cambria Math" panose="02040503050406030204" pitchFamily="18" charset="0"/>
+                                    </a:rPr>
+                                    <m:t>𝑑𝑡</m:t>
+                                  </m:r>
+                                </m:den>
+                              </m:f>
+                              <m:r>
+                                <a:rPr lang="pt-BR" b="0" i="1" smtClean="0">
+                                  <a:solidFill>
+                                    <a:srgbClr val="C00000"/>
+                                  </a:solidFill>
+                                  <a:latin typeface="Cambria Math" panose="02040503050406030204" pitchFamily="18" charset="0"/>
+                                </a:rPr>
+                                <m:t>+</m:t>
+                              </m:r>
+                              <m:r>
+                                <a:rPr lang="pt-BR" b="0" i="1" smtClean="0">
+                                  <a:solidFill>
+                                    <a:srgbClr val="C00000"/>
+                                  </a:solidFill>
+                                  <a:latin typeface="Cambria Math" panose="02040503050406030204" pitchFamily="18" charset="0"/>
+                                </a:rPr>
+                                <m:t>𝑀𝑔</m:t>
+                              </m:r>
+                            </m:e>
+                            <m:e>
+                              <m:sSub>
+                                <m:sSubPr>
+                                  <m:ctrlPr>
+                                    <a:rPr lang="pt-BR" b="0" i="1" smtClean="0">
+                                      <a:solidFill>
+                                        <a:schemeClr val="accent1"/>
+                                      </a:solidFill>
+                                      <a:latin typeface="Cambria Math" panose="02040503050406030204" pitchFamily="18" charset="0"/>
+                                    </a:rPr>
+                                  </m:ctrlPr>
+                                </m:sSubPr>
+                                <m:e>
+                                  <m:r>
+                                    <a:rPr lang="pt-BR" b="0" i="1" smtClean="0">
+                                      <a:solidFill>
+                                        <a:schemeClr val="accent1"/>
+                                      </a:solidFill>
+                                      <a:latin typeface="Cambria Math" panose="02040503050406030204" pitchFamily="18" charset="0"/>
+                                    </a:rPr>
+                                    <m:t>𝑓</m:t>
+                                  </m:r>
+                                </m:e>
+                                <m:sub>
+                                  <m:r>
+                                    <a:rPr lang="pt-BR" b="0" i="1" smtClean="0">
+                                      <a:solidFill>
+                                        <a:schemeClr val="accent1"/>
+                                      </a:solidFill>
+                                      <a:latin typeface="Cambria Math" panose="02040503050406030204" pitchFamily="18" charset="0"/>
+                                    </a:rPr>
+                                    <m:t>𝜌</m:t>
+                                  </m:r>
+                                </m:sub>
+                              </m:sSub>
+                              <m:r>
+                                <a:rPr lang="pt-BR" b="0" i="1" smtClean="0">
+                                  <a:solidFill>
+                                    <a:schemeClr val="accent1"/>
+                                  </a:solidFill>
+                                  <a:latin typeface="Cambria Math" panose="02040503050406030204" pitchFamily="18" charset="0"/>
+                                </a:rPr>
+                                <m:t>=</m:t>
+                              </m:r>
+                              <m:r>
+                                <a:rPr lang="pt-BR" b="0" i="1" smtClean="0">
+                                  <a:solidFill>
+                                    <a:schemeClr val="accent1"/>
+                                  </a:solidFill>
+                                  <a:latin typeface="Cambria Math" panose="02040503050406030204" pitchFamily="18" charset="0"/>
+                                </a:rPr>
+                                <m:t>𝑀</m:t>
+                              </m:r>
+                              <m:f>
+                                <m:fPr>
+                                  <m:ctrlPr>
+                                    <a:rPr lang="pt-BR" b="0" i="1" smtClean="0">
+                                      <a:solidFill>
+                                        <a:schemeClr val="accent1"/>
+                                      </a:solidFill>
+                                      <a:latin typeface="Cambria Math" panose="02040503050406030204" pitchFamily="18" charset="0"/>
+                                    </a:rPr>
+                                  </m:ctrlPr>
+                                </m:fPr>
+                                <m:num>
+                                  <m:r>
+                                    <a:rPr lang="pt-BR" b="0" i="1" smtClean="0">
+                                      <a:solidFill>
+                                        <a:schemeClr val="accent1"/>
+                                      </a:solidFill>
+                                      <a:latin typeface="Cambria Math" panose="02040503050406030204" pitchFamily="18" charset="0"/>
+                                    </a:rPr>
+                                    <m:t>𝑑</m:t>
+                                  </m:r>
+                                  <m:sSub>
+                                    <m:sSubPr>
+                                      <m:ctrlPr>
+                                        <a:rPr lang="pt-BR" b="0" i="1" smtClean="0">
+                                          <a:solidFill>
+                                            <a:schemeClr val="accent1"/>
+                                          </a:solidFill>
+                                          <a:latin typeface="Cambria Math" panose="02040503050406030204" pitchFamily="18" charset="0"/>
+                                        </a:rPr>
+                                      </m:ctrlPr>
+                                    </m:sSubPr>
+                                    <m:e>
+                                      <m:r>
+                                        <a:rPr lang="pt-BR" b="0" i="1" smtClean="0">
+                                          <a:solidFill>
+                                            <a:schemeClr val="accent1"/>
+                                          </a:solidFill>
+                                          <a:latin typeface="Cambria Math" panose="02040503050406030204" pitchFamily="18" charset="0"/>
+                                        </a:rPr>
+                                        <m:t>𝑉</m:t>
+                                      </m:r>
+                                    </m:e>
+                                    <m:sub>
+                                      <m:r>
+                                        <a:rPr lang="pt-BR" b="0" i="1" smtClean="0">
+                                          <a:solidFill>
+                                            <a:schemeClr val="accent1"/>
+                                          </a:solidFill>
+                                          <a:latin typeface="Cambria Math" panose="02040503050406030204" pitchFamily="18" charset="0"/>
+                                        </a:rPr>
+                                        <m:t>𝜌</m:t>
+                                      </m:r>
+                                    </m:sub>
+                                  </m:sSub>
+                                </m:num>
+                                <m:den>
+                                  <m:r>
+                                    <a:rPr lang="pt-BR" b="0" i="1" smtClean="0">
+                                      <a:solidFill>
+                                        <a:schemeClr val="accent1"/>
+                                      </a:solidFill>
+                                      <a:latin typeface="Cambria Math" panose="02040503050406030204" pitchFamily="18" charset="0"/>
+                                    </a:rPr>
+                                    <m:t>𝑑𝑡</m:t>
+                                  </m:r>
+                                </m:den>
+                              </m:f>
+                              <m:r>
+                                <a:rPr lang="pt-BR" b="0" i="1" smtClean="0">
+                                  <a:solidFill>
+                                    <a:schemeClr val="accent1"/>
+                                  </a:solidFill>
+                                  <a:latin typeface="Cambria Math" panose="02040503050406030204" pitchFamily="18" charset="0"/>
+                                </a:rPr>
+                                <m:t>−</m:t>
+                              </m:r>
+                              <m:r>
+                                <a:rPr lang="pt-BR" b="0" i="1" smtClean="0">
+                                  <a:solidFill>
+                                    <a:schemeClr val="accent1"/>
+                                  </a:solidFill>
+                                  <a:latin typeface="Cambria Math" panose="02040503050406030204" pitchFamily="18" charset="0"/>
+                                </a:rPr>
+                                <m:t>𝑀</m:t>
+                              </m:r>
+                              <m:sSub>
+                                <m:sSubPr>
+                                  <m:ctrlPr>
+                                    <a:rPr lang="pt-BR" b="0" i="1" smtClean="0">
+                                      <a:solidFill>
+                                        <a:schemeClr val="accent1"/>
+                                      </a:solidFill>
+                                      <a:latin typeface="Cambria Math" panose="02040503050406030204" pitchFamily="18" charset="0"/>
+                                    </a:rPr>
+                                  </m:ctrlPr>
+                                </m:sSubPr>
+                                <m:e>
+                                  <m:r>
+                                    <a:rPr lang="pt-BR" b="0" i="1" smtClean="0">
+                                      <a:solidFill>
+                                        <a:schemeClr val="accent1"/>
+                                      </a:solidFill>
+                                      <a:latin typeface="Cambria Math" panose="02040503050406030204" pitchFamily="18" charset="0"/>
+                                    </a:rPr>
+                                    <m:t>𝑉</m:t>
+                                  </m:r>
+                                </m:e>
+                                <m:sub>
+                                  <m:r>
+                                    <a:rPr lang="pt-BR" b="0" i="1" smtClean="0">
+                                      <a:solidFill>
+                                        <a:schemeClr val="accent1"/>
+                                      </a:solidFill>
+                                      <a:latin typeface="Cambria Math" panose="02040503050406030204" pitchFamily="18" charset="0"/>
+                                    </a:rPr>
+                                    <m:t>𝑛</m:t>
+                                  </m:r>
+                                </m:sub>
+                              </m:sSub>
+                              <m:acc>
+                                <m:accPr>
+                                  <m:chr m:val="̇"/>
+                                  <m:ctrlPr>
+                                    <a:rPr lang="pt-BR" b="0" i="1" smtClean="0">
+                                      <a:solidFill>
+                                        <a:schemeClr val="accent1"/>
+                                      </a:solidFill>
+                                      <a:latin typeface="Cambria Math" panose="02040503050406030204" pitchFamily="18" charset="0"/>
+                                    </a:rPr>
+                                  </m:ctrlPr>
+                                </m:accPr>
+                                <m:e>
+                                  <m:r>
+                                    <a:rPr lang="pt-BR" b="0" i="1" smtClean="0">
+                                      <a:solidFill>
+                                        <a:schemeClr val="accent1"/>
+                                      </a:solidFill>
+                                      <a:latin typeface="Cambria Math" panose="02040503050406030204" pitchFamily="18" charset="0"/>
+                                    </a:rPr>
+                                    <m:t>𝜙</m:t>
+                                  </m:r>
+                                </m:e>
+                              </m:acc>
+                            </m:e>
+                            <m:e>
+                              <m:sSub>
+                                <m:sSubPr>
+                                  <m:ctrlPr>
+                                    <a:rPr lang="pt-BR" b="0" i="1" smtClean="0">
+                                      <a:solidFill>
+                                        <a:srgbClr val="4472C4"/>
+                                      </a:solidFill>
+                                      <a:latin typeface="Cambria Math" panose="02040503050406030204" pitchFamily="18" charset="0"/>
+                                    </a:rPr>
+                                  </m:ctrlPr>
+                                </m:sSubPr>
+                                <m:e>
+                                  <m:r>
+                                    <a:rPr lang="pt-BR" b="0" i="1" smtClean="0">
+                                      <a:solidFill>
+                                        <a:srgbClr val="4472C4"/>
+                                      </a:solidFill>
+                                      <a:latin typeface="Cambria Math" panose="02040503050406030204" pitchFamily="18" charset="0"/>
+                                    </a:rPr>
+                                    <m:t>𝑓</m:t>
+                                  </m:r>
+                                </m:e>
+                                <m:sub>
+                                  <m:r>
+                                    <a:rPr lang="pt-BR" b="0" i="1" smtClean="0">
+                                      <a:solidFill>
+                                        <a:srgbClr val="4472C4"/>
+                                      </a:solidFill>
+                                      <a:latin typeface="Cambria Math" panose="02040503050406030204" pitchFamily="18" charset="0"/>
+                                    </a:rPr>
+                                    <m:t>𝑛</m:t>
+                                  </m:r>
+                                </m:sub>
+                              </m:sSub>
+                              <m:r>
+                                <a:rPr lang="pt-BR" b="0" i="1" smtClean="0">
+                                  <a:solidFill>
+                                    <a:srgbClr val="4472C4"/>
+                                  </a:solidFill>
+                                  <a:latin typeface="Cambria Math" panose="02040503050406030204" pitchFamily="18" charset="0"/>
+                                </a:rPr>
+                                <m:t>=</m:t>
+                              </m:r>
+                              <m:r>
+                                <a:rPr lang="pt-BR" b="0" i="1" smtClean="0">
+                                  <a:solidFill>
+                                    <a:srgbClr val="4472C4"/>
+                                  </a:solidFill>
+                                  <a:latin typeface="Cambria Math" panose="02040503050406030204" pitchFamily="18" charset="0"/>
+                                </a:rPr>
+                                <m:t>𝑀</m:t>
+                              </m:r>
+                              <m:f>
+                                <m:fPr>
+                                  <m:ctrlPr>
+                                    <a:rPr lang="pt-BR" b="0" i="1" smtClean="0">
+                                      <a:solidFill>
+                                        <a:srgbClr val="4472C4"/>
+                                      </a:solidFill>
+                                      <a:latin typeface="Cambria Math" panose="02040503050406030204" pitchFamily="18" charset="0"/>
+                                    </a:rPr>
+                                  </m:ctrlPr>
+                                </m:fPr>
+                                <m:num>
+                                  <m:r>
+                                    <a:rPr lang="pt-BR" b="0" i="1" smtClean="0">
+                                      <a:solidFill>
+                                        <a:srgbClr val="4472C4"/>
+                                      </a:solidFill>
+                                      <a:latin typeface="Cambria Math" panose="02040503050406030204" pitchFamily="18" charset="0"/>
+                                    </a:rPr>
+                                    <m:t>𝑑</m:t>
+                                  </m:r>
+                                  <m:sSub>
+                                    <m:sSubPr>
+                                      <m:ctrlPr>
+                                        <a:rPr lang="pt-BR" b="0" i="1" smtClean="0">
+                                          <a:solidFill>
+                                            <a:srgbClr val="4472C4"/>
+                                          </a:solidFill>
+                                          <a:latin typeface="Cambria Math" panose="02040503050406030204" pitchFamily="18" charset="0"/>
+                                        </a:rPr>
+                                      </m:ctrlPr>
+                                    </m:sSubPr>
+                                    <m:e>
+                                      <m:r>
+                                        <a:rPr lang="pt-BR" b="0" i="1" smtClean="0">
+                                          <a:solidFill>
+                                            <a:srgbClr val="4472C4"/>
+                                          </a:solidFill>
+                                          <a:latin typeface="Cambria Math" panose="02040503050406030204" pitchFamily="18" charset="0"/>
+                                        </a:rPr>
+                                        <m:t>𝑉</m:t>
+                                      </m:r>
+                                    </m:e>
+                                    <m:sub>
+                                      <m:r>
+                                        <a:rPr lang="pt-BR" b="0" i="1" smtClean="0">
+                                          <a:solidFill>
+                                            <a:srgbClr val="4472C4"/>
+                                          </a:solidFill>
+                                          <a:latin typeface="Cambria Math" panose="02040503050406030204" pitchFamily="18" charset="0"/>
+                                        </a:rPr>
+                                        <m:t>𝑛</m:t>
+                                      </m:r>
+                                    </m:sub>
+                                  </m:sSub>
+                                </m:num>
+                                <m:den>
+                                  <m:r>
+                                    <a:rPr lang="pt-BR" b="0" i="1" smtClean="0">
+                                      <a:solidFill>
+                                        <a:srgbClr val="4472C4"/>
+                                      </a:solidFill>
+                                      <a:latin typeface="Cambria Math" panose="02040503050406030204" pitchFamily="18" charset="0"/>
+                                    </a:rPr>
+                                    <m:t>𝑑𝑡</m:t>
+                                  </m:r>
+                                </m:den>
+                              </m:f>
+                              <m:r>
+                                <a:rPr lang="pt-BR" b="0" i="1" smtClean="0">
+                                  <a:solidFill>
+                                    <a:srgbClr val="4472C4"/>
+                                  </a:solidFill>
+                                  <a:latin typeface="Cambria Math" panose="02040503050406030204" pitchFamily="18" charset="0"/>
+                                </a:rPr>
+                                <m:t>+</m:t>
+                              </m:r>
+                              <m:r>
+                                <a:rPr lang="pt-BR" b="0" i="1" smtClean="0">
+                                  <a:solidFill>
+                                    <a:srgbClr val="4472C4"/>
+                                  </a:solidFill>
+                                  <a:latin typeface="Cambria Math" panose="02040503050406030204" pitchFamily="18" charset="0"/>
+                                </a:rPr>
+                                <m:t>𝑀</m:t>
+                              </m:r>
+                              <m:sSub>
+                                <m:sSubPr>
+                                  <m:ctrlPr>
+                                    <a:rPr lang="pt-BR" b="0" i="1" smtClean="0">
+                                      <a:solidFill>
+                                        <a:srgbClr val="4472C4"/>
+                                      </a:solidFill>
+                                      <a:latin typeface="Cambria Math" panose="02040503050406030204" pitchFamily="18" charset="0"/>
+                                    </a:rPr>
+                                  </m:ctrlPr>
+                                </m:sSubPr>
+                                <m:e>
+                                  <m:r>
+                                    <a:rPr lang="pt-BR" b="0" i="1" smtClean="0">
+                                      <a:solidFill>
+                                        <a:srgbClr val="4472C4"/>
+                                      </a:solidFill>
+                                      <a:latin typeface="Cambria Math" panose="02040503050406030204" pitchFamily="18" charset="0"/>
+                                    </a:rPr>
+                                    <m:t>𝑉</m:t>
+                                  </m:r>
+                                </m:e>
+                                <m:sub>
+                                  <m:r>
+                                    <a:rPr lang="pt-BR" b="0" i="1" smtClean="0">
+                                      <a:solidFill>
+                                        <a:srgbClr val="4472C4"/>
+                                      </a:solidFill>
+                                      <a:latin typeface="Cambria Math" panose="02040503050406030204" pitchFamily="18" charset="0"/>
+                                    </a:rPr>
+                                    <m:t>𝜌</m:t>
+                                  </m:r>
+                                </m:sub>
+                              </m:sSub>
+                              <m:acc>
+                                <m:accPr>
+                                  <m:chr m:val="̇"/>
+                                  <m:ctrlPr>
+                                    <a:rPr lang="pt-BR" b="0" i="1" smtClean="0">
+                                      <a:solidFill>
+                                        <a:srgbClr val="4472C4"/>
+                                      </a:solidFill>
+                                      <a:latin typeface="Cambria Math" panose="02040503050406030204" pitchFamily="18" charset="0"/>
+                                    </a:rPr>
+                                  </m:ctrlPr>
+                                </m:accPr>
+                                <m:e>
+                                  <m:r>
+                                    <a:rPr lang="pt-BR" b="0" i="1" smtClean="0">
+                                      <a:solidFill>
+                                        <a:srgbClr val="4472C4"/>
+                                      </a:solidFill>
+                                      <a:latin typeface="Cambria Math" panose="02040503050406030204" pitchFamily="18" charset="0"/>
+                                    </a:rPr>
+                                    <m:t>𝜙</m:t>
+                                  </m:r>
+                                </m:e>
+                              </m:acc>
+                            </m:e>
+                          </m:eqArr>
+                        </m:e>
+                      </m:d>
+                    </m:oMath>
+                  </m:oMathPara>
+                </a14:m>
+                <a:endParaRPr lang="pt-BR" dirty="0"/>
+              </a:p>
+            </p:txBody>
+          </p:sp>
+        </mc:Choice>
+        <mc:Fallback>
+          <p:sp>
+            <p:nvSpPr>
+              <p:cNvPr id="18" name="CaixaDeTexto 17">
+                <a:extLst>
+                  <a:ext uri="{FF2B5EF4-FFF2-40B4-BE49-F238E27FC236}">
+                    <a16:creationId xmlns:a16="http://schemas.microsoft.com/office/drawing/2014/main" id="{EC42B172-FC75-E221-6719-6209941F6F34}"/>
+                  </a:ext>
+                </a:extLst>
+              </p:cNvPr>
+              <p:cNvSpPr txBox="1">
+                <a:spLocks noRot="1" noChangeAspect="1" noMove="1" noResize="1" noEditPoints="1" noAdjustHandles="1" noChangeArrowheads="1" noChangeShapeType="1" noTextEdit="1"/>
+              </p:cNvSpPr>
+              <p:nvPr/>
+            </p:nvSpPr>
+            <p:spPr>
+              <a:xfrm>
+                <a:off x="705781" y="4036470"/>
+                <a:ext cx="2150781" cy="1725024"/>
+              </a:xfrm>
+              <a:prstGeom prst="rect">
+                <a:avLst/>
+              </a:prstGeom>
+              <a:blipFill>
+                <a:blip r:embed="rId4"/>
+                <a:stretch>
+                  <a:fillRect/>
+                </a:stretch>
+              </a:blipFill>
+            </p:spPr>
+            <p:txBody>
+              <a:bodyPr/>
+              <a:lstStyle/>
+              <a:p>
+                <a:r>
+                  <a:rPr lang="pt-BR">
+                    <a:noFill/>
+                  </a:rPr>
+                  <a:t> </a:t>
+                </a:r>
+              </a:p>
+            </p:txBody>
+          </p:sp>
+        </mc:Fallback>
+      </mc:AlternateContent>
+      <mc:AlternateContent xmlns:mc="http://schemas.openxmlformats.org/markup-compatibility/2006">
+        <mc:Choice xmlns:a14="http://schemas.microsoft.com/office/drawing/2010/main" Requires="a14">
+          <p:sp>
+            <p:nvSpPr>
+              <p:cNvPr id="20" name="CaixaDeTexto 19">
+                <a:extLst>
+                  <a:ext uri="{FF2B5EF4-FFF2-40B4-BE49-F238E27FC236}">
+                    <a16:creationId xmlns:a16="http://schemas.microsoft.com/office/drawing/2014/main" id="{5C15909F-7514-6FFB-6BF1-19253AEB0B7C}"/>
+                  </a:ext>
+                </a:extLst>
+              </p:cNvPr>
+              <p:cNvSpPr txBox="1"/>
+              <p:nvPr/>
+            </p:nvSpPr>
+            <p:spPr>
+              <a:xfrm>
+                <a:off x="-914110" y="4260441"/>
+                <a:ext cx="10963279" cy="1277081"/>
+              </a:xfrm>
+              <a:prstGeom prst="rect">
+                <a:avLst/>
+              </a:prstGeom>
+              <a:noFill/>
+            </p:spPr>
+            <p:txBody>
+              <a:bodyPr wrap="square" lIns="0" tIns="0" rIns="0" bIns="0" rtlCol="0">
+                <a:spAutoFit/>
+              </a:bodyPr>
+              <a:lstStyle/>
+              <a:p>
+                <a14:m>
+                  <m:oMathPara xmlns:m="http://schemas.openxmlformats.org/officeDocument/2006/math">
+                    <m:oMathParaPr>
+                      <m:jc m:val="centerGroup"/>
+                    </m:oMathParaPr>
+                    <m:oMath xmlns:m="http://schemas.openxmlformats.org/officeDocument/2006/math">
+                      <m:borderBox>
+                        <m:borderBoxPr>
+                          <m:ctrlPr>
+                            <a:rPr lang="pt-BR" b="0" i="1" smtClean="0">
+                              <a:solidFill>
+                                <a:srgbClr val="C00000"/>
+                              </a:solidFill>
+                              <a:latin typeface="Cambria Math" panose="02040503050406030204" pitchFamily="18" charset="0"/>
+                            </a:rPr>
+                          </m:ctrlPr>
+                        </m:borderBoxPr>
+                        <m:e>
+                          <m:eqArr>
+                            <m:eqArrPr>
+                              <m:ctrlPr>
+                                <a:rPr lang="pt-BR" i="1">
+                                  <a:solidFill>
+                                    <a:srgbClr val="C00000"/>
+                                  </a:solidFill>
+                                  <a:latin typeface="Cambria Math" panose="02040503050406030204" pitchFamily="18" charset="0"/>
+                                </a:rPr>
+                              </m:ctrlPr>
+                            </m:eqArrPr>
+                            <m:e>
+                              <m:sSub>
+                                <m:sSubPr>
+                                  <m:ctrlPr>
+                                    <a:rPr lang="pt-BR" i="1">
+                                      <a:solidFill>
+                                        <a:srgbClr val="C00000"/>
+                                      </a:solidFill>
+                                      <a:latin typeface="Cambria Math" panose="02040503050406030204" pitchFamily="18" charset="0"/>
+                                    </a:rPr>
+                                  </m:ctrlPr>
+                                </m:sSubPr>
+                                <m:e>
+                                  <m:r>
+                                    <a:rPr lang="pt-BR" i="1">
+                                      <a:solidFill>
+                                        <a:srgbClr val="C00000"/>
+                                      </a:solidFill>
+                                      <a:latin typeface="Cambria Math" panose="02040503050406030204" pitchFamily="18" charset="0"/>
+                                    </a:rPr>
+                                    <m:t>𝑊</m:t>
+                                  </m:r>
+                                </m:e>
+                                <m:sub>
+                                  <m:r>
+                                    <a:rPr lang="pt-BR" i="1">
+                                      <a:solidFill>
+                                        <a:srgbClr val="C00000"/>
+                                      </a:solidFill>
+                                      <a:latin typeface="Cambria Math" panose="02040503050406030204" pitchFamily="18" charset="0"/>
+                                    </a:rPr>
+                                    <m:t>1</m:t>
+                                  </m:r>
+                                </m:sub>
+                              </m:sSub>
+                              <m:r>
+                                <a:rPr lang="pt-BR" i="1">
+                                  <a:solidFill>
+                                    <a:srgbClr val="C00000"/>
+                                  </a:solidFill>
+                                  <a:latin typeface="Cambria Math" panose="02040503050406030204" pitchFamily="18" charset="0"/>
+                                </a:rPr>
+                                <m:t>= </m:t>
+                              </m:r>
+                              <m:f>
+                                <m:fPr>
+                                  <m:ctrlPr>
+                                    <a:rPr lang="pt-BR" i="1">
+                                      <a:solidFill>
+                                        <a:srgbClr val="C00000"/>
+                                      </a:solidFill>
+                                      <a:latin typeface="Cambria Math" panose="02040503050406030204" pitchFamily="18" charset="0"/>
+                                    </a:rPr>
+                                  </m:ctrlPr>
+                                </m:fPr>
+                                <m:num>
+                                  <m:r>
+                                    <a:rPr lang="pt-BR" i="1">
+                                      <a:solidFill>
+                                        <a:srgbClr val="C00000"/>
+                                      </a:solidFill>
+                                      <a:latin typeface="Cambria Math" panose="02040503050406030204" pitchFamily="18" charset="0"/>
+                                    </a:rPr>
+                                    <m:t>𝐼</m:t>
+                                  </m:r>
+                                  <m:sSubSup>
+                                    <m:sSubSupPr>
+                                      <m:ctrlPr>
+                                        <a:rPr lang="pt-BR" i="1">
+                                          <a:solidFill>
+                                            <a:srgbClr val="C00000"/>
+                                          </a:solidFill>
+                                          <a:latin typeface="Cambria Math" panose="02040503050406030204" pitchFamily="18" charset="0"/>
+                                        </a:rPr>
+                                      </m:ctrlPr>
+                                    </m:sSubSupPr>
+                                    <m:e>
+                                      <m:r>
+                                        <a:rPr lang="pt-BR" i="1">
+                                          <a:solidFill>
+                                            <a:srgbClr val="C00000"/>
+                                          </a:solidFill>
+                                          <a:latin typeface="Cambria Math" panose="02040503050406030204" pitchFamily="18" charset="0"/>
+                                        </a:rPr>
+                                        <m:t>𝜔</m:t>
+                                      </m:r>
+                                    </m:e>
+                                    <m:sub>
+                                      <m:r>
+                                        <a:rPr lang="pt-BR" i="1">
+                                          <a:solidFill>
+                                            <a:srgbClr val="C00000"/>
+                                          </a:solidFill>
+                                          <a:latin typeface="Cambria Math" panose="02040503050406030204" pitchFamily="18" charset="0"/>
+                                        </a:rPr>
+                                        <m:t>1,1</m:t>
+                                      </m:r>
+                                    </m:sub>
+                                    <m:sup>
+                                      <m:r>
+                                        <a:rPr lang="pt-BR" i="1">
+                                          <a:solidFill>
+                                            <a:srgbClr val="C00000"/>
+                                          </a:solidFill>
+                                          <a:latin typeface="Cambria Math" panose="02040503050406030204" pitchFamily="18" charset="0"/>
+                                        </a:rPr>
+                                        <m:t>2</m:t>
+                                      </m:r>
+                                    </m:sup>
+                                  </m:sSubSup>
+                                </m:num>
+                                <m:den>
+                                  <m:r>
+                                    <a:rPr lang="pt-BR" i="1">
+                                      <a:solidFill>
+                                        <a:srgbClr val="C00000"/>
+                                      </a:solidFill>
+                                      <a:latin typeface="Cambria Math" panose="02040503050406030204" pitchFamily="18" charset="0"/>
+                                    </a:rPr>
+                                    <m:t>2</m:t>
+                                  </m:r>
+                                </m:den>
+                              </m:f>
+                              <m:r>
+                                <a:rPr lang="pt-BR" i="1">
+                                  <a:solidFill>
+                                    <a:srgbClr val="C00000"/>
+                                  </a:solidFill>
+                                  <a:latin typeface="Cambria Math" panose="02040503050406030204" pitchFamily="18" charset="0"/>
+                                </a:rPr>
+                                <m:t>+</m:t>
+                              </m:r>
+                              <m:f>
+                                <m:fPr>
+                                  <m:ctrlPr>
+                                    <a:rPr lang="pt-BR" i="1">
+                                      <a:solidFill>
+                                        <a:srgbClr val="C00000"/>
+                                      </a:solidFill>
+                                      <a:latin typeface="Cambria Math" panose="02040503050406030204" pitchFamily="18" charset="0"/>
+                                    </a:rPr>
+                                  </m:ctrlPr>
+                                </m:fPr>
+                                <m:num>
+                                  <m:r>
+                                    <a:rPr lang="pt-BR" i="1">
+                                      <a:solidFill>
+                                        <a:srgbClr val="C00000"/>
+                                      </a:solidFill>
+                                      <a:latin typeface="Cambria Math" panose="02040503050406030204" pitchFamily="18" charset="0"/>
+                                    </a:rPr>
+                                    <m:t>𝐼</m:t>
+                                  </m:r>
+                                  <m:sSubSup>
+                                    <m:sSubSupPr>
+                                      <m:ctrlPr>
+                                        <a:rPr lang="pt-BR" i="1">
+                                          <a:solidFill>
+                                            <a:srgbClr val="C00000"/>
+                                          </a:solidFill>
+                                          <a:latin typeface="Cambria Math" panose="02040503050406030204" pitchFamily="18" charset="0"/>
+                                        </a:rPr>
+                                      </m:ctrlPr>
+                                    </m:sSubSupPr>
+                                    <m:e>
+                                      <m:r>
+                                        <a:rPr lang="pt-BR" i="1">
+                                          <a:solidFill>
+                                            <a:srgbClr val="C00000"/>
+                                          </a:solidFill>
+                                          <a:latin typeface="Cambria Math" panose="02040503050406030204" pitchFamily="18" charset="0"/>
+                                        </a:rPr>
+                                        <m:t>𝜔</m:t>
+                                      </m:r>
+                                    </m:e>
+                                    <m:sub>
+                                      <m:r>
+                                        <a:rPr lang="pt-BR" i="1">
+                                          <a:solidFill>
+                                            <a:srgbClr val="C00000"/>
+                                          </a:solidFill>
+                                          <a:latin typeface="Cambria Math" panose="02040503050406030204" pitchFamily="18" charset="0"/>
+                                        </a:rPr>
+                                        <m:t>2</m:t>
+                                      </m:r>
+                                      <m:r>
+                                        <a:rPr lang="pt-BR" i="1">
+                                          <a:solidFill>
+                                            <a:srgbClr val="C00000"/>
+                                          </a:solidFill>
+                                          <a:latin typeface="Cambria Math" panose="02040503050406030204" pitchFamily="18" charset="0"/>
+                                        </a:rPr>
+                                        <m:t>,1</m:t>
+                                      </m:r>
+                                    </m:sub>
+                                    <m:sup>
+                                      <m:r>
+                                        <a:rPr lang="pt-BR" i="1">
+                                          <a:solidFill>
+                                            <a:srgbClr val="C00000"/>
+                                          </a:solidFill>
+                                          <a:latin typeface="Cambria Math" panose="02040503050406030204" pitchFamily="18" charset="0"/>
+                                        </a:rPr>
+                                        <m:t>2</m:t>
+                                      </m:r>
+                                    </m:sup>
+                                  </m:sSubSup>
+                                </m:num>
+                                <m:den>
+                                  <m:r>
+                                    <a:rPr lang="pt-BR" i="1">
+                                      <a:solidFill>
+                                        <a:srgbClr val="C00000"/>
+                                      </a:solidFill>
+                                      <a:latin typeface="Cambria Math" panose="02040503050406030204" pitchFamily="18" charset="0"/>
+                                    </a:rPr>
+                                    <m:t>2</m:t>
+                                  </m:r>
+                                </m:den>
+                              </m:f>
+                              <m:r>
+                                <a:rPr lang="pt-BR" i="1">
+                                  <a:solidFill>
+                                    <a:srgbClr val="C00000"/>
+                                  </a:solidFill>
+                                  <a:latin typeface="Cambria Math" panose="02040503050406030204" pitchFamily="18" charset="0"/>
+                                </a:rPr>
+                                <m:t>+</m:t>
+                              </m:r>
+                              <m:f>
+                                <m:fPr>
+                                  <m:ctrlPr>
+                                    <a:rPr lang="pt-BR" i="1">
+                                      <a:solidFill>
+                                        <a:srgbClr val="C00000"/>
+                                      </a:solidFill>
+                                      <a:latin typeface="Cambria Math" panose="02040503050406030204" pitchFamily="18" charset="0"/>
+                                    </a:rPr>
+                                  </m:ctrlPr>
+                                </m:fPr>
+                                <m:num>
+                                  <m:sSub>
+                                    <m:sSubPr>
+                                      <m:ctrlPr>
+                                        <a:rPr lang="pt-BR" i="1">
+                                          <a:solidFill>
+                                            <a:srgbClr val="C00000"/>
+                                          </a:solidFill>
+                                          <a:latin typeface="Cambria Math" panose="02040503050406030204" pitchFamily="18" charset="0"/>
+                                        </a:rPr>
+                                      </m:ctrlPr>
+                                    </m:sSubPr>
+                                    <m:e>
+                                      <m:r>
+                                        <a:rPr lang="pt-BR" i="1">
+                                          <a:solidFill>
+                                            <a:srgbClr val="C00000"/>
+                                          </a:solidFill>
+                                          <a:latin typeface="Cambria Math" panose="02040503050406030204" pitchFamily="18" charset="0"/>
+                                        </a:rPr>
+                                        <m:t>𝐼</m:t>
+                                      </m:r>
+                                    </m:e>
+                                    <m:sub>
+                                      <m:r>
+                                        <a:rPr lang="pt-BR" i="1">
+                                          <a:solidFill>
+                                            <a:srgbClr val="C00000"/>
+                                          </a:solidFill>
+                                          <a:latin typeface="Cambria Math" panose="02040503050406030204" pitchFamily="18" charset="0"/>
+                                        </a:rPr>
+                                        <m:t>3</m:t>
+                                      </m:r>
+                                    </m:sub>
+                                  </m:sSub>
+                                  <m:sSubSup>
+                                    <m:sSubSupPr>
+                                      <m:ctrlPr>
+                                        <a:rPr lang="pt-BR" i="1">
+                                          <a:solidFill>
+                                            <a:srgbClr val="C00000"/>
+                                          </a:solidFill>
+                                          <a:latin typeface="Cambria Math" panose="02040503050406030204" pitchFamily="18" charset="0"/>
+                                        </a:rPr>
+                                      </m:ctrlPr>
+                                    </m:sSubSupPr>
+                                    <m:e>
+                                      <m:r>
+                                        <a:rPr lang="pt-BR" i="1">
+                                          <a:solidFill>
+                                            <a:srgbClr val="C00000"/>
+                                          </a:solidFill>
+                                          <a:latin typeface="Cambria Math" panose="02040503050406030204" pitchFamily="18" charset="0"/>
+                                        </a:rPr>
+                                        <m:t>𝜔</m:t>
+                                      </m:r>
+                                    </m:e>
+                                    <m:sub>
+                                      <m:r>
+                                        <a:rPr lang="pt-BR" i="1">
+                                          <a:solidFill>
+                                            <a:srgbClr val="C00000"/>
+                                          </a:solidFill>
+                                          <a:latin typeface="Cambria Math" panose="02040503050406030204" pitchFamily="18" charset="0"/>
+                                        </a:rPr>
+                                        <m:t>3</m:t>
+                                      </m:r>
+                                      <m:r>
+                                        <a:rPr lang="pt-BR" i="1">
+                                          <a:solidFill>
+                                            <a:srgbClr val="C00000"/>
+                                          </a:solidFill>
+                                          <a:latin typeface="Cambria Math" panose="02040503050406030204" pitchFamily="18" charset="0"/>
+                                        </a:rPr>
+                                        <m:t>,1</m:t>
+                                      </m:r>
+                                    </m:sub>
+                                    <m:sup>
+                                      <m:r>
+                                        <a:rPr lang="pt-BR" i="1">
+                                          <a:solidFill>
+                                            <a:srgbClr val="C00000"/>
+                                          </a:solidFill>
+                                          <a:latin typeface="Cambria Math" panose="02040503050406030204" pitchFamily="18" charset="0"/>
+                                        </a:rPr>
+                                        <m:t>2</m:t>
+                                      </m:r>
+                                    </m:sup>
+                                  </m:sSubSup>
+                                </m:num>
+                                <m:den>
+                                  <m:r>
+                                    <a:rPr lang="pt-BR" i="1">
+                                      <a:solidFill>
+                                        <a:srgbClr val="C00000"/>
+                                      </a:solidFill>
+                                      <a:latin typeface="Cambria Math" panose="02040503050406030204" pitchFamily="18" charset="0"/>
+                                    </a:rPr>
+                                    <m:t>2</m:t>
+                                  </m:r>
+                                </m:den>
+                              </m:f>
+                              <m:r>
+                                <a:rPr lang="pt-BR" i="1">
+                                  <a:solidFill>
+                                    <a:srgbClr val="C00000"/>
+                                  </a:solidFill>
+                                  <a:latin typeface="Cambria Math" panose="02040503050406030204" pitchFamily="18" charset="0"/>
+                                </a:rPr>
+                                <m:t>−</m:t>
+                              </m:r>
+                              <m:f>
+                                <m:fPr>
+                                  <m:ctrlPr>
+                                    <a:rPr lang="pt-BR" i="1">
+                                      <a:solidFill>
+                                        <a:srgbClr val="C00000"/>
+                                      </a:solidFill>
+                                      <a:latin typeface="Cambria Math" panose="02040503050406030204" pitchFamily="18" charset="0"/>
+                                    </a:rPr>
+                                  </m:ctrlPr>
+                                </m:fPr>
+                                <m:num>
+                                  <m:r>
+                                    <a:rPr lang="pt-BR" i="1">
+                                      <a:solidFill>
+                                        <a:srgbClr val="C00000"/>
+                                      </a:solidFill>
+                                      <a:latin typeface="Cambria Math" panose="02040503050406030204" pitchFamily="18" charset="0"/>
+                                    </a:rPr>
+                                    <m:t>𝐼</m:t>
+                                  </m:r>
+                                  <m:sSubSup>
+                                    <m:sSubSupPr>
+                                      <m:ctrlPr>
+                                        <a:rPr lang="pt-BR" i="1">
+                                          <a:solidFill>
+                                            <a:srgbClr val="C00000"/>
+                                          </a:solidFill>
+                                          <a:latin typeface="Cambria Math" panose="02040503050406030204" pitchFamily="18" charset="0"/>
+                                        </a:rPr>
+                                      </m:ctrlPr>
+                                    </m:sSubSupPr>
+                                    <m:e>
+                                      <m:r>
+                                        <a:rPr lang="pt-BR" i="1">
+                                          <a:solidFill>
+                                            <a:srgbClr val="C00000"/>
+                                          </a:solidFill>
+                                          <a:latin typeface="Cambria Math" panose="02040503050406030204" pitchFamily="18" charset="0"/>
+                                        </a:rPr>
+                                        <m:t>𝜔</m:t>
+                                      </m:r>
+                                    </m:e>
+                                    <m:sub>
+                                      <m:r>
+                                        <a:rPr lang="pt-BR" i="1">
+                                          <a:solidFill>
+                                            <a:srgbClr val="C00000"/>
+                                          </a:solidFill>
+                                          <a:latin typeface="Cambria Math" panose="02040503050406030204" pitchFamily="18" charset="0"/>
+                                        </a:rPr>
+                                        <m:t>1,</m:t>
+                                      </m:r>
+                                      <m:r>
+                                        <a:rPr lang="pt-BR" i="1">
+                                          <a:solidFill>
+                                            <a:srgbClr val="C00000"/>
+                                          </a:solidFill>
+                                          <a:latin typeface="Cambria Math" panose="02040503050406030204" pitchFamily="18" charset="0"/>
+                                        </a:rPr>
+                                        <m:t>0</m:t>
+                                      </m:r>
+                                    </m:sub>
+                                    <m:sup>
+                                      <m:r>
+                                        <a:rPr lang="pt-BR" i="1">
+                                          <a:solidFill>
+                                            <a:srgbClr val="C00000"/>
+                                          </a:solidFill>
+                                          <a:latin typeface="Cambria Math" panose="02040503050406030204" pitchFamily="18" charset="0"/>
+                                        </a:rPr>
+                                        <m:t>2</m:t>
+                                      </m:r>
+                                    </m:sup>
+                                  </m:sSubSup>
+                                </m:num>
+                                <m:den>
+                                  <m:r>
+                                    <a:rPr lang="pt-BR" i="1">
+                                      <a:solidFill>
+                                        <a:srgbClr val="C00000"/>
+                                      </a:solidFill>
+                                      <a:latin typeface="Cambria Math" panose="02040503050406030204" pitchFamily="18" charset="0"/>
+                                    </a:rPr>
+                                    <m:t>2</m:t>
+                                  </m:r>
+                                </m:den>
+                              </m:f>
+                              <m:r>
+                                <a:rPr lang="pt-BR" i="1">
+                                  <a:solidFill>
+                                    <a:srgbClr val="C00000"/>
+                                  </a:solidFill>
+                                  <a:latin typeface="Cambria Math" panose="02040503050406030204" pitchFamily="18" charset="0"/>
+                                </a:rPr>
+                                <m:t>−</m:t>
+                              </m:r>
+                              <m:f>
+                                <m:fPr>
+                                  <m:ctrlPr>
+                                    <a:rPr lang="pt-BR" i="1">
+                                      <a:solidFill>
+                                        <a:srgbClr val="C00000"/>
+                                      </a:solidFill>
+                                      <a:latin typeface="Cambria Math" panose="02040503050406030204" pitchFamily="18" charset="0"/>
+                                    </a:rPr>
+                                  </m:ctrlPr>
+                                </m:fPr>
+                                <m:num>
+                                  <m:r>
+                                    <a:rPr lang="pt-BR" i="1">
+                                      <a:solidFill>
+                                        <a:srgbClr val="C00000"/>
+                                      </a:solidFill>
+                                      <a:latin typeface="Cambria Math" panose="02040503050406030204" pitchFamily="18" charset="0"/>
+                                    </a:rPr>
+                                    <m:t>𝐼</m:t>
+                                  </m:r>
+                                  <m:sSubSup>
+                                    <m:sSubSupPr>
+                                      <m:ctrlPr>
+                                        <a:rPr lang="pt-BR" i="1">
+                                          <a:solidFill>
+                                            <a:srgbClr val="C00000"/>
+                                          </a:solidFill>
+                                          <a:latin typeface="Cambria Math" panose="02040503050406030204" pitchFamily="18" charset="0"/>
+                                        </a:rPr>
+                                      </m:ctrlPr>
+                                    </m:sSubSupPr>
+                                    <m:e>
+                                      <m:r>
+                                        <a:rPr lang="pt-BR" i="1">
+                                          <a:solidFill>
+                                            <a:srgbClr val="C00000"/>
+                                          </a:solidFill>
+                                          <a:latin typeface="Cambria Math" panose="02040503050406030204" pitchFamily="18" charset="0"/>
+                                        </a:rPr>
+                                        <m:t>𝜔</m:t>
+                                      </m:r>
+                                    </m:e>
+                                    <m:sub>
+                                      <m:r>
+                                        <a:rPr lang="pt-BR" i="1">
+                                          <a:solidFill>
+                                            <a:srgbClr val="C00000"/>
+                                          </a:solidFill>
+                                          <a:latin typeface="Cambria Math" panose="02040503050406030204" pitchFamily="18" charset="0"/>
+                                        </a:rPr>
+                                        <m:t>2,</m:t>
+                                      </m:r>
+                                      <m:r>
+                                        <a:rPr lang="pt-BR" i="1">
+                                          <a:solidFill>
+                                            <a:srgbClr val="C00000"/>
+                                          </a:solidFill>
+                                          <a:latin typeface="Cambria Math" panose="02040503050406030204" pitchFamily="18" charset="0"/>
+                                        </a:rPr>
+                                        <m:t>0</m:t>
+                                      </m:r>
+                                    </m:sub>
+                                    <m:sup>
+                                      <m:r>
+                                        <a:rPr lang="pt-BR" i="1">
+                                          <a:solidFill>
+                                            <a:srgbClr val="C00000"/>
+                                          </a:solidFill>
+                                          <a:latin typeface="Cambria Math" panose="02040503050406030204" pitchFamily="18" charset="0"/>
+                                        </a:rPr>
+                                        <m:t>2</m:t>
+                                      </m:r>
+                                    </m:sup>
+                                  </m:sSubSup>
+                                </m:num>
+                                <m:den>
+                                  <m:r>
+                                    <a:rPr lang="pt-BR" i="1">
+                                      <a:solidFill>
+                                        <a:srgbClr val="C00000"/>
+                                      </a:solidFill>
+                                      <a:latin typeface="Cambria Math" panose="02040503050406030204" pitchFamily="18" charset="0"/>
+                                    </a:rPr>
+                                    <m:t>2</m:t>
+                                  </m:r>
+                                </m:den>
+                              </m:f>
+                              <m:r>
+                                <a:rPr lang="pt-BR" i="1">
+                                  <a:solidFill>
+                                    <a:srgbClr val="C00000"/>
+                                  </a:solidFill>
+                                  <a:latin typeface="Cambria Math" panose="02040503050406030204" pitchFamily="18" charset="0"/>
+                                </a:rPr>
+                                <m:t>−</m:t>
+                              </m:r>
+                              <m:f>
+                                <m:fPr>
+                                  <m:ctrlPr>
+                                    <a:rPr lang="pt-BR" i="1">
+                                      <a:solidFill>
+                                        <a:srgbClr val="C00000"/>
+                                      </a:solidFill>
+                                      <a:latin typeface="Cambria Math" panose="02040503050406030204" pitchFamily="18" charset="0"/>
+                                    </a:rPr>
+                                  </m:ctrlPr>
+                                </m:fPr>
+                                <m:num>
+                                  <m:sSub>
+                                    <m:sSubPr>
+                                      <m:ctrlPr>
+                                        <a:rPr lang="pt-BR" i="1">
+                                          <a:solidFill>
+                                            <a:srgbClr val="C00000"/>
+                                          </a:solidFill>
+                                          <a:latin typeface="Cambria Math" panose="02040503050406030204" pitchFamily="18" charset="0"/>
+                                        </a:rPr>
+                                      </m:ctrlPr>
+                                    </m:sSubPr>
+                                    <m:e>
+                                      <m:r>
+                                        <a:rPr lang="pt-BR" i="1">
+                                          <a:solidFill>
+                                            <a:srgbClr val="C00000"/>
+                                          </a:solidFill>
+                                          <a:latin typeface="Cambria Math" panose="02040503050406030204" pitchFamily="18" charset="0"/>
+                                        </a:rPr>
+                                        <m:t>𝐼</m:t>
+                                      </m:r>
+                                    </m:e>
+                                    <m:sub>
+                                      <m:r>
+                                        <a:rPr lang="pt-BR" i="1">
+                                          <a:solidFill>
+                                            <a:srgbClr val="C00000"/>
+                                          </a:solidFill>
+                                          <a:latin typeface="Cambria Math" panose="02040503050406030204" pitchFamily="18" charset="0"/>
+                                        </a:rPr>
+                                        <m:t>3</m:t>
+                                      </m:r>
+                                    </m:sub>
+                                  </m:sSub>
+                                  <m:sSubSup>
+                                    <m:sSubSupPr>
+                                      <m:ctrlPr>
+                                        <a:rPr lang="pt-BR" i="1">
+                                          <a:solidFill>
+                                            <a:srgbClr val="C00000"/>
+                                          </a:solidFill>
+                                          <a:latin typeface="Cambria Math" panose="02040503050406030204" pitchFamily="18" charset="0"/>
+                                        </a:rPr>
+                                      </m:ctrlPr>
+                                    </m:sSubSupPr>
+                                    <m:e>
+                                      <m:r>
+                                        <a:rPr lang="pt-BR" i="1">
+                                          <a:solidFill>
+                                            <a:srgbClr val="C00000"/>
+                                          </a:solidFill>
+                                          <a:latin typeface="Cambria Math" panose="02040503050406030204" pitchFamily="18" charset="0"/>
+                                        </a:rPr>
+                                        <m:t>𝜔</m:t>
+                                      </m:r>
+                                    </m:e>
+                                    <m:sub>
+                                      <m:r>
+                                        <a:rPr lang="pt-BR" i="1">
+                                          <a:solidFill>
+                                            <a:srgbClr val="C00000"/>
+                                          </a:solidFill>
+                                          <a:latin typeface="Cambria Math" panose="02040503050406030204" pitchFamily="18" charset="0"/>
+                                        </a:rPr>
+                                        <m:t>3,</m:t>
+                                      </m:r>
+                                      <m:r>
+                                        <a:rPr lang="pt-BR" i="1">
+                                          <a:solidFill>
+                                            <a:srgbClr val="C00000"/>
+                                          </a:solidFill>
+                                          <a:latin typeface="Cambria Math" panose="02040503050406030204" pitchFamily="18" charset="0"/>
+                                        </a:rPr>
+                                        <m:t>0</m:t>
+                                      </m:r>
+                                    </m:sub>
+                                    <m:sup>
+                                      <m:r>
+                                        <a:rPr lang="pt-BR" i="1">
+                                          <a:solidFill>
+                                            <a:srgbClr val="C00000"/>
+                                          </a:solidFill>
+                                          <a:latin typeface="Cambria Math" panose="02040503050406030204" pitchFamily="18" charset="0"/>
+                                        </a:rPr>
+                                        <m:t>2</m:t>
+                                      </m:r>
+                                    </m:sup>
+                                  </m:sSubSup>
+                                </m:num>
+                                <m:den>
+                                  <m:r>
+                                    <a:rPr lang="pt-BR" i="1">
+                                      <a:solidFill>
+                                        <a:srgbClr val="C00000"/>
+                                      </a:solidFill>
+                                      <a:latin typeface="Cambria Math" panose="02040503050406030204" pitchFamily="18" charset="0"/>
+                                    </a:rPr>
+                                    <m:t>2</m:t>
+                                  </m:r>
+                                </m:den>
+                              </m:f>
+                              <m:r>
+                                <a:rPr lang="pt-BR" i="1">
+                                  <a:solidFill>
+                                    <a:srgbClr val="C00000"/>
+                                  </a:solidFill>
+                                  <a:latin typeface="Cambria Math" panose="02040503050406030204" pitchFamily="18" charset="0"/>
+                                </a:rPr>
+                                <m:t>+</m:t>
+                              </m:r>
+                              <m:f>
+                                <m:fPr>
+                                  <m:ctrlPr>
+                                    <a:rPr lang="pt-BR" i="1">
+                                      <a:solidFill>
+                                        <a:srgbClr val="C00000"/>
+                                      </a:solidFill>
+                                      <a:latin typeface="Cambria Math" panose="02040503050406030204" pitchFamily="18" charset="0"/>
+                                    </a:rPr>
+                                  </m:ctrlPr>
+                                </m:fPr>
+                                <m:num>
+                                  <m:r>
+                                    <a:rPr lang="pt-BR" i="1">
+                                      <a:solidFill>
+                                        <a:srgbClr val="C00000"/>
+                                      </a:solidFill>
+                                      <a:latin typeface="Cambria Math" panose="02040503050406030204" pitchFamily="18" charset="0"/>
+                                    </a:rPr>
+                                    <m:t>𝑀</m:t>
+                                  </m:r>
+                                  <m:sSub>
+                                    <m:sSubPr>
+                                      <m:ctrlPr>
+                                        <a:rPr lang="pt-BR" i="1">
+                                          <a:solidFill>
+                                            <a:srgbClr val="C00000"/>
+                                          </a:solidFill>
+                                          <a:latin typeface="Cambria Math" panose="02040503050406030204" pitchFamily="18" charset="0"/>
+                                        </a:rPr>
+                                      </m:ctrlPr>
+                                    </m:sSubPr>
+                                    <m:e>
+                                      <m:sSup>
+                                        <m:sSupPr>
+                                          <m:ctrlPr>
+                                            <a:rPr lang="pt-BR" i="1">
+                                              <a:solidFill>
+                                                <a:srgbClr val="C00000"/>
+                                              </a:solidFill>
+                                              <a:latin typeface="Cambria Math" panose="02040503050406030204" pitchFamily="18" charset="0"/>
+                                            </a:rPr>
+                                          </m:ctrlPr>
+                                        </m:sSupPr>
+                                        <m:e>
+                                          <m:r>
+                                            <a:rPr lang="pt-BR" i="1">
+                                              <a:solidFill>
+                                                <a:srgbClr val="C00000"/>
+                                              </a:solidFill>
+                                              <a:latin typeface="Cambria Math" panose="02040503050406030204" pitchFamily="18" charset="0"/>
+                                            </a:rPr>
+                                            <m:t>𝑉</m:t>
+                                          </m:r>
+                                        </m:e>
+                                        <m:sup>
+                                          <m:r>
+                                            <a:rPr lang="pt-BR" i="1">
+                                              <a:solidFill>
+                                                <a:srgbClr val="C00000"/>
+                                              </a:solidFill>
+                                              <a:latin typeface="Cambria Math" panose="02040503050406030204" pitchFamily="18" charset="0"/>
+                                            </a:rPr>
+                                            <m:t>2</m:t>
+                                          </m:r>
+                                        </m:sup>
+                                      </m:sSup>
+                                    </m:e>
+                                    <m:sub>
+                                      <m:r>
+                                        <a:rPr lang="pt-BR" i="1">
+                                          <a:solidFill>
+                                            <a:srgbClr val="C00000"/>
+                                          </a:solidFill>
+                                          <a:latin typeface="Cambria Math" panose="02040503050406030204" pitchFamily="18" charset="0"/>
+                                        </a:rPr>
+                                        <m:t>3,1</m:t>
+                                      </m:r>
+                                    </m:sub>
+                                  </m:sSub>
+                                </m:num>
+                                <m:den>
+                                  <m:r>
+                                    <a:rPr lang="pt-BR" i="1">
+                                      <a:solidFill>
+                                        <a:srgbClr val="C00000"/>
+                                      </a:solidFill>
+                                      <a:latin typeface="Cambria Math" panose="02040503050406030204" pitchFamily="18" charset="0"/>
+                                    </a:rPr>
+                                    <m:t>2</m:t>
+                                  </m:r>
+                                </m:den>
+                              </m:f>
+                              <m:r>
+                                <a:rPr lang="pt-BR">
+                                  <a:solidFill>
+                                    <a:srgbClr val="C00000"/>
+                                  </a:solidFill>
+                                  <a:latin typeface="Cambria Math" panose="02040503050406030204" pitchFamily="18" charset="0"/>
+                                </a:rPr>
+                                <m:t> −</m:t>
+                              </m:r>
+                              <m:f>
+                                <m:fPr>
+                                  <m:ctrlPr>
+                                    <a:rPr lang="pt-BR" i="1">
+                                      <a:solidFill>
+                                        <a:srgbClr val="C00000"/>
+                                      </a:solidFill>
+                                      <a:latin typeface="Cambria Math" panose="02040503050406030204" pitchFamily="18" charset="0"/>
+                                    </a:rPr>
+                                  </m:ctrlPr>
+                                </m:fPr>
+                                <m:num>
+                                  <m:sSub>
+                                    <m:sSubPr>
+                                      <m:ctrlPr>
+                                        <a:rPr lang="pt-BR" i="1">
+                                          <a:solidFill>
+                                            <a:srgbClr val="C00000"/>
+                                          </a:solidFill>
+                                          <a:latin typeface="Cambria Math" panose="02040503050406030204" pitchFamily="18" charset="0"/>
+                                        </a:rPr>
+                                      </m:ctrlPr>
+                                    </m:sSubPr>
+                                    <m:e>
+                                      <m:sSup>
+                                        <m:sSupPr>
+                                          <m:ctrlPr>
+                                            <a:rPr lang="pt-BR" i="1">
+                                              <a:solidFill>
+                                                <a:srgbClr val="C00000"/>
+                                              </a:solidFill>
+                                              <a:latin typeface="Cambria Math" panose="02040503050406030204" pitchFamily="18" charset="0"/>
+                                            </a:rPr>
+                                          </m:ctrlPr>
+                                        </m:sSupPr>
+                                        <m:e>
+                                          <m:r>
+                                            <m:rPr>
+                                              <m:sty m:val="p"/>
+                                            </m:rPr>
+                                            <a:rPr lang="pt-BR">
+                                              <a:solidFill>
+                                                <a:srgbClr val="C00000"/>
+                                              </a:solidFill>
+                                              <a:latin typeface="Cambria Math" panose="02040503050406030204" pitchFamily="18" charset="0"/>
+                                            </a:rPr>
+                                            <m:t>MV</m:t>
+                                          </m:r>
+                                        </m:e>
+                                        <m:sup>
+                                          <m:r>
+                                            <a:rPr lang="pt-BR">
+                                              <a:solidFill>
+                                                <a:srgbClr val="C00000"/>
+                                              </a:solidFill>
+                                              <a:latin typeface="Cambria Math" panose="02040503050406030204" pitchFamily="18" charset="0"/>
+                                            </a:rPr>
+                                            <m:t>2</m:t>
+                                          </m:r>
+                                        </m:sup>
+                                      </m:sSup>
+                                    </m:e>
+                                    <m:sub>
+                                      <m:r>
+                                        <a:rPr lang="pt-BR">
+                                          <a:solidFill>
+                                            <a:srgbClr val="C00000"/>
+                                          </a:solidFill>
+                                          <a:latin typeface="Cambria Math" panose="02040503050406030204" pitchFamily="18" charset="0"/>
+                                        </a:rPr>
+                                        <m:t>3,0</m:t>
+                                      </m:r>
+                                    </m:sub>
+                                  </m:sSub>
+                                </m:num>
+                                <m:den>
+                                  <m:r>
+                                    <a:rPr lang="pt-BR" i="1">
+                                      <a:solidFill>
+                                        <a:srgbClr val="C00000"/>
+                                      </a:solidFill>
+                                      <a:latin typeface="Cambria Math" panose="02040503050406030204" pitchFamily="18" charset="0"/>
+                                    </a:rPr>
+                                    <m:t>2</m:t>
+                                  </m:r>
+                                </m:den>
+                              </m:f>
+                              <m:r>
+                                <m:rPr>
+                                  <m:nor/>
+                                </m:rPr>
+                                <a:rPr lang="pt-BR" i="1" dirty="0">
+                                  <a:solidFill>
+                                    <a:srgbClr val="C00000"/>
+                                  </a:solidFill>
+                                  <a:latin typeface="Cambria Math" panose="02040503050406030204" pitchFamily="18" charset="0"/>
+                                </a:rPr>
+                                <m:t> </m:t>
+                              </m:r>
+                            </m:e>
+                            <m:e>
+                              <m:r>
+                                <a:rPr lang="pt-BR" i="1">
+                                  <a:solidFill>
+                                    <a:srgbClr val="C00000"/>
+                                  </a:solidFill>
+                                  <a:latin typeface="Cambria Math" panose="02040503050406030204" pitchFamily="18" charset="0"/>
+                                </a:rPr>
+                                <m:t>+</m:t>
+                              </m:r>
+                              <m:f>
+                                <m:fPr>
+                                  <m:ctrlPr>
+                                    <a:rPr lang="pt-BR" i="1">
+                                      <a:solidFill>
+                                        <a:srgbClr val="C00000"/>
+                                      </a:solidFill>
+                                      <a:latin typeface="Cambria Math" panose="02040503050406030204" pitchFamily="18" charset="0"/>
+                                    </a:rPr>
+                                  </m:ctrlPr>
+                                </m:fPr>
+                                <m:num>
+                                  <m:r>
+                                    <a:rPr lang="pt-BR" i="1">
+                                      <a:solidFill>
+                                        <a:srgbClr val="C00000"/>
+                                      </a:solidFill>
+                                      <a:latin typeface="Cambria Math" panose="02040503050406030204" pitchFamily="18" charset="0"/>
+                                    </a:rPr>
+                                    <m:t>𝑀</m:t>
+                                  </m:r>
+                                  <m:sSub>
+                                    <m:sSubPr>
+                                      <m:ctrlPr>
+                                        <a:rPr lang="pt-BR" i="1">
+                                          <a:solidFill>
+                                            <a:srgbClr val="C00000"/>
+                                          </a:solidFill>
+                                          <a:latin typeface="Cambria Math" panose="02040503050406030204" pitchFamily="18" charset="0"/>
+                                        </a:rPr>
+                                      </m:ctrlPr>
+                                    </m:sSubPr>
+                                    <m:e>
+                                      <m:sSup>
+                                        <m:sSupPr>
+                                          <m:ctrlPr>
+                                            <a:rPr lang="pt-BR" i="1">
+                                              <a:solidFill>
+                                                <a:srgbClr val="C00000"/>
+                                              </a:solidFill>
+                                              <a:latin typeface="Cambria Math" panose="02040503050406030204" pitchFamily="18" charset="0"/>
+                                            </a:rPr>
+                                          </m:ctrlPr>
+                                        </m:sSupPr>
+                                        <m:e>
+                                          <m:r>
+                                            <a:rPr lang="pt-BR" i="1">
+                                              <a:solidFill>
+                                                <a:srgbClr val="C00000"/>
+                                              </a:solidFill>
+                                              <a:latin typeface="Cambria Math" panose="02040503050406030204" pitchFamily="18" charset="0"/>
+                                            </a:rPr>
+                                            <m:t>𝑉</m:t>
+                                          </m:r>
+                                        </m:e>
+                                        <m:sup>
+                                          <m:r>
+                                            <a:rPr lang="pt-BR" i="1">
+                                              <a:solidFill>
+                                                <a:srgbClr val="C00000"/>
+                                              </a:solidFill>
+                                              <a:latin typeface="Cambria Math" panose="02040503050406030204" pitchFamily="18" charset="0"/>
+                                            </a:rPr>
+                                            <m:t>2</m:t>
+                                          </m:r>
+                                        </m:sup>
+                                      </m:sSup>
+                                    </m:e>
+                                    <m:sub>
+                                      <m:r>
+                                        <a:rPr lang="pt-BR" i="1">
+                                          <a:solidFill>
+                                            <a:srgbClr val="C00000"/>
+                                          </a:solidFill>
+                                          <a:latin typeface="Cambria Math" panose="02040503050406030204" pitchFamily="18" charset="0"/>
+                                        </a:rPr>
+                                        <m:t>h</m:t>
+                                      </m:r>
+                                      <m:r>
+                                        <a:rPr lang="pt-BR" i="1">
+                                          <a:solidFill>
+                                            <a:srgbClr val="C00000"/>
+                                          </a:solidFill>
+                                          <a:latin typeface="Cambria Math" panose="02040503050406030204" pitchFamily="18" charset="0"/>
+                                        </a:rPr>
+                                        <m:t>,1</m:t>
+                                      </m:r>
+                                    </m:sub>
+                                  </m:sSub>
+                                </m:num>
+                                <m:den>
+                                  <m:r>
+                                    <a:rPr lang="pt-BR" i="1">
+                                      <a:solidFill>
+                                        <a:srgbClr val="C00000"/>
+                                      </a:solidFill>
+                                      <a:latin typeface="Cambria Math" panose="02040503050406030204" pitchFamily="18" charset="0"/>
+                                    </a:rPr>
+                                    <m:t>2</m:t>
+                                  </m:r>
+                                </m:den>
+                              </m:f>
+                              <m:r>
+                                <a:rPr lang="pt-BR" i="1">
+                                  <a:solidFill>
+                                    <a:srgbClr val="C00000"/>
+                                  </a:solidFill>
+                                  <a:latin typeface="Cambria Math" panose="02040503050406030204" pitchFamily="18" charset="0"/>
+                                </a:rPr>
+                                <m:t> −</m:t>
+                              </m:r>
+                              <m:f>
+                                <m:fPr>
+                                  <m:ctrlPr>
+                                    <a:rPr lang="pt-BR" i="1">
+                                      <a:solidFill>
+                                        <a:srgbClr val="C00000"/>
+                                      </a:solidFill>
+                                      <a:latin typeface="Cambria Math" panose="02040503050406030204" pitchFamily="18" charset="0"/>
+                                    </a:rPr>
+                                  </m:ctrlPr>
+                                </m:fPr>
+                                <m:num>
+                                  <m:r>
+                                    <a:rPr lang="pt-BR" i="1">
+                                      <a:solidFill>
+                                        <a:srgbClr val="C00000"/>
+                                      </a:solidFill>
+                                      <a:latin typeface="Cambria Math" panose="02040503050406030204" pitchFamily="18" charset="0"/>
+                                    </a:rPr>
+                                    <m:t>𝑀</m:t>
+                                  </m:r>
+                                  <m:sSub>
+                                    <m:sSubPr>
+                                      <m:ctrlPr>
+                                        <a:rPr lang="pt-BR" i="1">
+                                          <a:solidFill>
+                                            <a:srgbClr val="C00000"/>
+                                          </a:solidFill>
+                                          <a:latin typeface="Cambria Math" panose="02040503050406030204" pitchFamily="18" charset="0"/>
+                                        </a:rPr>
+                                      </m:ctrlPr>
+                                    </m:sSubPr>
+                                    <m:e>
+                                      <m:sSup>
+                                        <m:sSupPr>
+                                          <m:ctrlPr>
+                                            <a:rPr lang="pt-BR" i="1">
+                                              <a:solidFill>
+                                                <a:srgbClr val="C00000"/>
+                                              </a:solidFill>
+                                              <a:latin typeface="Cambria Math" panose="02040503050406030204" pitchFamily="18" charset="0"/>
+                                            </a:rPr>
+                                          </m:ctrlPr>
+                                        </m:sSupPr>
+                                        <m:e>
+                                          <m:r>
+                                            <a:rPr lang="pt-BR" i="1">
+                                              <a:solidFill>
+                                                <a:srgbClr val="C00000"/>
+                                              </a:solidFill>
+                                              <a:latin typeface="Cambria Math" panose="02040503050406030204" pitchFamily="18" charset="0"/>
+                                            </a:rPr>
+                                            <m:t>𝑉</m:t>
+                                          </m:r>
+                                        </m:e>
+                                        <m:sup>
+                                          <m:r>
+                                            <a:rPr lang="pt-BR" i="1">
+                                              <a:solidFill>
+                                                <a:srgbClr val="C00000"/>
+                                              </a:solidFill>
+                                              <a:latin typeface="Cambria Math" panose="02040503050406030204" pitchFamily="18" charset="0"/>
+                                            </a:rPr>
+                                            <m:t>2</m:t>
+                                          </m:r>
+                                        </m:sup>
+                                      </m:sSup>
+                                    </m:e>
+                                    <m:sub>
+                                      <m:r>
+                                        <a:rPr lang="pt-BR" i="1">
+                                          <a:solidFill>
+                                            <a:srgbClr val="C00000"/>
+                                          </a:solidFill>
+                                          <a:latin typeface="Cambria Math" panose="02040503050406030204" pitchFamily="18" charset="0"/>
+                                        </a:rPr>
+                                        <m:t>h</m:t>
+                                      </m:r>
+                                      <m:r>
+                                        <a:rPr lang="pt-BR" i="1">
+                                          <a:solidFill>
+                                            <a:srgbClr val="C00000"/>
+                                          </a:solidFill>
+                                          <a:latin typeface="Cambria Math" panose="02040503050406030204" pitchFamily="18" charset="0"/>
+                                        </a:rPr>
+                                        <m:t>,0</m:t>
+                                      </m:r>
+                                    </m:sub>
+                                  </m:sSub>
+                                </m:num>
+                                <m:den>
+                                  <m:r>
+                                    <a:rPr lang="pt-BR" i="1">
+                                      <a:solidFill>
+                                        <a:srgbClr val="C00000"/>
+                                      </a:solidFill>
+                                      <a:latin typeface="Cambria Math" panose="02040503050406030204" pitchFamily="18" charset="0"/>
+                                    </a:rPr>
+                                    <m:t>2</m:t>
+                                  </m:r>
+                                </m:den>
+                              </m:f>
+                              <m:r>
+                                <a:rPr lang="pt-BR" i="1">
+                                  <a:solidFill>
+                                    <a:srgbClr val="C00000"/>
+                                  </a:solidFill>
+                                  <a:latin typeface="Cambria Math" panose="02040503050406030204" pitchFamily="18" charset="0"/>
+                                </a:rPr>
+                                <m:t>+</m:t>
+                              </m:r>
+                              <m:r>
+                                <a:rPr lang="pt-BR" i="1">
+                                  <a:solidFill>
+                                    <a:srgbClr val="C00000"/>
+                                  </a:solidFill>
+                                  <a:latin typeface="Cambria Math" panose="02040503050406030204" pitchFamily="18" charset="0"/>
+                                </a:rPr>
+                                <m:t>𝑀𝑔</m:t>
+                              </m:r>
+                              <m:r>
+                                <a:rPr lang="pt-BR" i="1">
+                                  <a:solidFill>
+                                    <a:srgbClr val="C00000"/>
+                                  </a:solidFill>
+                                  <a:latin typeface="Cambria Math" panose="02040503050406030204" pitchFamily="18" charset="0"/>
+                                </a:rPr>
+                                <m:t>(</m:t>
+                              </m:r>
+                              <m:sSub>
+                                <m:sSubPr>
+                                  <m:ctrlPr>
+                                    <a:rPr lang="pt-BR" i="1">
+                                      <a:solidFill>
+                                        <a:srgbClr val="C00000"/>
+                                      </a:solidFill>
+                                      <a:latin typeface="Cambria Math" panose="02040503050406030204" pitchFamily="18" charset="0"/>
+                                    </a:rPr>
+                                  </m:ctrlPr>
+                                </m:sSubPr>
+                                <m:e>
+                                  <m:r>
+                                    <a:rPr lang="pt-BR" i="1">
+                                      <a:solidFill>
+                                        <a:srgbClr val="C00000"/>
+                                      </a:solidFill>
+                                      <a:latin typeface="Cambria Math" panose="02040503050406030204" pitchFamily="18" charset="0"/>
+                                    </a:rPr>
+                                    <m:t>h</m:t>
+                                  </m:r>
+                                </m:e>
+                                <m:sub>
+                                  <m:r>
+                                    <a:rPr lang="pt-BR" i="1">
+                                      <a:solidFill>
+                                        <a:srgbClr val="C00000"/>
+                                      </a:solidFill>
+                                      <a:latin typeface="Cambria Math" panose="02040503050406030204" pitchFamily="18" charset="0"/>
+                                    </a:rPr>
+                                    <m:t>1</m:t>
+                                  </m:r>
+                                </m:sub>
+                              </m:sSub>
+                              <m:r>
+                                <a:rPr lang="pt-BR" i="1">
+                                  <a:solidFill>
+                                    <a:srgbClr val="C00000"/>
+                                  </a:solidFill>
+                                  <a:latin typeface="Cambria Math" panose="02040503050406030204" pitchFamily="18" charset="0"/>
+                                </a:rPr>
+                                <m:t>−</m:t>
+                              </m:r>
+                              <m:sSub>
+                                <m:sSubPr>
+                                  <m:ctrlPr>
+                                    <a:rPr lang="pt-BR" i="1">
+                                      <a:solidFill>
+                                        <a:srgbClr val="C00000"/>
+                                      </a:solidFill>
+                                      <a:latin typeface="Cambria Math" panose="02040503050406030204" pitchFamily="18" charset="0"/>
+                                    </a:rPr>
+                                  </m:ctrlPr>
+                                </m:sSubPr>
+                                <m:e>
+                                  <m:r>
+                                    <a:rPr lang="pt-BR" i="1">
+                                      <a:solidFill>
+                                        <a:srgbClr val="C00000"/>
+                                      </a:solidFill>
+                                      <a:latin typeface="Cambria Math" panose="02040503050406030204" pitchFamily="18" charset="0"/>
+                                    </a:rPr>
+                                    <m:t>h</m:t>
+                                  </m:r>
+                                </m:e>
+                                <m:sub>
+                                  <m:r>
+                                    <a:rPr lang="pt-BR" i="1">
+                                      <a:solidFill>
+                                        <a:srgbClr val="C00000"/>
+                                      </a:solidFill>
+                                      <a:latin typeface="Cambria Math" panose="02040503050406030204" pitchFamily="18" charset="0"/>
+                                    </a:rPr>
+                                    <m:t>0</m:t>
+                                  </m:r>
+                                </m:sub>
+                              </m:sSub>
+                              <m:r>
+                                <a:rPr lang="pt-BR" i="1">
+                                  <a:solidFill>
+                                    <a:srgbClr val="C00000"/>
+                                  </a:solidFill>
+                                  <a:latin typeface="Cambria Math" panose="02040503050406030204" pitchFamily="18" charset="0"/>
+                                </a:rPr>
+                                <m:t>)</m:t>
+                              </m:r>
+                            </m:e>
+                          </m:eqArr>
+                        </m:e>
+                      </m:borderBox>
+                    </m:oMath>
+                  </m:oMathPara>
+                </a14:m>
+                <a:endParaRPr lang="pt-BR" dirty="0">
+                  <a:solidFill>
+                    <a:srgbClr val="C00000"/>
+                  </a:solidFill>
+                </a:endParaRPr>
+              </a:p>
+            </p:txBody>
+          </p:sp>
+        </mc:Choice>
+        <mc:Fallback>
+          <p:sp>
+            <p:nvSpPr>
+              <p:cNvPr id="20" name="CaixaDeTexto 19">
+                <a:extLst>
+                  <a:ext uri="{FF2B5EF4-FFF2-40B4-BE49-F238E27FC236}">
+                    <a16:creationId xmlns:a16="http://schemas.microsoft.com/office/drawing/2014/main" id="{5C15909F-7514-6FFB-6BF1-19253AEB0B7C}"/>
+                  </a:ext>
+                </a:extLst>
+              </p:cNvPr>
+              <p:cNvSpPr txBox="1">
+                <a:spLocks noRot="1" noChangeAspect="1" noMove="1" noResize="1" noEditPoints="1" noAdjustHandles="1" noChangeArrowheads="1" noChangeShapeType="1" noTextEdit="1"/>
+              </p:cNvSpPr>
+              <p:nvPr/>
+            </p:nvSpPr>
+            <p:spPr>
+              <a:xfrm>
+                <a:off x="-914110" y="4260441"/>
+                <a:ext cx="10963279" cy="1277081"/>
+              </a:xfrm>
+              <a:prstGeom prst="rect">
+                <a:avLst/>
+              </a:prstGeom>
+              <a:blipFill>
+                <a:blip r:embed="rId5"/>
+                <a:stretch>
+                  <a:fillRect/>
+                </a:stretch>
+              </a:blipFill>
+            </p:spPr>
+            <p:txBody>
+              <a:bodyPr/>
+              <a:lstStyle/>
+              <a:p>
+                <a:r>
+                  <a:rPr lang="pt-BR">
+                    <a:noFill/>
+                  </a:rPr>
+                  <a:t> </a:t>
+                </a:r>
+              </a:p>
+            </p:txBody>
+          </p:sp>
+        </mc:Fallback>
+      </mc:AlternateContent>
+    </p:spTree>
+    <p:extLst>
+      <p:ext uri="{BB962C8B-B14F-4D97-AF65-F5344CB8AC3E}">
+        <p14:creationId xmlns:p14="http://schemas.microsoft.com/office/powerpoint/2010/main" val="1004514396"/>
+      </p:ext>
+    </p:extLst>
+  </p:cSld>
+  <p:clrMapOvr>
+    <a:masterClrMapping/>
+  </p:clrMapOvr>
+  <p:timing>
+    <p:tnLst>
+      <p:par>
+        <p:cTn id="1" dur="indefinite" restart="never" nodeType="tmRoot">
+          <p:childTnLst>
+            <p:seq concurrent="1" nextAc="seek">
+              <p:cTn id="2" dur="indefinite" nodeType="mainSeq">
+                <p:childTnLst>
+                  <p:par>
+                    <p:cTn id="3" fill="hold">
+                      <p:stCondLst>
+                        <p:cond delay="indefinite"/>
+                      </p:stCondLst>
+                      <p:childTnLst>
+                        <p:par>
+                          <p:cTn id="4" fill="hold">
+                            <p:stCondLst>
+                              <p:cond delay="0"/>
+                            </p:stCondLst>
+                            <p:childTnLst>
+                              <p:par>
+                                <p:cTn id="5" presetID="1" presetClass="entr" presetSubtype="0" fill="hold" nodeType="clickEffect">
+                                  <p:stCondLst>
+                                    <p:cond delay="0"/>
+                                  </p:stCondLst>
+                                  <p:childTnLst>
+                                    <p:set>
+                                      <p:cBhvr>
+                                        <p:cTn id="6" dur="1" fill="hold">
+                                          <p:stCondLst>
+                                            <p:cond delay="0"/>
+                                          </p:stCondLst>
+                                        </p:cTn>
+                                        <p:tgtEl>
+                                          <p:spTgt spid="8">
+                                            <p:txEl>
+                                              <p:pRg st="0" end="0"/>
+                                            </p:txEl>
+                                          </p:spTgt>
+                                        </p:tgtEl>
+                                        <p:attrNameLst>
+                                          <p:attrName>style.visibility</p:attrName>
+                                        </p:attrNameLst>
+                                      </p:cBhvr>
+                                      <p:to>
+                                        <p:strVal val="visible"/>
+                                      </p:to>
+                                    </p:set>
+                                  </p:childTnLst>
+                                </p:cTn>
+                              </p:par>
+                            </p:childTnLst>
+                          </p:cTn>
+                        </p:par>
+                      </p:childTnLst>
+                    </p:cTn>
+                  </p:par>
+                  <p:par>
+                    <p:cTn id="7" fill="hold">
+                      <p:stCondLst>
+                        <p:cond delay="indefinite"/>
+                      </p:stCondLst>
+                      <p:childTnLst>
+                        <p:par>
+                          <p:cTn id="8" fill="hold">
+                            <p:stCondLst>
+                              <p:cond delay="0"/>
+                            </p:stCondLst>
+                            <p:childTnLst>
+                              <p:par>
+                                <p:cTn id="9" presetID="1" presetClass="entr" presetSubtype="0" fill="hold" nodeType="clickEffect">
+                                  <p:stCondLst>
+                                    <p:cond delay="0"/>
+                                  </p:stCondLst>
+                                  <p:childTnLst>
+                                    <p:set>
+                                      <p:cBhvr>
+                                        <p:cTn id="10" dur="1" fill="hold">
+                                          <p:stCondLst>
+                                            <p:cond delay="0"/>
+                                          </p:stCondLst>
+                                        </p:cTn>
+                                        <p:tgtEl>
+                                          <p:spTgt spid="8">
+                                            <p:txEl>
+                                              <p:pRg st="1" end="1"/>
+                                            </p:txEl>
+                                          </p:spTgt>
+                                        </p:tgtEl>
+                                        <p:attrNameLst>
+                                          <p:attrName>style.visibility</p:attrName>
+                                        </p:attrNameLst>
+                                      </p:cBhvr>
+                                      <p:to>
+                                        <p:strVal val="visible"/>
+                                      </p:to>
+                                    </p:set>
+                                  </p:childTnLst>
+                                </p:cTn>
+                              </p:par>
+                            </p:childTnLst>
+                          </p:cTn>
+                        </p:par>
+                      </p:childTnLst>
+                    </p:cTn>
+                  </p:par>
+                  <p:par>
+                    <p:cTn id="11" fill="hold">
+                      <p:stCondLst>
+                        <p:cond delay="indefinite"/>
+                      </p:stCondLst>
+                      <p:childTnLst>
+                        <p:par>
+                          <p:cTn id="12" fill="hold">
+                            <p:stCondLst>
+                              <p:cond delay="0"/>
+                            </p:stCondLst>
+                            <p:childTnLst>
+                              <p:par>
+                                <p:cTn id="13" presetID="1" presetClass="entr" presetSubtype="0" fill="hold" grpId="0" nodeType="clickEffect">
+                                  <p:stCondLst>
+                                    <p:cond delay="0"/>
+                                  </p:stCondLst>
+                                  <p:childTnLst>
+                                    <p:set>
+                                      <p:cBhvr>
+                                        <p:cTn id="14" dur="1" fill="hold">
+                                          <p:stCondLst>
+                                            <p:cond delay="0"/>
+                                          </p:stCondLst>
+                                        </p:cTn>
+                                        <p:tgtEl>
+                                          <p:spTgt spid="9"/>
+                                        </p:tgtEl>
+                                        <p:attrNameLst>
+                                          <p:attrName>style.visibility</p:attrName>
+                                        </p:attrNameLst>
+                                      </p:cBhvr>
+                                      <p:to>
+                                        <p:strVal val="visible"/>
+                                      </p:to>
+                                    </p:set>
+                                  </p:childTnLst>
+                                </p:cTn>
+                              </p:par>
+                              <p:par>
+                                <p:cTn id="15" presetID="1" presetClass="entr" presetSubtype="0" fill="hold" grpId="0" nodeType="withEffect">
+                                  <p:stCondLst>
+                                    <p:cond delay="0"/>
+                                  </p:stCondLst>
+                                  <p:childTnLst>
+                                    <p:set>
+                                      <p:cBhvr>
+                                        <p:cTn id="16" dur="1" fill="hold">
+                                          <p:stCondLst>
+                                            <p:cond delay="0"/>
+                                          </p:stCondLst>
+                                        </p:cTn>
+                                        <p:tgtEl>
+                                          <p:spTgt spid="11"/>
+                                        </p:tgtEl>
+                                        <p:attrNameLst>
+                                          <p:attrName>style.visibility</p:attrName>
+                                        </p:attrNameLst>
+                                      </p:cBhvr>
+                                      <p:to>
+                                        <p:strVal val="visible"/>
+                                      </p:to>
+                                    </p:set>
+                                  </p:childTnLst>
+                                </p:cTn>
+                              </p:par>
+                              <p:par>
+                                <p:cTn id="17" presetID="1" presetClass="entr" presetSubtype="0" fill="hold" grpId="0" nodeType="withEffect">
+                                  <p:stCondLst>
+                                    <p:cond delay="0"/>
+                                  </p:stCondLst>
+                                  <p:childTnLst>
+                                    <p:set>
+                                      <p:cBhvr>
+                                        <p:cTn id="18" dur="1" fill="hold">
+                                          <p:stCondLst>
+                                            <p:cond delay="0"/>
+                                          </p:stCondLst>
+                                        </p:cTn>
+                                        <p:tgtEl>
+                                          <p:spTgt spid="18"/>
+                                        </p:tgtEl>
+                                        <p:attrNameLst>
+                                          <p:attrName>style.visibility</p:attrName>
+                                        </p:attrNameLst>
+                                      </p:cBhvr>
+                                      <p:to>
+                                        <p:strVal val="visible"/>
+                                      </p:to>
+                                    </p:set>
+                                  </p:childTnLst>
+                                </p:cTn>
+                              </p:par>
+                            </p:childTnLst>
+                          </p:cTn>
+                        </p:par>
+                      </p:childTnLst>
+                    </p:cTn>
+                  </p:par>
+                  <p:par>
+                    <p:cTn id="19" fill="hold">
+                      <p:stCondLst>
+                        <p:cond delay="indefinite"/>
+                      </p:stCondLst>
+                      <p:childTnLst>
+                        <p:par>
+                          <p:cTn id="20" fill="hold">
+                            <p:stCondLst>
+                              <p:cond delay="0"/>
+                            </p:stCondLst>
+                            <p:childTnLst>
+                              <p:par>
+                                <p:cTn id="21" presetID="1" presetClass="exit" presetSubtype="0" fill="hold" grpId="1" nodeType="clickEffect">
+                                  <p:stCondLst>
+                                    <p:cond delay="0"/>
+                                  </p:stCondLst>
+                                  <p:childTnLst>
+                                    <p:set>
+                                      <p:cBhvr>
+                                        <p:cTn id="22" dur="1" fill="hold">
+                                          <p:stCondLst>
+                                            <p:cond delay="0"/>
+                                          </p:stCondLst>
+                                        </p:cTn>
+                                        <p:tgtEl>
+                                          <p:spTgt spid="9"/>
+                                        </p:tgtEl>
+                                        <p:attrNameLst>
+                                          <p:attrName>style.visibility</p:attrName>
+                                        </p:attrNameLst>
+                                      </p:cBhvr>
+                                      <p:to>
+                                        <p:strVal val="hidden"/>
+                                      </p:to>
+                                    </p:set>
+                                  </p:childTnLst>
+                                </p:cTn>
+                              </p:par>
+                              <p:par>
+                                <p:cTn id="23" presetID="1" presetClass="exit" presetSubtype="0" fill="hold" grpId="1" nodeType="withEffect">
+                                  <p:stCondLst>
+                                    <p:cond delay="0"/>
+                                  </p:stCondLst>
+                                  <p:childTnLst>
+                                    <p:set>
+                                      <p:cBhvr>
+                                        <p:cTn id="24" dur="1" fill="hold">
+                                          <p:stCondLst>
+                                            <p:cond delay="0"/>
+                                          </p:stCondLst>
+                                        </p:cTn>
+                                        <p:tgtEl>
+                                          <p:spTgt spid="11"/>
+                                        </p:tgtEl>
+                                        <p:attrNameLst>
+                                          <p:attrName>style.visibility</p:attrName>
+                                        </p:attrNameLst>
+                                      </p:cBhvr>
+                                      <p:to>
+                                        <p:strVal val="hidden"/>
+                                      </p:to>
+                                    </p:set>
+                                  </p:childTnLst>
+                                </p:cTn>
+                              </p:par>
+                              <p:par>
+                                <p:cTn id="25" presetID="1" presetClass="exit" presetSubtype="0" fill="hold" grpId="1" nodeType="withEffect">
+                                  <p:stCondLst>
+                                    <p:cond delay="0"/>
+                                  </p:stCondLst>
+                                  <p:childTnLst>
+                                    <p:set>
+                                      <p:cBhvr>
+                                        <p:cTn id="26" dur="1" fill="hold">
+                                          <p:stCondLst>
+                                            <p:cond delay="0"/>
+                                          </p:stCondLst>
+                                        </p:cTn>
+                                        <p:tgtEl>
+                                          <p:spTgt spid="18"/>
+                                        </p:tgtEl>
+                                        <p:attrNameLst>
+                                          <p:attrName>style.visibility</p:attrName>
+                                        </p:attrNameLst>
+                                      </p:cBhvr>
+                                      <p:to>
+                                        <p:strVal val="hidden"/>
+                                      </p:to>
+                                    </p:set>
+                                  </p:childTnLst>
+                                </p:cTn>
+                              </p:par>
+                              <p:par>
+                                <p:cTn id="27" presetID="1" presetClass="entr" presetSubtype="0" fill="hold" grpId="0" nodeType="withEffect">
+                                  <p:stCondLst>
+                                    <p:cond delay="0"/>
+                                  </p:stCondLst>
+                                  <p:childTnLst>
+                                    <p:set>
+                                      <p:cBhvr>
+                                        <p:cTn id="28" dur="1" fill="hold">
+                                          <p:stCondLst>
+                                            <p:cond delay="0"/>
+                                          </p:stCondLst>
+                                        </p:cTn>
+                                        <p:tgtEl>
+                                          <p:spTgt spid="12"/>
+                                        </p:tgtEl>
+                                        <p:attrNameLst>
+                                          <p:attrName>style.visibility</p:attrName>
+                                        </p:attrNameLst>
+                                      </p:cBhvr>
+                                      <p:to>
+                                        <p:strVal val="visible"/>
+                                      </p:to>
+                                    </p:set>
+                                  </p:childTnLst>
+                                </p:cTn>
+                              </p:par>
+                              <p:par>
+                                <p:cTn id="29" presetID="1" presetClass="entr" presetSubtype="0" fill="hold" grpId="0" nodeType="withEffect">
+                                  <p:stCondLst>
+                                    <p:cond delay="0"/>
+                                  </p:stCondLst>
+                                  <p:childTnLst>
+                                    <p:set>
+                                      <p:cBhvr>
+                                        <p:cTn id="30" dur="1" fill="hold">
+                                          <p:stCondLst>
+                                            <p:cond delay="0"/>
+                                          </p:stCondLst>
+                                        </p:cTn>
+                                        <p:tgtEl>
+                                          <p:spTgt spid="10"/>
+                                        </p:tgtEl>
+                                        <p:attrNameLst>
+                                          <p:attrName>style.visibility</p:attrName>
+                                        </p:attrNameLst>
+                                      </p:cBhvr>
+                                      <p:to>
+                                        <p:strVal val="visible"/>
+                                      </p:to>
+                                    </p:set>
+                                  </p:childTnLst>
+                                </p:cTn>
+                              </p:par>
+                              <p:par>
+                                <p:cTn id="31" presetID="1" presetClass="entr" presetSubtype="0" fill="hold" grpId="0" nodeType="withEffect">
+                                  <p:stCondLst>
+                                    <p:cond delay="0"/>
+                                  </p:stCondLst>
+                                  <p:childTnLst>
+                                    <p:set>
+                                      <p:cBhvr>
+                                        <p:cTn id="32" dur="1" fill="hold">
+                                          <p:stCondLst>
+                                            <p:cond delay="0"/>
+                                          </p:stCondLst>
+                                        </p:cTn>
+                                        <p:tgtEl>
+                                          <p:spTgt spid="16"/>
+                                        </p:tgtEl>
+                                        <p:attrNameLst>
+                                          <p:attrName>style.visibility</p:attrName>
+                                        </p:attrNameLst>
+                                      </p:cBhvr>
+                                      <p:to>
+                                        <p:strVal val="visible"/>
+                                      </p:to>
+                                    </p:set>
+                                  </p:childTnLst>
+                                </p:cTn>
+                              </p:par>
+                            </p:childTnLst>
+                          </p:cTn>
+                        </p:par>
+                      </p:childTnLst>
+                    </p:cTn>
+                  </p:par>
+                  <p:par>
+                    <p:cTn id="33" fill="hold">
+                      <p:stCondLst>
+                        <p:cond delay="indefinite"/>
+                      </p:stCondLst>
+                      <p:childTnLst>
+                        <p:par>
+                          <p:cTn id="34" fill="hold">
+                            <p:stCondLst>
+                              <p:cond delay="0"/>
+                            </p:stCondLst>
+                            <p:childTnLst>
+                              <p:par>
+                                <p:cTn id="35" presetID="1" presetClass="exit" presetSubtype="0" fill="hold" grpId="1" nodeType="clickEffect">
+                                  <p:stCondLst>
+                                    <p:cond delay="0"/>
+                                  </p:stCondLst>
+                                  <p:childTnLst>
+                                    <p:set>
+                                      <p:cBhvr>
+                                        <p:cTn id="36" dur="1" fill="hold">
+                                          <p:stCondLst>
+                                            <p:cond delay="0"/>
+                                          </p:stCondLst>
+                                        </p:cTn>
+                                        <p:tgtEl>
+                                          <p:spTgt spid="12"/>
+                                        </p:tgtEl>
+                                        <p:attrNameLst>
+                                          <p:attrName>style.visibility</p:attrName>
+                                        </p:attrNameLst>
+                                      </p:cBhvr>
+                                      <p:to>
+                                        <p:strVal val="hidden"/>
+                                      </p:to>
+                                    </p:set>
+                                  </p:childTnLst>
+                                </p:cTn>
+                              </p:par>
+                              <p:par>
+                                <p:cTn id="37" presetID="1" presetClass="exit" presetSubtype="0" fill="hold" grpId="1" nodeType="withEffect">
+                                  <p:stCondLst>
+                                    <p:cond delay="0"/>
+                                  </p:stCondLst>
+                                  <p:childTnLst>
+                                    <p:set>
+                                      <p:cBhvr>
+                                        <p:cTn id="38" dur="1" fill="hold">
+                                          <p:stCondLst>
+                                            <p:cond delay="0"/>
+                                          </p:stCondLst>
+                                        </p:cTn>
+                                        <p:tgtEl>
+                                          <p:spTgt spid="10"/>
+                                        </p:tgtEl>
+                                        <p:attrNameLst>
+                                          <p:attrName>style.visibility</p:attrName>
+                                        </p:attrNameLst>
+                                      </p:cBhvr>
+                                      <p:to>
+                                        <p:strVal val="hidden"/>
+                                      </p:to>
+                                    </p:set>
+                                  </p:childTnLst>
+                                </p:cTn>
+                              </p:par>
+                              <p:par>
+                                <p:cTn id="39" presetID="1" presetClass="exit" presetSubtype="0" fill="hold" grpId="1" nodeType="withEffect">
+                                  <p:stCondLst>
+                                    <p:cond delay="0"/>
+                                  </p:stCondLst>
+                                  <p:childTnLst>
+                                    <p:set>
+                                      <p:cBhvr>
+                                        <p:cTn id="40" dur="1" fill="hold">
+                                          <p:stCondLst>
+                                            <p:cond delay="0"/>
+                                          </p:stCondLst>
+                                        </p:cTn>
+                                        <p:tgtEl>
+                                          <p:spTgt spid="16"/>
+                                        </p:tgtEl>
+                                        <p:attrNameLst>
+                                          <p:attrName>style.visibility</p:attrName>
+                                        </p:attrNameLst>
+                                      </p:cBhvr>
+                                      <p:to>
+                                        <p:strVal val="hidden"/>
+                                      </p:to>
+                                    </p:set>
+                                  </p:childTnLst>
+                                </p:cTn>
+                              </p:par>
+                            </p:childTnLst>
+                          </p:cTn>
+                        </p:par>
+                      </p:childTnLst>
+                    </p:cTn>
+                  </p:par>
+                  <p:par>
+                    <p:cTn id="41" fill="hold">
+                      <p:stCondLst>
+                        <p:cond delay="indefinite"/>
+                      </p:stCondLst>
+                      <p:childTnLst>
+                        <p:par>
+                          <p:cTn id="42" fill="hold">
+                            <p:stCondLst>
+                              <p:cond delay="0"/>
+                            </p:stCondLst>
+                            <p:childTnLst>
+                              <p:par>
+                                <p:cTn id="43" presetID="1" presetClass="entr" presetSubtype="0" fill="hold" grpId="0" nodeType="clickEffect">
+                                  <p:stCondLst>
+                                    <p:cond delay="0"/>
+                                  </p:stCondLst>
+                                  <p:childTnLst>
+                                    <p:set>
+                                      <p:cBhvr>
+                                        <p:cTn id="44" dur="1" fill="hold">
+                                          <p:stCondLst>
+                                            <p:cond delay="0"/>
+                                          </p:stCondLst>
+                                        </p:cTn>
+                                        <p:tgtEl>
+                                          <p:spTgt spid="20"/>
+                                        </p:tgtEl>
+                                        <p:attrNameLst>
+                                          <p:attrName>style.visibility</p:attrName>
+                                        </p:attrNameLst>
+                                      </p:cBhvr>
+                                      <p:to>
+                                        <p:strVal val="visible"/>
+                                      </p:to>
+                                    </p:set>
+                                  </p:childTnLst>
+                                </p:cTn>
+                              </p:par>
+                            </p:childTnLst>
+                          </p:cTn>
+                        </p:par>
+                      </p:childTnLst>
+                    </p:cTn>
+                  </p:par>
+                </p:childTnLst>
+              </p:cTn>
+              <p:prevCondLst>
+                <p:cond evt="onPrev" delay="0">
+                  <p:tgtEl>
+                    <p:sldTgt/>
+                  </p:tgtEl>
+                </p:cond>
+              </p:prevCondLst>
+              <p:nextCondLst>
+                <p:cond evt="onNext" delay="0">
+                  <p:tgtEl>
+                    <p:sldTgt/>
+                  </p:tgtEl>
+                </p:cond>
+              </p:nextCondLst>
+            </p:seq>
+          </p:childTnLst>
+        </p:cTn>
+      </p:par>
+    </p:tnLst>
+    <p:bldLst>
+      <p:bldP spid="9" grpId="0" animBg="1"/>
+      <p:bldP spid="9" grpId="1" animBg="1"/>
+      <p:bldP spid="10" grpId="0" animBg="1"/>
+      <p:bldP spid="10" grpId="1" animBg="1"/>
+      <p:bldP spid="11" grpId="0"/>
+      <p:bldP spid="11" grpId="1"/>
+      <p:bldP spid="12" grpId="0"/>
+      <p:bldP spid="12" grpId="1"/>
+      <p:bldP spid="16" grpId="0"/>
+      <p:bldP spid="16" grpId="1"/>
+      <p:bldP spid="18" grpId="0"/>
+      <p:bldP spid="18" grpId="1"/>
+      <p:bldP spid="20" grpId="0"/>
+    </p:bldLst>
+  </p:timing>
+</p:sld>
+</file>
+
+<file path=ppt/slides/slide11.xml><?xml version="1.0" encoding="utf-8"?>
+<p:sld xmlns:a="http://schemas.openxmlformats.org/drawingml/2006/main" xmlns:r="http://schemas.openxmlformats.org/officeDocument/2006/relationships" xmlns:p="http://schemas.openxmlformats.org/presentationml/2006/main">
+  <p:cSld>
+    <p:spTree>
+      <p:nvGrpSpPr>
+        <p:cNvPr id="1" name=""/>
+        <p:cNvGrpSpPr/>
+        <p:nvPr/>
+      </p:nvGrpSpPr>
+      <p:grpSpPr>
+        <a:xfrm>
+          <a:off x="0" y="0"/>
+          <a:ext cx="0" cy="0"/>
+          <a:chOff x="0" y="0"/>
+          <a:chExt cx="0" cy="0"/>
+        </a:xfrm>
+      </p:grpSpPr>
+      <p:sp>
+        <p:nvSpPr>
+          <p:cNvPr id="2" name="Espaço Reservado para Número de Slide 1">
+            <a:extLst>
+              <a:ext uri="{FF2B5EF4-FFF2-40B4-BE49-F238E27FC236}">
+                <a16:creationId xmlns:a16="http://schemas.microsoft.com/office/drawing/2014/main" id="{9ACE06BB-6F66-E643-DCC1-5E5C6304C78C}"/>
+              </a:ext>
+            </a:extLst>
+          </p:cNvPr>
+          <p:cNvSpPr>
+            <a:spLocks noGrp="1"/>
+          </p:cNvSpPr>
+          <p:nvPr>
+            <p:ph type="sldNum" sz="quarter" idx="12"/>
+          </p:nvPr>
+        </p:nvSpPr>
+        <p:spPr/>
+        <p:txBody>
+          <a:bodyPr/>
+          <a:lstStyle/>
+          <a:p>
+            <a:fld id="{9892FFFB-AE51-A74C-8150-E041A9400B6F}" type="slidenum">
+              <a:rPr lang="pt-BR" smtClean="0"/>
+              <a:pPr/>
+              <a:t>11</a:t>
+            </a:fld>
+            <a:endParaRPr lang="pt-BR" dirty="0"/>
+          </a:p>
+        </p:txBody>
+      </p:sp>
+    </p:spTree>
+    <p:extLst>
+      <p:ext uri="{BB962C8B-B14F-4D97-AF65-F5344CB8AC3E}">
+        <p14:creationId xmlns:p14="http://schemas.microsoft.com/office/powerpoint/2010/main" val="1409460055"/>
+      </p:ext>
+    </p:extLst>
+  </p:cSld>
+  <p:clrMapOvr>
+    <a:masterClrMapping/>
+  </p:clrMapOvr>
+</p:sld>
+</file>
+
+<file path=ppt/slides/slide12.xml><?xml version="1.0" encoding="utf-8"?>
+<p:sld xmlns:a="http://schemas.openxmlformats.org/drawingml/2006/main" xmlns:r="http://schemas.openxmlformats.org/officeDocument/2006/relationships" xmlns:p="http://schemas.openxmlformats.org/presentationml/2006/main">
+  <p:cSld>
+    <p:spTree>
+      <p:nvGrpSpPr>
+        <p:cNvPr id="1" name=""/>
+        <p:cNvGrpSpPr/>
+        <p:nvPr/>
+      </p:nvGrpSpPr>
+      <p:grpSpPr>
+        <a:xfrm>
+          <a:off x="0" y="0"/>
+          <a:ext cx="0" cy="0"/>
+          <a:chOff x="0" y="0"/>
+          <a:chExt cx="0" cy="0"/>
+        </a:xfrm>
+      </p:grpSpPr>
+      <p:sp>
+        <p:nvSpPr>
+          <p:cNvPr id="2" name="Espaço Reservado para Número de Slide 1">
+            <a:extLst>
+              <a:ext uri="{FF2B5EF4-FFF2-40B4-BE49-F238E27FC236}">
                 <a16:creationId xmlns:a16="http://schemas.microsoft.com/office/drawing/2014/main" id="{38CB427C-690F-C775-A661-E02B74ED6713}"/>
               </a:ext>
             </a:extLst>
@@ -5544,7 +10015,7 @@
             <a:fld id="{9892FFFB-AE51-A74C-8150-E041A9400B6F}" type="slidenum">
               <a:rPr lang="pt-BR" smtClean="0"/>
               <a:pPr/>
-              <a:t>10</a:t>
+              <a:t>12</a:t>
             </a:fld>
             <a:endParaRPr lang="pt-BR"/>
           </a:p>
@@ -8745,7 +13216,7 @@
 </p:sld>
 </file>
 
-<file path=ppt/slides/slide11.xml><?xml version="1.0" encoding="utf-8"?>
+<file path=ppt/slides/slide13.xml><?xml version="1.0" encoding="utf-8"?>
 <p:sld xmlns:a="http://schemas.openxmlformats.org/drawingml/2006/main" xmlns:r="http://schemas.openxmlformats.org/officeDocument/2006/relationships" xmlns:p="http://schemas.openxmlformats.org/presentationml/2006/main">
   <p:cSld>
     <p:spTree>
@@ -8786,7 +13257,7 @@
             <a:fld id="{9892FFFB-AE51-A74C-8150-E041A9400B6F}" type="slidenum">
               <a:rPr lang="pt-BR" smtClean="0"/>
               <a:pPr/>
-              <a:t>11</a:t>
+              <a:t>13</a:t>
             </a:fld>
             <a:endParaRPr lang="pt-BR"/>
           </a:p>
@@ -8805,7 +13276,7 @@
 </p:sld>
 </file>
 
-<file path=ppt/slides/slide12.xml><?xml version="1.0" encoding="utf-8"?>
+<file path=ppt/slides/slide14.xml><?xml version="1.0" encoding="utf-8"?>
 <p:sld xmlns:a="http://schemas.openxmlformats.org/drawingml/2006/main" xmlns:r="http://schemas.openxmlformats.org/officeDocument/2006/relationships" xmlns:p="http://schemas.openxmlformats.org/presentationml/2006/main">
   <p:cSld>
     <p:spTree>
@@ -8846,7 +13317,7 @@
             <a:fld id="{9892FFFB-AE51-A74C-8150-E041A9400B6F}" type="slidenum">
               <a:rPr lang="pt-BR" smtClean="0"/>
               <a:pPr/>
-              <a:t>12</a:t>
+              <a:t>14</a:t>
             </a:fld>
             <a:endParaRPr lang="pt-BR"/>
           </a:p>
@@ -18165,151 +22636,101 @@
           </a:p>
         </p:txBody>
       </p:sp>
-      <p:pic>
-        <p:nvPicPr>
-          <p:cNvPr id="5" name="Imagem 4" descr="Polígono&#10;&#10;Descrição gerada automaticamente com confiança baixa">
+      <p:grpSp>
+        <p:nvGrpSpPr>
+          <p:cNvPr id="4" name="Agrupar 3">
             <a:extLst>
               <a:ext uri="{FF2B5EF4-FFF2-40B4-BE49-F238E27FC236}">
-                <a16:creationId xmlns:a16="http://schemas.microsoft.com/office/drawing/2014/main" id="{A7DDEA17-5FE9-59C6-566B-E26C1A6EEB3D}"/>
+                <a16:creationId xmlns:a16="http://schemas.microsoft.com/office/drawing/2014/main" id="{41AC0E10-4AAF-3667-E38D-40CFFBB8FF7E}"/>
               </a:ext>
             </a:extLst>
           </p:cNvPr>
-          <p:cNvPicPr>
-            <a:picLocks noChangeAspect="1"/>
-          </p:cNvPicPr>
+          <p:cNvGrpSpPr/>
           <p:nvPr/>
-        </p:nvPicPr>
-        <p:blipFill>
-          <a:blip r:embed="rId2">
-            <a:extLst>
-              <a:ext uri="{28A0092B-C50C-407E-A947-70E740481C1C}">
-                <a14:useLocalDpi xmlns:a14="http://schemas.microsoft.com/office/drawing/2010/main" val="0"/>
-              </a:ext>
-            </a:extLst>
-          </a:blip>
-          <a:stretch>
-            <a:fillRect/>
-          </a:stretch>
-        </p:blipFill>
-        <p:spPr>
+        </p:nvGrpSpPr>
+        <p:grpSpPr>
           <a:xfrm>
-            <a:off x="5014635" y="2420914"/>
-            <a:ext cx="3307096" cy="2991044"/>
+            <a:off x="421963" y="1643591"/>
+            <a:ext cx="3522509" cy="4912395"/>
+            <a:chOff x="421963" y="1643591"/>
+            <a:chExt cx="3522509" cy="4912395"/>
           </a:xfrm>
-          <a:prstGeom prst="rect">
-            <a:avLst/>
-          </a:prstGeom>
-        </p:spPr>
-      </p:pic>
-      <p:pic>
-        <p:nvPicPr>
-          <p:cNvPr id="7" name="Imagem 6" descr="Forma&#10;&#10;Descrição gerada automaticamente">
-            <a:extLst>
-              <a:ext uri="{FF2B5EF4-FFF2-40B4-BE49-F238E27FC236}">
-                <a16:creationId xmlns:a16="http://schemas.microsoft.com/office/drawing/2014/main" id="{41B7E1A9-24F5-E786-A15A-68AD8EC19A3C}"/>
-              </a:ext>
-            </a:extLst>
-          </p:cNvPr>
-          <p:cNvPicPr>
-            <a:picLocks noChangeAspect="1"/>
-          </p:cNvPicPr>
-          <p:nvPr/>
-        </p:nvPicPr>
-        <p:blipFill>
-          <a:blip r:embed="rId3">
-            <a:extLst>
-              <a:ext uri="{28A0092B-C50C-407E-A947-70E740481C1C}">
-                <a14:useLocalDpi xmlns:a14="http://schemas.microsoft.com/office/drawing/2010/main" val="0"/>
-              </a:ext>
-            </a:extLst>
-          </a:blip>
-          <a:stretch>
-            <a:fillRect/>
-          </a:stretch>
-        </p:blipFill>
-        <p:spPr>
-          <a:xfrm>
-            <a:off x="822269" y="1959349"/>
-            <a:ext cx="2721899" cy="3452609"/>
-          </a:xfrm>
-          <a:prstGeom prst="rect">
-            <a:avLst/>
-          </a:prstGeom>
-        </p:spPr>
-      </p:pic>
-      <p:sp>
-        <p:nvSpPr>
-          <p:cNvPr id="8" name="CaixaDeTexto 7">
-            <a:extLst>
-              <a:ext uri="{FF2B5EF4-FFF2-40B4-BE49-F238E27FC236}">
-                <a16:creationId xmlns:a16="http://schemas.microsoft.com/office/drawing/2014/main" id="{730C80B3-C775-DA31-0D1E-49E62A8B04DB}"/>
-              </a:ext>
-            </a:extLst>
-          </p:cNvPr>
-          <p:cNvSpPr txBox="1"/>
-          <p:nvPr/>
-        </p:nvSpPr>
-        <p:spPr>
-          <a:xfrm>
-            <a:off x="1238793" y="1524072"/>
-            <a:ext cx="1888850" cy="369332"/>
-          </a:xfrm>
-          <a:prstGeom prst="rect">
-            <a:avLst/>
-          </a:prstGeom>
-          <a:noFill/>
-        </p:spPr>
-        <p:txBody>
-          <a:bodyPr wrap="none" rtlCol="0">
-            <a:spAutoFit/>
-          </a:bodyPr>
-          <a:lstStyle/>
-          <a:p>
-            <a:r>
-              <a:rPr lang="pt-BR" u="sng" dirty="0"/>
-              <a:t>Eixos e dimensões</a:t>
-            </a:r>
-          </a:p>
-        </p:txBody>
-      </p:sp>
-      <p:sp>
-        <p:nvSpPr>
-          <p:cNvPr id="9" name="CaixaDeTexto 8">
-            <a:extLst>
-              <a:ext uri="{FF2B5EF4-FFF2-40B4-BE49-F238E27FC236}">
-                <a16:creationId xmlns:a16="http://schemas.microsoft.com/office/drawing/2014/main" id="{4EF698B2-7236-2735-91D9-70141F79EF38}"/>
-              </a:ext>
-            </a:extLst>
-          </p:cNvPr>
-          <p:cNvSpPr txBox="1"/>
-          <p:nvPr/>
-        </p:nvSpPr>
-        <p:spPr>
-          <a:xfrm>
-            <a:off x="6391554" y="1524072"/>
-            <a:ext cx="1618392" cy="369332"/>
-          </a:xfrm>
-          <a:prstGeom prst="rect">
-            <a:avLst/>
-          </a:prstGeom>
-          <a:noFill/>
-        </p:spPr>
-        <p:txBody>
-          <a:bodyPr wrap="none" rtlCol="0">
-            <a:spAutoFit/>
-          </a:bodyPr>
-          <a:lstStyle/>
-          <a:p>
-            <a:r>
-              <a:rPr lang="pt-BR" u="sng" dirty="0"/>
-              <a:t>Forças atuando</a:t>
-            </a:r>
-          </a:p>
-        </p:txBody>
-      </p:sp>
-      <mc:AlternateContent xmlns:mc="http://schemas.openxmlformats.org/markup-compatibility/2006">
-        <mc:Choice xmlns:p14="http://schemas.microsoft.com/office/powerpoint/2010/main" Requires="p14">
-          <p:contentPart p14:bwMode="auto" r:id="rId4">
+        </p:grpSpPr>
+        <p:pic>
+          <p:nvPicPr>
+            <p:cNvPr id="7" name="Imagem 6" descr="Forma&#10;&#10;Descrição gerada automaticamente">
+              <a:extLst>
+                <a:ext uri="{FF2B5EF4-FFF2-40B4-BE49-F238E27FC236}">
+                  <a16:creationId xmlns:a16="http://schemas.microsoft.com/office/drawing/2014/main" id="{41B7E1A9-24F5-E786-A15A-68AD8EC19A3C}"/>
+                </a:ext>
+              </a:extLst>
+            </p:cNvPr>
+            <p:cNvPicPr>
+              <a:picLocks noChangeAspect="1"/>
+            </p:cNvPicPr>
+            <p:nvPr/>
+          </p:nvPicPr>
+          <p:blipFill>
+            <a:blip r:embed="rId2">
+              <a:extLst>
+                <a:ext uri="{28A0092B-C50C-407E-A947-70E740481C1C}">
+                  <a14:useLocalDpi xmlns:a14="http://schemas.microsoft.com/office/drawing/2010/main" val="0"/>
+                </a:ext>
+              </a:extLst>
+            </a:blip>
+            <a:stretch>
+              <a:fillRect/>
+            </a:stretch>
+          </p:blipFill>
+          <p:spPr>
+            <a:xfrm>
+              <a:off x="421963" y="2087838"/>
+              <a:ext cx="3522509" cy="4468148"/>
+            </a:xfrm>
+            <a:prstGeom prst="rect">
+              <a:avLst/>
+            </a:prstGeom>
+          </p:spPr>
+        </p:pic>
+        <p:sp>
+          <p:nvSpPr>
+            <p:cNvPr id="8" name="CaixaDeTexto 7">
+              <a:extLst>
+                <a:ext uri="{FF2B5EF4-FFF2-40B4-BE49-F238E27FC236}">
+                  <a16:creationId xmlns:a16="http://schemas.microsoft.com/office/drawing/2014/main" id="{730C80B3-C775-DA31-0D1E-49E62A8B04DB}"/>
+                </a:ext>
+              </a:extLst>
+            </p:cNvPr>
+            <p:cNvSpPr txBox="1"/>
+            <p:nvPr/>
+          </p:nvSpPr>
+          <p:spPr>
+            <a:xfrm>
+              <a:off x="1238792" y="1643591"/>
+              <a:ext cx="1888850" cy="369332"/>
+            </a:xfrm>
+            <a:prstGeom prst="rect">
+              <a:avLst/>
+            </a:prstGeom>
+            <a:noFill/>
+          </p:spPr>
+          <p:txBody>
+            <a:bodyPr wrap="none" rtlCol="0">
+              <a:spAutoFit/>
+            </a:bodyPr>
+            <a:lstStyle/>
+            <a:p>
+              <a:r>
+                <a:rPr lang="pt-BR" u="sng" dirty="0"/>
+                <a:t>Eixos e dimensões</a:t>
+              </a:r>
+            </a:p>
+          </p:txBody>
+        </p:sp>
+      </p:grpSp>
+      <mc:AlternateContent xmlns:mc="http://schemas.openxmlformats.org/markup-compatibility/2006" xmlns:p14="http://schemas.microsoft.com/office/powerpoint/2010/main">
+        <mc:Choice Requires="p14">
+          <p:contentPart p14:bwMode="auto" r:id="rId3">
             <p14:nvContentPartPr>
               <p14:cNvPr id="10" name="Tinta 9">
                 <a:extLst>
@@ -18327,7 +22748,7 @@
             </p14:xfrm>
           </p:contentPart>
         </mc:Choice>
-        <mc:Fallback>
+        <mc:Fallback xmlns="">
           <p:pic>
             <p:nvPicPr>
               <p:cNvPr id="10" name="Tinta 9">
@@ -18358,8 +22779,8 @@
           </p:pic>
         </mc:Fallback>
       </mc:AlternateContent>
-      <mc:AlternateContent xmlns:mc="http://schemas.openxmlformats.org/markup-compatibility/2006">
-        <mc:Choice xmlns:p14="http://schemas.microsoft.com/office/powerpoint/2010/main" Requires="p14">
+      <mc:AlternateContent xmlns:mc="http://schemas.openxmlformats.org/markup-compatibility/2006" xmlns:p14="http://schemas.microsoft.com/office/powerpoint/2010/main">
+        <mc:Choice Requires="p14">
           <p:contentPart p14:bwMode="auto" r:id="rId6">
             <p14:nvContentPartPr>
               <p14:cNvPr id="15" name="Tinta 14">
@@ -18378,7 +22799,7 @@
             </p14:xfrm>
           </p:contentPart>
         </mc:Choice>
-        <mc:Fallback>
+        <mc:Fallback xmlns="">
           <p:pic>
             <p:nvPicPr>
               <p:cNvPr id="15" name="Tinta 14">
@@ -18413,10 +22834,10 @@
         <mc:Choice xmlns:a14="http://schemas.microsoft.com/office/drawing/2010/main" Requires="a14">
           <p:sp>
             <p:nvSpPr>
-              <p:cNvPr id="16" name="CaixaDeTexto 15">
+              <p:cNvPr id="17" name="CaixaDeTexto 16">
                 <a:extLst>
                   <a:ext uri="{FF2B5EF4-FFF2-40B4-BE49-F238E27FC236}">
-                    <a16:creationId xmlns:a16="http://schemas.microsoft.com/office/drawing/2014/main" id="{B2DD54D2-1630-BF1A-D09F-C4BC70B0CF10}"/>
+                    <a16:creationId xmlns:a16="http://schemas.microsoft.com/office/drawing/2014/main" id="{0BDEC982-7869-1A8D-041A-BDBD671F3E91}"/>
                   </a:ext>
                 </a:extLst>
               </p:cNvPr>
@@ -18425,8 +22846,8 @@
             </p:nvSpPr>
             <p:spPr>
               <a:xfrm>
-                <a:off x="928293" y="5411959"/>
-                <a:ext cx="2721899" cy="516745"/>
+                <a:off x="3538178" y="1508734"/>
+                <a:ext cx="6204573" cy="2796791"/>
               </a:xfrm>
               <a:prstGeom prst="rect">
                 <a:avLst/>
@@ -18434,11 +22855,124 @@
               <a:noFill/>
             </p:spPr>
             <p:txBody>
-              <a:bodyPr wrap="none" lIns="0" tIns="0" rIns="0" bIns="0" rtlCol="0">
+              <a:bodyPr wrap="square" lIns="0" tIns="0" rIns="0" bIns="0" rtlCol="0">
                 <a:spAutoFit/>
               </a:bodyPr>
               <a:lstStyle/>
               <a:p>
+                <a:pPr>
+                  <a:lnSpc>
+                    <a:spcPct val="150000"/>
+                  </a:lnSpc>
+                </a:pPr>
+                <a14:m>
+                  <m:oMathPara xmlns:m="http://schemas.openxmlformats.org/officeDocument/2006/math">
+                    <m:oMathParaPr>
+                      <m:jc m:val="centerGroup"/>
+                    </m:oMathParaPr>
+                    <m:oMath xmlns:m="http://schemas.openxmlformats.org/officeDocument/2006/math">
+                      <m:r>
+                        <a:rPr lang="pt-BR" b="1" i="1" smtClean="0">
+                          <a:solidFill>
+                            <a:srgbClr val="C00000"/>
+                          </a:solidFill>
+                          <a:latin typeface="Cambria Math" panose="02040503050406030204" pitchFamily="18" charset="0"/>
+                        </a:rPr>
+                        <m:t>𝒉</m:t>
+                      </m:r>
+                      <m:d>
+                        <m:dPr>
+                          <m:ctrlPr>
+                            <a:rPr lang="pt-BR" b="0" i="1" smtClean="0">
+                              <a:solidFill>
+                                <a:srgbClr val="C00000"/>
+                              </a:solidFill>
+                              <a:latin typeface="Cambria Math" panose="02040503050406030204" pitchFamily="18" charset="0"/>
+                            </a:rPr>
+                          </m:ctrlPr>
+                        </m:dPr>
+                        <m:e>
+                          <m:r>
+                            <a:rPr lang="pt-BR" b="0" i="1" smtClean="0">
+                              <a:solidFill>
+                                <a:srgbClr val="C00000"/>
+                              </a:solidFill>
+                              <a:latin typeface="Cambria Math" panose="02040503050406030204" pitchFamily="18" charset="0"/>
+                            </a:rPr>
+                            <m:t>𝜃</m:t>
+                          </m:r>
+                        </m:e>
+                      </m:d>
+                      <m:r>
+                        <a:rPr lang="pt-BR" b="0" i="1" smtClean="0">
+                          <a:solidFill>
+                            <a:srgbClr val="C00000"/>
+                          </a:solidFill>
+                          <a:latin typeface="Cambria Math" panose="02040503050406030204" pitchFamily="18" charset="0"/>
+                        </a:rPr>
+                        <m:t>:</m:t>
+                      </m:r>
+                      <m:r>
+                        <a:rPr lang="pt-BR" b="0" i="1" smtClean="0">
+                          <a:solidFill>
+                            <a:srgbClr val="C00000"/>
+                          </a:solidFill>
+                          <a:latin typeface="Cambria Math" panose="02040503050406030204" pitchFamily="18" charset="0"/>
+                        </a:rPr>
+                        <m:t>𝑎𝑙𝑡𝑢𝑟𝑎</m:t>
+                      </m:r>
+                      <m:r>
+                        <a:rPr lang="pt-BR" b="0" i="1" smtClean="0">
+                          <a:solidFill>
+                            <a:srgbClr val="C00000"/>
+                          </a:solidFill>
+                          <a:latin typeface="Cambria Math" panose="02040503050406030204" pitchFamily="18" charset="0"/>
+                        </a:rPr>
+                        <m:t> </m:t>
+                      </m:r>
+                      <m:r>
+                        <a:rPr lang="pt-BR" b="0" i="1" smtClean="0">
+                          <a:solidFill>
+                            <a:srgbClr val="C00000"/>
+                          </a:solidFill>
+                          <a:latin typeface="Cambria Math" panose="02040503050406030204" pitchFamily="18" charset="0"/>
+                        </a:rPr>
+                        <m:t>𝑑𝑜</m:t>
+                      </m:r>
+                      <m:r>
+                        <a:rPr lang="pt-BR" b="0" i="1" smtClean="0">
+                          <a:solidFill>
+                            <a:srgbClr val="C00000"/>
+                          </a:solidFill>
+                          <a:latin typeface="Cambria Math" panose="02040503050406030204" pitchFamily="18" charset="0"/>
+                        </a:rPr>
+                        <m:t> </m:t>
+                      </m:r>
+                      <m:r>
+                        <a:rPr lang="pt-BR" b="0" i="1" smtClean="0">
+                          <a:solidFill>
+                            <a:srgbClr val="C00000"/>
+                          </a:solidFill>
+                          <a:latin typeface="Cambria Math" panose="02040503050406030204" pitchFamily="18" charset="0"/>
+                        </a:rPr>
+                        <m:t>𝐶𝑀</m:t>
+                      </m:r>
+                    </m:oMath>
+                  </m:oMathPara>
+                </a14:m>
+                <a:endParaRPr lang="pt-BR" b="1" i="1" dirty="0">
+                  <a:solidFill>
+                    <a:srgbClr val="C00000"/>
+                  </a:solidFill>
+                  <a:latin typeface="Cambria Math" panose="02040503050406030204" pitchFamily="18" charset="0"/>
+                </a:endParaRPr>
+              </a:p>
+              <a:p>
+                <a:pPr>
+                  <a:lnSpc>
+                    <a:spcPct val="150000"/>
+                  </a:lnSpc>
+                </a:pPr>
                 <a14:m>
                   <m:oMathPara xmlns:m="http://schemas.openxmlformats.org/officeDocument/2006/math">
                     <m:oMathParaPr>
@@ -18642,90 +23176,275 @@
                     </m:oMath>
                   </m:oMathPara>
                 </a14:m>
-                <a:endParaRPr lang="pt-BR" dirty="0">
+                <a:endParaRPr lang="pt-BR" b="1" i="1" dirty="0">
                   <a:solidFill>
                     <a:srgbClr val="C00000"/>
                   </a:solidFill>
+                  <a:latin typeface="Cambria Math" panose="02040503050406030204" pitchFamily="18" charset="0"/>
                 </a:endParaRPr>
               </a:p>
-            </p:txBody>
-          </p:sp>
-        </mc:Choice>
-        <mc:Fallback>
-          <p:sp>
-            <p:nvSpPr>
-              <p:cNvPr id="16" name="CaixaDeTexto 15">
-                <a:extLst>
-                  <a:ext uri="{FF2B5EF4-FFF2-40B4-BE49-F238E27FC236}">
-                    <a16:creationId xmlns:a16="http://schemas.microsoft.com/office/drawing/2014/main" id="{B2DD54D2-1630-BF1A-D09F-C4BC70B0CF10}"/>
-                  </a:ext>
-                </a:extLst>
-              </p:cNvPr>
-              <p:cNvSpPr txBox="1">
-                <a:spLocks noRot="1" noChangeAspect="1" noMove="1" noResize="1" noEditPoints="1" noAdjustHandles="1" noChangeArrowheads="1" noChangeShapeType="1" noTextEdit="1"/>
-              </p:cNvSpPr>
-              <p:nvPr/>
-            </p:nvSpPr>
-            <p:spPr>
-              <a:xfrm>
-                <a:off x="928293" y="5411959"/>
-                <a:ext cx="2721899" cy="516745"/>
-              </a:xfrm>
-              <a:prstGeom prst="rect">
-                <a:avLst/>
-              </a:prstGeom>
-              <a:blipFill>
-                <a:blip r:embed="rId8"/>
-                <a:stretch>
-                  <a:fillRect/>
-                </a:stretch>
-              </a:blipFill>
-            </p:spPr>
-            <p:txBody>
-              <a:bodyPr/>
-              <a:lstStyle/>
               <a:p>
-                <a:r>
-                  <a:rPr lang="pt-BR">
-                    <a:noFill/>
-                  </a:rPr>
-                  <a:t> </a:t>
-                </a:r>
+                <a:pPr>
+                  <a:lnSpc>
+                    <a:spcPct val="150000"/>
+                  </a:lnSpc>
+                </a:pPr>
+                <a14:m>
+                  <m:oMathPara xmlns:m="http://schemas.openxmlformats.org/officeDocument/2006/math">
+                    <m:oMathParaPr>
+                      <m:jc m:val="centerGroup"/>
+                    </m:oMathParaPr>
+                    <m:oMath xmlns:m="http://schemas.openxmlformats.org/officeDocument/2006/math">
+                      <m:r>
+                        <a:rPr lang="pt-BR" b="1" i="1" smtClean="0">
+                          <a:solidFill>
+                            <a:srgbClr val="C00000"/>
+                          </a:solidFill>
+                          <a:latin typeface="Cambria Math" panose="02040503050406030204" pitchFamily="18" charset="0"/>
+                        </a:rPr>
+                        <m:t>𝝆</m:t>
+                      </m:r>
+                      <m:d>
+                        <m:dPr>
+                          <m:ctrlPr>
+                            <a:rPr lang="pt-BR" b="0" i="1" smtClean="0">
+                              <a:solidFill>
+                                <a:srgbClr val="C00000"/>
+                              </a:solidFill>
+                              <a:latin typeface="Cambria Math" panose="02040503050406030204" pitchFamily="18" charset="0"/>
+                            </a:rPr>
+                          </m:ctrlPr>
+                        </m:dPr>
+                        <m:e>
+                          <m:r>
+                            <a:rPr lang="pt-BR" b="0" i="1" smtClean="0">
+                              <a:solidFill>
+                                <a:srgbClr val="C00000"/>
+                              </a:solidFill>
+                              <a:latin typeface="Cambria Math" panose="02040503050406030204" pitchFamily="18" charset="0"/>
+                            </a:rPr>
+                            <m:t>𝜃</m:t>
+                          </m:r>
+                        </m:e>
+                      </m:d>
+                      <m:r>
+                        <a:rPr lang="pt-BR" b="0" i="1" smtClean="0">
+                          <a:solidFill>
+                            <a:srgbClr val="C00000"/>
+                          </a:solidFill>
+                          <a:latin typeface="Cambria Math" panose="02040503050406030204" pitchFamily="18" charset="0"/>
+                        </a:rPr>
+                        <m:t>:</m:t>
+                      </m:r>
+                      <m:r>
+                        <a:rPr lang="pt-BR" b="0" i="1" smtClean="0">
+                          <a:solidFill>
+                            <a:srgbClr val="C00000"/>
+                          </a:solidFill>
+                          <a:latin typeface="Cambria Math" panose="02040503050406030204" pitchFamily="18" charset="0"/>
+                        </a:rPr>
+                        <m:t>𝑑𝑖𝑠𝑡</m:t>
+                      </m:r>
+                      <m:r>
+                        <a:rPr lang="pt-BR" b="0" i="1" smtClean="0">
+                          <a:solidFill>
+                            <a:srgbClr val="C00000"/>
+                          </a:solidFill>
+                          <a:latin typeface="Cambria Math" panose="02040503050406030204" pitchFamily="18" charset="0"/>
+                        </a:rPr>
+                        <m:t>â</m:t>
+                      </m:r>
+                      <m:r>
+                        <a:rPr lang="pt-BR" b="0" i="1" smtClean="0">
+                          <a:solidFill>
+                            <a:srgbClr val="C00000"/>
+                          </a:solidFill>
+                          <a:latin typeface="Cambria Math" panose="02040503050406030204" pitchFamily="18" charset="0"/>
+                        </a:rPr>
+                        <m:t>𝑛𝑐𝑖𝑎</m:t>
+                      </m:r>
+                      <m:r>
+                        <a:rPr lang="pt-BR" b="0" i="1" smtClean="0">
+                          <a:solidFill>
+                            <a:srgbClr val="C00000"/>
+                          </a:solidFill>
+                          <a:latin typeface="Cambria Math" panose="02040503050406030204" pitchFamily="18" charset="0"/>
+                        </a:rPr>
+                        <m:t> </m:t>
+                      </m:r>
+                      <m:r>
+                        <a:rPr lang="pt-BR" b="0" i="1" smtClean="0">
+                          <a:solidFill>
+                            <a:srgbClr val="C00000"/>
+                          </a:solidFill>
+                          <a:latin typeface="Cambria Math" panose="02040503050406030204" pitchFamily="18" charset="0"/>
+                        </a:rPr>
+                        <m:t>𝑑𝑜</m:t>
+                      </m:r>
+                      <m:r>
+                        <a:rPr lang="pt-BR" b="0" i="1" smtClean="0">
+                          <a:solidFill>
+                            <a:srgbClr val="C00000"/>
+                          </a:solidFill>
+                          <a:latin typeface="Cambria Math" panose="02040503050406030204" pitchFamily="18" charset="0"/>
+                        </a:rPr>
+                        <m:t> </m:t>
+                      </m:r>
+                      <m:r>
+                        <a:rPr lang="pt-BR" b="0" i="1" smtClean="0">
+                          <a:solidFill>
+                            <a:srgbClr val="C00000"/>
+                          </a:solidFill>
+                          <a:latin typeface="Cambria Math" panose="02040503050406030204" pitchFamily="18" charset="0"/>
+                        </a:rPr>
+                        <m:t>𝑝𝑜𝑛𝑡𝑜</m:t>
+                      </m:r>
+                      <m:r>
+                        <a:rPr lang="pt-BR" b="0" i="1" smtClean="0">
+                          <a:solidFill>
+                            <a:srgbClr val="C00000"/>
+                          </a:solidFill>
+                          <a:latin typeface="Cambria Math" panose="02040503050406030204" pitchFamily="18" charset="0"/>
+                        </a:rPr>
+                        <m:t> </m:t>
+                      </m:r>
+                      <m:r>
+                        <a:rPr lang="pt-BR" b="0" i="1" smtClean="0">
+                          <a:solidFill>
+                            <a:srgbClr val="C00000"/>
+                          </a:solidFill>
+                          <a:latin typeface="Cambria Math" panose="02040503050406030204" pitchFamily="18" charset="0"/>
+                        </a:rPr>
+                        <m:t>𝑑𝑒</m:t>
+                      </m:r>
+                      <m:r>
+                        <a:rPr lang="pt-BR" b="0" i="1" smtClean="0">
+                          <a:solidFill>
+                            <a:srgbClr val="C00000"/>
+                          </a:solidFill>
+                          <a:latin typeface="Cambria Math" panose="02040503050406030204" pitchFamily="18" charset="0"/>
+                        </a:rPr>
+                        <m:t> </m:t>
+                      </m:r>
+                      <m:r>
+                        <a:rPr lang="pt-BR" b="0" i="1" smtClean="0">
+                          <a:solidFill>
+                            <a:srgbClr val="C00000"/>
+                          </a:solidFill>
+                          <a:latin typeface="Cambria Math" panose="02040503050406030204" pitchFamily="18" charset="0"/>
+                        </a:rPr>
+                        <m:t>𝑐𝑜𝑛𝑡𝑎𝑡𝑜</m:t>
+                      </m:r>
+                      <m:r>
+                        <a:rPr lang="pt-BR" b="0" i="1" smtClean="0">
+                          <a:solidFill>
+                            <a:srgbClr val="C00000"/>
+                          </a:solidFill>
+                          <a:latin typeface="Cambria Math" panose="02040503050406030204" pitchFamily="18" charset="0"/>
+                        </a:rPr>
+                        <m:t> à </m:t>
+                      </m:r>
+                    </m:oMath>
+                  </m:oMathPara>
+                </a14:m>
+                <a:endParaRPr lang="pt-BR" b="0" i="1" dirty="0">
+                  <a:solidFill>
+                    <a:srgbClr val="C00000"/>
+                  </a:solidFill>
+                  <a:latin typeface="Cambria Math" panose="02040503050406030204" pitchFamily="18" charset="0"/>
+                </a:endParaRPr>
               </a:p>
-            </p:txBody>
-          </p:sp>
-        </mc:Fallback>
-      </mc:AlternateContent>
-      <mc:AlternateContent xmlns:mc="http://schemas.openxmlformats.org/markup-compatibility/2006">
-        <mc:Choice xmlns:a14="http://schemas.microsoft.com/office/drawing/2010/main" Requires="a14">
-          <p:sp>
-            <p:nvSpPr>
-              <p:cNvPr id="17" name="CaixaDeTexto 16">
-                <a:extLst>
-                  <a:ext uri="{FF2B5EF4-FFF2-40B4-BE49-F238E27FC236}">
-                    <a16:creationId xmlns:a16="http://schemas.microsoft.com/office/drawing/2014/main" id="{0BDEC982-7869-1A8D-041A-BDBD671F3E91}"/>
-                  </a:ext>
-                </a:extLst>
-              </p:cNvPr>
-              <p:cNvSpPr txBox="1"/>
-              <p:nvPr/>
-            </p:nvSpPr>
-            <p:spPr>
-              <a:xfrm>
-                <a:off x="822269" y="6022977"/>
-                <a:ext cx="2933945" cy="516745"/>
-              </a:xfrm>
-              <a:prstGeom prst="rect">
-                <a:avLst/>
-              </a:prstGeom>
-              <a:noFill/>
-            </p:spPr>
-            <p:txBody>
-              <a:bodyPr wrap="none" lIns="0" tIns="0" rIns="0" bIns="0" rtlCol="0">
-                <a:spAutoFit/>
-              </a:bodyPr>
-              <a:lstStyle/>
               <a:p>
+                <a:pPr>
+                  <a:lnSpc>
+                    <a:spcPct val="150000"/>
+                  </a:lnSpc>
+                </a:pPr>
+                <a14:m>
+                  <m:oMathPara xmlns:m="http://schemas.openxmlformats.org/officeDocument/2006/math">
+                    <m:oMathParaPr>
+                      <m:jc m:val="centerGroup"/>
+                    </m:oMathParaPr>
+                    <m:oMath xmlns:m="http://schemas.openxmlformats.org/officeDocument/2006/math">
+                      <m:r>
+                        <a:rPr lang="pt-BR" b="0" i="1" smtClean="0">
+                          <a:solidFill>
+                            <a:srgbClr val="C00000"/>
+                          </a:solidFill>
+                          <a:latin typeface="Cambria Math" panose="02040503050406030204" pitchFamily="18" charset="0"/>
+                        </a:rPr>
+                        <m:t>𝑙𝑖𝑛h𝑎</m:t>
+                      </m:r>
+                      <m:r>
+                        <a:rPr lang="pt-BR" b="0" i="1" smtClean="0">
+                          <a:solidFill>
+                            <a:srgbClr val="C00000"/>
+                          </a:solidFill>
+                          <a:latin typeface="Cambria Math" panose="02040503050406030204" pitchFamily="18" charset="0"/>
+                        </a:rPr>
+                        <m:t> </m:t>
+                      </m:r>
+                      <m:r>
+                        <a:rPr lang="pt-BR" b="0" i="1" smtClean="0">
+                          <a:solidFill>
+                            <a:srgbClr val="C00000"/>
+                          </a:solidFill>
+                          <a:latin typeface="Cambria Math" panose="02040503050406030204" pitchFamily="18" charset="0"/>
+                        </a:rPr>
+                        <m:t>𝑣𝑒𝑟𝑡𝑖𝑐𝑎𝑙</m:t>
+                      </m:r>
+                      <m:r>
+                        <a:rPr lang="pt-BR" b="0" i="1" smtClean="0">
+                          <a:solidFill>
+                            <a:srgbClr val="C00000"/>
+                          </a:solidFill>
+                          <a:latin typeface="Cambria Math" panose="02040503050406030204" pitchFamily="18" charset="0"/>
+                        </a:rPr>
+                        <m:t> </m:t>
+                      </m:r>
+                      <m:r>
+                        <a:rPr lang="pt-BR" b="0" i="1" smtClean="0">
+                          <a:solidFill>
+                            <a:srgbClr val="C00000"/>
+                          </a:solidFill>
+                          <a:latin typeface="Cambria Math" panose="02040503050406030204" pitchFamily="18" charset="0"/>
+                        </a:rPr>
+                        <m:t>𝑑𝑜</m:t>
+                      </m:r>
+                      <m:r>
+                        <a:rPr lang="pt-BR" b="0" i="1" smtClean="0">
+                          <a:solidFill>
+                            <a:srgbClr val="C00000"/>
+                          </a:solidFill>
+                          <a:latin typeface="Cambria Math" panose="02040503050406030204" pitchFamily="18" charset="0"/>
+                        </a:rPr>
+                        <m:t> </m:t>
+                      </m:r>
+                      <m:r>
+                        <a:rPr lang="pt-BR" b="0" i="1" smtClean="0">
+                          <a:solidFill>
+                            <a:srgbClr val="C00000"/>
+                          </a:solidFill>
+                          <a:latin typeface="Cambria Math" panose="02040503050406030204" pitchFamily="18" charset="0"/>
+                        </a:rPr>
+                        <m:t>𝐶𝑀</m:t>
+                      </m:r>
+                    </m:oMath>
+                  </m:oMathPara>
+                </a14:m>
+                <a:endParaRPr lang="pt-BR" b="1" i="1" dirty="0">
+                  <a:solidFill>
+                    <a:srgbClr val="C00000"/>
+                  </a:solidFill>
+                  <a:latin typeface="Cambria Math" panose="02040503050406030204" pitchFamily="18" charset="0"/>
+                </a:endParaRPr>
+              </a:p>
+              <a:p>
+                <a:pPr>
+                  <a:lnSpc>
+                    <a:spcPct val="150000"/>
+                  </a:lnSpc>
+                </a:pPr>
                 <a14:m>
                   <m:oMathPara xmlns:m="http://schemas.openxmlformats.org/officeDocument/2006/math">
                     <m:oMathParaPr>
@@ -18955,14 +23674,14 @@
             </p:nvSpPr>
             <p:spPr>
               <a:xfrm>
-                <a:off x="822269" y="6022977"/>
-                <a:ext cx="2933945" cy="516745"/>
+                <a:off x="3538178" y="1508734"/>
+                <a:ext cx="6204573" cy="2796791"/>
               </a:xfrm>
               <a:prstGeom prst="rect">
                 <a:avLst/>
               </a:prstGeom>
               <a:blipFill>
-                <a:blip r:embed="rId9"/>
+                <a:blip r:embed="rId8"/>
                 <a:stretch>
                   <a:fillRect/>
                 </a:stretch>
@@ -18983,9 +23702,9 @@
           </p:sp>
         </mc:Fallback>
       </mc:AlternateContent>
-      <mc:AlternateContent xmlns:mc="http://schemas.openxmlformats.org/markup-compatibility/2006">
-        <mc:Choice xmlns:p14="http://schemas.microsoft.com/office/powerpoint/2010/main" Requires="p14">
-          <p:contentPart p14:bwMode="auto" r:id="rId10">
+      <mc:AlternateContent xmlns:mc="http://schemas.openxmlformats.org/markup-compatibility/2006" xmlns:p14="http://schemas.microsoft.com/office/powerpoint/2010/main">
+        <mc:Choice Requires="p14">
+          <p:contentPart p14:bwMode="auto" r:id="rId9">
             <p14:nvContentPartPr>
               <p14:cNvPr id="18" name="Tinta 17">
                 <a:extLst>
@@ -19003,7 +23722,7 @@
             </p14:xfrm>
           </p:contentPart>
         </mc:Choice>
-        <mc:Fallback>
+        <mc:Fallback xmlns="">
           <p:pic>
             <p:nvPicPr>
               <p:cNvPr id="18" name="Tinta 17">
@@ -19034,111 +23753,9 @@
           </p:pic>
         </mc:Fallback>
       </mc:AlternateContent>
-      <mc:AlternateContent xmlns:mc="http://schemas.openxmlformats.org/markup-compatibility/2006">
-        <mc:Choice xmlns:p14="http://schemas.microsoft.com/office/powerpoint/2010/main" Requires="p14">
+      <mc:AlternateContent xmlns:mc="http://schemas.openxmlformats.org/markup-compatibility/2006" xmlns:p14="http://schemas.microsoft.com/office/powerpoint/2010/main">
+        <mc:Choice Requires="p14">
           <p:contentPart p14:bwMode="auto" r:id="rId12">
-            <p14:nvContentPartPr>
-              <p14:cNvPr id="21" name="Tinta 20">
-                <a:extLst>
-                  <a:ext uri="{FF2B5EF4-FFF2-40B4-BE49-F238E27FC236}">
-                    <a16:creationId xmlns:a16="http://schemas.microsoft.com/office/drawing/2014/main" id="{6DB56D2A-5B8C-80BA-737D-BE716ED10B45}"/>
-                  </a:ext>
-                </a:extLst>
-              </p14:cNvPr>
-              <p14:cNvContentPartPr/>
-              <p14:nvPr/>
-            </p14:nvContentPartPr>
-            <p14:xfrm>
-              <a:off x="7200750" y="5200350"/>
-              <a:ext cx="360" cy="360"/>
-            </p14:xfrm>
-          </p:contentPart>
-        </mc:Choice>
-        <mc:Fallback>
-          <p:pic>
-            <p:nvPicPr>
-              <p:cNvPr id="21" name="Tinta 20">
-                <a:extLst>
-                  <a:ext uri="{FF2B5EF4-FFF2-40B4-BE49-F238E27FC236}">
-                    <a16:creationId xmlns:a16="http://schemas.microsoft.com/office/drawing/2014/main" id="{6DB56D2A-5B8C-80BA-737D-BE716ED10B45}"/>
-                  </a:ext>
-                </a:extLst>
-              </p:cNvPr>
-              <p:cNvPicPr/>
-              <p:nvPr/>
-            </p:nvPicPr>
-            <p:blipFill>
-              <a:blip r:embed="rId13"/>
-              <a:stretch>
-                <a:fillRect/>
-              </a:stretch>
-            </p:blipFill>
-            <p:spPr>
-              <a:xfrm>
-                <a:off x="7192110" y="5191350"/>
-                <a:ext cx="18000" cy="18000"/>
-              </a:xfrm>
-              <a:prstGeom prst="rect">
-                <a:avLst/>
-              </a:prstGeom>
-            </p:spPr>
-          </p:pic>
-        </mc:Fallback>
-      </mc:AlternateContent>
-      <mc:AlternateContent xmlns:mc="http://schemas.openxmlformats.org/markup-compatibility/2006">
-        <mc:Choice xmlns:p14="http://schemas.microsoft.com/office/powerpoint/2010/main" Requires="p14">
-          <p:contentPart p14:bwMode="auto" r:id="rId14">
-            <p14:nvContentPartPr>
-              <p14:cNvPr id="23" name="Tinta 22">
-                <a:extLst>
-                  <a:ext uri="{FF2B5EF4-FFF2-40B4-BE49-F238E27FC236}">
-                    <a16:creationId xmlns:a16="http://schemas.microsoft.com/office/drawing/2014/main" id="{0E2F48F0-074B-AC9F-D9AF-16EF8FEFCE40}"/>
-                  </a:ext>
-                </a:extLst>
-              </p14:cNvPr>
-              <p14:cNvContentPartPr/>
-              <p14:nvPr/>
-            </p14:nvContentPartPr>
-            <p14:xfrm>
-              <a:off x="7134150" y="5505270"/>
-              <a:ext cx="360" cy="360"/>
-            </p14:xfrm>
-          </p:contentPart>
-        </mc:Choice>
-        <mc:Fallback>
-          <p:pic>
-            <p:nvPicPr>
-              <p:cNvPr id="23" name="Tinta 22">
-                <a:extLst>
-                  <a:ext uri="{FF2B5EF4-FFF2-40B4-BE49-F238E27FC236}">
-                    <a16:creationId xmlns:a16="http://schemas.microsoft.com/office/drawing/2014/main" id="{0E2F48F0-074B-AC9F-D9AF-16EF8FEFCE40}"/>
-                  </a:ext>
-                </a:extLst>
-              </p:cNvPr>
-              <p:cNvPicPr/>
-              <p:nvPr/>
-            </p:nvPicPr>
-            <p:blipFill>
-              <a:blip r:embed="rId13"/>
-              <a:stretch>
-                <a:fillRect/>
-              </a:stretch>
-            </p:blipFill>
-            <p:spPr>
-              <a:xfrm>
-                <a:off x="7125510" y="5496270"/>
-                <a:ext cx="18000" cy="18000"/>
-              </a:xfrm>
-              <a:prstGeom prst="rect">
-                <a:avLst/>
-              </a:prstGeom>
-            </p:spPr>
-          </p:pic>
-        </mc:Fallback>
-      </mc:AlternateContent>
-      <mc:AlternateContent xmlns:mc="http://schemas.openxmlformats.org/markup-compatibility/2006">
-        <mc:Choice xmlns:p14="http://schemas.microsoft.com/office/powerpoint/2010/main" Requires="p14">
-          <p:contentPart p14:bwMode="auto" r:id="rId15">
             <p14:nvContentPartPr>
               <p14:cNvPr id="24" name="Tinta 23">
                 <a:extLst>
@@ -19156,7 +23773,7 @@
             </p14:xfrm>
           </p:contentPart>
         </mc:Choice>
-        <mc:Fallback>
+        <mc:Fallback xmlns="">
           <p:pic>
             <p:nvPicPr>
               <p:cNvPr id="24" name="Tinta 23">
@@ -19187,108 +23804,6 @@
           </p:pic>
         </mc:Fallback>
       </mc:AlternateContent>
-      <mc:AlternateContent xmlns:mc="http://schemas.openxmlformats.org/markup-compatibility/2006">
-        <mc:Choice xmlns:p14="http://schemas.microsoft.com/office/powerpoint/2010/main" Requires="p14">
-          <p:contentPart p14:bwMode="auto" r:id="rId16">
-            <p14:nvContentPartPr>
-              <p14:cNvPr id="29" name="Tinta 28">
-                <a:extLst>
-                  <a:ext uri="{FF2B5EF4-FFF2-40B4-BE49-F238E27FC236}">
-                    <a16:creationId xmlns:a16="http://schemas.microsoft.com/office/drawing/2014/main" id="{BC2FAA25-8112-92A3-5570-BDC760D4F8E2}"/>
-                  </a:ext>
-                </a:extLst>
-              </p14:cNvPr>
-              <p14:cNvContentPartPr/>
-              <p14:nvPr/>
-            </p14:nvContentPartPr>
-            <p14:xfrm>
-              <a:off x="7733910" y="5171910"/>
-              <a:ext cx="360" cy="360"/>
-            </p14:xfrm>
-          </p:contentPart>
-        </mc:Choice>
-        <mc:Fallback>
-          <p:pic>
-            <p:nvPicPr>
-              <p:cNvPr id="29" name="Tinta 28">
-                <a:extLst>
-                  <a:ext uri="{FF2B5EF4-FFF2-40B4-BE49-F238E27FC236}">
-                    <a16:creationId xmlns:a16="http://schemas.microsoft.com/office/drawing/2014/main" id="{BC2FAA25-8112-92A3-5570-BDC760D4F8E2}"/>
-                  </a:ext>
-                </a:extLst>
-              </p:cNvPr>
-              <p:cNvPicPr/>
-              <p:nvPr/>
-            </p:nvPicPr>
-            <p:blipFill>
-              <a:blip r:embed="rId13"/>
-              <a:stretch>
-                <a:fillRect/>
-              </a:stretch>
-            </p:blipFill>
-            <p:spPr>
-              <a:xfrm>
-                <a:off x="7725270" y="5162910"/>
-                <a:ext cx="18000" cy="18000"/>
-              </a:xfrm>
-              <a:prstGeom prst="rect">
-                <a:avLst/>
-              </a:prstGeom>
-            </p:spPr>
-          </p:pic>
-        </mc:Fallback>
-      </mc:AlternateContent>
-      <mc:AlternateContent xmlns:mc="http://schemas.openxmlformats.org/markup-compatibility/2006">
-        <mc:Choice xmlns:p14="http://schemas.microsoft.com/office/powerpoint/2010/main" Requires="p14">
-          <p:contentPart p14:bwMode="auto" r:id="rId17">
-            <p14:nvContentPartPr>
-              <p14:cNvPr id="30" name="Tinta 29">
-                <a:extLst>
-                  <a:ext uri="{FF2B5EF4-FFF2-40B4-BE49-F238E27FC236}">
-                    <a16:creationId xmlns:a16="http://schemas.microsoft.com/office/drawing/2014/main" id="{5D5111A5-7E6A-AB11-2EF3-250F8F85CEF0}"/>
-                  </a:ext>
-                </a:extLst>
-              </p14:cNvPr>
-              <p14:cNvContentPartPr/>
-              <p14:nvPr/>
-            </p14:nvContentPartPr>
-            <p14:xfrm>
-              <a:off x="6829230" y="3142950"/>
-              <a:ext cx="360" cy="360"/>
-            </p14:xfrm>
-          </p:contentPart>
-        </mc:Choice>
-        <mc:Fallback>
-          <p:pic>
-            <p:nvPicPr>
-              <p:cNvPr id="30" name="Tinta 29">
-                <a:extLst>
-                  <a:ext uri="{FF2B5EF4-FFF2-40B4-BE49-F238E27FC236}">
-                    <a16:creationId xmlns:a16="http://schemas.microsoft.com/office/drawing/2014/main" id="{5D5111A5-7E6A-AB11-2EF3-250F8F85CEF0}"/>
-                  </a:ext>
-                </a:extLst>
-              </p:cNvPr>
-              <p:cNvPicPr/>
-              <p:nvPr/>
-            </p:nvPicPr>
-            <p:blipFill>
-              <a:blip r:embed="rId13"/>
-              <a:stretch>
-                <a:fillRect/>
-              </a:stretch>
-            </p:blipFill>
-            <p:spPr>
-              <a:xfrm>
-                <a:off x="6820590" y="3133950"/>
-                <a:ext cx="18000" cy="18000"/>
-              </a:xfrm>
-              <a:prstGeom prst="rect">
-                <a:avLst/>
-              </a:prstGeom>
-            </p:spPr>
-          </p:pic>
-        </mc:Fallback>
-      </mc:AlternateContent>
       <p:grpSp>
         <p:nvGrpSpPr>
           <p:cNvPr id="41" name="Agrupar 40">
@@ -19309,9 +23824,9 @@
             <a:chExt cx="61920" cy="19440"/>
           </a:xfrm>
         </p:grpSpPr>
-        <mc:AlternateContent xmlns:mc="http://schemas.openxmlformats.org/markup-compatibility/2006">
-          <mc:Choice xmlns:p14="http://schemas.microsoft.com/office/powerpoint/2010/main" Requires="p14">
-            <p:contentPart p14:bwMode="auto" r:id="rId18">
+        <mc:AlternateContent xmlns:mc="http://schemas.openxmlformats.org/markup-compatibility/2006" xmlns:p14="http://schemas.microsoft.com/office/powerpoint/2010/main">
+          <mc:Choice Requires="p14">
+            <p:contentPart p14:bwMode="auto" r:id="rId14">
               <p14:nvContentPartPr>
                 <p14:cNvPr id="37" name="Tinta 36">
                   <a:extLst>
@@ -19329,7 +23844,7 @@
               </p14:xfrm>
             </p:contentPart>
           </mc:Choice>
-          <mc:Fallback>
+          <mc:Fallback xmlns="">
             <p:pic>
               <p:nvPicPr>
                 <p:cNvPr id="37" name="Tinta 36">
@@ -19360,8 +23875,8 @@
             </p:pic>
           </mc:Fallback>
         </mc:AlternateContent>
-        <mc:AlternateContent xmlns:mc="http://schemas.openxmlformats.org/markup-compatibility/2006">
-          <mc:Choice xmlns:p14="http://schemas.microsoft.com/office/powerpoint/2010/main" Requires="p14">
+        <mc:AlternateContent xmlns:mc="http://schemas.openxmlformats.org/markup-compatibility/2006" xmlns:p14="http://schemas.microsoft.com/office/powerpoint/2010/main">
+          <mc:Choice Requires="p14">
             <p:contentPart p14:bwMode="auto" r:id="rId20">
               <p14:nvContentPartPr>
                 <p14:cNvPr id="38" name="Tinta 37">
@@ -19380,7 +23895,7 @@
               </p14:xfrm>
             </p:contentPart>
           </mc:Choice>
-          <mc:Fallback>
+          <mc:Fallback xmlns="">
             <p:pic>
               <p:nvPicPr>
                 <p:cNvPr id="38" name="Tinta 37">
@@ -19411,8 +23926,8 @@
             </p:pic>
           </mc:Fallback>
         </mc:AlternateContent>
-        <mc:AlternateContent xmlns:mc="http://schemas.openxmlformats.org/markup-compatibility/2006">
-          <mc:Choice xmlns:p14="http://schemas.microsoft.com/office/powerpoint/2010/main" Requires="p14">
+        <mc:AlternateContent xmlns:mc="http://schemas.openxmlformats.org/markup-compatibility/2006" xmlns:p14="http://schemas.microsoft.com/office/powerpoint/2010/main">
+          <mc:Choice Requires="p14">
             <p:contentPart p14:bwMode="auto" r:id="rId21">
               <p14:nvContentPartPr>
                 <p14:cNvPr id="40" name="Tinta 39">
@@ -19431,7 +23946,7 @@
               </p14:xfrm>
             </p:contentPart>
           </mc:Choice>
-          <mc:Fallback>
+          <mc:Fallback xmlns="">
             <p:pic>
               <p:nvPicPr>
                 <p:cNvPr id="40" name="Tinta 39">
@@ -19463,8 +23978,8 @@
           </mc:Fallback>
         </mc:AlternateContent>
       </p:grpSp>
-      <mc:AlternateContent xmlns:mc="http://schemas.openxmlformats.org/markup-compatibility/2006">
-        <mc:Choice xmlns:p14="http://schemas.microsoft.com/office/powerpoint/2010/main" Requires="p14">
+      <mc:AlternateContent xmlns:mc="http://schemas.openxmlformats.org/markup-compatibility/2006" xmlns:p14="http://schemas.microsoft.com/office/powerpoint/2010/main">
+        <mc:Choice Requires="p14">
           <p:contentPart p14:bwMode="auto" r:id="rId22">
             <p14:nvContentPartPr>
               <p14:cNvPr id="42" name="Tinta 41">
@@ -19483,7 +23998,7 @@
             </p14:xfrm>
           </p:contentPart>
         </mc:Choice>
-        <mc:Fallback>
+        <mc:Fallback xmlns="">
           <p:pic>
             <p:nvPicPr>
               <p:cNvPr id="42" name="Tinta 41">
@@ -19514,8 +24029,8 @@
           </p:pic>
         </mc:Fallback>
       </mc:AlternateContent>
-      <mc:AlternateContent xmlns:mc="http://schemas.openxmlformats.org/markup-compatibility/2006">
-        <mc:Choice xmlns:p14="http://schemas.microsoft.com/office/powerpoint/2010/main" Requires="p14">
+      <mc:AlternateContent xmlns:mc="http://schemas.openxmlformats.org/markup-compatibility/2006" xmlns:p14="http://schemas.microsoft.com/office/powerpoint/2010/main">
+        <mc:Choice Requires="p14">
           <p:contentPart p14:bwMode="auto" r:id="rId23">
             <p14:nvContentPartPr>
               <p14:cNvPr id="43" name="Tinta 42">
@@ -19534,7 +24049,7 @@
             </p14:xfrm>
           </p:contentPart>
         </mc:Choice>
-        <mc:Fallback>
+        <mc:Fallback xmlns="">
           <p:pic>
             <p:nvPicPr>
               <p:cNvPr id="43" name="Tinta 42">
@@ -19565,6 +24080,954 @@
           </p:pic>
         </mc:Fallback>
       </mc:AlternateContent>
+      <mc:AlternateContent xmlns:mc="http://schemas.openxmlformats.org/markup-compatibility/2006">
+        <mc:Choice xmlns:a14="http://schemas.microsoft.com/office/drawing/2010/main" Requires="a14">
+          <p:sp>
+            <p:nvSpPr>
+              <p:cNvPr id="6" name="CaixaDeTexto 5">
+                <a:extLst>
+                  <a:ext uri="{FF2B5EF4-FFF2-40B4-BE49-F238E27FC236}">
+                    <a16:creationId xmlns:a16="http://schemas.microsoft.com/office/drawing/2014/main" id="{A8404D17-1127-0E28-91E6-CEDBF618449F}"/>
+                  </a:ext>
+                </a:extLst>
+              </p:cNvPr>
+              <p:cNvSpPr txBox="1"/>
+              <p:nvPr/>
+            </p:nvSpPr>
+            <p:spPr>
+              <a:xfrm>
+                <a:off x="4607986" y="4342983"/>
+                <a:ext cx="4064959" cy="1661993"/>
+              </a:xfrm>
+              <a:prstGeom prst="rect">
+                <a:avLst/>
+              </a:prstGeom>
+              <a:noFill/>
+            </p:spPr>
+            <p:txBody>
+              <a:bodyPr wrap="none" lIns="0" tIns="0" rIns="0" bIns="0" rtlCol="0">
+                <a:spAutoFit/>
+              </a:bodyPr>
+              <a:lstStyle/>
+              <a:p>
+                <a:pPr>
+                  <a:lnSpc>
+                    <a:spcPct val="150000"/>
+                  </a:lnSpc>
+                </a:pPr>
+                <a14:m>
+                  <m:oMathPara xmlns:m="http://schemas.openxmlformats.org/officeDocument/2006/math">
+                    <m:oMathParaPr>
+                      <m:jc m:val="centerGroup"/>
+                    </m:oMathParaPr>
+                    <m:oMath xmlns:m="http://schemas.openxmlformats.org/officeDocument/2006/math">
+                      <m:acc>
+                        <m:accPr>
+                          <m:chr m:val="̂"/>
+                          <m:ctrlPr>
+                            <a:rPr lang="pt-BR" b="1" i="1" smtClean="0">
+                              <a:solidFill>
+                                <a:srgbClr val="7231A3"/>
+                              </a:solidFill>
+                              <a:latin typeface="Cambria Math" panose="02040503050406030204" pitchFamily="18" charset="0"/>
+                            </a:rPr>
+                          </m:ctrlPr>
+                        </m:accPr>
+                        <m:e>
+                          <m:r>
+                            <a:rPr lang="pt-BR" b="1" i="1" smtClean="0">
+                              <a:solidFill>
+                                <a:srgbClr val="7231A3"/>
+                              </a:solidFill>
+                              <a:latin typeface="Cambria Math" panose="02040503050406030204" pitchFamily="18" charset="0"/>
+                            </a:rPr>
+                            <m:t>𝒏</m:t>
+                          </m:r>
+                        </m:e>
+                      </m:acc>
+                      <m:r>
+                        <a:rPr lang="pt-BR" b="0" i="1" smtClean="0">
+                          <a:solidFill>
+                            <a:srgbClr val="7231A3"/>
+                          </a:solidFill>
+                          <a:latin typeface="Cambria Math" panose="02040503050406030204" pitchFamily="18" charset="0"/>
+                        </a:rPr>
+                        <m:t>:</m:t>
+                      </m:r>
+                      <m:r>
+                        <a:rPr lang="pt-BR" b="0" i="1" smtClean="0">
+                          <a:solidFill>
+                            <a:srgbClr val="7231A3"/>
+                          </a:solidFill>
+                          <a:latin typeface="Cambria Math" panose="02040503050406030204" pitchFamily="18" charset="0"/>
+                        </a:rPr>
+                        <m:t>𝑙𝑖𝑛h𝑎</m:t>
+                      </m:r>
+                      <m:r>
+                        <a:rPr lang="pt-BR" b="0" i="1" smtClean="0">
+                          <a:solidFill>
+                            <a:srgbClr val="7231A3"/>
+                          </a:solidFill>
+                          <a:latin typeface="Cambria Math" panose="02040503050406030204" pitchFamily="18" charset="0"/>
+                        </a:rPr>
+                        <m:t> </m:t>
+                      </m:r>
+                      <m:r>
+                        <a:rPr lang="pt-BR" b="0" i="1" smtClean="0">
+                          <a:solidFill>
+                            <a:srgbClr val="7231A3"/>
+                          </a:solidFill>
+                          <a:latin typeface="Cambria Math" panose="02040503050406030204" pitchFamily="18" charset="0"/>
+                        </a:rPr>
+                        <m:t>𝑑𝑜𝑠</m:t>
+                      </m:r>
+                      <m:r>
+                        <a:rPr lang="pt-BR" b="0" i="1" smtClean="0">
+                          <a:solidFill>
+                            <a:srgbClr val="7231A3"/>
+                          </a:solidFill>
+                          <a:latin typeface="Cambria Math" panose="02040503050406030204" pitchFamily="18" charset="0"/>
+                        </a:rPr>
+                        <m:t> </m:t>
+                      </m:r>
+                      <m:r>
+                        <a:rPr lang="pt-BR" b="0" i="1" smtClean="0">
+                          <a:solidFill>
+                            <a:srgbClr val="7231A3"/>
+                          </a:solidFill>
+                          <a:latin typeface="Cambria Math" panose="02040503050406030204" pitchFamily="18" charset="0"/>
+                        </a:rPr>
+                        <m:t>𝑛𝑜𝑑𝑜𝑠</m:t>
+                      </m:r>
+                    </m:oMath>
+                  </m:oMathPara>
+                </a14:m>
+                <a:endParaRPr lang="pt-BR" dirty="0">
+                  <a:solidFill>
+                    <a:srgbClr val="7231A3"/>
+                  </a:solidFill>
+                </a:endParaRPr>
+              </a:p>
+              <a:p>
+                <a:pPr>
+                  <a:lnSpc>
+                    <a:spcPct val="150000"/>
+                  </a:lnSpc>
+                </a:pPr>
+                <a14:m>
+                  <m:oMathPara xmlns:m="http://schemas.openxmlformats.org/officeDocument/2006/math">
+                    <m:oMathParaPr>
+                      <m:jc m:val="centerGroup"/>
+                    </m:oMathParaPr>
+                    <m:oMath xmlns:m="http://schemas.openxmlformats.org/officeDocument/2006/math">
+                      <m:acc>
+                        <m:accPr>
+                          <m:chr m:val="̂"/>
+                          <m:ctrlPr>
+                            <a:rPr lang="pt-BR" b="1" i="1" smtClean="0">
+                              <a:solidFill>
+                                <a:srgbClr val="7231A3"/>
+                              </a:solidFill>
+                              <a:latin typeface="Cambria Math" panose="02040503050406030204" pitchFamily="18" charset="0"/>
+                            </a:rPr>
+                          </m:ctrlPr>
+                        </m:accPr>
+                        <m:e>
+                          <m:r>
+                            <a:rPr lang="pt-BR" b="1" i="1" smtClean="0">
+                              <a:solidFill>
+                                <a:srgbClr val="7231A3"/>
+                              </a:solidFill>
+                              <a:latin typeface="Cambria Math" panose="02040503050406030204" pitchFamily="18" charset="0"/>
+                            </a:rPr>
+                            <m:t>𝝆</m:t>
+                          </m:r>
+                        </m:e>
+                      </m:acc>
+                      <m:r>
+                        <a:rPr lang="pt-BR" b="0" i="1" smtClean="0">
+                          <a:solidFill>
+                            <a:srgbClr val="7231A3"/>
+                          </a:solidFill>
+                          <a:latin typeface="Cambria Math" panose="02040503050406030204" pitchFamily="18" charset="0"/>
+                        </a:rPr>
+                        <m:t>:</m:t>
+                      </m:r>
+                      <m:r>
+                        <a:rPr lang="pt-BR" b="0" i="1" smtClean="0">
+                          <a:solidFill>
+                            <a:srgbClr val="7231A3"/>
+                          </a:solidFill>
+                          <a:latin typeface="Cambria Math" panose="02040503050406030204" pitchFamily="18" charset="0"/>
+                        </a:rPr>
+                        <m:t>𝑣𝑒𝑟𝑠𝑜𝑟</m:t>
+                      </m:r>
+                      <m:r>
+                        <a:rPr lang="pt-BR" b="0" i="1" smtClean="0">
+                          <a:solidFill>
+                            <a:srgbClr val="7231A3"/>
+                          </a:solidFill>
+                          <a:latin typeface="Cambria Math" panose="02040503050406030204" pitchFamily="18" charset="0"/>
+                        </a:rPr>
+                        <m:t> </m:t>
+                      </m:r>
+                      <m:r>
+                        <a:rPr lang="pt-BR" b="0" i="1" smtClean="0">
+                          <a:solidFill>
+                            <a:srgbClr val="7231A3"/>
+                          </a:solidFill>
+                          <a:latin typeface="Cambria Math" panose="02040503050406030204" pitchFamily="18" charset="0"/>
+                        </a:rPr>
+                        <m:t>h𝑜𝑟𝑖𝑧𝑜𝑛𝑡𝑎𝑙</m:t>
+                      </m:r>
+                      <m:r>
+                        <a:rPr lang="pt-BR" b="0" i="1" smtClean="0">
+                          <a:solidFill>
+                            <a:srgbClr val="7231A3"/>
+                          </a:solidFill>
+                          <a:latin typeface="Cambria Math" panose="02040503050406030204" pitchFamily="18" charset="0"/>
+                        </a:rPr>
+                        <m:t> </m:t>
+                      </m:r>
+                      <m:r>
+                        <a:rPr lang="pt-BR" b="0" i="1" smtClean="0">
+                          <a:solidFill>
+                            <a:srgbClr val="7231A3"/>
+                          </a:solidFill>
+                          <a:latin typeface="Cambria Math" panose="02040503050406030204" pitchFamily="18" charset="0"/>
+                        </a:rPr>
+                        <m:t>𝑝𝑒𝑟𝑝𝑒𝑛𝑑𝑖𝑐𝑢𝑙𝑎𝑟</m:t>
+                      </m:r>
+                      <m:r>
+                        <a:rPr lang="pt-BR" b="0" i="1" smtClean="0">
+                          <a:solidFill>
+                            <a:srgbClr val="7231A3"/>
+                          </a:solidFill>
+                          <a:latin typeface="Cambria Math" panose="02040503050406030204" pitchFamily="18" charset="0"/>
+                        </a:rPr>
+                        <m:t> </m:t>
+                      </m:r>
+                      <m:r>
+                        <a:rPr lang="pt-BR" b="0" i="1" smtClean="0">
+                          <a:solidFill>
+                            <a:srgbClr val="7231A3"/>
+                          </a:solidFill>
+                          <a:latin typeface="Cambria Math" panose="02040503050406030204" pitchFamily="18" charset="0"/>
+                        </a:rPr>
+                        <m:t>𝑎</m:t>
+                      </m:r>
+                      <m:r>
+                        <a:rPr lang="pt-BR" b="0" i="1" smtClean="0">
+                          <a:solidFill>
+                            <a:srgbClr val="7231A3"/>
+                          </a:solidFill>
+                          <a:latin typeface="Cambria Math" panose="02040503050406030204" pitchFamily="18" charset="0"/>
+                        </a:rPr>
+                        <m:t> </m:t>
+                      </m:r>
+                      <m:acc>
+                        <m:accPr>
+                          <m:chr m:val="̂"/>
+                          <m:ctrlPr>
+                            <a:rPr lang="pt-BR" b="0" i="1" smtClean="0">
+                              <a:solidFill>
+                                <a:srgbClr val="7231A3"/>
+                              </a:solidFill>
+                              <a:latin typeface="Cambria Math" panose="02040503050406030204" pitchFamily="18" charset="0"/>
+                            </a:rPr>
+                          </m:ctrlPr>
+                        </m:accPr>
+                        <m:e>
+                          <m:r>
+                            <a:rPr lang="pt-BR" b="0" i="1" smtClean="0">
+                              <a:solidFill>
+                                <a:srgbClr val="7231A3"/>
+                              </a:solidFill>
+                              <a:latin typeface="Cambria Math" panose="02040503050406030204" pitchFamily="18" charset="0"/>
+                            </a:rPr>
+                            <m:t>𝑛</m:t>
+                          </m:r>
+                        </m:e>
+                      </m:acc>
+                    </m:oMath>
+                  </m:oMathPara>
+                </a14:m>
+                <a:endParaRPr lang="pt-BR" dirty="0">
+                  <a:solidFill>
+                    <a:srgbClr val="7231A3"/>
+                  </a:solidFill>
+                </a:endParaRPr>
+              </a:p>
+              <a:p>
+                <a:pPr>
+                  <a:lnSpc>
+                    <a:spcPct val="150000"/>
+                  </a:lnSpc>
+                </a:pPr>
+                <a14:m>
+                  <m:oMathPara xmlns:m="http://schemas.openxmlformats.org/officeDocument/2006/math">
+                    <m:oMathParaPr>
+                      <m:jc m:val="centerGroup"/>
+                    </m:oMathParaPr>
+                    <m:oMath xmlns:m="http://schemas.openxmlformats.org/officeDocument/2006/math">
+                      <m:sSubSup>
+                        <m:sSubSupPr>
+                          <m:ctrlPr>
+                            <a:rPr lang="pt-BR" b="1" i="1" smtClean="0">
+                              <a:solidFill>
+                                <a:srgbClr val="7231A3"/>
+                              </a:solidFill>
+                              <a:latin typeface="Cambria Math" panose="02040503050406030204" pitchFamily="18" charset="0"/>
+                            </a:rPr>
+                          </m:ctrlPr>
+                        </m:sSubSupPr>
+                        <m:e>
+                          <m:acc>
+                            <m:accPr>
+                              <m:chr m:val="̂"/>
+                              <m:ctrlPr>
+                                <a:rPr lang="pt-BR" b="1" i="1" smtClean="0">
+                                  <a:solidFill>
+                                    <a:srgbClr val="7231A3"/>
+                                  </a:solidFill>
+                                  <a:latin typeface="Cambria Math" panose="02040503050406030204" pitchFamily="18" charset="0"/>
+                                </a:rPr>
+                              </m:ctrlPr>
+                            </m:accPr>
+                            <m:e>
+                              <m:r>
+                                <a:rPr lang="pt-BR" b="1" i="1" smtClean="0">
+                                  <a:solidFill>
+                                    <a:srgbClr val="7231A3"/>
+                                  </a:solidFill>
+                                  <a:latin typeface="Cambria Math" panose="02040503050406030204" pitchFamily="18" charset="0"/>
+                                </a:rPr>
+                                <m:t>𝒆</m:t>
+                              </m:r>
+                            </m:e>
+                          </m:acc>
+                        </m:e>
+                        <m:sub>
+                          <m:r>
+                            <a:rPr lang="pt-BR" b="1" i="1" smtClean="0">
+                              <a:solidFill>
+                                <a:srgbClr val="7231A3"/>
+                              </a:solidFill>
+                              <a:latin typeface="Cambria Math" panose="02040503050406030204" pitchFamily="18" charset="0"/>
+                            </a:rPr>
+                            <m:t>𝟑</m:t>
+                          </m:r>
+                        </m:sub>
+                        <m:sup>
+                          <m:r>
+                            <a:rPr lang="pt-BR" b="1" i="1" smtClean="0">
+                              <a:solidFill>
+                                <a:srgbClr val="7231A3"/>
+                              </a:solidFill>
+                              <a:latin typeface="Cambria Math" panose="02040503050406030204" pitchFamily="18" charset="0"/>
+                            </a:rPr>
+                            <m:t>′</m:t>
+                          </m:r>
+                        </m:sup>
+                      </m:sSubSup>
+                      <m:r>
+                        <a:rPr lang="pt-BR" b="0" i="1" smtClean="0">
+                          <a:solidFill>
+                            <a:srgbClr val="7231A3"/>
+                          </a:solidFill>
+                          <a:latin typeface="Cambria Math" panose="02040503050406030204" pitchFamily="18" charset="0"/>
+                        </a:rPr>
+                        <m:t>:</m:t>
+                      </m:r>
+                      <m:r>
+                        <a:rPr lang="pt-BR" b="0" i="1" smtClean="0">
+                          <a:solidFill>
+                            <a:srgbClr val="7231A3"/>
+                          </a:solidFill>
+                          <a:latin typeface="Cambria Math" panose="02040503050406030204" pitchFamily="18" charset="0"/>
+                        </a:rPr>
+                        <m:t>𝑒𝑖𝑥𝑜</m:t>
+                      </m:r>
+                      <m:r>
+                        <a:rPr lang="pt-BR" b="0" i="1" smtClean="0">
+                          <a:solidFill>
+                            <a:srgbClr val="7231A3"/>
+                          </a:solidFill>
+                          <a:latin typeface="Cambria Math" panose="02040503050406030204" pitchFamily="18" charset="0"/>
+                        </a:rPr>
+                        <m:t> </m:t>
+                      </m:r>
+                      <m:r>
+                        <a:rPr lang="pt-BR" b="0" i="1" smtClean="0">
+                          <a:solidFill>
+                            <a:srgbClr val="7231A3"/>
+                          </a:solidFill>
+                          <a:latin typeface="Cambria Math" panose="02040503050406030204" pitchFamily="18" charset="0"/>
+                        </a:rPr>
+                        <m:t>𝑣𝑒𝑟𝑡𝑖𝑐𝑎𝑙</m:t>
+                      </m:r>
+                      <m:r>
+                        <a:rPr lang="pt-BR" b="0" i="1" smtClean="0">
+                          <a:solidFill>
+                            <a:srgbClr val="7231A3"/>
+                          </a:solidFill>
+                          <a:latin typeface="Cambria Math" panose="02040503050406030204" pitchFamily="18" charset="0"/>
+                        </a:rPr>
+                        <m:t> </m:t>
+                      </m:r>
+                      <m:r>
+                        <a:rPr lang="pt-BR" b="0" i="1" smtClean="0">
+                          <a:solidFill>
+                            <a:srgbClr val="7231A3"/>
+                          </a:solidFill>
+                          <a:latin typeface="Cambria Math" panose="02040503050406030204" pitchFamily="18" charset="0"/>
+                        </a:rPr>
+                        <m:t>𝑛𝑜</m:t>
+                      </m:r>
+                      <m:r>
+                        <a:rPr lang="pt-BR" b="0" i="1" smtClean="0">
+                          <a:solidFill>
+                            <a:srgbClr val="7231A3"/>
+                          </a:solidFill>
+                          <a:latin typeface="Cambria Math" panose="02040503050406030204" pitchFamily="18" charset="0"/>
+                        </a:rPr>
+                        <m:t> </m:t>
+                      </m:r>
+                      <m:r>
+                        <a:rPr lang="pt-BR" b="0" i="1" smtClean="0">
+                          <a:solidFill>
+                            <a:srgbClr val="7231A3"/>
+                          </a:solidFill>
+                          <a:latin typeface="Cambria Math" panose="02040503050406030204" pitchFamily="18" charset="0"/>
+                        </a:rPr>
+                        <m:t>𝑟𝑒𝑓𝑒𝑟𝑒𝑛𝑐𝑖𝑎𝑙</m:t>
+                      </m:r>
+                      <m:r>
+                        <a:rPr lang="pt-BR" b="0" i="1" smtClean="0">
+                          <a:solidFill>
+                            <a:srgbClr val="7231A3"/>
+                          </a:solidFill>
+                          <a:latin typeface="Cambria Math" panose="02040503050406030204" pitchFamily="18" charset="0"/>
+                        </a:rPr>
+                        <m:t> </m:t>
+                      </m:r>
+                      <m:r>
+                        <a:rPr lang="pt-BR" b="0" i="1" smtClean="0">
+                          <a:solidFill>
+                            <a:srgbClr val="7231A3"/>
+                          </a:solidFill>
+                          <a:latin typeface="Cambria Math" panose="02040503050406030204" pitchFamily="18" charset="0"/>
+                        </a:rPr>
+                        <m:t>𝑓𝑖𝑥𝑜</m:t>
+                      </m:r>
+                    </m:oMath>
+                  </m:oMathPara>
+                </a14:m>
+                <a:endParaRPr lang="pt-BR" dirty="0">
+                  <a:solidFill>
+                    <a:srgbClr val="7231A3"/>
+                  </a:solidFill>
+                </a:endParaRPr>
+              </a:p>
+              <a:p>
+                <a:pPr>
+                  <a:lnSpc>
+                    <a:spcPct val="150000"/>
+                  </a:lnSpc>
+                </a:pPr>
+                <a14:m>
+                  <m:oMathPara xmlns:m="http://schemas.openxmlformats.org/officeDocument/2006/math">
+                    <m:oMathParaPr>
+                      <m:jc m:val="centerGroup"/>
+                    </m:oMathParaPr>
+                    <m:oMath xmlns:m="http://schemas.openxmlformats.org/officeDocument/2006/math">
+                      <m:acc>
+                        <m:accPr>
+                          <m:chr m:val="⃗"/>
+                          <m:ctrlPr>
+                            <a:rPr lang="pt-BR" b="1" i="1" smtClean="0">
+                              <a:latin typeface="Cambria Math" panose="02040503050406030204" pitchFamily="18" charset="0"/>
+                            </a:rPr>
+                          </m:ctrlPr>
+                        </m:accPr>
+                        <m:e>
+                          <m:r>
+                            <a:rPr lang="pt-BR" b="1" i="1" smtClean="0">
+                              <a:latin typeface="Cambria Math" panose="02040503050406030204" pitchFamily="18" charset="0"/>
+                            </a:rPr>
+                            <m:t>𝒓</m:t>
+                          </m:r>
+                        </m:e>
+                      </m:acc>
+                      <m:r>
+                        <a:rPr lang="pt-BR" b="0" i="1" smtClean="0">
+                          <a:latin typeface="Cambria Math" panose="02040503050406030204" pitchFamily="18" charset="0"/>
+                        </a:rPr>
+                        <m:t>:</m:t>
+                      </m:r>
+                      <m:r>
+                        <a:rPr lang="pt-BR" b="0" i="1" smtClean="0">
+                          <a:latin typeface="Cambria Math" panose="02040503050406030204" pitchFamily="18" charset="0"/>
+                        </a:rPr>
+                        <m:t>𝑑𝑖𝑠𝑡</m:t>
+                      </m:r>
+                      <m:r>
+                        <a:rPr lang="pt-BR" b="0" i="1" smtClean="0">
+                          <a:latin typeface="Cambria Math" panose="02040503050406030204" pitchFamily="18" charset="0"/>
+                        </a:rPr>
+                        <m:t>â</m:t>
+                      </m:r>
+                      <m:r>
+                        <a:rPr lang="pt-BR" b="0" i="1" smtClean="0">
+                          <a:latin typeface="Cambria Math" panose="02040503050406030204" pitchFamily="18" charset="0"/>
+                        </a:rPr>
+                        <m:t>𝑛𝑐𝑖𝑎</m:t>
+                      </m:r>
+                      <m:r>
+                        <a:rPr lang="pt-BR" b="0" i="1" smtClean="0">
+                          <a:latin typeface="Cambria Math" panose="02040503050406030204" pitchFamily="18" charset="0"/>
+                        </a:rPr>
+                        <m:t> </m:t>
+                      </m:r>
+                      <m:r>
+                        <a:rPr lang="pt-BR" b="0" i="1" smtClean="0">
+                          <a:latin typeface="Cambria Math" panose="02040503050406030204" pitchFamily="18" charset="0"/>
+                        </a:rPr>
+                        <m:t>𝑑𝑜</m:t>
+                      </m:r>
+                      <m:r>
+                        <a:rPr lang="pt-BR" b="0" i="1" smtClean="0">
+                          <a:latin typeface="Cambria Math" panose="02040503050406030204" pitchFamily="18" charset="0"/>
+                        </a:rPr>
+                        <m:t> </m:t>
+                      </m:r>
+                      <m:r>
+                        <a:rPr lang="pt-BR" b="0" i="1" smtClean="0">
+                          <a:latin typeface="Cambria Math" panose="02040503050406030204" pitchFamily="18" charset="0"/>
+                        </a:rPr>
+                        <m:t>𝐶𝑀</m:t>
+                      </m:r>
+                      <m:r>
+                        <a:rPr lang="pt-BR" b="0" i="1" smtClean="0">
+                          <a:latin typeface="Cambria Math" panose="02040503050406030204" pitchFamily="18" charset="0"/>
+                        </a:rPr>
+                        <m:t> </m:t>
+                      </m:r>
+                      <m:r>
+                        <a:rPr lang="pt-BR" b="0" i="1" smtClean="0">
+                          <a:latin typeface="Cambria Math" panose="02040503050406030204" pitchFamily="18" charset="0"/>
+                        </a:rPr>
+                        <m:t>𝑎𝑜</m:t>
+                      </m:r>
+                      <m:r>
+                        <a:rPr lang="pt-BR" b="0" i="1" smtClean="0">
+                          <a:latin typeface="Cambria Math" panose="02040503050406030204" pitchFamily="18" charset="0"/>
+                        </a:rPr>
+                        <m:t> </m:t>
+                      </m:r>
+                      <m:r>
+                        <a:rPr lang="pt-BR" b="0" i="1" smtClean="0">
+                          <a:latin typeface="Cambria Math" panose="02040503050406030204" pitchFamily="18" charset="0"/>
+                        </a:rPr>
+                        <m:t>𝑝𝑜𝑛𝑡𝑜</m:t>
+                      </m:r>
+                      <m:r>
+                        <a:rPr lang="pt-BR" b="0" i="1" smtClean="0">
+                          <a:latin typeface="Cambria Math" panose="02040503050406030204" pitchFamily="18" charset="0"/>
+                        </a:rPr>
+                        <m:t> </m:t>
+                      </m:r>
+                      <m:r>
+                        <a:rPr lang="pt-BR" b="0" i="1" smtClean="0">
+                          <a:latin typeface="Cambria Math" panose="02040503050406030204" pitchFamily="18" charset="0"/>
+                        </a:rPr>
+                        <m:t>𝑑𝑒</m:t>
+                      </m:r>
+                      <m:r>
+                        <a:rPr lang="pt-BR" b="0" i="1" smtClean="0">
+                          <a:latin typeface="Cambria Math" panose="02040503050406030204" pitchFamily="18" charset="0"/>
+                        </a:rPr>
+                        <m:t> </m:t>
+                      </m:r>
+                      <m:r>
+                        <a:rPr lang="pt-BR" b="0" i="1" smtClean="0">
+                          <a:latin typeface="Cambria Math" panose="02040503050406030204" pitchFamily="18" charset="0"/>
+                        </a:rPr>
+                        <m:t>𝑐𝑜𝑛𝑡𝑎𝑡𝑜</m:t>
+                      </m:r>
+                    </m:oMath>
+                  </m:oMathPara>
+                </a14:m>
+                <a:endParaRPr lang="pt-BR" dirty="0"/>
+              </a:p>
+            </p:txBody>
+          </p:sp>
+        </mc:Choice>
+        <mc:Fallback>
+          <p:sp>
+            <p:nvSpPr>
+              <p:cNvPr id="6" name="CaixaDeTexto 5">
+                <a:extLst>
+                  <a:ext uri="{FF2B5EF4-FFF2-40B4-BE49-F238E27FC236}">
+                    <a16:creationId xmlns:a16="http://schemas.microsoft.com/office/drawing/2014/main" id="{A8404D17-1127-0E28-91E6-CEDBF618449F}"/>
+                  </a:ext>
+                </a:extLst>
+              </p:cNvPr>
+              <p:cNvSpPr txBox="1">
+                <a:spLocks noRot="1" noChangeAspect="1" noMove="1" noResize="1" noEditPoints="1" noAdjustHandles="1" noChangeArrowheads="1" noChangeShapeType="1" noTextEdit="1"/>
+              </p:cNvSpPr>
+              <p:nvPr/>
+            </p:nvSpPr>
+            <p:spPr>
+              <a:xfrm>
+                <a:off x="4607986" y="4342983"/>
+                <a:ext cx="4064959" cy="1661993"/>
+              </a:xfrm>
+              <a:prstGeom prst="rect">
+                <a:avLst/>
+              </a:prstGeom>
+              <a:blipFill>
+                <a:blip r:embed="rId24"/>
+                <a:stretch>
+                  <a:fillRect/>
+                </a:stretch>
+              </a:blipFill>
+            </p:spPr>
+            <p:txBody>
+              <a:bodyPr/>
+              <a:lstStyle/>
+              <a:p>
+                <a:r>
+                  <a:rPr lang="pt-BR">
+                    <a:noFill/>
+                  </a:rPr>
+                  <a:t> </a:t>
+                </a:r>
+              </a:p>
+            </p:txBody>
+          </p:sp>
+        </mc:Fallback>
+      </mc:AlternateContent>
+      <p:sp>
+        <p:nvSpPr>
+          <p:cNvPr id="11" name="Forma Livre: Forma 10">
+            <a:extLst>
+              <a:ext uri="{FF2B5EF4-FFF2-40B4-BE49-F238E27FC236}">
+                <a16:creationId xmlns:a16="http://schemas.microsoft.com/office/drawing/2014/main" id="{6E9D6AA0-8ABB-6F19-0088-46C2F5C9D472}"/>
+              </a:ext>
+            </a:extLst>
+          </p:cNvPr>
+          <p:cNvSpPr/>
+          <p:nvPr/>
+        </p:nvSpPr>
+        <p:spPr>
+          <a:xfrm>
+            <a:off x="3008244" y="5091872"/>
+            <a:ext cx="16468" cy="57553"/>
+          </a:xfrm>
+          <a:custGeom>
+            <a:avLst/>
+            <a:gdLst>
+              <a:gd name="connsiteX0" fmla="*/ 6194 w 16468"/>
+              <a:gd name="connsiteY0" fmla="*/ 26713 h 57553"/>
+              <a:gd name="connsiteX1" fmla="*/ 4139 w 16468"/>
+              <a:gd name="connsiteY1" fmla="*/ 43152 h 57553"/>
+              <a:gd name="connsiteX2" fmla="*/ 6194 w 16468"/>
+              <a:gd name="connsiteY2" fmla="*/ 41097 h 57553"/>
+              <a:gd name="connsiteX3" fmla="*/ 8249 w 16468"/>
+              <a:gd name="connsiteY3" fmla="*/ 16439 h 57553"/>
+              <a:gd name="connsiteX4" fmla="*/ 10303 w 16468"/>
+              <a:gd name="connsiteY4" fmla="*/ 10275 h 57553"/>
+              <a:gd name="connsiteX5" fmla="*/ 14413 w 16468"/>
+              <a:gd name="connsiteY5" fmla="*/ 0 h 57553"/>
+              <a:gd name="connsiteX6" fmla="*/ 16468 w 16468"/>
+              <a:gd name="connsiteY6" fmla="*/ 16439 h 57553"/>
+              <a:gd name="connsiteX7" fmla="*/ 12358 w 16468"/>
+              <a:gd name="connsiteY7" fmla="*/ 57536 h 57553"/>
+              <a:gd name="connsiteX8" fmla="*/ 6194 w 16468"/>
+              <a:gd name="connsiteY8" fmla="*/ 32878 h 57553"/>
+              <a:gd name="connsiteX9" fmla="*/ 2084 w 16468"/>
+              <a:gd name="connsiteY9" fmla="*/ 49316 h 57553"/>
+              <a:gd name="connsiteX10" fmla="*/ 8249 w 16468"/>
+              <a:gd name="connsiteY10" fmla="*/ 30823 h 57553"/>
+              <a:gd name="connsiteX11" fmla="*/ 29 w 16468"/>
+              <a:gd name="connsiteY11" fmla="*/ 57536 h 57553"/>
+              <a:gd name="connsiteX12" fmla="*/ 6194 w 16468"/>
+              <a:gd name="connsiteY12" fmla="*/ 26713 h 57553"/>
+            </a:gdLst>
+            <a:ahLst/>
+            <a:cxnLst>
+              <a:cxn ang="0">
+                <a:pos x="connsiteX0" y="connsiteY0"/>
+              </a:cxn>
+              <a:cxn ang="0">
+                <a:pos x="connsiteX1" y="connsiteY1"/>
+              </a:cxn>
+              <a:cxn ang="0">
+                <a:pos x="connsiteX2" y="connsiteY2"/>
+              </a:cxn>
+              <a:cxn ang="0">
+                <a:pos x="connsiteX3" y="connsiteY3"/>
+              </a:cxn>
+              <a:cxn ang="0">
+                <a:pos x="connsiteX4" y="connsiteY4"/>
+              </a:cxn>
+              <a:cxn ang="0">
+                <a:pos x="connsiteX5" y="connsiteY5"/>
+              </a:cxn>
+              <a:cxn ang="0">
+                <a:pos x="connsiteX6" y="connsiteY6"/>
+              </a:cxn>
+              <a:cxn ang="0">
+                <a:pos x="connsiteX7" y="connsiteY7"/>
+              </a:cxn>
+              <a:cxn ang="0">
+                <a:pos x="connsiteX8" y="connsiteY8"/>
+              </a:cxn>
+              <a:cxn ang="0">
+                <a:pos x="connsiteX9" y="connsiteY9"/>
+              </a:cxn>
+              <a:cxn ang="0">
+                <a:pos x="connsiteX10" y="connsiteY10"/>
+              </a:cxn>
+              <a:cxn ang="0">
+                <a:pos x="connsiteX11" y="connsiteY11"/>
+              </a:cxn>
+              <a:cxn ang="0">
+                <a:pos x="connsiteX12" y="connsiteY12"/>
+              </a:cxn>
+            </a:cxnLst>
+            <a:rect l="l" t="t" r="r" b="b"/>
+            <a:pathLst>
+              <a:path w="16468" h="57553">
+                <a:moveTo>
+                  <a:pt x="6194" y="26713"/>
+                </a:moveTo>
+                <a:cubicBezTo>
+                  <a:pt x="6879" y="24316"/>
+                  <a:pt x="4979" y="37694"/>
+                  <a:pt x="4139" y="43152"/>
+                </a:cubicBezTo>
+                <a:cubicBezTo>
+                  <a:pt x="2479" y="53939"/>
+                  <a:pt x="-565" y="61371"/>
+                  <a:pt x="6194" y="41097"/>
+                </a:cubicBezTo>
+                <a:cubicBezTo>
+                  <a:pt x="6879" y="32878"/>
+                  <a:pt x="7159" y="24614"/>
+                  <a:pt x="8249" y="16439"/>
+                </a:cubicBezTo>
+                <a:cubicBezTo>
+                  <a:pt x="8535" y="14292"/>
+                  <a:pt x="9543" y="12303"/>
+                  <a:pt x="10303" y="10275"/>
+                </a:cubicBezTo>
+                <a:cubicBezTo>
+                  <a:pt x="11598" y="6821"/>
+                  <a:pt x="13043" y="3425"/>
+                  <a:pt x="14413" y="0"/>
+                </a:cubicBezTo>
+                <a:cubicBezTo>
+                  <a:pt x="15098" y="5480"/>
+                  <a:pt x="16468" y="10917"/>
+                  <a:pt x="16468" y="16439"/>
+                </a:cubicBezTo>
+                <a:cubicBezTo>
+                  <a:pt x="16468" y="39309"/>
+                  <a:pt x="15656" y="41044"/>
+                  <a:pt x="12358" y="57536"/>
+                </a:cubicBezTo>
+                <a:cubicBezTo>
+                  <a:pt x="10303" y="49317"/>
+                  <a:pt x="12809" y="38171"/>
+                  <a:pt x="6194" y="32878"/>
+                </a:cubicBezTo>
+                <a:cubicBezTo>
+                  <a:pt x="1784" y="29350"/>
+                  <a:pt x="2084" y="43668"/>
+                  <a:pt x="2084" y="49316"/>
+                </a:cubicBezTo>
+                <a:cubicBezTo>
+                  <a:pt x="2084" y="58359"/>
+                  <a:pt x="9249" y="25823"/>
+                  <a:pt x="8249" y="30823"/>
+                </a:cubicBezTo>
+                <a:cubicBezTo>
+                  <a:pt x="5621" y="43963"/>
+                  <a:pt x="5922" y="47716"/>
+                  <a:pt x="29" y="57536"/>
+                </a:cubicBezTo>
+                <a:cubicBezTo>
+                  <a:pt x="-469" y="58366"/>
+                  <a:pt x="5509" y="29110"/>
+                  <a:pt x="6194" y="26713"/>
+                </a:cubicBezTo>
+                <a:close/>
+              </a:path>
+            </a:pathLst>
+          </a:custGeom>
+          <a:solidFill>
+            <a:srgbClr val="C00000"/>
+          </a:solidFill>
+          <a:ln>
+            <a:solidFill>
+              <a:srgbClr val="C00000"/>
+            </a:solidFill>
+          </a:ln>
+        </p:spPr>
+        <p:style>
+          <a:lnRef idx="2">
+            <a:schemeClr val="accent1">
+              <a:shade val="50000"/>
+            </a:schemeClr>
+          </a:lnRef>
+          <a:fillRef idx="1">
+            <a:schemeClr val="accent1"/>
+          </a:fillRef>
+          <a:effectRef idx="0">
+            <a:schemeClr val="accent1"/>
+          </a:effectRef>
+          <a:fontRef idx="minor">
+            <a:schemeClr val="lt1"/>
+          </a:fontRef>
+        </p:style>
+        <p:txBody>
+          <a:bodyPr rtlCol="0" anchor="ctr"/>
+          <a:lstStyle/>
+          <a:p>
+            <a:pPr algn="ctr"/>
+            <a:endParaRPr lang="pt-BR"/>
+          </a:p>
+        </p:txBody>
+      </p:sp>
+      <p:cxnSp>
+        <p:nvCxnSpPr>
+          <p:cNvPr id="13" name="Conector reto 12">
+            <a:extLst>
+              <a:ext uri="{FF2B5EF4-FFF2-40B4-BE49-F238E27FC236}">
+                <a16:creationId xmlns:a16="http://schemas.microsoft.com/office/drawing/2014/main" id="{CFC4F89A-5D63-439B-69D1-268CA9433027}"/>
+              </a:ext>
+            </a:extLst>
+          </p:cNvPr>
+          <p:cNvCxnSpPr/>
+          <p:nvPr/>
+        </p:nvCxnSpPr>
+        <p:spPr>
+          <a:xfrm flipH="1">
+            <a:off x="2992755" y="5038725"/>
+            <a:ext cx="31957" cy="135255"/>
+          </a:xfrm>
+          <a:prstGeom prst="line">
+            <a:avLst/>
+          </a:prstGeom>
+          <a:ln>
+            <a:solidFill>
+              <a:srgbClr val="C00000"/>
+            </a:solidFill>
+          </a:ln>
+        </p:spPr>
+        <p:style>
+          <a:lnRef idx="1">
+            <a:schemeClr val="accent1"/>
+          </a:lnRef>
+          <a:fillRef idx="0">
+            <a:schemeClr val="accent1"/>
+          </a:fillRef>
+          <a:effectRef idx="0">
+            <a:schemeClr val="accent1"/>
+          </a:effectRef>
+          <a:fontRef idx="minor">
+            <a:schemeClr val="tx1"/>
+          </a:fontRef>
+        </p:style>
+      </p:cxnSp>
+      <p:cxnSp>
+        <p:nvCxnSpPr>
+          <p:cNvPr id="19" name="Conector reto 18">
+            <a:extLst>
+              <a:ext uri="{FF2B5EF4-FFF2-40B4-BE49-F238E27FC236}">
+                <a16:creationId xmlns:a16="http://schemas.microsoft.com/office/drawing/2014/main" id="{028B6730-F3CE-194F-9EEF-1C41CC34FE15}"/>
+              </a:ext>
+            </a:extLst>
+          </p:cNvPr>
+          <p:cNvCxnSpPr>
+            <a:cxnSpLocks/>
+          </p:cNvCxnSpPr>
+          <p:nvPr/>
+        </p:nvCxnSpPr>
+        <p:spPr>
+          <a:xfrm>
+            <a:off x="2759377" y="4351020"/>
+            <a:ext cx="113145" cy="0"/>
+          </a:xfrm>
+          <a:prstGeom prst="line">
+            <a:avLst/>
+          </a:prstGeom>
+          <a:ln w="38100">
+            <a:solidFill>
+              <a:schemeClr val="bg1"/>
+            </a:solidFill>
+          </a:ln>
+        </p:spPr>
+        <p:style>
+          <a:lnRef idx="1">
+            <a:schemeClr val="accent1"/>
+          </a:lnRef>
+          <a:fillRef idx="0">
+            <a:schemeClr val="accent1"/>
+          </a:fillRef>
+          <a:effectRef idx="0">
+            <a:schemeClr val="accent1"/>
+          </a:effectRef>
+          <a:fontRef idx="minor">
+            <a:schemeClr val="tx1"/>
+          </a:fontRef>
+        </p:style>
+      </p:cxnSp>
+      <p:cxnSp>
+        <p:nvCxnSpPr>
+          <p:cNvPr id="33" name="Conector reto 32">
+            <a:extLst>
+              <a:ext uri="{FF2B5EF4-FFF2-40B4-BE49-F238E27FC236}">
+                <a16:creationId xmlns:a16="http://schemas.microsoft.com/office/drawing/2014/main" id="{AF814E22-3E09-E7E1-6C2B-5674541AF98A}"/>
+              </a:ext>
+            </a:extLst>
+          </p:cNvPr>
+          <p:cNvCxnSpPr>
+            <a:cxnSpLocks/>
+          </p:cNvCxnSpPr>
+          <p:nvPr/>
+        </p:nvCxnSpPr>
+        <p:spPr>
+          <a:xfrm>
+            <a:off x="2721690" y="4321912"/>
+            <a:ext cx="80153" cy="47625"/>
+          </a:xfrm>
+          <a:prstGeom prst="line">
+            <a:avLst/>
+          </a:prstGeom>
+          <a:ln w="38100">
+            <a:solidFill>
+              <a:schemeClr val="bg1"/>
+            </a:solidFill>
+          </a:ln>
+        </p:spPr>
+        <p:style>
+          <a:lnRef idx="1">
+            <a:schemeClr val="accent1"/>
+          </a:lnRef>
+          <a:fillRef idx="0">
+            <a:schemeClr val="accent1"/>
+          </a:fillRef>
+          <a:effectRef idx="0">
+            <a:schemeClr val="accent1"/>
+          </a:effectRef>
+          <a:fontRef idx="minor">
+            <a:schemeClr val="tx1"/>
+          </a:fontRef>
+        </p:style>
+      </p:cxnSp>
     </p:spTree>
     <p:extLst>
       <p:ext uri="{BB962C8B-B14F-4D97-AF65-F5344CB8AC3E}">
@@ -19575,6 +25038,387 @@
   <p:clrMapOvr>
     <a:masterClrMapping/>
   </p:clrMapOvr>
+  <p:timing>
+    <p:tnLst>
+      <p:par>
+        <p:cTn id="1" dur="indefinite" restart="never" nodeType="tmRoot">
+          <p:childTnLst>
+            <p:seq concurrent="1" nextAc="seek">
+              <p:cTn id="2" dur="indefinite" nodeType="mainSeq">
+                <p:childTnLst>
+                  <p:par>
+                    <p:cTn id="3" fill="hold">
+                      <p:stCondLst>
+                        <p:cond delay="indefinite"/>
+                      </p:stCondLst>
+                      <p:childTnLst>
+                        <p:par>
+                          <p:cTn id="4" fill="hold">
+                            <p:stCondLst>
+                              <p:cond delay="0"/>
+                            </p:stCondLst>
+                            <p:childTnLst>
+                              <p:par>
+                                <p:cTn id="5" presetID="1" presetClass="entr" presetSubtype="0" fill="hold" nodeType="clickEffect">
+                                  <p:stCondLst>
+                                    <p:cond delay="0"/>
+                                  </p:stCondLst>
+                                  <p:childTnLst>
+                                    <p:set>
+                                      <p:cBhvr>
+                                        <p:cTn id="6" dur="1" fill="hold">
+                                          <p:stCondLst>
+                                            <p:cond delay="0"/>
+                                          </p:stCondLst>
+                                        </p:cTn>
+                                        <p:tgtEl>
+                                          <p:spTgt spid="17">
+                                            <p:txEl>
+                                              <p:pRg st="0" end="0"/>
+                                            </p:txEl>
+                                          </p:spTgt>
+                                        </p:tgtEl>
+                                        <p:attrNameLst>
+                                          <p:attrName>style.visibility</p:attrName>
+                                        </p:attrNameLst>
+                                      </p:cBhvr>
+                                      <p:to>
+                                        <p:strVal val="visible"/>
+                                      </p:to>
+                                    </p:set>
+                                  </p:childTnLst>
+                                </p:cTn>
+                              </p:par>
+                              <p:par>
+                                <p:cTn id="7" presetID="1" presetClass="entr" presetSubtype="0" fill="hold" nodeType="withEffect">
+                                  <p:stCondLst>
+                                    <p:cond delay="0"/>
+                                  </p:stCondLst>
+                                  <p:childTnLst>
+                                    <p:set>
+                                      <p:cBhvr>
+                                        <p:cTn id="8" dur="1" fill="hold">
+                                          <p:stCondLst>
+                                            <p:cond delay="0"/>
+                                          </p:stCondLst>
+                                        </p:cTn>
+                                        <p:tgtEl>
+                                          <p:spTgt spid="17">
+                                            <p:txEl>
+                                              <p:pRg st="1" end="1"/>
+                                            </p:txEl>
+                                          </p:spTgt>
+                                        </p:tgtEl>
+                                        <p:attrNameLst>
+                                          <p:attrName>style.visibility</p:attrName>
+                                        </p:attrNameLst>
+                                      </p:cBhvr>
+                                      <p:to>
+                                        <p:strVal val="visible"/>
+                                      </p:to>
+                                    </p:set>
+                                  </p:childTnLst>
+                                </p:cTn>
+                              </p:par>
+                            </p:childTnLst>
+                          </p:cTn>
+                        </p:par>
+                      </p:childTnLst>
+                    </p:cTn>
+                  </p:par>
+                  <p:par>
+                    <p:cTn id="9" fill="hold">
+                      <p:stCondLst>
+                        <p:cond delay="indefinite"/>
+                      </p:stCondLst>
+                      <p:childTnLst>
+                        <p:par>
+                          <p:cTn id="10" fill="hold">
+                            <p:stCondLst>
+                              <p:cond delay="0"/>
+                            </p:stCondLst>
+                            <p:childTnLst>
+                              <p:par>
+                                <p:cTn id="11" presetID="1" presetClass="entr" presetSubtype="0" fill="hold" nodeType="clickEffect">
+                                  <p:stCondLst>
+                                    <p:cond delay="0"/>
+                                  </p:stCondLst>
+                                  <p:childTnLst>
+                                    <p:set>
+                                      <p:cBhvr>
+                                        <p:cTn id="12" dur="1" fill="hold">
+                                          <p:stCondLst>
+                                            <p:cond delay="0"/>
+                                          </p:stCondLst>
+                                        </p:cTn>
+                                        <p:tgtEl>
+                                          <p:spTgt spid="17">
+                                            <p:txEl>
+                                              <p:pRg st="2" end="2"/>
+                                            </p:txEl>
+                                          </p:spTgt>
+                                        </p:tgtEl>
+                                        <p:attrNameLst>
+                                          <p:attrName>style.visibility</p:attrName>
+                                        </p:attrNameLst>
+                                      </p:cBhvr>
+                                      <p:to>
+                                        <p:strVal val="visible"/>
+                                      </p:to>
+                                    </p:set>
+                                  </p:childTnLst>
+                                </p:cTn>
+                              </p:par>
+                              <p:par>
+                                <p:cTn id="13" presetID="1" presetClass="entr" presetSubtype="0" fill="hold" nodeType="withEffect">
+                                  <p:stCondLst>
+                                    <p:cond delay="0"/>
+                                  </p:stCondLst>
+                                  <p:childTnLst>
+                                    <p:set>
+                                      <p:cBhvr>
+                                        <p:cTn id="14" dur="1" fill="hold">
+                                          <p:stCondLst>
+                                            <p:cond delay="0"/>
+                                          </p:stCondLst>
+                                        </p:cTn>
+                                        <p:tgtEl>
+                                          <p:spTgt spid="17">
+                                            <p:txEl>
+                                              <p:pRg st="3" end="3"/>
+                                            </p:txEl>
+                                          </p:spTgt>
+                                        </p:tgtEl>
+                                        <p:attrNameLst>
+                                          <p:attrName>style.visibility</p:attrName>
+                                        </p:attrNameLst>
+                                      </p:cBhvr>
+                                      <p:to>
+                                        <p:strVal val="visible"/>
+                                      </p:to>
+                                    </p:set>
+                                  </p:childTnLst>
+                                </p:cTn>
+                              </p:par>
+                              <p:par>
+                                <p:cTn id="15" presetID="1" presetClass="entr" presetSubtype="0" fill="hold" nodeType="withEffect">
+                                  <p:stCondLst>
+                                    <p:cond delay="0"/>
+                                  </p:stCondLst>
+                                  <p:childTnLst>
+                                    <p:set>
+                                      <p:cBhvr>
+                                        <p:cTn id="16" dur="1" fill="hold">
+                                          <p:stCondLst>
+                                            <p:cond delay="0"/>
+                                          </p:stCondLst>
+                                        </p:cTn>
+                                        <p:tgtEl>
+                                          <p:spTgt spid="17">
+                                            <p:txEl>
+                                              <p:pRg st="4" end="4"/>
+                                            </p:txEl>
+                                          </p:spTgt>
+                                        </p:tgtEl>
+                                        <p:attrNameLst>
+                                          <p:attrName>style.visibility</p:attrName>
+                                        </p:attrNameLst>
+                                      </p:cBhvr>
+                                      <p:to>
+                                        <p:strVal val="visible"/>
+                                      </p:to>
+                                    </p:set>
+                                  </p:childTnLst>
+                                </p:cTn>
+                              </p:par>
+                            </p:childTnLst>
+                          </p:cTn>
+                        </p:par>
+                      </p:childTnLst>
+                    </p:cTn>
+                  </p:par>
+                  <p:par>
+                    <p:cTn id="17" fill="hold">
+                      <p:stCondLst>
+                        <p:cond delay="indefinite"/>
+                      </p:stCondLst>
+                      <p:childTnLst>
+                        <p:par>
+                          <p:cTn id="18" fill="hold">
+                            <p:stCondLst>
+                              <p:cond delay="0"/>
+                            </p:stCondLst>
+                            <p:childTnLst>
+                              <p:par>
+                                <p:cTn id="19" presetID="1" presetClass="entr" presetSubtype="0" fill="hold" nodeType="clickEffect">
+                                  <p:stCondLst>
+                                    <p:cond delay="0"/>
+                                  </p:stCondLst>
+                                  <p:childTnLst>
+                                    <p:set>
+                                      <p:cBhvr>
+                                        <p:cTn id="20" dur="1" fill="hold">
+                                          <p:stCondLst>
+                                            <p:cond delay="0"/>
+                                          </p:stCondLst>
+                                        </p:cTn>
+                                        <p:tgtEl>
+                                          <p:spTgt spid="6">
+                                            <p:txEl>
+                                              <p:pRg st="0" end="0"/>
+                                            </p:txEl>
+                                          </p:spTgt>
+                                        </p:tgtEl>
+                                        <p:attrNameLst>
+                                          <p:attrName>style.visibility</p:attrName>
+                                        </p:attrNameLst>
+                                      </p:cBhvr>
+                                      <p:to>
+                                        <p:strVal val="visible"/>
+                                      </p:to>
+                                    </p:set>
+                                  </p:childTnLst>
+                                </p:cTn>
+                              </p:par>
+                              <p:par>
+                                <p:cTn id="21" presetID="1" presetClass="entr" presetSubtype="0" fill="hold" nodeType="withEffect">
+                                  <p:stCondLst>
+                                    <p:cond delay="0"/>
+                                  </p:stCondLst>
+                                  <p:childTnLst>
+                                    <p:set>
+                                      <p:cBhvr>
+                                        <p:cTn id="22" dur="1" fill="hold">
+                                          <p:stCondLst>
+                                            <p:cond delay="0"/>
+                                          </p:stCondLst>
+                                        </p:cTn>
+                                        <p:tgtEl>
+                                          <p:spTgt spid="6">
+                                            <p:txEl>
+                                              <p:pRg st="1" end="1"/>
+                                            </p:txEl>
+                                          </p:spTgt>
+                                        </p:tgtEl>
+                                        <p:attrNameLst>
+                                          <p:attrName>style.visibility</p:attrName>
+                                        </p:attrNameLst>
+                                      </p:cBhvr>
+                                      <p:to>
+                                        <p:strVal val="visible"/>
+                                      </p:to>
+                                    </p:set>
+                                  </p:childTnLst>
+                                </p:cTn>
+                              </p:par>
+                              <p:par>
+                                <p:cTn id="23" presetID="1" presetClass="entr" presetSubtype="0" fill="hold" nodeType="withEffect">
+                                  <p:stCondLst>
+                                    <p:cond delay="0"/>
+                                  </p:stCondLst>
+                                  <p:childTnLst>
+                                    <p:set>
+                                      <p:cBhvr>
+                                        <p:cTn id="24" dur="1" fill="hold">
+                                          <p:stCondLst>
+                                            <p:cond delay="0"/>
+                                          </p:stCondLst>
+                                        </p:cTn>
+                                        <p:tgtEl>
+                                          <p:spTgt spid="6">
+                                            <p:txEl>
+                                              <p:pRg st="2" end="2"/>
+                                            </p:txEl>
+                                          </p:spTgt>
+                                        </p:tgtEl>
+                                        <p:attrNameLst>
+                                          <p:attrName>style.visibility</p:attrName>
+                                        </p:attrNameLst>
+                                      </p:cBhvr>
+                                      <p:to>
+                                        <p:strVal val="visible"/>
+                                      </p:to>
+                                    </p:set>
+                                  </p:childTnLst>
+                                </p:cTn>
+                              </p:par>
+                            </p:childTnLst>
+                          </p:cTn>
+                        </p:par>
+                      </p:childTnLst>
+                    </p:cTn>
+                  </p:par>
+                  <p:par>
+                    <p:cTn id="25" fill="hold">
+                      <p:stCondLst>
+                        <p:cond delay="indefinite"/>
+                      </p:stCondLst>
+                      <p:childTnLst>
+                        <p:par>
+                          <p:cTn id="26" fill="hold">
+                            <p:stCondLst>
+                              <p:cond delay="0"/>
+                            </p:stCondLst>
+                            <p:childTnLst>
+                              <p:par>
+                                <p:cTn id="27" presetID="1" presetClass="entr" presetSubtype="0" fill="hold" nodeType="clickEffect">
+                                  <p:stCondLst>
+                                    <p:cond delay="0"/>
+                                  </p:stCondLst>
+                                  <p:childTnLst>
+                                    <p:set>
+                                      <p:cBhvr>
+                                        <p:cTn id="28" dur="1" fill="hold">
+                                          <p:stCondLst>
+                                            <p:cond delay="0"/>
+                                          </p:stCondLst>
+                                        </p:cTn>
+                                        <p:tgtEl>
+                                          <p:spTgt spid="6">
+                                            <p:txEl>
+                                              <p:pRg st="3" end="3"/>
+                                            </p:txEl>
+                                          </p:spTgt>
+                                        </p:tgtEl>
+                                        <p:attrNameLst>
+                                          <p:attrName>style.visibility</p:attrName>
+                                        </p:attrNameLst>
+                                      </p:cBhvr>
+                                      <p:to>
+                                        <p:strVal val="visible"/>
+                                      </p:to>
+                                    </p:set>
+                                  </p:childTnLst>
+                                </p:cTn>
+                              </p:par>
+                            </p:childTnLst>
+                          </p:cTn>
+                        </p:par>
+                      </p:childTnLst>
+                    </p:cTn>
+                  </p:par>
+                </p:childTnLst>
+              </p:cTn>
+              <p:prevCondLst>
+                <p:cond evt="onPrev" delay="0">
+                  <p:tgtEl>
+                    <p:sldTgt/>
+                  </p:tgtEl>
+                </p:cond>
+              </p:prevCondLst>
+              <p:nextCondLst>
+                <p:cond evt="onNext" delay="0">
+                  <p:tgtEl>
+                    <p:sldTgt/>
+                  </p:tgtEl>
+                </p:cond>
+              </p:nextCondLst>
+            </p:seq>
+          </p:childTnLst>
+        </p:cTn>
+      </p:par>
+    </p:tnLst>
+  </p:timing>
 </p:sld>
 </file>
 
@@ -19600,7 +25444,7 @@
           <p:cNvPr id="2" name="Espaço Reservado para Número de Slide 1">
             <a:extLst>
               <a:ext uri="{FF2B5EF4-FFF2-40B4-BE49-F238E27FC236}">
-                <a16:creationId xmlns:a16="http://schemas.microsoft.com/office/drawing/2014/main" id="{9ACE06BB-6F66-E643-DCC1-5E5C6304C78C}"/>
+                <a16:creationId xmlns:a16="http://schemas.microsoft.com/office/drawing/2014/main" id="{AB286C68-F650-6F6C-2C00-96D9CAD650BF}"/>
               </a:ext>
             </a:extLst>
           </p:cNvPr>
@@ -19621,20 +25465,1411 @@
               <a:pPr/>
               <a:t>9</a:t>
             </a:fld>
-            <a:endParaRPr lang="pt-BR" dirty="0"/>
+            <a:endParaRPr lang="pt-BR"/>
           </a:p>
         </p:txBody>
       </p:sp>
+      <p:sp>
+        <p:nvSpPr>
+          <p:cNvPr id="3" name="CaixaDeTexto 2">
+            <a:extLst>
+              <a:ext uri="{FF2B5EF4-FFF2-40B4-BE49-F238E27FC236}">
+                <a16:creationId xmlns:a16="http://schemas.microsoft.com/office/drawing/2014/main" id="{9BBCD503-6F42-C09E-C062-AD4853164744}"/>
+              </a:ext>
+            </a:extLst>
+          </p:cNvPr>
+          <p:cNvSpPr txBox="1"/>
+          <p:nvPr/>
+        </p:nvSpPr>
+        <p:spPr>
+          <a:xfrm>
+            <a:off x="74084" y="1020306"/>
+            <a:ext cx="6614583" cy="461665"/>
+          </a:xfrm>
+          <a:prstGeom prst="rect">
+            <a:avLst/>
+          </a:prstGeom>
+          <a:noFill/>
+        </p:spPr>
+        <p:txBody>
+          <a:bodyPr wrap="square" rtlCol="0">
+            <a:spAutoFit/>
+          </a:bodyPr>
+          <a:lstStyle/>
+          <a:p>
+            <a:r>
+              <a:rPr lang="pt-BR" sz="2400" b="1" u="sng" dirty="0">
+                <a:solidFill>
+                  <a:srgbClr val="384456"/>
+                </a:solidFill>
+                <a:latin typeface="+mj-lt"/>
+              </a:rPr>
+              <a:t>Dinâmica da colisão do cilindro</a:t>
+            </a:r>
+          </a:p>
+        </p:txBody>
+      </p:sp>
+      <p:grpSp>
+        <p:nvGrpSpPr>
+          <p:cNvPr id="24" name="Agrupar 23">
+            <a:extLst>
+              <a:ext uri="{FF2B5EF4-FFF2-40B4-BE49-F238E27FC236}">
+                <a16:creationId xmlns:a16="http://schemas.microsoft.com/office/drawing/2014/main" id="{0393654C-D1BB-7591-6CCF-1FD72B94A37B}"/>
+              </a:ext>
+            </a:extLst>
+          </p:cNvPr>
+          <p:cNvGrpSpPr/>
+          <p:nvPr/>
+        </p:nvGrpSpPr>
+        <p:grpSpPr>
+          <a:xfrm>
+            <a:off x="74084" y="1903808"/>
+            <a:ext cx="4084046" cy="4264831"/>
+            <a:chOff x="74084" y="1943137"/>
+            <a:chExt cx="4084046" cy="4264831"/>
+          </a:xfrm>
+        </p:grpSpPr>
+        <p:pic>
+          <p:nvPicPr>
+            <p:cNvPr id="4" name="Imagem 3" descr="Polígono&#10;&#10;Descrição gerada automaticamente com confiança baixa">
+              <a:extLst>
+                <a:ext uri="{FF2B5EF4-FFF2-40B4-BE49-F238E27FC236}">
+                  <a16:creationId xmlns:a16="http://schemas.microsoft.com/office/drawing/2014/main" id="{1C1A270B-B6ED-5A6C-59EA-B3084D2BFAC1}"/>
+                </a:ext>
+              </a:extLst>
+            </p:cNvPr>
+            <p:cNvPicPr>
+              <a:picLocks noChangeAspect="1"/>
+            </p:cNvPicPr>
+            <p:nvPr/>
+          </p:nvPicPr>
+          <p:blipFill>
+            <a:blip r:embed="rId2">
+              <a:extLst>
+                <a:ext uri="{28A0092B-C50C-407E-A947-70E740481C1C}">
+                  <a14:useLocalDpi xmlns:a14="http://schemas.microsoft.com/office/drawing/2010/main" val="0"/>
+                </a:ext>
+              </a:extLst>
+            </a:blip>
+            <a:stretch>
+              <a:fillRect/>
+            </a:stretch>
+          </p:blipFill>
+          <p:spPr>
+            <a:xfrm>
+              <a:off x="74084" y="2514225"/>
+              <a:ext cx="4084046" cy="3693743"/>
+            </a:xfrm>
+            <a:prstGeom prst="rect">
+              <a:avLst/>
+            </a:prstGeom>
+          </p:spPr>
+        </p:pic>
+        <p:sp>
+          <p:nvSpPr>
+            <p:cNvPr id="7" name="CaixaDeTexto 6">
+              <a:extLst>
+                <a:ext uri="{FF2B5EF4-FFF2-40B4-BE49-F238E27FC236}">
+                  <a16:creationId xmlns:a16="http://schemas.microsoft.com/office/drawing/2014/main" id="{9160FE5C-6A6C-600C-CDC5-340D824637D8}"/>
+                </a:ext>
+              </a:extLst>
+            </p:cNvPr>
+            <p:cNvSpPr txBox="1"/>
+            <p:nvPr/>
+          </p:nvSpPr>
+          <p:spPr>
+            <a:xfrm>
+              <a:off x="1311727" y="1943137"/>
+              <a:ext cx="1618392" cy="369332"/>
+            </a:xfrm>
+            <a:prstGeom prst="rect">
+              <a:avLst/>
+            </a:prstGeom>
+            <a:noFill/>
+          </p:spPr>
+          <p:txBody>
+            <a:bodyPr wrap="none" rtlCol="0">
+              <a:spAutoFit/>
+            </a:bodyPr>
+            <a:lstStyle/>
+            <a:p>
+              <a:r>
+                <a:rPr lang="pt-BR" u="sng" dirty="0"/>
+                <a:t>Forças atuando</a:t>
+              </a:r>
+            </a:p>
+          </p:txBody>
+        </p:sp>
+      </p:grpSp>
+      <mc:AlternateContent xmlns:mc="http://schemas.openxmlformats.org/markup-compatibility/2006">
+        <mc:Choice xmlns:p14="http://schemas.microsoft.com/office/powerpoint/2010/main" Requires="p14">
+          <p:contentPart p14:bwMode="auto" r:id="rId3">
+            <p14:nvContentPartPr>
+              <p14:cNvPr id="13" name="Tinta 12">
+                <a:extLst>
+                  <a:ext uri="{FF2B5EF4-FFF2-40B4-BE49-F238E27FC236}">
+                    <a16:creationId xmlns:a16="http://schemas.microsoft.com/office/drawing/2014/main" id="{7DE48647-AE60-06B8-7DC6-FED73E11CB1A}"/>
+                  </a:ext>
+                </a:extLst>
+              </p14:cNvPr>
+              <p14:cNvContentPartPr/>
+              <p14:nvPr/>
+            </p14:nvContentPartPr>
+            <p14:xfrm>
+              <a:off x="7200750" y="5200350"/>
+              <a:ext cx="360" cy="360"/>
+            </p14:xfrm>
+          </p:contentPart>
+        </mc:Choice>
+        <mc:Fallback>
+          <p:pic>
+            <p:nvPicPr>
+              <p:cNvPr id="13" name="Tinta 12">
+                <a:extLst>
+                  <a:ext uri="{FF2B5EF4-FFF2-40B4-BE49-F238E27FC236}">
+                    <a16:creationId xmlns:a16="http://schemas.microsoft.com/office/drawing/2014/main" id="{7DE48647-AE60-06B8-7DC6-FED73E11CB1A}"/>
+                  </a:ext>
+                </a:extLst>
+              </p:cNvPr>
+              <p:cNvPicPr/>
+              <p:nvPr/>
+            </p:nvPicPr>
+            <p:blipFill>
+              <a:blip r:embed="rId4"/>
+              <a:stretch>
+                <a:fillRect/>
+              </a:stretch>
+            </p:blipFill>
+            <p:spPr>
+              <a:xfrm>
+                <a:off x="7191750" y="5191350"/>
+                <a:ext cx="18000" cy="18000"/>
+              </a:xfrm>
+              <a:prstGeom prst="rect">
+                <a:avLst/>
+              </a:prstGeom>
+            </p:spPr>
+          </p:pic>
+        </mc:Fallback>
+      </mc:AlternateContent>
+      <mc:AlternateContent xmlns:mc="http://schemas.openxmlformats.org/markup-compatibility/2006">
+        <mc:Choice xmlns:p14="http://schemas.microsoft.com/office/powerpoint/2010/main" Requires="p14">
+          <p:contentPart p14:bwMode="auto" r:id="rId5">
+            <p14:nvContentPartPr>
+              <p14:cNvPr id="14" name="Tinta 13">
+                <a:extLst>
+                  <a:ext uri="{FF2B5EF4-FFF2-40B4-BE49-F238E27FC236}">
+                    <a16:creationId xmlns:a16="http://schemas.microsoft.com/office/drawing/2014/main" id="{B891C71E-2636-C8FC-70EE-744F42B984C9}"/>
+                  </a:ext>
+                </a:extLst>
+              </p14:cNvPr>
+              <p14:cNvContentPartPr/>
+              <p14:nvPr/>
+            </p14:nvContentPartPr>
+            <p14:xfrm>
+              <a:off x="7134150" y="5505270"/>
+              <a:ext cx="360" cy="360"/>
+            </p14:xfrm>
+          </p:contentPart>
+        </mc:Choice>
+        <mc:Fallback>
+          <p:pic>
+            <p:nvPicPr>
+              <p:cNvPr id="14" name="Tinta 13">
+                <a:extLst>
+                  <a:ext uri="{FF2B5EF4-FFF2-40B4-BE49-F238E27FC236}">
+                    <a16:creationId xmlns:a16="http://schemas.microsoft.com/office/drawing/2014/main" id="{B891C71E-2636-C8FC-70EE-744F42B984C9}"/>
+                  </a:ext>
+                </a:extLst>
+              </p:cNvPr>
+              <p:cNvPicPr/>
+              <p:nvPr/>
+            </p:nvPicPr>
+            <p:blipFill>
+              <a:blip r:embed="rId4"/>
+              <a:stretch>
+                <a:fillRect/>
+              </a:stretch>
+            </p:blipFill>
+            <p:spPr>
+              <a:xfrm>
+                <a:off x="7125150" y="5496270"/>
+                <a:ext cx="18000" cy="18000"/>
+              </a:xfrm>
+              <a:prstGeom prst="rect">
+                <a:avLst/>
+              </a:prstGeom>
+            </p:spPr>
+          </p:pic>
+        </mc:Fallback>
+      </mc:AlternateContent>
+      <mc:AlternateContent xmlns:mc="http://schemas.openxmlformats.org/markup-compatibility/2006">
+        <mc:Choice xmlns:p14="http://schemas.microsoft.com/office/powerpoint/2010/main" Requires="p14">
+          <p:contentPart p14:bwMode="auto" r:id="rId6">
+            <p14:nvContentPartPr>
+              <p14:cNvPr id="16" name="Tinta 15">
+                <a:extLst>
+                  <a:ext uri="{FF2B5EF4-FFF2-40B4-BE49-F238E27FC236}">
+                    <a16:creationId xmlns:a16="http://schemas.microsoft.com/office/drawing/2014/main" id="{CC5150E6-CF71-D5D4-A202-45AD35688CB4}"/>
+                  </a:ext>
+                </a:extLst>
+              </p14:cNvPr>
+              <p14:cNvContentPartPr/>
+              <p14:nvPr/>
+            </p14:nvContentPartPr>
+            <p14:xfrm>
+              <a:off x="7733910" y="5171910"/>
+              <a:ext cx="360" cy="360"/>
+            </p14:xfrm>
+          </p:contentPart>
+        </mc:Choice>
+        <mc:Fallback>
+          <p:pic>
+            <p:nvPicPr>
+              <p:cNvPr id="16" name="Tinta 15">
+                <a:extLst>
+                  <a:ext uri="{FF2B5EF4-FFF2-40B4-BE49-F238E27FC236}">
+                    <a16:creationId xmlns:a16="http://schemas.microsoft.com/office/drawing/2014/main" id="{CC5150E6-CF71-D5D4-A202-45AD35688CB4}"/>
+                  </a:ext>
+                </a:extLst>
+              </p:cNvPr>
+              <p:cNvPicPr/>
+              <p:nvPr/>
+            </p:nvPicPr>
+            <p:blipFill>
+              <a:blip r:embed="rId4"/>
+              <a:stretch>
+                <a:fillRect/>
+              </a:stretch>
+            </p:blipFill>
+            <p:spPr>
+              <a:xfrm>
+                <a:off x="7724910" y="5162910"/>
+                <a:ext cx="18000" cy="18000"/>
+              </a:xfrm>
+              <a:prstGeom prst="rect">
+                <a:avLst/>
+              </a:prstGeom>
+            </p:spPr>
+          </p:pic>
+        </mc:Fallback>
+      </mc:AlternateContent>
+      <mc:AlternateContent xmlns:mc="http://schemas.openxmlformats.org/markup-compatibility/2006">
+        <mc:Choice xmlns:p14="http://schemas.microsoft.com/office/powerpoint/2010/main" Requires="p14">
+          <p:contentPart p14:bwMode="auto" r:id="rId7">
+            <p14:nvContentPartPr>
+              <p14:cNvPr id="17" name="Tinta 16">
+                <a:extLst>
+                  <a:ext uri="{FF2B5EF4-FFF2-40B4-BE49-F238E27FC236}">
+                    <a16:creationId xmlns:a16="http://schemas.microsoft.com/office/drawing/2014/main" id="{2E62C582-743E-27CC-0489-D07BAAAEFCEF}"/>
+                  </a:ext>
+                </a:extLst>
+              </p14:cNvPr>
+              <p14:cNvContentPartPr/>
+              <p14:nvPr/>
+            </p14:nvContentPartPr>
+            <p14:xfrm>
+              <a:off x="6829230" y="3142950"/>
+              <a:ext cx="360" cy="360"/>
+            </p14:xfrm>
+          </p:contentPart>
+        </mc:Choice>
+        <mc:Fallback>
+          <p:pic>
+            <p:nvPicPr>
+              <p:cNvPr id="17" name="Tinta 16">
+                <a:extLst>
+                  <a:ext uri="{FF2B5EF4-FFF2-40B4-BE49-F238E27FC236}">
+                    <a16:creationId xmlns:a16="http://schemas.microsoft.com/office/drawing/2014/main" id="{2E62C582-743E-27CC-0489-D07BAAAEFCEF}"/>
+                  </a:ext>
+                </a:extLst>
+              </p:cNvPr>
+              <p:cNvPicPr/>
+              <p:nvPr/>
+            </p:nvPicPr>
+            <p:blipFill>
+              <a:blip r:embed="rId4"/>
+              <a:stretch>
+                <a:fillRect/>
+              </a:stretch>
+            </p:blipFill>
+            <p:spPr>
+              <a:xfrm>
+                <a:off x="6820230" y="3133950"/>
+                <a:ext cx="18000" cy="18000"/>
+              </a:xfrm>
+              <a:prstGeom prst="rect">
+                <a:avLst/>
+              </a:prstGeom>
+            </p:spPr>
+          </p:pic>
+        </mc:Fallback>
+      </mc:AlternateContent>
+      <mc:AlternateContent xmlns:mc="http://schemas.openxmlformats.org/markup-compatibility/2006">
+        <mc:Choice xmlns:p14="http://schemas.microsoft.com/office/powerpoint/2010/main" Requires="p14">
+          <p:contentPart p14:bwMode="auto" r:id="rId8">
+            <p14:nvContentPartPr>
+              <p14:cNvPr id="22" name="Tinta 21">
+                <a:extLst>
+                  <a:ext uri="{FF2B5EF4-FFF2-40B4-BE49-F238E27FC236}">
+                    <a16:creationId xmlns:a16="http://schemas.microsoft.com/office/drawing/2014/main" id="{88C0A1C3-4C97-00F1-3519-C882BD33FC6A}"/>
+                  </a:ext>
+                </a:extLst>
+              </p14:cNvPr>
+              <p14:cNvContentPartPr/>
+              <p14:nvPr/>
+            </p14:nvContentPartPr>
+            <p14:xfrm>
+              <a:off x="-724290" y="2924070"/>
+              <a:ext cx="360" cy="360"/>
+            </p14:xfrm>
+          </p:contentPart>
+        </mc:Choice>
+        <mc:Fallback>
+          <p:pic>
+            <p:nvPicPr>
+              <p:cNvPr id="22" name="Tinta 21">
+                <a:extLst>
+                  <a:ext uri="{FF2B5EF4-FFF2-40B4-BE49-F238E27FC236}">
+                    <a16:creationId xmlns:a16="http://schemas.microsoft.com/office/drawing/2014/main" id="{88C0A1C3-4C97-00F1-3519-C882BD33FC6A}"/>
+                  </a:ext>
+                </a:extLst>
+              </p:cNvPr>
+              <p:cNvPicPr/>
+              <p:nvPr/>
+            </p:nvPicPr>
+            <p:blipFill>
+              <a:blip r:embed="rId4"/>
+              <a:stretch>
+                <a:fillRect/>
+              </a:stretch>
+            </p:blipFill>
+            <p:spPr>
+              <a:xfrm>
+                <a:off x="-733290" y="2915070"/>
+                <a:ext cx="18000" cy="18000"/>
+              </a:xfrm>
+              <a:prstGeom prst="rect">
+                <a:avLst/>
+              </a:prstGeom>
+            </p:spPr>
+          </p:pic>
+        </mc:Fallback>
+      </mc:AlternateContent>
+      <mc:AlternateContent xmlns:mc="http://schemas.openxmlformats.org/markup-compatibility/2006">
+        <mc:Choice xmlns:a14="http://schemas.microsoft.com/office/drawing/2010/main" Requires="a14">
+          <p:sp>
+            <p:nvSpPr>
+              <p:cNvPr id="26" name="CaixaDeTexto 25">
+                <a:extLst>
+                  <a:ext uri="{FF2B5EF4-FFF2-40B4-BE49-F238E27FC236}">
+                    <a16:creationId xmlns:a16="http://schemas.microsoft.com/office/drawing/2014/main" id="{1B5A6FD0-6ED5-A8EA-6B76-FE87517B8138}"/>
+                  </a:ext>
+                </a:extLst>
+              </p:cNvPr>
+              <p:cNvSpPr txBox="1"/>
+              <p:nvPr/>
+            </p:nvSpPr>
+            <p:spPr>
+              <a:xfrm>
+                <a:off x="5119230" y="2808363"/>
+                <a:ext cx="3420000" cy="2160000"/>
+              </a:xfrm>
+              <a:prstGeom prst="rect">
+                <a:avLst/>
+              </a:prstGeom>
+              <a:ln w="19050">
+                <a:solidFill>
+                  <a:schemeClr val="tx1"/>
+                </a:solidFill>
+              </a:ln>
+            </p:spPr>
+            <p:style>
+              <a:lnRef idx="2">
+                <a:schemeClr val="dk1"/>
+              </a:lnRef>
+              <a:fillRef idx="1">
+                <a:schemeClr val="lt1"/>
+              </a:fillRef>
+              <a:effectRef idx="0">
+                <a:schemeClr val="dk1"/>
+              </a:effectRef>
+              <a:fontRef idx="minor">
+                <a:schemeClr val="dk1"/>
+              </a:fontRef>
+            </p:style>
+            <p:txBody>
+              <a:bodyPr wrap="none" lIns="0" tIns="0" rIns="0" bIns="0" rtlCol="0" anchor="ctr">
+                <a:spAutoFit/>
+              </a:bodyPr>
+              <a:lstStyle/>
+              <a:p>
+                <a:pPr>
+                  <a:lnSpc>
+                    <a:spcPct val="120000"/>
+                  </a:lnSpc>
+                </a:pPr>
+                <a14:m>
+                  <m:oMathPara xmlns:m="http://schemas.openxmlformats.org/officeDocument/2006/math">
+                    <m:oMathParaPr>
+                      <m:jc m:val="centerGroup"/>
+                    </m:oMathParaPr>
+                    <m:oMath xmlns:m="http://schemas.openxmlformats.org/officeDocument/2006/math">
+                      <m:acc>
+                        <m:accPr>
+                          <m:chr m:val="⃗"/>
+                          <m:ctrlPr>
+                            <a:rPr lang="pt-BR" sz="2000" b="1" i="1" smtClean="0">
+                              <a:solidFill>
+                                <a:srgbClr val="FA0ED3"/>
+                              </a:solidFill>
+                              <a:latin typeface="Cambria Math" panose="02040503050406030204" pitchFamily="18" charset="0"/>
+                            </a:rPr>
+                          </m:ctrlPr>
+                        </m:accPr>
+                        <m:e>
+                          <m:r>
+                            <a:rPr lang="pt-BR" sz="2000" b="1" i="1" smtClean="0">
+                              <a:solidFill>
+                                <a:srgbClr val="FA0ED3"/>
+                              </a:solidFill>
+                              <a:latin typeface="Cambria Math" panose="02040503050406030204" pitchFamily="18" charset="0"/>
+                            </a:rPr>
+                            <m:t>𝑭</m:t>
+                          </m:r>
+                        </m:e>
+                      </m:acc>
+                      <m:r>
+                        <a:rPr lang="pt-BR" sz="2000" b="0" i="1" smtClean="0">
+                          <a:solidFill>
+                            <a:srgbClr val="FA0ED3"/>
+                          </a:solidFill>
+                          <a:latin typeface="Cambria Math" panose="02040503050406030204" pitchFamily="18" charset="0"/>
+                        </a:rPr>
+                        <m:t>:</m:t>
+                      </m:r>
+                      <m:r>
+                        <a:rPr lang="pt-BR" sz="2000" b="0" i="1" smtClean="0">
+                          <a:solidFill>
+                            <a:srgbClr val="FA0ED3"/>
+                          </a:solidFill>
+                          <a:latin typeface="Cambria Math" panose="02040503050406030204" pitchFamily="18" charset="0"/>
+                        </a:rPr>
+                        <m:t>𝑓𝑜𝑟</m:t>
+                      </m:r>
+                      <m:r>
+                        <a:rPr lang="pt-BR" sz="2000" b="0" i="1" smtClean="0">
+                          <a:solidFill>
+                            <a:srgbClr val="FA0ED3"/>
+                          </a:solidFill>
+                          <a:latin typeface="Cambria Math" panose="02040503050406030204" pitchFamily="18" charset="0"/>
+                        </a:rPr>
+                        <m:t>ç</m:t>
+                      </m:r>
+                      <m:r>
+                        <a:rPr lang="pt-BR" sz="2000" b="0" i="1" smtClean="0">
+                          <a:solidFill>
+                            <a:srgbClr val="FA0ED3"/>
+                          </a:solidFill>
+                          <a:latin typeface="Cambria Math" panose="02040503050406030204" pitchFamily="18" charset="0"/>
+                        </a:rPr>
+                        <m:t>𝑎</m:t>
+                      </m:r>
+                      <m:r>
+                        <a:rPr lang="pt-BR" sz="2000" b="0" i="1" smtClean="0">
+                          <a:solidFill>
+                            <a:srgbClr val="FA0ED3"/>
+                          </a:solidFill>
+                          <a:latin typeface="Cambria Math" panose="02040503050406030204" pitchFamily="18" charset="0"/>
+                        </a:rPr>
+                        <m:t> </m:t>
+                      </m:r>
+                      <m:r>
+                        <a:rPr lang="pt-BR" sz="2000" b="0" i="1" smtClean="0">
+                          <a:solidFill>
+                            <a:srgbClr val="FA0ED3"/>
+                          </a:solidFill>
+                          <a:latin typeface="Cambria Math" panose="02040503050406030204" pitchFamily="18" charset="0"/>
+                        </a:rPr>
+                        <m:t>𝑛𝑜𝑟𝑚𝑎𝑙</m:t>
+                      </m:r>
+                    </m:oMath>
+                  </m:oMathPara>
+                </a14:m>
+                <a:endParaRPr lang="pt-BR" sz="2000" dirty="0"/>
+              </a:p>
+              <a:p>
+                <a:pPr>
+                  <a:lnSpc>
+                    <a:spcPct val="120000"/>
+                  </a:lnSpc>
+                </a:pPr>
+                <a14:m>
+                  <m:oMathPara xmlns:m="http://schemas.openxmlformats.org/officeDocument/2006/math">
+                    <m:oMathParaPr>
+                      <m:jc m:val="centerGroup"/>
+                    </m:oMathParaPr>
+                    <m:oMath xmlns:m="http://schemas.openxmlformats.org/officeDocument/2006/math">
+                      <m:acc>
+                        <m:accPr>
+                          <m:chr m:val="⃗"/>
+                          <m:ctrlPr>
+                            <a:rPr lang="pt-BR" sz="2000" b="1" i="1" smtClean="0">
+                              <a:solidFill>
+                                <a:srgbClr val="ED7D31"/>
+                              </a:solidFill>
+                              <a:latin typeface="Cambria Math" panose="02040503050406030204" pitchFamily="18" charset="0"/>
+                            </a:rPr>
+                          </m:ctrlPr>
+                        </m:accPr>
+                        <m:e>
+                          <m:r>
+                            <a:rPr lang="pt-BR" sz="2000" b="1" i="1" smtClean="0">
+                              <a:solidFill>
+                                <a:srgbClr val="ED7D31"/>
+                              </a:solidFill>
+                              <a:latin typeface="Cambria Math" panose="02040503050406030204" pitchFamily="18" charset="0"/>
+                            </a:rPr>
+                            <m:t>𝒇</m:t>
+                          </m:r>
+                        </m:e>
+                      </m:acc>
+                      <m:r>
+                        <a:rPr lang="pt-BR" sz="2000" b="0" i="1" smtClean="0">
+                          <a:solidFill>
+                            <a:srgbClr val="ED7D31"/>
+                          </a:solidFill>
+                          <a:latin typeface="Cambria Math" panose="02040503050406030204" pitchFamily="18" charset="0"/>
+                        </a:rPr>
+                        <m:t>:</m:t>
+                      </m:r>
+                      <m:r>
+                        <a:rPr lang="pt-BR" sz="2000" b="0" i="1" smtClean="0">
+                          <a:solidFill>
+                            <a:srgbClr val="ED7D31"/>
+                          </a:solidFill>
+                          <a:latin typeface="Cambria Math" panose="02040503050406030204" pitchFamily="18" charset="0"/>
+                        </a:rPr>
+                        <m:t>𝑓𝑜𝑟</m:t>
+                      </m:r>
+                      <m:r>
+                        <a:rPr lang="pt-BR" sz="2000" b="0" i="1" smtClean="0">
+                          <a:solidFill>
+                            <a:srgbClr val="ED7D31"/>
+                          </a:solidFill>
+                          <a:latin typeface="Cambria Math" panose="02040503050406030204" pitchFamily="18" charset="0"/>
+                        </a:rPr>
+                        <m:t>ç</m:t>
+                      </m:r>
+                      <m:r>
+                        <a:rPr lang="pt-BR" sz="2000" b="0" i="1" smtClean="0">
+                          <a:solidFill>
+                            <a:srgbClr val="ED7D31"/>
+                          </a:solidFill>
+                          <a:latin typeface="Cambria Math" panose="02040503050406030204" pitchFamily="18" charset="0"/>
+                        </a:rPr>
+                        <m:t>𝑎</m:t>
+                      </m:r>
+                      <m:r>
+                        <a:rPr lang="pt-BR" sz="2000" b="0" i="1" smtClean="0">
+                          <a:solidFill>
+                            <a:srgbClr val="ED7D31"/>
+                          </a:solidFill>
+                          <a:latin typeface="Cambria Math" panose="02040503050406030204" pitchFamily="18" charset="0"/>
+                        </a:rPr>
+                        <m:t> </m:t>
+                      </m:r>
+                      <m:r>
+                        <a:rPr lang="pt-BR" sz="2000" b="0" i="1" smtClean="0">
+                          <a:solidFill>
+                            <a:srgbClr val="ED7D31"/>
+                          </a:solidFill>
+                          <a:latin typeface="Cambria Math" panose="02040503050406030204" pitchFamily="18" charset="0"/>
+                        </a:rPr>
+                        <m:t>𝑑𝑒</m:t>
+                      </m:r>
+                      <m:r>
+                        <a:rPr lang="pt-BR" sz="2000" b="0" i="1" smtClean="0">
+                          <a:solidFill>
+                            <a:srgbClr val="ED7D31"/>
+                          </a:solidFill>
+                          <a:latin typeface="Cambria Math" panose="02040503050406030204" pitchFamily="18" charset="0"/>
+                        </a:rPr>
+                        <m:t> </m:t>
+                      </m:r>
+                      <m:r>
+                        <a:rPr lang="pt-BR" sz="2000" b="0" i="1" smtClean="0">
+                          <a:solidFill>
+                            <a:srgbClr val="ED7D31"/>
+                          </a:solidFill>
+                          <a:latin typeface="Cambria Math" panose="02040503050406030204" pitchFamily="18" charset="0"/>
+                        </a:rPr>
+                        <m:t>𝑎𝑡𝑟𝑖𝑡𝑜</m:t>
+                      </m:r>
+                    </m:oMath>
+                  </m:oMathPara>
+                </a14:m>
+                <a:br>
+                  <a:rPr lang="pt-BR" sz="2000" dirty="0"/>
+                </a:br>
+                <a:endParaRPr lang="pt-BR" sz="2000" dirty="0"/>
+              </a:p>
+              <a:p>
+                <a:pPr>
+                  <a:lnSpc>
+                    <a:spcPct val="120000"/>
+                  </a:lnSpc>
+                </a:pPr>
+                <a14:m>
+                  <m:oMathPara xmlns:m="http://schemas.openxmlformats.org/officeDocument/2006/math">
+                    <m:oMathParaPr>
+                      <m:jc m:val="centerGroup"/>
+                    </m:oMathParaPr>
+                    <m:oMath xmlns:m="http://schemas.openxmlformats.org/officeDocument/2006/math">
+                      <m:sSub>
+                        <m:sSubPr>
+                          <m:ctrlPr>
+                            <a:rPr lang="pt-BR" sz="2000" b="1" i="1" smtClean="0">
+                              <a:solidFill>
+                                <a:srgbClr val="ED7D31"/>
+                              </a:solidFill>
+                              <a:latin typeface="Cambria Math" panose="02040503050406030204" pitchFamily="18" charset="0"/>
+                            </a:rPr>
+                          </m:ctrlPr>
+                        </m:sSubPr>
+                        <m:e>
+                          <m:r>
+                            <a:rPr lang="pt-BR" sz="2000" b="1" i="1" smtClean="0">
+                              <a:solidFill>
+                                <a:srgbClr val="ED7D31"/>
+                              </a:solidFill>
+                              <a:latin typeface="Cambria Math" panose="02040503050406030204" pitchFamily="18" charset="0"/>
+                            </a:rPr>
+                            <m:t>𝒇</m:t>
+                          </m:r>
+                        </m:e>
+                        <m:sub>
+                          <m:r>
+                            <a:rPr lang="pt-BR" sz="2000" b="1" i="1" smtClean="0">
+                              <a:solidFill>
+                                <a:srgbClr val="ED7D31"/>
+                              </a:solidFill>
+                              <a:latin typeface="Cambria Math" panose="02040503050406030204" pitchFamily="18" charset="0"/>
+                            </a:rPr>
+                            <m:t>𝝆</m:t>
+                          </m:r>
+                        </m:sub>
+                      </m:sSub>
+                      <m:acc>
+                        <m:accPr>
+                          <m:chr m:val="̂"/>
+                          <m:ctrlPr>
+                            <a:rPr lang="pt-BR" sz="2000" b="1" i="1" smtClean="0">
+                              <a:solidFill>
+                                <a:srgbClr val="ED7D31"/>
+                              </a:solidFill>
+                              <a:latin typeface="Cambria Math" panose="02040503050406030204" pitchFamily="18" charset="0"/>
+                            </a:rPr>
+                          </m:ctrlPr>
+                        </m:accPr>
+                        <m:e>
+                          <m:r>
+                            <a:rPr lang="pt-BR" sz="2000" b="1" i="1" smtClean="0">
+                              <a:solidFill>
+                                <a:srgbClr val="ED7D31"/>
+                              </a:solidFill>
+                              <a:latin typeface="Cambria Math" panose="02040503050406030204" pitchFamily="18" charset="0"/>
+                            </a:rPr>
+                            <m:t>𝝆</m:t>
+                          </m:r>
+                        </m:e>
+                      </m:acc>
+                      <m:r>
+                        <a:rPr lang="pt-BR" sz="2000" b="0" i="1" smtClean="0">
+                          <a:solidFill>
+                            <a:srgbClr val="ED7D31"/>
+                          </a:solidFill>
+                          <a:latin typeface="Cambria Math" panose="02040503050406030204" pitchFamily="18" charset="0"/>
+                        </a:rPr>
+                        <m:t>:</m:t>
+                      </m:r>
+                      <m:r>
+                        <a:rPr lang="pt-BR" sz="2000" b="0" i="1" smtClean="0">
+                          <a:solidFill>
+                            <a:srgbClr val="ED7D31"/>
+                          </a:solidFill>
+                          <a:latin typeface="Cambria Math" panose="02040503050406030204" pitchFamily="18" charset="0"/>
+                        </a:rPr>
+                        <m:t>𝑐𝑜𝑚𝑝𝑜𝑛𝑒𝑛𝑡𝑒</m:t>
+                      </m:r>
+                      <m:r>
+                        <a:rPr lang="pt-BR" sz="2000" b="0" i="1" smtClean="0">
+                          <a:solidFill>
+                            <a:srgbClr val="ED7D31"/>
+                          </a:solidFill>
+                          <a:latin typeface="Cambria Math" panose="02040503050406030204" pitchFamily="18" charset="0"/>
+                        </a:rPr>
+                        <m:t> </m:t>
+                      </m:r>
+                      <m:r>
+                        <a:rPr lang="pt-BR" sz="2000" b="0" i="1" smtClean="0">
+                          <a:solidFill>
+                            <a:srgbClr val="ED7D31"/>
+                          </a:solidFill>
+                          <a:latin typeface="Cambria Math" panose="02040503050406030204" pitchFamily="18" charset="0"/>
+                        </a:rPr>
+                        <m:t>𝑑𝑒</m:t>
+                      </m:r>
+                      <m:r>
+                        <a:rPr lang="pt-BR" sz="2000" b="0" i="1" smtClean="0">
+                          <a:solidFill>
+                            <a:srgbClr val="ED7D31"/>
+                          </a:solidFill>
+                          <a:latin typeface="Cambria Math" panose="02040503050406030204" pitchFamily="18" charset="0"/>
+                        </a:rPr>
+                        <m:t> </m:t>
+                      </m:r>
+                      <m:acc>
+                        <m:accPr>
+                          <m:chr m:val="⃗"/>
+                          <m:ctrlPr>
+                            <a:rPr lang="pt-BR" sz="2000" i="1" smtClean="0">
+                              <a:solidFill>
+                                <a:srgbClr val="ED7D31"/>
+                              </a:solidFill>
+                              <a:latin typeface="Cambria Math" panose="02040503050406030204" pitchFamily="18" charset="0"/>
+                            </a:rPr>
+                          </m:ctrlPr>
+                        </m:accPr>
+                        <m:e>
+                          <m:r>
+                            <a:rPr lang="pt-BR" sz="2000" b="0" i="1" smtClean="0">
+                              <a:solidFill>
+                                <a:srgbClr val="ED7D31"/>
+                              </a:solidFill>
+                              <a:latin typeface="Cambria Math" panose="02040503050406030204" pitchFamily="18" charset="0"/>
+                            </a:rPr>
+                            <m:t>𝑓</m:t>
+                          </m:r>
+                        </m:e>
+                      </m:acc>
+                      <m:r>
+                        <a:rPr lang="pt-BR" sz="2000" b="0" i="1" smtClean="0">
+                          <a:solidFill>
+                            <a:srgbClr val="ED7D31"/>
+                          </a:solidFill>
+                          <a:latin typeface="Cambria Math" panose="02040503050406030204" pitchFamily="18" charset="0"/>
+                        </a:rPr>
+                        <m:t> </m:t>
+                      </m:r>
+                      <m:r>
+                        <a:rPr lang="pt-BR" sz="2000" b="0" i="1" smtClean="0">
+                          <a:solidFill>
+                            <a:srgbClr val="ED7D31"/>
+                          </a:solidFill>
+                          <a:latin typeface="Cambria Math" panose="02040503050406030204" pitchFamily="18" charset="0"/>
+                        </a:rPr>
+                        <m:t>𝑒𝑚</m:t>
+                      </m:r>
+                      <m:r>
+                        <a:rPr lang="pt-BR" sz="2000" b="0" i="1" smtClean="0">
+                          <a:solidFill>
+                            <a:srgbClr val="ED7D31"/>
+                          </a:solidFill>
+                          <a:latin typeface="Cambria Math" panose="02040503050406030204" pitchFamily="18" charset="0"/>
+                        </a:rPr>
+                        <m:t> </m:t>
+                      </m:r>
+                      <m:acc>
+                        <m:accPr>
+                          <m:chr m:val="̂"/>
+                          <m:ctrlPr>
+                            <a:rPr lang="pt-BR" sz="2000" i="1" smtClean="0">
+                              <a:solidFill>
+                                <a:srgbClr val="ED7D31"/>
+                              </a:solidFill>
+                              <a:latin typeface="Cambria Math" panose="02040503050406030204" pitchFamily="18" charset="0"/>
+                            </a:rPr>
+                          </m:ctrlPr>
+                        </m:accPr>
+                        <m:e>
+                          <m:r>
+                            <a:rPr lang="pt-BR" sz="2000" b="0" i="1" smtClean="0">
+                              <a:solidFill>
+                                <a:srgbClr val="ED7D31"/>
+                              </a:solidFill>
+                              <a:latin typeface="Cambria Math" panose="02040503050406030204" pitchFamily="18" charset="0"/>
+                            </a:rPr>
+                            <m:t>𝜌</m:t>
+                          </m:r>
+                        </m:e>
+                      </m:acc>
+                    </m:oMath>
+                    <m:oMath xmlns:m="http://schemas.openxmlformats.org/officeDocument/2006/math">
+                      <m:sSub>
+                        <m:sSubPr>
+                          <m:ctrlPr>
+                            <a:rPr lang="pt-BR" sz="2000" b="1" i="1" smtClean="0">
+                              <a:solidFill>
+                                <a:srgbClr val="ED7D31"/>
+                              </a:solidFill>
+                              <a:latin typeface="Cambria Math" panose="02040503050406030204" pitchFamily="18" charset="0"/>
+                            </a:rPr>
+                          </m:ctrlPr>
+                        </m:sSubPr>
+                        <m:e>
+                          <m:r>
+                            <a:rPr lang="pt-BR" sz="2000" b="1" i="1" smtClean="0">
+                              <a:solidFill>
+                                <a:srgbClr val="ED7D31"/>
+                              </a:solidFill>
+                              <a:latin typeface="Cambria Math" panose="02040503050406030204" pitchFamily="18" charset="0"/>
+                            </a:rPr>
+                            <m:t>𝒇</m:t>
+                          </m:r>
+                        </m:e>
+                        <m:sub>
+                          <m:r>
+                            <a:rPr lang="pt-BR" sz="2000" b="1" i="1" smtClean="0">
+                              <a:solidFill>
+                                <a:srgbClr val="ED7D31"/>
+                              </a:solidFill>
+                              <a:latin typeface="Cambria Math" panose="02040503050406030204" pitchFamily="18" charset="0"/>
+                            </a:rPr>
+                            <m:t>𝒏</m:t>
+                          </m:r>
+                        </m:sub>
+                      </m:sSub>
+                      <m:acc>
+                        <m:accPr>
+                          <m:chr m:val="̂"/>
+                          <m:ctrlPr>
+                            <a:rPr lang="pt-BR" sz="2000" b="1" i="1" smtClean="0">
+                              <a:solidFill>
+                                <a:srgbClr val="ED7D31"/>
+                              </a:solidFill>
+                              <a:latin typeface="Cambria Math" panose="02040503050406030204" pitchFamily="18" charset="0"/>
+                            </a:rPr>
+                          </m:ctrlPr>
+                        </m:accPr>
+                        <m:e>
+                          <m:r>
+                            <a:rPr lang="pt-BR" sz="2000" b="1" i="1" smtClean="0">
+                              <a:solidFill>
+                                <a:srgbClr val="ED7D31"/>
+                              </a:solidFill>
+                              <a:latin typeface="Cambria Math" panose="02040503050406030204" pitchFamily="18" charset="0"/>
+                            </a:rPr>
+                            <m:t>𝒏</m:t>
+                          </m:r>
+                        </m:e>
+                      </m:acc>
+                      <m:r>
+                        <a:rPr lang="pt-BR" sz="2000" b="0" i="1" smtClean="0">
+                          <a:solidFill>
+                            <a:srgbClr val="ED7D31"/>
+                          </a:solidFill>
+                          <a:latin typeface="Cambria Math" panose="02040503050406030204" pitchFamily="18" charset="0"/>
+                        </a:rPr>
+                        <m:t>:</m:t>
+                      </m:r>
+                      <m:r>
+                        <a:rPr lang="pt-BR" sz="2000" b="0" i="1" smtClean="0">
+                          <a:solidFill>
+                            <a:srgbClr val="ED7D31"/>
+                          </a:solidFill>
+                          <a:latin typeface="Cambria Math" panose="02040503050406030204" pitchFamily="18" charset="0"/>
+                        </a:rPr>
+                        <m:t>𝑐𝑜𝑚𝑝𝑜𝑛𝑒𝑛𝑡𝑒</m:t>
+                      </m:r>
+                      <m:r>
+                        <a:rPr lang="pt-BR" sz="2000" b="0" i="1" smtClean="0">
+                          <a:solidFill>
+                            <a:srgbClr val="ED7D31"/>
+                          </a:solidFill>
+                          <a:latin typeface="Cambria Math" panose="02040503050406030204" pitchFamily="18" charset="0"/>
+                        </a:rPr>
+                        <m:t> </m:t>
+                      </m:r>
+                      <m:r>
+                        <a:rPr lang="pt-BR" sz="2000" b="0" i="1" smtClean="0">
+                          <a:solidFill>
+                            <a:srgbClr val="ED7D31"/>
+                          </a:solidFill>
+                          <a:latin typeface="Cambria Math" panose="02040503050406030204" pitchFamily="18" charset="0"/>
+                        </a:rPr>
+                        <m:t>𝑑𝑒</m:t>
+                      </m:r>
+                      <m:r>
+                        <a:rPr lang="pt-BR" sz="2000" b="0" i="1" smtClean="0">
+                          <a:solidFill>
+                            <a:srgbClr val="ED7D31"/>
+                          </a:solidFill>
+                          <a:latin typeface="Cambria Math" panose="02040503050406030204" pitchFamily="18" charset="0"/>
+                        </a:rPr>
+                        <m:t> </m:t>
+                      </m:r>
+                      <m:acc>
+                        <m:accPr>
+                          <m:chr m:val="⃗"/>
+                          <m:ctrlPr>
+                            <a:rPr lang="pt-BR" sz="2000" i="1" smtClean="0">
+                              <a:solidFill>
+                                <a:srgbClr val="ED7D31"/>
+                              </a:solidFill>
+                              <a:latin typeface="Cambria Math" panose="02040503050406030204" pitchFamily="18" charset="0"/>
+                            </a:rPr>
+                          </m:ctrlPr>
+                        </m:accPr>
+                        <m:e>
+                          <m:r>
+                            <a:rPr lang="pt-BR" sz="2000" b="0" i="1" smtClean="0">
+                              <a:solidFill>
+                                <a:srgbClr val="ED7D31"/>
+                              </a:solidFill>
+                              <a:latin typeface="Cambria Math" panose="02040503050406030204" pitchFamily="18" charset="0"/>
+                            </a:rPr>
+                            <m:t>𝑓</m:t>
+                          </m:r>
+                        </m:e>
+                      </m:acc>
+                      <m:r>
+                        <a:rPr lang="pt-BR" sz="2000" b="0" i="1" smtClean="0">
+                          <a:solidFill>
+                            <a:srgbClr val="ED7D31"/>
+                          </a:solidFill>
+                          <a:latin typeface="Cambria Math" panose="02040503050406030204" pitchFamily="18" charset="0"/>
+                        </a:rPr>
+                        <m:t> </m:t>
+                      </m:r>
+                      <m:r>
+                        <a:rPr lang="pt-BR" sz="2000" b="0" i="1" smtClean="0">
+                          <a:solidFill>
+                            <a:srgbClr val="ED7D31"/>
+                          </a:solidFill>
+                          <a:latin typeface="Cambria Math" panose="02040503050406030204" pitchFamily="18" charset="0"/>
+                        </a:rPr>
+                        <m:t>𝑒𝑚</m:t>
+                      </m:r>
+                      <m:r>
+                        <a:rPr lang="pt-BR" sz="2000" b="0" i="1" smtClean="0">
+                          <a:solidFill>
+                            <a:srgbClr val="ED7D31"/>
+                          </a:solidFill>
+                          <a:latin typeface="Cambria Math" panose="02040503050406030204" pitchFamily="18" charset="0"/>
+                        </a:rPr>
+                        <m:t> </m:t>
+                      </m:r>
+                      <m:acc>
+                        <m:accPr>
+                          <m:chr m:val="̂"/>
+                          <m:ctrlPr>
+                            <a:rPr lang="pt-BR" sz="2000" i="1" smtClean="0">
+                              <a:solidFill>
+                                <a:srgbClr val="ED7D31"/>
+                              </a:solidFill>
+                              <a:latin typeface="Cambria Math" panose="02040503050406030204" pitchFamily="18" charset="0"/>
+                            </a:rPr>
+                          </m:ctrlPr>
+                        </m:accPr>
+                        <m:e>
+                          <m:r>
+                            <a:rPr lang="pt-BR" sz="2000" b="0" i="1" smtClean="0">
+                              <a:solidFill>
+                                <a:srgbClr val="ED7D31"/>
+                              </a:solidFill>
+                              <a:latin typeface="Cambria Math" panose="02040503050406030204" pitchFamily="18" charset="0"/>
+                            </a:rPr>
+                            <m:t>𝑛</m:t>
+                          </m:r>
+                        </m:e>
+                      </m:acc>
+                    </m:oMath>
+                  </m:oMathPara>
+                </a14:m>
+                <a:endParaRPr lang="pt-BR" sz="2000" i="1" dirty="0">
+                  <a:latin typeface="Cambria Math" panose="02040503050406030204" pitchFamily="18" charset="0"/>
+                </a:endParaRPr>
+              </a:p>
+              <a:p>
+                <a:pPr>
+                  <a:lnSpc>
+                    <a:spcPct val="120000"/>
+                  </a:lnSpc>
+                </a:pPr>
+                <a14:m>
+                  <m:oMathPara xmlns:m="http://schemas.openxmlformats.org/officeDocument/2006/math">
+                    <m:oMathParaPr>
+                      <m:jc m:val="centerGroup"/>
+                    </m:oMathParaPr>
+                    <m:oMath xmlns:m="http://schemas.openxmlformats.org/officeDocument/2006/math">
+                      <m:r>
+                        <a:rPr lang="pt-BR" sz="2000" b="1" i="1" smtClean="0">
+                          <a:solidFill>
+                            <a:srgbClr val="002060"/>
+                          </a:solidFill>
+                          <a:latin typeface="Cambria Math" panose="02040503050406030204" pitchFamily="18" charset="0"/>
+                        </a:rPr>
+                        <m:t>𝑴</m:t>
+                      </m:r>
+                      <m:acc>
+                        <m:accPr>
+                          <m:chr m:val="⃗"/>
+                          <m:ctrlPr>
+                            <a:rPr lang="pt-BR" sz="2000" b="1" i="1" smtClean="0">
+                              <a:solidFill>
+                                <a:srgbClr val="002060"/>
+                              </a:solidFill>
+                              <a:latin typeface="Cambria Math" panose="02040503050406030204" pitchFamily="18" charset="0"/>
+                            </a:rPr>
+                          </m:ctrlPr>
+                        </m:accPr>
+                        <m:e>
+                          <m:r>
+                            <a:rPr lang="pt-BR" sz="2000" b="1" i="1" smtClean="0">
+                              <a:solidFill>
+                                <a:srgbClr val="002060"/>
+                              </a:solidFill>
+                              <a:latin typeface="Cambria Math" panose="02040503050406030204" pitchFamily="18" charset="0"/>
+                            </a:rPr>
+                            <m:t>𝒈</m:t>
+                          </m:r>
+                        </m:e>
+                      </m:acc>
+                      <m:r>
+                        <a:rPr lang="pt-BR" sz="2000" b="0" i="1" smtClean="0">
+                          <a:solidFill>
+                            <a:srgbClr val="002060"/>
+                          </a:solidFill>
+                          <a:latin typeface="Cambria Math" panose="02040503050406030204" pitchFamily="18" charset="0"/>
+                        </a:rPr>
+                        <m:t>:</m:t>
+                      </m:r>
+                      <m:r>
+                        <a:rPr lang="pt-BR" sz="2000" b="0" i="1" smtClean="0">
+                          <a:solidFill>
+                            <a:srgbClr val="002060"/>
+                          </a:solidFill>
+                          <a:latin typeface="Cambria Math" panose="02040503050406030204" pitchFamily="18" charset="0"/>
+                        </a:rPr>
+                        <m:t>𝑓𝑜𝑟</m:t>
+                      </m:r>
+                      <m:r>
+                        <a:rPr lang="pt-BR" sz="2000" b="0" i="1" smtClean="0">
+                          <a:solidFill>
+                            <a:srgbClr val="002060"/>
+                          </a:solidFill>
+                          <a:latin typeface="Cambria Math" panose="02040503050406030204" pitchFamily="18" charset="0"/>
+                        </a:rPr>
+                        <m:t>ç</m:t>
+                      </m:r>
+                      <m:r>
+                        <a:rPr lang="pt-BR" sz="2000" b="0" i="1" smtClean="0">
+                          <a:solidFill>
+                            <a:srgbClr val="002060"/>
+                          </a:solidFill>
+                          <a:latin typeface="Cambria Math" panose="02040503050406030204" pitchFamily="18" charset="0"/>
+                        </a:rPr>
+                        <m:t>𝑎</m:t>
+                      </m:r>
+                      <m:r>
+                        <a:rPr lang="pt-BR" sz="2000" b="0" i="1" smtClean="0">
+                          <a:solidFill>
+                            <a:srgbClr val="002060"/>
+                          </a:solidFill>
+                          <a:latin typeface="Cambria Math" panose="02040503050406030204" pitchFamily="18" charset="0"/>
+                        </a:rPr>
+                        <m:t> </m:t>
+                      </m:r>
+                      <m:r>
+                        <a:rPr lang="pt-BR" sz="2000" b="0" i="1" smtClean="0">
+                          <a:solidFill>
+                            <a:srgbClr val="002060"/>
+                          </a:solidFill>
+                          <a:latin typeface="Cambria Math" panose="02040503050406030204" pitchFamily="18" charset="0"/>
+                        </a:rPr>
+                        <m:t>𝑝𝑒𝑠𝑜</m:t>
+                      </m:r>
+                    </m:oMath>
+                  </m:oMathPara>
+                </a14:m>
+                <a:endParaRPr lang="pt-BR" sz="2000" dirty="0">
+                  <a:solidFill>
+                    <a:srgbClr val="002060"/>
+                  </a:solidFill>
+                </a:endParaRPr>
+              </a:p>
+            </p:txBody>
+          </p:sp>
+        </mc:Choice>
+        <mc:Fallback>
+          <p:sp>
+            <p:nvSpPr>
+              <p:cNvPr id="26" name="CaixaDeTexto 25">
+                <a:extLst>
+                  <a:ext uri="{FF2B5EF4-FFF2-40B4-BE49-F238E27FC236}">
+                    <a16:creationId xmlns:a16="http://schemas.microsoft.com/office/drawing/2014/main" id="{1B5A6FD0-6ED5-A8EA-6B76-FE87517B8138}"/>
+                  </a:ext>
+                </a:extLst>
+              </p:cNvPr>
+              <p:cNvSpPr txBox="1">
+                <a:spLocks noRot="1" noChangeAspect="1" noMove="1" noResize="1" noEditPoints="1" noAdjustHandles="1" noChangeArrowheads="1" noChangeShapeType="1" noTextEdit="1"/>
+              </p:cNvSpPr>
+              <p:nvPr/>
+            </p:nvSpPr>
+            <p:spPr>
+              <a:xfrm>
+                <a:off x="5119230" y="2808363"/>
+                <a:ext cx="3420000" cy="2160000"/>
+              </a:xfrm>
+              <a:prstGeom prst="rect">
+                <a:avLst/>
+              </a:prstGeom>
+              <a:blipFill>
+                <a:blip r:embed="rId9"/>
+                <a:stretch>
+                  <a:fillRect b="-1401"/>
+                </a:stretch>
+              </a:blipFill>
+              <a:ln w="19050">
+                <a:solidFill>
+                  <a:schemeClr val="tx1"/>
+                </a:solidFill>
+              </a:ln>
+            </p:spPr>
+            <p:txBody>
+              <a:bodyPr/>
+              <a:lstStyle/>
+              <a:p>
+                <a:r>
+                  <a:rPr lang="pt-BR">
+                    <a:noFill/>
+                  </a:rPr>
+                  <a:t> </a:t>
+                </a:r>
+              </a:p>
+            </p:txBody>
+          </p:sp>
+        </mc:Fallback>
+      </mc:AlternateContent>
     </p:spTree>
     <p:extLst>
       <p:ext uri="{BB962C8B-B14F-4D97-AF65-F5344CB8AC3E}">
-        <p14:creationId xmlns:p14="http://schemas.microsoft.com/office/powerpoint/2010/main" val="1409460055"/>
+        <p14:creationId xmlns:p14="http://schemas.microsoft.com/office/powerpoint/2010/main" val="2315257501"/>
       </p:ext>
     </p:extLst>
   </p:cSld>
   <p:clrMapOvr>
     <a:masterClrMapping/>
   </p:clrMapOvr>
+  <p:timing>
+    <p:tnLst>
+      <p:par>
+        <p:cTn id="1" dur="indefinite" restart="never" nodeType="tmRoot">
+          <p:childTnLst>
+            <p:seq concurrent="1" nextAc="seek">
+              <p:cTn id="2" dur="indefinite" nodeType="mainSeq">
+                <p:childTnLst>
+                  <p:par>
+                    <p:cTn id="3" fill="hold">
+                      <p:stCondLst>
+                        <p:cond delay="indefinite"/>
+                      </p:stCondLst>
+                      <p:childTnLst>
+                        <p:par>
+                          <p:cTn id="4" fill="hold">
+                            <p:stCondLst>
+                              <p:cond delay="0"/>
+                            </p:stCondLst>
+                            <p:childTnLst>
+                              <p:par>
+                                <p:cTn id="5" presetID="1" presetClass="entr" presetSubtype="0" fill="hold" nodeType="clickEffect">
+                                  <p:stCondLst>
+                                    <p:cond delay="0"/>
+                                  </p:stCondLst>
+                                  <p:childTnLst>
+                                    <p:set>
+                                      <p:cBhvr>
+                                        <p:cTn id="6" dur="1" fill="hold">
+                                          <p:stCondLst>
+                                            <p:cond delay="0"/>
+                                          </p:stCondLst>
+                                        </p:cTn>
+                                        <p:tgtEl>
+                                          <p:spTgt spid="26">
+                                            <p:txEl>
+                                              <p:pRg st="0" end="0"/>
+                                            </p:txEl>
+                                          </p:spTgt>
+                                        </p:tgtEl>
+                                        <p:attrNameLst>
+                                          <p:attrName>style.visibility</p:attrName>
+                                        </p:attrNameLst>
+                                      </p:cBhvr>
+                                      <p:to>
+                                        <p:strVal val="visible"/>
+                                      </p:to>
+                                    </p:set>
+                                  </p:childTnLst>
+                                </p:cTn>
+                              </p:par>
+                            </p:childTnLst>
+                          </p:cTn>
+                        </p:par>
+                      </p:childTnLst>
+                    </p:cTn>
+                  </p:par>
+                  <p:par>
+                    <p:cTn id="7" fill="hold">
+                      <p:stCondLst>
+                        <p:cond delay="indefinite"/>
+                      </p:stCondLst>
+                      <p:childTnLst>
+                        <p:par>
+                          <p:cTn id="8" fill="hold">
+                            <p:stCondLst>
+                              <p:cond delay="0"/>
+                            </p:stCondLst>
+                            <p:childTnLst>
+                              <p:par>
+                                <p:cTn id="9" presetID="1" presetClass="entr" presetSubtype="0" fill="hold" nodeType="clickEffect">
+                                  <p:stCondLst>
+                                    <p:cond delay="0"/>
+                                  </p:stCondLst>
+                                  <p:childTnLst>
+                                    <p:set>
+                                      <p:cBhvr>
+                                        <p:cTn id="10" dur="1" fill="hold">
+                                          <p:stCondLst>
+                                            <p:cond delay="0"/>
+                                          </p:stCondLst>
+                                        </p:cTn>
+                                        <p:tgtEl>
+                                          <p:spTgt spid="26">
+                                            <p:txEl>
+                                              <p:pRg st="1" end="1"/>
+                                            </p:txEl>
+                                          </p:spTgt>
+                                        </p:tgtEl>
+                                        <p:attrNameLst>
+                                          <p:attrName>style.visibility</p:attrName>
+                                        </p:attrNameLst>
+                                      </p:cBhvr>
+                                      <p:to>
+                                        <p:strVal val="visible"/>
+                                      </p:to>
+                                    </p:set>
+                                  </p:childTnLst>
+                                </p:cTn>
+                              </p:par>
+                              <p:par>
+                                <p:cTn id="11" presetID="1" presetClass="entr" presetSubtype="0" fill="hold" nodeType="withEffect">
+                                  <p:stCondLst>
+                                    <p:cond delay="0"/>
+                                  </p:stCondLst>
+                                  <p:childTnLst>
+                                    <p:set>
+                                      <p:cBhvr>
+                                        <p:cTn id="12" dur="1" fill="hold">
+                                          <p:stCondLst>
+                                            <p:cond delay="0"/>
+                                          </p:stCondLst>
+                                        </p:cTn>
+                                        <p:tgtEl>
+                                          <p:spTgt spid="26">
+                                            <p:txEl>
+                                              <p:pRg st="2" end="2"/>
+                                            </p:txEl>
+                                          </p:spTgt>
+                                        </p:tgtEl>
+                                        <p:attrNameLst>
+                                          <p:attrName>style.visibility</p:attrName>
+                                        </p:attrNameLst>
+                                      </p:cBhvr>
+                                      <p:to>
+                                        <p:strVal val="visible"/>
+                                      </p:to>
+                                    </p:set>
+                                  </p:childTnLst>
+                                </p:cTn>
+                              </p:par>
+                            </p:childTnLst>
+                          </p:cTn>
+                        </p:par>
+                      </p:childTnLst>
+                    </p:cTn>
+                  </p:par>
+                  <p:par>
+                    <p:cTn id="13" fill="hold">
+                      <p:stCondLst>
+                        <p:cond delay="indefinite"/>
+                      </p:stCondLst>
+                      <p:childTnLst>
+                        <p:par>
+                          <p:cTn id="14" fill="hold">
+                            <p:stCondLst>
+                              <p:cond delay="0"/>
+                            </p:stCondLst>
+                            <p:childTnLst>
+                              <p:par>
+                                <p:cTn id="15" presetID="1" presetClass="entr" presetSubtype="0" fill="hold" nodeType="clickEffect">
+                                  <p:stCondLst>
+                                    <p:cond delay="0"/>
+                                  </p:stCondLst>
+                                  <p:childTnLst>
+                                    <p:set>
+                                      <p:cBhvr>
+                                        <p:cTn id="16" dur="1" fill="hold">
+                                          <p:stCondLst>
+                                            <p:cond delay="0"/>
+                                          </p:stCondLst>
+                                        </p:cTn>
+                                        <p:tgtEl>
+                                          <p:spTgt spid="26">
+                                            <p:txEl>
+                                              <p:pRg st="3" end="3"/>
+                                            </p:txEl>
+                                          </p:spTgt>
+                                        </p:tgtEl>
+                                        <p:attrNameLst>
+                                          <p:attrName>style.visibility</p:attrName>
+                                        </p:attrNameLst>
+                                      </p:cBhvr>
+                                      <p:to>
+                                        <p:strVal val="visible"/>
+                                      </p:to>
+                                    </p:set>
+                                  </p:childTnLst>
+                                </p:cTn>
+                              </p:par>
+                            </p:childTnLst>
+                          </p:cTn>
+                        </p:par>
+                      </p:childTnLst>
+                    </p:cTn>
+                  </p:par>
+                </p:childTnLst>
+              </p:cTn>
+              <p:prevCondLst>
+                <p:cond evt="onPrev" delay="0">
+                  <p:tgtEl>
+                    <p:sldTgt/>
+                  </p:tgtEl>
+                </p:cond>
+              </p:prevCondLst>
+              <p:nextCondLst>
+                <p:cond evt="onNext" delay="0">
+                  <p:tgtEl>
+                    <p:sldTgt/>
+                  </p:tgtEl>
+                </p:cond>
+              </p:nextCondLst>
+            </p:seq>
+          </p:childTnLst>
+        </p:cTn>
+      </p:par>
+    </p:tnLst>
+  </p:timing>
 </p:sld>
 </file>
 
